--- a/big-data/lecture06.pptx
+++ b/big-data/lecture06.pptx
@@ -18273,13 +18273,7 @@
                       <a:rPr lang="en-US" b="0" i="1" dirty="0" smtClean="0">
                         <a:latin typeface="Cambria Math"/>
                       </a:rPr>
-                      <m:t>=</m:t>
-                    </m:r>
-                    <m:r>
-                      <a:rPr lang="en-US" b="0" i="1" dirty="0" smtClean="0">
-                        <a:latin typeface="Cambria Math"/>
-                      </a:rPr>
-                      <m:t>1</m:t>
+                      <m:t>=1</m:t>
                     </m:r>
                   </m:oMath>
                 </a14:m>
@@ -18385,6 +18379,12 @@
                       <a:rPr lang="en-US" b="0" i="1" dirty="0" smtClean="0">
                         <a:latin typeface="Cambria Math"/>
                       </a:rPr>
+                      <m:t>−</m:t>
+                    </m:r>
+                    <m:r>
+                      <a:rPr lang="en-US" b="0" i="1" dirty="0" smtClean="0">
+                        <a:latin typeface="Cambria Math"/>
+                      </a:rPr>
                       <m:t>1</m:t>
                     </m:r>
                   </m:oMath>
@@ -18393,13 +18393,17 @@
                   <a:rPr lang="en-US" dirty="0" smtClean="0"/>
                   <a:t> if </a:t>
                 </a:r>
+                <a:r>
+                  <a:rPr lang="en-US" dirty="0" smtClean="0"/>
+                  <a:t>j</a:t>
+                </a:r>
                 <a14:m>
                   <m:oMath xmlns:m="http://schemas.openxmlformats.org/officeDocument/2006/math">
                     <m:r>
-                      <a:rPr lang="en-US" b="0" i="1" smtClean="0">
+                      <a:rPr lang="en-US" b="0" i="0" smtClean="0">
                         <a:latin typeface="Cambria Math"/>
                       </a:rPr>
-                      <m:t>𝑖</m:t>
+                      <m:t> </m:t>
                     </m:r>
                     <m:r>
                       <a:rPr lang="en-US" b="0" i="1" smtClean="0">
@@ -18411,7 +18415,7 @@
                       <a:rPr lang="en-US" b="0" i="1" smtClean="0">
                         <a:latin typeface="Cambria Math"/>
                       </a:rPr>
-                      <m:t>𝑗</m:t>
+                      <m:t>𝑖</m:t>
                     </m:r>
                   </m:oMath>
                 </a14:m>
@@ -18486,67 +18490,7 @@
                             <a:rPr lang="en-US" b="0" i="1" smtClean="0">
                               <a:latin typeface="Cambria Math"/>
                             </a:rPr>
-                            <m:t>1</m:t>
-                          </m:r>
-                          <m:r>
-                            <a:rPr lang="en-US" b="0" i="1" smtClean="0">
-                              <a:latin typeface="Cambria Math"/>
-                            </a:rPr>
-                            <m:t>, </m:t>
-                          </m:r>
-                          <m:r>
-                            <a:rPr lang="en-US" b="0" i="1" smtClean="0">
-                              <a:latin typeface="Cambria Math"/>
-                            </a:rPr>
-                            <m:t>1</m:t>
-                          </m:r>
-                          <m:r>
-                            <a:rPr lang="en-US" b="0" i="1" smtClean="0">
-                              <a:latin typeface="Cambria Math"/>
-                            </a:rPr>
-                            <m:t>, </m:t>
-                          </m:r>
-                          <m:r>
-                            <a:rPr lang="en-US" b="0" i="1" smtClean="0">
-                              <a:latin typeface="Cambria Math"/>
-                            </a:rPr>
-                            <m:t>1</m:t>
-                          </m:r>
-                          <m:r>
-                            <a:rPr lang="en-US" b="0" i="1" smtClean="0">
-                              <a:latin typeface="Cambria Math"/>
-                            </a:rPr>
-                            <m:t>, </m:t>
-                          </m:r>
-                          <m:r>
-                            <a:rPr lang="en-US" b="0" i="1" smtClean="0">
-                              <a:latin typeface="Cambria Math"/>
-                            </a:rPr>
-                            <m:t>1</m:t>
-                          </m:r>
-                          <m:r>
-                            <a:rPr lang="en-US" b="0" i="1" smtClean="0">
-                              <a:latin typeface="Cambria Math"/>
-                            </a:rPr>
-                            <m:t>, </m:t>
-                          </m:r>
-                          <m:r>
-                            <a:rPr lang="en-US" b="0" i="1" smtClean="0">
-                              <a:latin typeface="Cambria Math"/>
-                            </a:rPr>
-                            <m:t>0</m:t>
-                          </m:r>
-                          <m:r>
-                            <a:rPr lang="en-US" b="0" i="1" smtClean="0">
-                              <a:latin typeface="Cambria Math"/>
-                            </a:rPr>
-                            <m:t>, …,</m:t>
-                          </m:r>
-                          <m:r>
-                            <a:rPr lang="en-US" b="0" i="1" smtClean="0">
-                              <a:latin typeface="Cambria Math"/>
-                            </a:rPr>
-                            <m:t>0</m:t>
+                            <m:t>1, 1, 1, 1, 0, …,0</m:t>
                           </m:r>
                         </m:e>
                       </m:d>
@@ -18609,121 +18553,7 @@
                             <a:rPr lang="en-US" b="0" i="1" smtClean="0">
                               <a:latin typeface="Cambria Math"/>
                             </a:rPr>
-                            <m:t>−</m:t>
-                          </m:r>
-                          <m:r>
-                            <a:rPr lang="en-US" b="0" i="1" smtClean="0">
-                              <a:latin typeface="Cambria Math"/>
-                            </a:rPr>
-                            <m:t>1</m:t>
-                          </m:r>
-                          <m:r>
-                            <a:rPr lang="en-US" b="0" i="1" smtClean="0">
-                              <a:latin typeface="Cambria Math"/>
-                            </a:rPr>
-                            <m:t>, </m:t>
-                          </m:r>
-                          <m:r>
-                            <a:rPr lang="en-US" b="0" i="1" smtClean="0">
-                              <a:latin typeface="Cambria Math"/>
-                            </a:rPr>
-                            <m:t>0</m:t>
-                          </m:r>
-                          <m:r>
-                            <a:rPr lang="en-US" b="0" i="1" smtClean="0">
-                              <a:latin typeface="Cambria Math"/>
-                            </a:rPr>
-                            <m:t>, </m:t>
-                          </m:r>
-                          <m:r>
-                            <a:rPr lang="en-US" b="0" i="1" smtClean="0">
-                              <a:latin typeface="Cambria Math"/>
-                            </a:rPr>
-                            <m:t>0</m:t>
-                          </m:r>
-                          <m:r>
-                            <a:rPr lang="en-US" b="0" i="1" smtClean="0">
-                              <a:latin typeface="Cambria Math"/>
-                            </a:rPr>
-                            <m:t>, </m:t>
-                          </m:r>
-                          <m:r>
-                            <a:rPr lang="en-US" b="0" i="1" smtClean="0">
-                              <a:latin typeface="Cambria Math"/>
-                            </a:rPr>
-                            <m:t>0</m:t>
-                          </m:r>
-                          <m:r>
-                            <a:rPr lang="en-US" b="0" i="1" smtClean="0">
-                              <a:latin typeface="Cambria Math"/>
-                            </a:rPr>
-                            <m:t>, </m:t>
-                          </m:r>
-                          <m:r>
-                            <a:rPr lang="en-US" b="0" i="1" smtClean="0">
-                              <a:latin typeface="Cambria Math"/>
-                            </a:rPr>
-                            <m:t>0</m:t>
-                          </m:r>
-                          <m:r>
-                            <a:rPr lang="en-US" b="0" i="1" smtClean="0">
-                              <a:latin typeface="Cambria Math"/>
-                            </a:rPr>
-                            <m:t>, </m:t>
-                          </m:r>
-                          <m:r>
-                            <a:rPr lang="en-US" b="0" i="1" smtClean="0">
-                              <a:latin typeface="Cambria Math"/>
-                            </a:rPr>
-                            <m:t>0</m:t>
-                          </m:r>
-                          <m:r>
-                            <a:rPr lang="en-US" b="0" i="1" smtClean="0">
-                              <a:latin typeface="Cambria Math"/>
-                            </a:rPr>
-                            <m:t>, </m:t>
-                          </m:r>
-                          <m:r>
-                            <a:rPr lang="en-US" b="0" i="1" smtClean="0">
-                              <a:latin typeface="Cambria Math"/>
-                            </a:rPr>
-                            <m:t>1</m:t>
-                          </m:r>
-                          <m:r>
-                            <a:rPr lang="en-US" b="0" i="1" smtClean="0">
-                              <a:latin typeface="Cambria Math"/>
-                            </a:rPr>
-                            <m:t>, </m:t>
-                          </m:r>
-                          <m:r>
-                            <a:rPr lang="en-US" b="0" i="1" smtClean="0">
-                              <a:latin typeface="Cambria Math"/>
-                            </a:rPr>
-                            <m:t>0</m:t>
-                          </m:r>
-                          <m:r>
-                            <a:rPr lang="en-US" b="0" i="1" smtClean="0">
-                              <a:latin typeface="Cambria Math"/>
-                            </a:rPr>
-                            <m:t>, </m:t>
-                          </m:r>
-                          <m:r>
-                            <a:rPr lang="en-US" b="0" i="1" smtClean="0">
-                              <a:latin typeface="Cambria Math"/>
-                            </a:rPr>
-                            <m:t>1</m:t>
-                          </m:r>
-                          <m:r>
-                            <a:rPr lang="en-US" b="0" i="1" smtClean="0">
-                              <a:latin typeface="Cambria Math"/>
-                            </a:rPr>
-                            <m:t>, …, </m:t>
-                          </m:r>
-                          <m:r>
-                            <a:rPr lang="en-US" b="0" i="1" smtClean="0">
-                              <a:latin typeface="Cambria Math"/>
-                            </a:rPr>
-                            <m:t>0</m:t>
+                            <m:t>−1, 0, 0, 0, 0, 0, 1, 0, 1, …, 0</m:t>
                           </m:r>
                         </m:e>
                       </m:d>
@@ -19802,19 +19632,7 @@
                             <a:rPr lang="en-US" sz="1300" b="0" i="1" smtClean="0">
                               <a:latin typeface="Cambria Math"/>
                             </a:rPr>
-                            <m:t>1</m:t>
-                          </m:r>
-                          <m:r>
-                            <a:rPr lang="en-US" sz="1300" b="0" i="1" smtClean="0">
-                              <a:latin typeface="Cambria Math"/>
-                            </a:rPr>
-                            <m:t>,</m:t>
-                          </m:r>
-                          <m:r>
-                            <a:rPr lang="en-US" sz="1300" b="0" i="1" smtClean="0">
-                              <a:latin typeface="Cambria Math"/>
-                            </a:rPr>
-                            <m:t>2</m:t>
+                            <m:t>1,2</m:t>
                           </m:r>
                         </m:e>
                       </m:d>
@@ -19839,19 +19657,7 @@
                             <a:rPr lang="en-US" sz="1300" b="0" i="1" smtClean="0">
                               <a:latin typeface="Cambria Math"/>
                             </a:rPr>
-                            <m:t>1</m:t>
-                          </m:r>
-                          <m:r>
-                            <a:rPr lang="en-US" sz="1300" b="0" i="1" smtClean="0">
-                              <a:latin typeface="Cambria Math"/>
-                            </a:rPr>
-                            <m:t>,</m:t>
-                          </m:r>
-                          <m:r>
-                            <a:rPr lang="en-US" sz="1300" b="0" i="1" smtClean="0">
-                              <a:latin typeface="Cambria Math"/>
-                            </a:rPr>
-                            <m:t>3</m:t>
+                            <m:t>1,3</m:t>
                           </m:r>
                         </m:e>
                       </m:d>
@@ -19876,19 +19682,7 @@
                             <a:rPr lang="en-US" sz="1300" b="0" i="1" smtClean="0">
                               <a:latin typeface="Cambria Math"/>
                             </a:rPr>
-                            <m:t>1</m:t>
-                          </m:r>
-                          <m:r>
-                            <a:rPr lang="en-US" sz="1300" b="0" i="1" smtClean="0">
-                              <a:latin typeface="Cambria Math"/>
-                            </a:rPr>
-                            <m:t>,</m:t>
-                          </m:r>
-                          <m:r>
-                            <a:rPr lang="en-US" sz="1300" b="0" i="1" smtClean="0">
-                              <a:latin typeface="Cambria Math"/>
-                            </a:rPr>
-                            <m:t>4</m:t>
+                            <m:t>1,4</m:t>
                           </m:r>
                         </m:e>
                       </m:d>
@@ -19913,19 +19707,7 @@
                             <a:rPr lang="en-US" sz="1300" b="0" i="1" smtClean="0">
                               <a:latin typeface="Cambria Math"/>
                             </a:rPr>
-                            <m:t>1</m:t>
-                          </m:r>
-                          <m:r>
-                            <a:rPr lang="en-US" sz="1300" b="0" i="1" smtClean="0">
-                              <a:latin typeface="Cambria Math"/>
-                            </a:rPr>
-                            <m:t>,</m:t>
-                          </m:r>
-                          <m:r>
-                            <a:rPr lang="en-US" sz="1300" b="0" i="1" smtClean="0">
-                              <a:latin typeface="Cambria Math"/>
-                            </a:rPr>
-                            <m:t>5</m:t>
+                            <m:t>1,5</m:t>
                           </m:r>
                         </m:e>
                       </m:d>
@@ -19950,19 +19732,7 @@
                             <a:rPr lang="en-US" sz="1300" b="0" i="1" smtClean="0">
                               <a:latin typeface="Cambria Math"/>
                             </a:rPr>
-                            <m:t>1</m:t>
-                          </m:r>
-                          <m:r>
-                            <a:rPr lang="en-US" sz="1300" b="0" i="1" smtClean="0">
-                              <a:latin typeface="Cambria Math"/>
-                            </a:rPr>
-                            <m:t>,</m:t>
-                          </m:r>
-                          <m:r>
-                            <a:rPr lang="en-US" sz="1300" b="0" i="1" smtClean="0">
-                              <a:latin typeface="Cambria Math"/>
-                            </a:rPr>
-                            <m:t>6</m:t>
+                            <m:t>1,6</m:t>
                           </m:r>
                         </m:e>
                       </m:d>
@@ -19987,19 +19757,7 @@
                             <a:rPr lang="en-US" sz="1300" b="0" i="1" smtClean="0">
                               <a:latin typeface="Cambria Math"/>
                             </a:rPr>
-                            <m:t>1</m:t>
-                          </m:r>
-                          <m:r>
-                            <a:rPr lang="en-US" sz="1300" b="0" i="1" smtClean="0">
-                              <a:latin typeface="Cambria Math"/>
-                            </a:rPr>
-                            <m:t>,</m:t>
-                          </m:r>
-                          <m:r>
-                            <a:rPr lang="en-US" sz="1300" b="0" i="1" smtClean="0">
-                              <a:latin typeface="Cambria Math"/>
-                            </a:rPr>
-                            <m:t>7</m:t>
+                            <m:t>1,7</m:t>
                           </m:r>
                         </m:e>
                       </m:d>
@@ -20024,19 +19782,7 @@
                             <a:rPr lang="en-US" sz="1300" b="0" i="1" smtClean="0">
                               <a:latin typeface="Cambria Math"/>
                             </a:rPr>
-                            <m:t>2</m:t>
-                          </m:r>
-                          <m:r>
-                            <a:rPr lang="en-US" sz="1300" b="0" i="1" smtClean="0">
-                              <a:latin typeface="Cambria Math"/>
-                            </a:rPr>
-                            <m:t>,</m:t>
-                          </m:r>
-                          <m:r>
-                            <a:rPr lang="en-US" sz="1300" b="0" i="1" smtClean="0">
-                              <a:latin typeface="Cambria Math"/>
-                            </a:rPr>
-                            <m:t>3</m:t>
+                            <m:t>2,3</m:t>
                           </m:r>
                         </m:e>
                       </m:d>
@@ -20061,19 +19807,7 @@
                             <a:rPr lang="en-US" sz="1300" b="0" i="1" smtClean="0">
                               <a:latin typeface="Cambria Math"/>
                             </a:rPr>
-                            <m:t>2</m:t>
-                          </m:r>
-                          <m:r>
-                            <a:rPr lang="en-US" sz="1300" b="0" i="1" smtClean="0">
-                              <a:latin typeface="Cambria Math"/>
-                            </a:rPr>
-                            <m:t>.</m:t>
-                          </m:r>
-                          <m:r>
-                            <a:rPr lang="en-US" sz="1300" b="0" i="1" smtClean="0">
-                              <a:latin typeface="Cambria Math"/>
-                            </a:rPr>
-                            <m:t>4</m:t>
+                            <m:t>2.4</m:t>
                           </m:r>
                         </m:e>
                       </m:d>
@@ -20098,19 +19832,7 @@
                             <a:rPr lang="en-US" sz="1300" b="0" i="1" smtClean="0">
                               <a:latin typeface="Cambria Math"/>
                             </a:rPr>
-                            <m:t>2</m:t>
-                          </m:r>
-                          <m:r>
-                            <a:rPr lang="en-US" sz="1300" b="0" i="1" smtClean="0">
-                              <a:latin typeface="Cambria Math"/>
-                            </a:rPr>
-                            <m:t>,</m:t>
-                          </m:r>
-                          <m:r>
-                            <a:rPr lang="en-US" sz="1300" b="0" i="1" smtClean="0">
-                              <a:latin typeface="Cambria Math"/>
-                            </a:rPr>
-                            <m:t>5</m:t>
+                            <m:t>2,5</m:t>
                           </m:r>
                         </m:e>
                       </m:d>
@@ -20358,7 +20080,7 @@
                             </p:stCondLst>
                             <p:childTnLst>
                               <p:par>
-                                <p:cTn id="17" presetID="1" presetClass="entr" presetSubtype="0" fill="hold" nodeType="clickEffect">
+                                <p:cTn id="17" presetID="1" presetClass="entr" presetSubtype="0" fill="hold" grpId="0" nodeType="clickEffect">
                                   <p:stCondLst>
                                     <p:cond delay="0"/>
                                   </p:stCondLst>
@@ -20366,861 +20088,6 @@
                                     <p:set>
                                       <p:cBhvr>
                                         <p:cTn id="18" dur="1" fill="hold">
-                                          <p:stCondLst>
-                                            <p:cond delay="0"/>
-                                          </p:stCondLst>
-                                        </p:cTn>
-                                        <p:tgtEl>
-                                          <p:spTgt spid="11"/>
-                                        </p:tgtEl>
-                                        <p:attrNameLst>
-                                          <p:attrName>style.visibility</p:attrName>
-                                        </p:attrNameLst>
-                                      </p:cBhvr>
-                                      <p:to>
-                                        <p:strVal val="visible"/>
-                                      </p:to>
-                                    </p:set>
-                                  </p:childTnLst>
-                                </p:cTn>
-                              </p:par>
-                              <p:par>
-                                <p:cTn id="19" presetID="1" presetClass="entr" presetSubtype="0" fill="hold" nodeType="withEffect">
-                                  <p:stCondLst>
-                                    <p:cond delay="0"/>
-                                  </p:stCondLst>
-                                  <p:childTnLst>
-                                    <p:set>
-                                      <p:cBhvr>
-                                        <p:cTn id="20" dur="1" fill="hold">
-                                          <p:stCondLst>
-                                            <p:cond delay="0"/>
-                                          </p:stCondLst>
-                                        </p:cTn>
-                                        <p:tgtEl>
-                                          <p:spTgt spid="12"/>
-                                        </p:tgtEl>
-                                        <p:attrNameLst>
-                                          <p:attrName>style.visibility</p:attrName>
-                                        </p:attrNameLst>
-                                      </p:cBhvr>
-                                      <p:to>
-                                        <p:strVal val="visible"/>
-                                      </p:to>
-                                    </p:set>
-                                  </p:childTnLst>
-                                </p:cTn>
-                              </p:par>
-                              <p:par>
-                                <p:cTn id="21" presetID="1" presetClass="entr" presetSubtype="0" fill="hold" nodeType="withEffect">
-                                  <p:stCondLst>
-                                    <p:cond delay="0"/>
-                                  </p:stCondLst>
-                                  <p:childTnLst>
-                                    <p:set>
-                                      <p:cBhvr>
-                                        <p:cTn id="22" dur="1" fill="hold">
-                                          <p:stCondLst>
-                                            <p:cond delay="0"/>
-                                          </p:stCondLst>
-                                        </p:cTn>
-                                        <p:tgtEl>
-                                          <p:spTgt spid="13"/>
-                                        </p:tgtEl>
-                                        <p:attrNameLst>
-                                          <p:attrName>style.visibility</p:attrName>
-                                        </p:attrNameLst>
-                                      </p:cBhvr>
-                                      <p:to>
-                                        <p:strVal val="visible"/>
-                                      </p:to>
-                                    </p:set>
-                                  </p:childTnLst>
-                                </p:cTn>
-                              </p:par>
-                              <p:par>
-                                <p:cTn id="23" presetID="1" presetClass="entr" presetSubtype="0" fill="hold" nodeType="withEffect">
-                                  <p:stCondLst>
-                                    <p:cond delay="0"/>
-                                  </p:stCondLst>
-                                  <p:childTnLst>
-                                    <p:set>
-                                      <p:cBhvr>
-                                        <p:cTn id="24" dur="1" fill="hold">
-                                          <p:stCondLst>
-                                            <p:cond delay="0"/>
-                                          </p:stCondLst>
-                                        </p:cTn>
-                                        <p:tgtEl>
-                                          <p:spTgt spid="20"/>
-                                        </p:tgtEl>
-                                        <p:attrNameLst>
-                                          <p:attrName>style.visibility</p:attrName>
-                                        </p:attrNameLst>
-                                      </p:cBhvr>
-                                      <p:to>
-                                        <p:strVal val="visible"/>
-                                      </p:to>
-                                    </p:set>
-                                  </p:childTnLst>
-                                </p:cTn>
-                              </p:par>
-                              <p:par>
-                                <p:cTn id="25" presetID="1" presetClass="entr" presetSubtype="0" fill="hold" nodeType="withEffect">
-                                  <p:stCondLst>
-                                    <p:cond delay="0"/>
-                                  </p:stCondLst>
-                                  <p:childTnLst>
-                                    <p:set>
-                                      <p:cBhvr>
-                                        <p:cTn id="26" dur="1" fill="hold">
-                                          <p:stCondLst>
-                                            <p:cond delay="0"/>
-                                          </p:stCondLst>
-                                        </p:cTn>
-                                        <p:tgtEl>
-                                          <p:spTgt spid="15"/>
-                                        </p:tgtEl>
-                                        <p:attrNameLst>
-                                          <p:attrName>style.visibility</p:attrName>
-                                        </p:attrNameLst>
-                                      </p:cBhvr>
-                                      <p:to>
-                                        <p:strVal val="visible"/>
-                                      </p:to>
-                                    </p:set>
-                                  </p:childTnLst>
-                                </p:cTn>
-                              </p:par>
-                              <p:par>
-                                <p:cTn id="27" presetID="1" presetClass="entr" presetSubtype="0" fill="hold" nodeType="withEffect">
-                                  <p:stCondLst>
-                                    <p:cond delay="0"/>
-                                  </p:stCondLst>
-                                  <p:childTnLst>
-                                    <p:set>
-                                      <p:cBhvr>
-                                        <p:cTn id="28" dur="1" fill="hold">
-                                          <p:stCondLst>
-                                            <p:cond delay="0"/>
-                                          </p:stCondLst>
-                                        </p:cTn>
-                                        <p:tgtEl>
-                                          <p:spTgt spid="19"/>
-                                        </p:tgtEl>
-                                        <p:attrNameLst>
-                                          <p:attrName>style.visibility</p:attrName>
-                                        </p:attrNameLst>
-                                      </p:cBhvr>
-                                      <p:to>
-                                        <p:strVal val="visible"/>
-                                      </p:to>
-                                    </p:set>
-                                  </p:childTnLst>
-                                </p:cTn>
-                              </p:par>
-                              <p:par>
-                                <p:cTn id="29" presetID="1" presetClass="entr" presetSubtype="0" fill="hold" nodeType="withEffect">
-                                  <p:stCondLst>
-                                    <p:cond delay="0"/>
-                                  </p:stCondLst>
-                                  <p:childTnLst>
-                                    <p:set>
-                                      <p:cBhvr>
-                                        <p:cTn id="30" dur="1" fill="hold">
-                                          <p:stCondLst>
-                                            <p:cond delay="0"/>
-                                          </p:stCondLst>
-                                        </p:cTn>
-                                        <p:tgtEl>
-                                          <p:spTgt spid="18"/>
-                                        </p:tgtEl>
-                                        <p:attrNameLst>
-                                          <p:attrName>style.visibility</p:attrName>
-                                        </p:attrNameLst>
-                                      </p:cBhvr>
-                                      <p:to>
-                                        <p:strVal val="visible"/>
-                                      </p:to>
-                                    </p:set>
-                                  </p:childTnLst>
-                                </p:cTn>
-                              </p:par>
-                              <p:par>
-                                <p:cTn id="31" presetID="1" presetClass="entr" presetSubtype="0" fill="hold" nodeType="withEffect">
-                                  <p:stCondLst>
-                                    <p:cond delay="0"/>
-                                  </p:stCondLst>
-                                  <p:childTnLst>
-                                    <p:set>
-                                      <p:cBhvr>
-                                        <p:cTn id="32" dur="1" fill="hold">
-                                          <p:stCondLst>
-                                            <p:cond delay="0"/>
-                                          </p:stCondLst>
-                                        </p:cTn>
-                                        <p:tgtEl>
-                                          <p:spTgt spid="11"/>
-                                        </p:tgtEl>
-                                        <p:attrNameLst>
-                                          <p:attrName>style.visibility</p:attrName>
-                                        </p:attrNameLst>
-                                      </p:cBhvr>
-                                      <p:to>
-                                        <p:strVal val="visible"/>
-                                      </p:to>
-                                    </p:set>
-                                  </p:childTnLst>
-                                </p:cTn>
-                              </p:par>
-                              <p:par>
-                                <p:cTn id="33" presetID="1" presetClass="entr" presetSubtype="0" fill="hold" nodeType="withEffect">
-                                  <p:stCondLst>
-                                    <p:cond delay="0"/>
-                                  </p:stCondLst>
-                                  <p:childTnLst>
-                                    <p:set>
-                                      <p:cBhvr>
-                                        <p:cTn id="34" dur="1" fill="hold">
-                                          <p:stCondLst>
-                                            <p:cond delay="0"/>
-                                          </p:stCondLst>
-                                        </p:cTn>
-                                        <p:tgtEl>
-                                          <p:spTgt spid="12"/>
-                                        </p:tgtEl>
-                                        <p:attrNameLst>
-                                          <p:attrName>style.visibility</p:attrName>
-                                        </p:attrNameLst>
-                                      </p:cBhvr>
-                                      <p:to>
-                                        <p:strVal val="visible"/>
-                                      </p:to>
-                                    </p:set>
-                                  </p:childTnLst>
-                                </p:cTn>
-                              </p:par>
-                              <p:par>
-                                <p:cTn id="35" presetID="1" presetClass="entr" presetSubtype="0" fill="hold" nodeType="withEffect">
-                                  <p:stCondLst>
-                                    <p:cond delay="0"/>
-                                  </p:stCondLst>
-                                  <p:childTnLst>
-                                    <p:set>
-                                      <p:cBhvr>
-                                        <p:cTn id="36" dur="1" fill="hold">
-                                          <p:stCondLst>
-                                            <p:cond delay="0"/>
-                                          </p:stCondLst>
-                                        </p:cTn>
-                                        <p:tgtEl>
-                                          <p:spTgt spid="13"/>
-                                        </p:tgtEl>
-                                        <p:attrNameLst>
-                                          <p:attrName>style.visibility</p:attrName>
-                                        </p:attrNameLst>
-                                      </p:cBhvr>
-                                      <p:to>
-                                        <p:strVal val="visible"/>
-                                      </p:to>
-                                    </p:set>
-                                  </p:childTnLst>
-                                </p:cTn>
-                              </p:par>
-                              <p:par>
-                                <p:cTn id="37" presetID="1" presetClass="entr" presetSubtype="0" fill="hold" nodeType="withEffect">
-                                  <p:stCondLst>
-                                    <p:cond delay="0"/>
-                                  </p:stCondLst>
-                                  <p:childTnLst>
-                                    <p:set>
-                                      <p:cBhvr>
-                                        <p:cTn id="38" dur="1" fill="hold">
-                                          <p:stCondLst>
-                                            <p:cond delay="0"/>
-                                          </p:stCondLst>
-                                        </p:cTn>
-                                        <p:tgtEl>
-                                          <p:spTgt spid="20"/>
-                                        </p:tgtEl>
-                                        <p:attrNameLst>
-                                          <p:attrName>style.visibility</p:attrName>
-                                        </p:attrNameLst>
-                                      </p:cBhvr>
-                                      <p:to>
-                                        <p:strVal val="visible"/>
-                                      </p:to>
-                                    </p:set>
-                                  </p:childTnLst>
-                                </p:cTn>
-                              </p:par>
-                              <p:par>
-                                <p:cTn id="39" presetID="1" presetClass="entr" presetSubtype="0" fill="hold" nodeType="withEffect">
-                                  <p:stCondLst>
-                                    <p:cond delay="0"/>
-                                  </p:stCondLst>
-                                  <p:childTnLst>
-                                    <p:set>
-                                      <p:cBhvr>
-                                        <p:cTn id="40" dur="1" fill="hold">
-                                          <p:stCondLst>
-                                            <p:cond delay="0"/>
-                                          </p:stCondLst>
-                                        </p:cTn>
-                                        <p:tgtEl>
-                                          <p:spTgt spid="15"/>
-                                        </p:tgtEl>
-                                        <p:attrNameLst>
-                                          <p:attrName>style.visibility</p:attrName>
-                                        </p:attrNameLst>
-                                      </p:cBhvr>
-                                      <p:to>
-                                        <p:strVal val="visible"/>
-                                      </p:to>
-                                    </p:set>
-                                  </p:childTnLst>
-                                </p:cTn>
-                              </p:par>
-                              <p:par>
-                                <p:cTn id="41" presetID="1" presetClass="entr" presetSubtype="0" fill="hold" nodeType="withEffect">
-                                  <p:stCondLst>
-                                    <p:cond delay="0"/>
-                                  </p:stCondLst>
-                                  <p:childTnLst>
-                                    <p:set>
-                                      <p:cBhvr>
-                                        <p:cTn id="42" dur="1" fill="hold">
-                                          <p:stCondLst>
-                                            <p:cond delay="0"/>
-                                          </p:stCondLst>
-                                        </p:cTn>
-                                        <p:tgtEl>
-                                          <p:spTgt spid="19"/>
-                                        </p:tgtEl>
-                                        <p:attrNameLst>
-                                          <p:attrName>style.visibility</p:attrName>
-                                        </p:attrNameLst>
-                                      </p:cBhvr>
-                                      <p:to>
-                                        <p:strVal val="visible"/>
-                                      </p:to>
-                                    </p:set>
-                                  </p:childTnLst>
-                                </p:cTn>
-                              </p:par>
-                              <p:par>
-                                <p:cTn id="43" presetID="1" presetClass="entr" presetSubtype="0" fill="hold" nodeType="withEffect">
-                                  <p:stCondLst>
-                                    <p:cond delay="0"/>
-                                  </p:stCondLst>
-                                  <p:childTnLst>
-                                    <p:set>
-                                      <p:cBhvr>
-                                        <p:cTn id="44" dur="1" fill="hold">
-                                          <p:stCondLst>
-                                            <p:cond delay="0"/>
-                                          </p:stCondLst>
-                                        </p:cTn>
-                                        <p:tgtEl>
-                                          <p:spTgt spid="18"/>
-                                        </p:tgtEl>
-                                        <p:attrNameLst>
-                                          <p:attrName>style.visibility</p:attrName>
-                                        </p:attrNameLst>
-                                      </p:cBhvr>
-                                      <p:to>
-                                        <p:strVal val="visible"/>
-                                      </p:to>
-                                    </p:set>
-                                  </p:childTnLst>
-                                </p:cTn>
-                              </p:par>
-                              <p:par>
-                                <p:cTn id="45" presetID="1" presetClass="entr" presetSubtype="0" fill="hold" grpId="0" nodeType="withEffect">
-                                  <p:stCondLst>
-                                    <p:cond delay="0"/>
-                                  </p:stCondLst>
-                                  <p:childTnLst>
-                                    <p:set>
-                                      <p:cBhvr>
-                                        <p:cTn id="46" dur="1" fill="hold">
-                                          <p:stCondLst>
-                                            <p:cond delay="0"/>
-                                          </p:stCondLst>
-                                        </p:cTn>
-                                        <p:tgtEl>
-                                          <p:spTgt spid="4"/>
-                                        </p:tgtEl>
-                                        <p:attrNameLst>
-                                          <p:attrName>style.visibility</p:attrName>
-                                        </p:attrNameLst>
-                                      </p:cBhvr>
-                                      <p:to>
-                                        <p:strVal val="visible"/>
-                                      </p:to>
-                                    </p:set>
-                                  </p:childTnLst>
-                                </p:cTn>
-                              </p:par>
-                              <p:par>
-                                <p:cTn id="47" presetID="1" presetClass="entr" presetSubtype="0" fill="hold" grpId="0" nodeType="withEffect">
-                                  <p:stCondLst>
-                                    <p:cond delay="0"/>
-                                  </p:stCondLst>
-                                  <p:childTnLst>
-                                    <p:set>
-                                      <p:cBhvr>
-                                        <p:cTn id="48" dur="1" fill="hold">
-                                          <p:stCondLst>
-                                            <p:cond delay="0"/>
-                                          </p:stCondLst>
-                                        </p:cTn>
-                                        <p:tgtEl>
-                                          <p:spTgt spid="5"/>
-                                        </p:tgtEl>
-                                        <p:attrNameLst>
-                                          <p:attrName>style.visibility</p:attrName>
-                                        </p:attrNameLst>
-                                      </p:cBhvr>
-                                      <p:to>
-                                        <p:strVal val="visible"/>
-                                      </p:to>
-                                    </p:set>
-                                  </p:childTnLst>
-                                </p:cTn>
-                              </p:par>
-                              <p:par>
-                                <p:cTn id="49" presetID="1" presetClass="entr" presetSubtype="0" fill="hold" grpId="0" nodeType="withEffect">
-                                  <p:stCondLst>
-                                    <p:cond delay="0"/>
-                                  </p:stCondLst>
-                                  <p:childTnLst>
-                                    <p:set>
-                                      <p:cBhvr>
-                                        <p:cTn id="50" dur="1" fill="hold">
-                                          <p:stCondLst>
-                                            <p:cond delay="0"/>
-                                          </p:stCondLst>
-                                        </p:cTn>
-                                        <p:tgtEl>
-                                          <p:spTgt spid="6"/>
-                                        </p:tgtEl>
-                                        <p:attrNameLst>
-                                          <p:attrName>style.visibility</p:attrName>
-                                        </p:attrNameLst>
-                                      </p:cBhvr>
-                                      <p:to>
-                                        <p:strVal val="visible"/>
-                                      </p:to>
-                                    </p:set>
-                                  </p:childTnLst>
-                                </p:cTn>
-                              </p:par>
-                              <p:par>
-                                <p:cTn id="51" presetID="1" presetClass="entr" presetSubtype="0" fill="hold" grpId="0" nodeType="withEffect">
-                                  <p:stCondLst>
-                                    <p:cond delay="0"/>
-                                  </p:stCondLst>
-                                  <p:childTnLst>
-                                    <p:set>
-                                      <p:cBhvr>
-                                        <p:cTn id="52" dur="1" fill="hold">
-                                          <p:stCondLst>
-                                            <p:cond delay="0"/>
-                                          </p:stCondLst>
-                                        </p:cTn>
-                                        <p:tgtEl>
-                                          <p:spTgt spid="7"/>
-                                        </p:tgtEl>
-                                        <p:attrNameLst>
-                                          <p:attrName>style.visibility</p:attrName>
-                                        </p:attrNameLst>
-                                      </p:cBhvr>
-                                      <p:to>
-                                        <p:strVal val="visible"/>
-                                      </p:to>
-                                    </p:set>
-                                  </p:childTnLst>
-                                </p:cTn>
-                              </p:par>
-                              <p:par>
-                                <p:cTn id="53" presetID="1" presetClass="entr" presetSubtype="0" fill="hold" grpId="0" nodeType="withEffect">
-                                  <p:stCondLst>
-                                    <p:cond delay="0"/>
-                                  </p:stCondLst>
-                                  <p:childTnLst>
-                                    <p:set>
-                                      <p:cBhvr>
-                                        <p:cTn id="54" dur="1" fill="hold">
-                                          <p:stCondLst>
-                                            <p:cond delay="0"/>
-                                          </p:stCondLst>
-                                        </p:cTn>
-                                        <p:tgtEl>
-                                          <p:spTgt spid="8"/>
-                                        </p:tgtEl>
-                                        <p:attrNameLst>
-                                          <p:attrName>style.visibility</p:attrName>
-                                        </p:attrNameLst>
-                                      </p:cBhvr>
-                                      <p:to>
-                                        <p:strVal val="visible"/>
-                                      </p:to>
-                                    </p:set>
-                                  </p:childTnLst>
-                                </p:cTn>
-                              </p:par>
-                              <p:par>
-                                <p:cTn id="55" presetID="1" presetClass="entr" presetSubtype="0" fill="hold" grpId="0" nodeType="withEffect">
-                                  <p:stCondLst>
-                                    <p:cond delay="0"/>
-                                  </p:stCondLst>
-                                  <p:childTnLst>
-                                    <p:set>
-                                      <p:cBhvr>
-                                        <p:cTn id="56" dur="1" fill="hold">
-                                          <p:stCondLst>
-                                            <p:cond delay="0"/>
-                                          </p:stCondLst>
-                                        </p:cTn>
-                                        <p:tgtEl>
-                                          <p:spTgt spid="9"/>
-                                        </p:tgtEl>
-                                        <p:attrNameLst>
-                                          <p:attrName>style.visibility</p:attrName>
-                                        </p:attrNameLst>
-                                      </p:cBhvr>
-                                      <p:to>
-                                        <p:strVal val="visible"/>
-                                      </p:to>
-                                    </p:set>
-                                  </p:childTnLst>
-                                </p:cTn>
-                              </p:par>
-                              <p:par>
-                                <p:cTn id="57" presetID="1" presetClass="entr" presetSubtype="0" fill="hold" grpId="0" nodeType="withEffect">
-                                  <p:stCondLst>
-                                    <p:cond delay="0"/>
-                                  </p:stCondLst>
-                                  <p:childTnLst>
-                                    <p:set>
-                                      <p:cBhvr>
-                                        <p:cTn id="58" dur="1" fill="hold">
-                                          <p:stCondLst>
-                                            <p:cond delay="0"/>
-                                          </p:stCondLst>
-                                        </p:cTn>
-                                        <p:tgtEl>
-                                          <p:spTgt spid="10"/>
-                                        </p:tgtEl>
-                                        <p:attrNameLst>
-                                          <p:attrName>style.visibility</p:attrName>
-                                        </p:attrNameLst>
-                                      </p:cBhvr>
-                                      <p:to>
-                                        <p:strVal val="visible"/>
-                                      </p:to>
-                                    </p:set>
-                                  </p:childTnLst>
-                                </p:cTn>
-                              </p:par>
-                              <p:par>
-                                <p:cTn id="59" presetID="1" presetClass="entr" presetSubtype="0" fill="hold" nodeType="withEffect">
-                                  <p:stCondLst>
-                                    <p:cond delay="0"/>
-                                  </p:stCondLst>
-                                  <p:childTnLst>
-                                    <p:set>
-                                      <p:cBhvr>
-                                        <p:cTn id="60" dur="1" fill="hold">
-                                          <p:stCondLst>
-                                            <p:cond delay="0"/>
-                                          </p:stCondLst>
-                                        </p:cTn>
-                                        <p:tgtEl>
-                                          <p:spTgt spid="14"/>
-                                        </p:tgtEl>
-                                        <p:attrNameLst>
-                                          <p:attrName>style.visibility</p:attrName>
-                                        </p:attrNameLst>
-                                      </p:cBhvr>
-                                      <p:to>
-                                        <p:strVal val="visible"/>
-                                      </p:to>
-                                    </p:set>
-                                  </p:childTnLst>
-                                </p:cTn>
-                              </p:par>
-                              <p:par>
-                                <p:cTn id="61" presetID="1" presetClass="entr" presetSubtype="0" fill="hold" nodeType="withEffect">
-                                  <p:stCondLst>
-                                    <p:cond delay="0"/>
-                                  </p:stCondLst>
-                                  <p:childTnLst>
-                                    <p:set>
-                                      <p:cBhvr>
-                                        <p:cTn id="62" dur="1" fill="hold">
-                                          <p:stCondLst>
-                                            <p:cond delay="0"/>
-                                          </p:stCondLst>
-                                        </p:cTn>
-                                        <p:tgtEl>
-                                          <p:spTgt spid="16"/>
-                                        </p:tgtEl>
-                                        <p:attrNameLst>
-                                          <p:attrName>style.visibility</p:attrName>
-                                        </p:attrNameLst>
-                                      </p:cBhvr>
-                                      <p:to>
-                                        <p:strVal val="visible"/>
-                                      </p:to>
-                                    </p:set>
-                                  </p:childTnLst>
-                                </p:cTn>
-                              </p:par>
-                              <p:par>
-                                <p:cTn id="63" presetID="1" presetClass="entr" presetSubtype="0" fill="hold" nodeType="withEffect">
-                                  <p:stCondLst>
-                                    <p:cond delay="0"/>
-                                  </p:stCondLst>
-                                  <p:childTnLst>
-                                    <p:set>
-                                      <p:cBhvr>
-                                        <p:cTn id="64" dur="1" fill="hold">
-                                          <p:stCondLst>
-                                            <p:cond delay="0"/>
-                                          </p:stCondLst>
-                                        </p:cTn>
-                                        <p:tgtEl>
-                                          <p:spTgt spid="17"/>
-                                        </p:tgtEl>
-                                        <p:attrNameLst>
-                                          <p:attrName>style.visibility</p:attrName>
-                                        </p:attrNameLst>
-                                      </p:cBhvr>
-                                      <p:to>
-                                        <p:strVal val="visible"/>
-                                      </p:to>
-                                    </p:set>
-                                  </p:childTnLst>
-                                </p:cTn>
-                              </p:par>
-                              <p:par>
-                                <p:cTn id="65" presetID="1" presetClass="entr" presetSubtype="0" fill="hold" grpId="0" nodeType="withEffect">
-                                  <p:stCondLst>
-                                    <p:cond delay="0"/>
-                                  </p:stCondLst>
-                                  <p:childTnLst>
-                                    <p:set>
-                                      <p:cBhvr>
-                                        <p:cTn id="66" dur="1" fill="hold">
-                                          <p:stCondLst>
-                                            <p:cond delay="0"/>
-                                          </p:stCondLst>
-                                        </p:cTn>
-                                        <p:tgtEl>
-                                          <p:spTgt spid="61"/>
-                                        </p:tgtEl>
-                                        <p:attrNameLst>
-                                          <p:attrName>style.visibility</p:attrName>
-                                        </p:attrNameLst>
-                                      </p:cBhvr>
-                                      <p:to>
-                                        <p:strVal val="visible"/>
-                                      </p:to>
-                                    </p:set>
-                                  </p:childTnLst>
-                                </p:cTn>
-                              </p:par>
-                              <p:par>
-                                <p:cTn id="67" presetID="1" presetClass="entr" presetSubtype="0" fill="hold" grpId="0" nodeType="withEffect">
-                                  <p:stCondLst>
-                                    <p:cond delay="0"/>
-                                  </p:stCondLst>
-                                  <p:childTnLst>
-                                    <p:set>
-                                      <p:cBhvr>
-                                        <p:cTn id="68" dur="1" fill="hold">
-                                          <p:stCondLst>
-                                            <p:cond delay="0"/>
-                                          </p:stCondLst>
-                                        </p:cTn>
-                                        <p:tgtEl>
-                                          <p:spTgt spid="62"/>
-                                        </p:tgtEl>
-                                        <p:attrNameLst>
-                                          <p:attrName>style.visibility</p:attrName>
-                                        </p:attrNameLst>
-                                      </p:cBhvr>
-                                      <p:to>
-                                        <p:strVal val="visible"/>
-                                      </p:to>
-                                    </p:set>
-                                  </p:childTnLst>
-                                </p:cTn>
-                              </p:par>
-                              <p:par>
-                                <p:cTn id="69" presetID="1" presetClass="entr" presetSubtype="0" fill="hold" grpId="0" nodeType="withEffect">
-                                  <p:stCondLst>
-                                    <p:cond delay="0"/>
-                                  </p:stCondLst>
-                                  <p:childTnLst>
-                                    <p:set>
-                                      <p:cBhvr>
-                                        <p:cTn id="70" dur="1" fill="hold">
-                                          <p:stCondLst>
-                                            <p:cond delay="0"/>
-                                          </p:stCondLst>
-                                        </p:cTn>
-                                        <p:tgtEl>
-                                          <p:spTgt spid="63"/>
-                                        </p:tgtEl>
-                                        <p:attrNameLst>
-                                          <p:attrName>style.visibility</p:attrName>
-                                        </p:attrNameLst>
-                                      </p:cBhvr>
-                                      <p:to>
-                                        <p:strVal val="visible"/>
-                                      </p:to>
-                                    </p:set>
-                                  </p:childTnLst>
-                                </p:cTn>
-                              </p:par>
-                              <p:par>
-                                <p:cTn id="71" presetID="1" presetClass="entr" presetSubtype="0" fill="hold" grpId="0" nodeType="withEffect">
-                                  <p:stCondLst>
-                                    <p:cond delay="0"/>
-                                  </p:stCondLst>
-                                  <p:childTnLst>
-                                    <p:set>
-                                      <p:cBhvr>
-                                        <p:cTn id="72" dur="1" fill="hold">
-                                          <p:stCondLst>
-                                            <p:cond delay="0"/>
-                                          </p:stCondLst>
-                                        </p:cTn>
-                                        <p:tgtEl>
-                                          <p:spTgt spid="64"/>
-                                        </p:tgtEl>
-                                        <p:attrNameLst>
-                                          <p:attrName>style.visibility</p:attrName>
-                                        </p:attrNameLst>
-                                      </p:cBhvr>
-                                      <p:to>
-                                        <p:strVal val="visible"/>
-                                      </p:to>
-                                    </p:set>
-                                  </p:childTnLst>
-                                </p:cTn>
-                              </p:par>
-                              <p:par>
-                                <p:cTn id="73" presetID="1" presetClass="entr" presetSubtype="0" fill="hold" grpId="0" nodeType="withEffect">
-                                  <p:stCondLst>
-                                    <p:cond delay="0"/>
-                                  </p:stCondLst>
-                                  <p:childTnLst>
-                                    <p:set>
-                                      <p:cBhvr>
-                                        <p:cTn id="74" dur="1" fill="hold">
-                                          <p:stCondLst>
-                                            <p:cond delay="0"/>
-                                          </p:stCondLst>
-                                        </p:cTn>
-                                        <p:tgtEl>
-                                          <p:spTgt spid="65"/>
-                                        </p:tgtEl>
-                                        <p:attrNameLst>
-                                          <p:attrName>style.visibility</p:attrName>
-                                        </p:attrNameLst>
-                                      </p:cBhvr>
-                                      <p:to>
-                                        <p:strVal val="visible"/>
-                                      </p:to>
-                                    </p:set>
-                                  </p:childTnLst>
-                                </p:cTn>
-                              </p:par>
-                              <p:par>
-                                <p:cTn id="75" presetID="1" presetClass="entr" presetSubtype="0" fill="hold" grpId="0" nodeType="withEffect">
-                                  <p:stCondLst>
-                                    <p:cond delay="0"/>
-                                  </p:stCondLst>
-                                  <p:childTnLst>
-                                    <p:set>
-                                      <p:cBhvr>
-                                        <p:cTn id="76" dur="1" fill="hold">
-                                          <p:stCondLst>
-                                            <p:cond delay="0"/>
-                                          </p:stCondLst>
-                                        </p:cTn>
-                                        <p:tgtEl>
-                                          <p:spTgt spid="66"/>
-                                        </p:tgtEl>
-                                        <p:attrNameLst>
-                                          <p:attrName>style.visibility</p:attrName>
-                                        </p:attrNameLst>
-                                      </p:cBhvr>
-                                      <p:to>
-                                        <p:strVal val="visible"/>
-                                      </p:to>
-                                    </p:set>
-                                  </p:childTnLst>
-                                </p:cTn>
-                              </p:par>
-                              <p:par>
-                                <p:cTn id="77" presetID="1" presetClass="entr" presetSubtype="0" fill="hold" grpId="0" nodeType="withEffect">
-                                  <p:stCondLst>
-                                    <p:cond delay="0"/>
-                                  </p:stCondLst>
-                                  <p:childTnLst>
-                                    <p:set>
-                                      <p:cBhvr>
-                                        <p:cTn id="78" dur="1" fill="hold">
-                                          <p:stCondLst>
-                                            <p:cond delay="0"/>
-                                          </p:stCondLst>
-                                        </p:cTn>
-                                        <p:tgtEl>
-                                          <p:spTgt spid="67"/>
-                                        </p:tgtEl>
-                                        <p:attrNameLst>
-                                          <p:attrName>style.visibility</p:attrName>
-                                        </p:attrNameLst>
-                                      </p:cBhvr>
-                                      <p:to>
-                                        <p:strVal val="visible"/>
-                                      </p:to>
-                                    </p:set>
-                                  </p:childTnLst>
-                                </p:cTn>
-                              </p:par>
-                            </p:childTnLst>
-                          </p:cTn>
-                        </p:par>
-                      </p:childTnLst>
-                    </p:cTn>
-                  </p:par>
-                  <p:par>
-                    <p:cTn id="79" fill="hold">
-                      <p:stCondLst>
-                        <p:cond delay="indefinite"/>
-                      </p:stCondLst>
-                      <p:childTnLst>
-                        <p:par>
-                          <p:cTn id="80" fill="hold">
-                            <p:stCondLst>
-                              <p:cond delay="0"/>
-                            </p:stCondLst>
-                            <p:childTnLst>
-                              <p:par>
-                                <p:cTn id="81" presetID="1" presetClass="entr" presetSubtype="0" fill="hold" grpId="0" nodeType="clickEffect">
-                                  <p:stCondLst>
-                                    <p:cond delay="0"/>
-                                  </p:stCondLst>
-                                  <p:childTnLst>
-                                    <p:set>
-                                      <p:cBhvr>
-                                        <p:cTn id="82" dur="1" fill="hold">
                                           <p:stCondLst>
                                             <p:cond delay="0"/>
                                           </p:stCondLst>
@@ -21250,26 +20117,26 @@
                     </p:cTn>
                   </p:par>
                   <p:par>
-                    <p:cTn id="83" fill="hold">
+                    <p:cTn id="19" fill="hold">
                       <p:stCondLst>
                         <p:cond delay="indefinite"/>
                       </p:stCondLst>
                       <p:childTnLst>
                         <p:par>
-                          <p:cTn id="84" fill="hold">
+                          <p:cTn id="20" fill="hold">
                             <p:stCondLst>
                               <p:cond delay="0"/>
                             </p:stCondLst>
                             <p:childTnLst>
                               <p:par>
-                                <p:cTn id="85" presetID="1" presetClass="entr" presetSubtype="0" fill="hold" grpId="0" nodeType="clickEffect">
+                                <p:cTn id="21" presetID="1" presetClass="entr" presetSubtype="0" fill="hold" grpId="0" nodeType="clickEffect">
                                   <p:stCondLst>
                                     <p:cond delay="0"/>
                                   </p:stCondLst>
                                   <p:childTnLst>
                                     <p:set>
                                       <p:cBhvr>
-                                        <p:cTn id="86" dur="1" fill="hold">
+                                        <p:cTn id="22" dur="1" fill="hold">
                                           <p:stCondLst>
                                             <p:cond delay="0"/>
                                           </p:stCondLst>
@@ -21292,15 +20159,33 @@
                                   </p:childTnLst>
                                 </p:cTn>
                               </p:par>
+                            </p:childTnLst>
+                          </p:cTn>
+                        </p:par>
+                      </p:childTnLst>
+                    </p:cTn>
+                  </p:par>
+                  <p:par>
+                    <p:cTn id="23" fill="hold">
+                      <p:stCondLst>
+                        <p:cond delay="indefinite"/>
+                      </p:stCondLst>
+                      <p:childTnLst>
+                        <p:par>
+                          <p:cTn id="24" fill="hold">
+                            <p:stCondLst>
+                              <p:cond delay="0"/>
+                            </p:stCondLst>
+                            <p:childTnLst>
                               <p:par>
-                                <p:cTn id="87" presetID="1" presetClass="entr" presetSubtype="0" fill="hold" grpId="0" nodeType="withEffect">
+                                <p:cTn id="25" presetID="1" presetClass="entr" presetSubtype="0" fill="hold" grpId="0" nodeType="clickEffect">
                                   <p:stCondLst>
                                     <p:cond delay="0"/>
                                   </p:stCondLst>
                                   <p:childTnLst>
                                     <p:set>
                                       <p:cBhvr>
-                                        <p:cTn id="88" dur="1" fill="hold">
+                                        <p:cTn id="26" dur="1" fill="hold">
                                           <p:stCondLst>
                                             <p:cond delay="0"/>
                                           </p:stCondLst>
@@ -21323,33 +20208,6 @@
                                   </p:childTnLst>
                                 </p:cTn>
                               </p:par>
-                              <p:par>
-                                <p:cTn id="89" presetID="1" presetClass="entr" presetSubtype="0" fill="hold" grpId="0" nodeType="withEffect">
-                                  <p:stCondLst>
-                                    <p:cond delay="0"/>
-                                  </p:stCondLst>
-                                  <p:childTnLst>
-                                    <p:set>
-                                      <p:cBhvr>
-                                        <p:cTn id="90" dur="1" fill="hold">
-                                          <p:stCondLst>
-                                            <p:cond delay="0"/>
-                                          </p:stCondLst>
-                                        </p:cTn>
-                                        <p:tgtEl>
-                                          <p:spTgt spid="68"/>
-                                        </p:tgtEl>
-                                        <p:attrNameLst>
-                                          <p:attrName>style.visibility</p:attrName>
-                                        </p:attrNameLst>
-                                      </p:cBhvr>
-                                      <p:to>
-                                        <p:strVal val="visible"/>
-                                      </p:to>
-                                    </p:set>
-                                  </p:childTnLst>
-                                </p:cTn>
-                              </p:par>
                             </p:childTnLst>
                           </p:cTn>
                         </p:par>
@@ -21357,26 +20215,26 @@
                     </p:cTn>
                   </p:par>
                   <p:par>
-                    <p:cTn id="91" fill="hold">
+                    <p:cTn id="27" fill="hold">
                       <p:stCondLst>
                         <p:cond delay="indefinite"/>
                       </p:stCondLst>
                       <p:childTnLst>
                         <p:par>
-                          <p:cTn id="92" fill="hold">
+                          <p:cTn id="28" fill="hold">
                             <p:stCondLst>
                               <p:cond delay="0"/>
                             </p:stCondLst>
                             <p:childTnLst>
                               <p:par>
-                                <p:cTn id="93" presetID="1" presetClass="entr" presetSubtype="0" fill="hold" grpId="0" nodeType="clickEffect">
+                                <p:cTn id="29" presetID="1" presetClass="entr" presetSubtype="0" fill="hold" grpId="0" nodeType="clickEffect">
                                   <p:stCondLst>
                                     <p:cond delay="0"/>
                                   </p:stCondLst>
                                   <p:childTnLst>
                                     <p:set>
                                       <p:cBhvr>
-                                        <p:cTn id="94" dur="1" fill="hold">
+                                        <p:cTn id="30" dur="1" fill="hold">
                                           <p:stCondLst>
                                             <p:cond delay="0"/>
                                           </p:stCondLst>
@@ -21406,19 +20264,878 @@
                     </p:cTn>
                   </p:par>
                   <p:par>
-                    <p:cTn id="95" fill="hold">
+                    <p:cTn id="31" fill="hold">
                       <p:stCondLst>
                         <p:cond delay="indefinite"/>
                       </p:stCondLst>
                       <p:childTnLst>
                         <p:par>
-                          <p:cTn id="96" fill="hold">
+                          <p:cTn id="32" fill="hold">
                             <p:stCondLst>
                               <p:cond delay="0"/>
                             </p:stCondLst>
                             <p:childTnLst>
                               <p:par>
-                                <p:cTn id="97" presetID="1" presetClass="entr" presetSubtype="0" fill="hold" grpId="0" nodeType="clickEffect">
+                                <p:cTn id="33" presetID="1" presetClass="entr" presetSubtype="0" fill="hold" grpId="0" nodeType="clickEffect">
+                                  <p:stCondLst>
+                                    <p:cond delay="0"/>
+                                  </p:stCondLst>
+                                  <p:childTnLst>
+                                    <p:set>
+                                      <p:cBhvr>
+                                        <p:cTn id="34" dur="1" fill="hold">
+                                          <p:stCondLst>
+                                            <p:cond delay="0"/>
+                                          </p:stCondLst>
+                                        </p:cTn>
+                                        <p:tgtEl>
+                                          <p:spTgt spid="3">
+                                            <p:txEl>
+                                              <p:pRg st="8" end="8"/>
+                                            </p:txEl>
+                                          </p:spTgt>
+                                        </p:tgtEl>
+                                        <p:attrNameLst>
+                                          <p:attrName>style.visibility</p:attrName>
+                                        </p:attrNameLst>
+                                      </p:cBhvr>
+                                      <p:to>
+                                        <p:strVal val="visible"/>
+                                      </p:to>
+                                    </p:set>
+                                  </p:childTnLst>
+                                </p:cTn>
+                              </p:par>
+                            </p:childTnLst>
+                          </p:cTn>
+                        </p:par>
+                      </p:childTnLst>
+                    </p:cTn>
+                  </p:par>
+                  <p:par>
+                    <p:cTn id="35" fill="hold">
+                      <p:stCondLst>
+                        <p:cond delay="indefinite"/>
+                      </p:stCondLst>
+                      <p:childTnLst>
+                        <p:par>
+                          <p:cTn id="36" fill="hold">
+                            <p:stCondLst>
+                              <p:cond delay="0"/>
+                            </p:stCondLst>
+                            <p:childTnLst>
+                              <p:par>
+                                <p:cTn id="37" presetID="1" presetClass="entr" presetSubtype="0" fill="hold" nodeType="clickEffect">
+                                  <p:stCondLst>
+                                    <p:cond delay="0"/>
+                                  </p:stCondLst>
+                                  <p:childTnLst>
+                                    <p:set>
+                                      <p:cBhvr>
+                                        <p:cTn id="38" dur="1" fill="hold">
+                                          <p:stCondLst>
+                                            <p:cond delay="0"/>
+                                          </p:stCondLst>
+                                        </p:cTn>
+                                        <p:tgtEl>
+                                          <p:spTgt spid="11"/>
+                                        </p:tgtEl>
+                                        <p:attrNameLst>
+                                          <p:attrName>style.visibility</p:attrName>
+                                        </p:attrNameLst>
+                                      </p:cBhvr>
+                                      <p:to>
+                                        <p:strVal val="visible"/>
+                                      </p:to>
+                                    </p:set>
+                                  </p:childTnLst>
+                                </p:cTn>
+                              </p:par>
+                              <p:par>
+                                <p:cTn id="39" presetID="1" presetClass="entr" presetSubtype="0" fill="hold" nodeType="withEffect">
+                                  <p:stCondLst>
+                                    <p:cond delay="0"/>
+                                  </p:stCondLst>
+                                  <p:childTnLst>
+                                    <p:set>
+                                      <p:cBhvr>
+                                        <p:cTn id="40" dur="1" fill="hold">
+                                          <p:stCondLst>
+                                            <p:cond delay="0"/>
+                                          </p:stCondLst>
+                                        </p:cTn>
+                                        <p:tgtEl>
+                                          <p:spTgt spid="12"/>
+                                        </p:tgtEl>
+                                        <p:attrNameLst>
+                                          <p:attrName>style.visibility</p:attrName>
+                                        </p:attrNameLst>
+                                      </p:cBhvr>
+                                      <p:to>
+                                        <p:strVal val="visible"/>
+                                      </p:to>
+                                    </p:set>
+                                  </p:childTnLst>
+                                </p:cTn>
+                              </p:par>
+                              <p:par>
+                                <p:cTn id="41" presetID="1" presetClass="entr" presetSubtype="0" fill="hold" nodeType="withEffect">
+                                  <p:stCondLst>
+                                    <p:cond delay="0"/>
+                                  </p:stCondLst>
+                                  <p:childTnLst>
+                                    <p:set>
+                                      <p:cBhvr>
+                                        <p:cTn id="42" dur="1" fill="hold">
+                                          <p:stCondLst>
+                                            <p:cond delay="0"/>
+                                          </p:stCondLst>
+                                        </p:cTn>
+                                        <p:tgtEl>
+                                          <p:spTgt spid="13"/>
+                                        </p:tgtEl>
+                                        <p:attrNameLst>
+                                          <p:attrName>style.visibility</p:attrName>
+                                        </p:attrNameLst>
+                                      </p:cBhvr>
+                                      <p:to>
+                                        <p:strVal val="visible"/>
+                                      </p:to>
+                                    </p:set>
+                                  </p:childTnLst>
+                                </p:cTn>
+                              </p:par>
+                              <p:par>
+                                <p:cTn id="43" presetID="1" presetClass="entr" presetSubtype="0" fill="hold" nodeType="withEffect">
+                                  <p:stCondLst>
+                                    <p:cond delay="0"/>
+                                  </p:stCondLst>
+                                  <p:childTnLst>
+                                    <p:set>
+                                      <p:cBhvr>
+                                        <p:cTn id="44" dur="1" fill="hold">
+                                          <p:stCondLst>
+                                            <p:cond delay="0"/>
+                                          </p:stCondLst>
+                                        </p:cTn>
+                                        <p:tgtEl>
+                                          <p:spTgt spid="20"/>
+                                        </p:tgtEl>
+                                        <p:attrNameLst>
+                                          <p:attrName>style.visibility</p:attrName>
+                                        </p:attrNameLst>
+                                      </p:cBhvr>
+                                      <p:to>
+                                        <p:strVal val="visible"/>
+                                      </p:to>
+                                    </p:set>
+                                  </p:childTnLst>
+                                </p:cTn>
+                              </p:par>
+                              <p:par>
+                                <p:cTn id="45" presetID="1" presetClass="entr" presetSubtype="0" fill="hold" nodeType="withEffect">
+                                  <p:stCondLst>
+                                    <p:cond delay="0"/>
+                                  </p:stCondLst>
+                                  <p:childTnLst>
+                                    <p:set>
+                                      <p:cBhvr>
+                                        <p:cTn id="46" dur="1" fill="hold">
+                                          <p:stCondLst>
+                                            <p:cond delay="0"/>
+                                          </p:stCondLst>
+                                        </p:cTn>
+                                        <p:tgtEl>
+                                          <p:spTgt spid="15"/>
+                                        </p:tgtEl>
+                                        <p:attrNameLst>
+                                          <p:attrName>style.visibility</p:attrName>
+                                        </p:attrNameLst>
+                                      </p:cBhvr>
+                                      <p:to>
+                                        <p:strVal val="visible"/>
+                                      </p:to>
+                                    </p:set>
+                                  </p:childTnLst>
+                                </p:cTn>
+                              </p:par>
+                              <p:par>
+                                <p:cTn id="47" presetID="1" presetClass="entr" presetSubtype="0" fill="hold" nodeType="withEffect">
+                                  <p:stCondLst>
+                                    <p:cond delay="0"/>
+                                  </p:stCondLst>
+                                  <p:childTnLst>
+                                    <p:set>
+                                      <p:cBhvr>
+                                        <p:cTn id="48" dur="1" fill="hold">
+                                          <p:stCondLst>
+                                            <p:cond delay="0"/>
+                                          </p:stCondLst>
+                                        </p:cTn>
+                                        <p:tgtEl>
+                                          <p:spTgt spid="19"/>
+                                        </p:tgtEl>
+                                        <p:attrNameLst>
+                                          <p:attrName>style.visibility</p:attrName>
+                                        </p:attrNameLst>
+                                      </p:cBhvr>
+                                      <p:to>
+                                        <p:strVal val="visible"/>
+                                      </p:to>
+                                    </p:set>
+                                  </p:childTnLst>
+                                </p:cTn>
+                              </p:par>
+                              <p:par>
+                                <p:cTn id="49" presetID="1" presetClass="entr" presetSubtype="0" fill="hold" nodeType="withEffect">
+                                  <p:stCondLst>
+                                    <p:cond delay="0"/>
+                                  </p:stCondLst>
+                                  <p:childTnLst>
+                                    <p:set>
+                                      <p:cBhvr>
+                                        <p:cTn id="50" dur="1" fill="hold">
+                                          <p:stCondLst>
+                                            <p:cond delay="0"/>
+                                          </p:stCondLst>
+                                        </p:cTn>
+                                        <p:tgtEl>
+                                          <p:spTgt spid="18"/>
+                                        </p:tgtEl>
+                                        <p:attrNameLst>
+                                          <p:attrName>style.visibility</p:attrName>
+                                        </p:attrNameLst>
+                                      </p:cBhvr>
+                                      <p:to>
+                                        <p:strVal val="visible"/>
+                                      </p:to>
+                                    </p:set>
+                                  </p:childTnLst>
+                                </p:cTn>
+                              </p:par>
+                              <p:par>
+                                <p:cTn id="51" presetID="1" presetClass="entr" presetSubtype="0" fill="hold" nodeType="withEffect">
+                                  <p:stCondLst>
+                                    <p:cond delay="0"/>
+                                  </p:stCondLst>
+                                  <p:childTnLst>
+                                    <p:set>
+                                      <p:cBhvr>
+                                        <p:cTn id="52" dur="1" fill="hold">
+                                          <p:stCondLst>
+                                            <p:cond delay="0"/>
+                                          </p:stCondLst>
+                                        </p:cTn>
+                                        <p:tgtEl>
+                                          <p:spTgt spid="11"/>
+                                        </p:tgtEl>
+                                        <p:attrNameLst>
+                                          <p:attrName>style.visibility</p:attrName>
+                                        </p:attrNameLst>
+                                      </p:cBhvr>
+                                      <p:to>
+                                        <p:strVal val="visible"/>
+                                      </p:to>
+                                    </p:set>
+                                  </p:childTnLst>
+                                </p:cTn>
+                              </p:par>
+                              <p:par>
+                                <p:cTn id="53" presetID="1" presetClass="entr" presetSubtype="0" fill="hold" nodeType="withEffect">
+                                  <p:stCondLst>
+                                    <p:cond delay="0"/>
+                                  </p:stCondLst>
+                                  <p:childTnLst>
+                                    <p:set>
+                                      <p:cBhvr>
+                                        <p:cTn id="54" dur="1" fill="hold">
+                                          <p:stCondLst>
+                                            <p:cond delay="0"/>
+                                          </p:stCondLst>
+                                        </p:cTn>
+                                        <p:tgtEl>
+                                          <p:spTgt spid="12"/>
+                                        </p:tgtEl>
+                                        <p:attrNameLst>
+                                          <p:attrName>style.visibility</p:attrName>
+                                        </p:attrNameLst>
+                                      </p:cBhvr>
+                                      <p:to>
+                                        <p:strVal val="visible"/>
+                                      </p:to>
+                                    </p:set>
+                                  </p:childTnLst>
+                                </p:cTn>
+                              </p:par>
+                              <p:par>
+                                <p:cTn id="55" presetID="1" presetClass="entr" presetSubtype="0" fill="hold" nodeType="withEffect">
+                                  <p:stCondLst>
+                                    <p:cond delay="0"/>
+                                  </p:stCondLst>
+                                  <p:childTnLst>
+                                    <p:set>
+                                      <p:cBhvr>
+                                        <p:cTn id="56" dur="1" fill="hold">
+                                          <p:stCondLst>
+                                            <p:cond delay="0"/>
+                                          </p:stCondLst>
+                                        </p:cTn>
+                                        <p:tgtEl>
+                                          <p:spTgt spid="13"/>
+                                        </p:tgtEl>
+                                        <p:attrNameLst>
+                                          <p:attrName>style.visibility</p:attrName>
+                                        </p:attrNameLst>
+                                      </p:cBhvr>
+                                      <p:to>
+                                        <p:strVal val="visible"/>
+                                      </p:to>
+                                    </p:set>
+                                  </p:childTnLst>
+                                </p:cTn>
+                              </p:par>
+                              <p:par>
+                                <p:cTn id="57" presetID="1" presetClass="entr" presetSubtype="0" fill="hold" nodeType="withEffect">
+                                  <p:stCondLst>
+                                    <p:cond delay="0"/>
+                                  </p:stCondLst>
+                                  <p:childTnLst>
+                                    <p:set>
+                                      <p:cBhvr>
+                                        <p:cTn id="58" dur="1" fill="hold">
+                                          <p:stCondLst>
+                                            <p:cond delay="0"/>
+                                          </p:stCondLst>
+                                        </p:cTn>
+                                        <p:tgtEl>
+                                          <p:spTgt spid="20"/>
+                                        </p:tgtEl>
+                                        <p:attrNameLst>
+                                          <p:attrName>style.visibility</p:attrName>
+                                        </p:attrNameLst>
+                                      </p:cBhvr>
+                                      <p:to>
+                                        <p:strVal val="visible"/>
+                                      </p:to>
+                                    </p:set>
+                                  </p:childTnLst>
+                                </p:cTn>
+                              </p:par>
+                              <p:par>
+                                <p:cTn id="59" presetID="1" presetClass="entr" presetSubtype="0" fill="hold" nodeType="withEffect">
+                                  <p:stCondLst>
+                                    <p:cond delay="0"/>
+                                  </p:stCondLst>
+                                  <p:childTnLst>
+                                    <p:set>
+                                      <p:cBhvr>
+                                        <p:cTn id="60" dur="1" fill="hold">
+                                          <p:stCondLst>
+                                            <p:cond delay="0"/>
+                                          </p:stCondLst>
+                                        </p:cTn>
+                                        <p:tgtEl>
+                                          <p:spTgt spid="15"/>
+                                        </p:tgtEl>
+                                        <p:attrNameLst>
+                                          <p:attrName>style.visibility</p:attrName>
+                                        </p:attrNameLst>
+                                      </p:cBhvr>
+                                      <p:to>
+                                        <p:strVal val="visible"/>
+                                      </p:to>
+                                    </p:set>
+                                  </p:childTnLst>
+                                </p:cTn>
+                              </p:par>
+                              <p:par>
+                                <p:cTn id="61" presetID="1" presetClass="entr" presetSubtype="0" fill="hold" nodeType="withEffect">
+                                  <p:stCondLst>
+                                    <p:cond delay="0"/>
+                                  </p:stCondLst>
+                                  <p:childTnLst>
+                                    <p:set>
+                                      <p:cBhvr>
+                                        <p:cTn id="62" dur="1" fill="hold">
+                                          <p:stCondLst>
+                                            <p:cond delay="0"/>
+                                          </p:stCondLst>
+                                        </p:cTn>
+                                        <p:tgtEl>
+                                          <p:spTgt spid="19"/>
+                                        </p:tgtEl>
+                                        <p:attrNameLst>
+                                          <p:attrName>style.visibility</p:attrName>
+                                        </p:attrNameLst>
+                                      </p:cBhvr>
+                                      <p:to>
+                                        <p:strVal val="visible"/>
+                                      </p:to>
+                                    </p:set>
+                                  </p:childTnLst>
+                                </p:cTn>
+                              </p:par>
+                              <p:par>
+                                <p:cTn id="63" presetID="1" presetClass="entr" presetSubtype="0" fill="hold" nodeType="withEffect">
+                                  <p:stCondLst>
+                                    <p:cond delay="0"/>
+                                  </p:stCondLst>
+                                  <p:childTnLst>
+                                    <p:set>
+                                      <p:cBhvr>
+                                        <p:cTn id="64" dur="1" fill="hold">
+                                          <p:stCondLst>
+                                            <p:cond delay="0"/>
+                                          </p:stCondLst>
+                                        </p:cTn>
+                                        <p:tgtEl>
+                                          <p:spTgt spid="18"/>
+                                        </p:tgtEl>
+                                        <p:attrNameLst>
+                                          <p:attrName>style.visibility</p:attrName>
+                                        </p:attrNameLst>
+                                      </p:cBhvr>
+                                      <p:to>
+                                        <p:strVal val="visible"/>
+                                      </p:to>
+                                    </p:set>
+                                  </p:childTnLst>
+                                </p:cTn>
+                              </p:par>
+                              <p:par>
+                                <p:cTn id="65" presetID="1" presetClass="entr" presetSubtype="0" fill="hold" grpId="0" nodeType="withEffect">
+                                  <p:stCondLst>
+                                    <p:cond delay="0"/>
+                                  </p:stCondLst>
+                                  <p:childTnLst>
+                                    <p:set>
+                                      <p:cBhvr>
+                                        <p:cTn id="66" dur="1" fill="hold">
+                                          <p:stCondLst>
+                                            <p:cond delay="0"/>
+                                          </p:stCondLst>
+                                        </p:cTn>
+                                        <p:tgtEl>
+                                          <p:spTgt spid="4"/>
+                                        </p:tgtEl>
+                                        <p:attrNameLst>
+                                          <p:attrName>style.visibility</p:attrName>
+                                        </p:attrNameLst>
+                                      </p:cBhvr>
+                                      <p:to>
+                                        <p:strVal val="visible"/>
+                                      </p:to>
+                                    </p:set>
+                                  </p:childTnLst>
+                                </p:cTn>
+                              </p:par>
+                              <p:par>
+                                <p:cTn id="67" presetID="1" presetClass="entr" presetSubtype="0" fill="hold" grpId="0" nodeType="withEffect">
+                                  <p:stCondLst>
+                                    <p:cond delay="0"/>
+                                  </p:stCondLst>
+                                  <p:childTnLst>
+                                    <p:set>
+                                      <p:cBhvr>
+                                        <p:cTn id="68" dur="1" fill="hold">
+                                          <p:stCondLst>
+                                            <p:cond delay="0"/>
+                                          </p:stCondLst>
+                                        </p:cTn>
+                                        <p:tgtEl>
+                                          <p:spTgt spid="5"/>
+                                        </p:tgtEl>
+                                        <p:attrNameLst>
+                                          <p:attrName>style.visibility</p:attrName>
+                                        </p:attrNameLst>
+                                      </p:cBhvr>
+                                      <p:to>
+                                        <p:strVal val="visible"/>
+                                      </p:to>
+                                    </p:set>
+                                  </p:childTnLst>
+                                </p:cTn>
+                              </p:par>
+                              <p:par>
+                                <p:cTn id="69" presetID="1" presetClass="entr" presetSubtype="0" fill="hold" grpId="0" nodeType="withEffect">
+                                  <p:stCondLst>
+                                    <p:cond delay="0"/>
+                                  </p:stCondLst>
+                                  <p:childTnLst>
+                                    <p:set>
+                                      <p:cBhvr>
+                                        <p:cTn id="70" dur="1" fill="hold">
+                                          <p:stCondLst>
+                                            <p:cond delay="0"/>
+                                          </p:stCondLst>
+                                        </p:cTn>
+                                        <p:tgtEl>
+                                          <p:spTgt spid="6"/>
+                                        </p:tgtEl>
+                                        <p:attrNameLst>
+                                          <p:attrName>style.visibility</p:attrName>
+                                        </p:attrNameLst>
+                                      </p:cBhvr>
+                                      <p:to>
+                                        <p:strVal val="visible"/>
+                                      </p:to>
+                                    </p:set>
+                                  </p:childTnLst>
+                                </p:cTn>
+                              </p:par>
+                              <p:par>
+                                <p:cTn id="71" presetID="1" presetClass="entr" presetSubtype="0" fill="hold" grpId="0" nodeType="withEffect">
+                                  <p:stCondLst>
+                                    <p:cond delay="0"/>
+                                  </p:stCondLst>
+                                  <p:childTnLst>
+                                    <p:set>
+                                      <p:cBhvr>
+                                        <p:cTn id="72" dur="1" fill="hold">
+                                          <p:stCondLst>
+                                            <p:cond delay="0"/>
+                                          </p:stCondLst>
+                                        </p:cTn>
+                                        <p:tgtEl>
+                                          <p:spTgt spid="7"/>
+                                        </p:tgtEl>
+                                        <p:attrNameLst>
+                                          <p:attrName>style.visibility</p:attrName>
+                                        </p:attrNameLst>
+                                      </p:cBhvr>
+                                      <p:to>
+                                        <p:strVal val="visible"/>
+                                      </p:to>
+                                    </p:set>
+                                  </p:childTnLst>
+                                </p:cTn>
+                              </p:par>
+                              <p:par>
+                                <p:cTn id="73" presetID="1" presetClass="entr" presetSubtype="0" fill="hold" grpId="0" nodeType="withEffect">
+                                  <p:stCondLst>
+                                    <p:cond delay="0"/>
+                                  </p:stCondLst>
+                                  <p:childTnLst>
+                                    <p:set>
+                                      <p:cBhvr>
+                                        <p:cTn id="74" dur="1" fill="hold">
+                                          <p:stCondLst>
+                                            <p:cond delay="0"/>
+                                          </p:stCondLst>
+                                        </p:cTn>
+                                        <p:tgtEl>
+                                          <p:spTgt spid="8"/>
+                                        </p:tgtEl>
+                                        <p:attrNameLst>
+                                          <p:attrName>style.visibility</p:attrName>
+                                        </p:attrNameLst>
+                                      </p:cBhvr>
+                                      <p:to>
+                                        <p:strVal val="visible"/>
+                                      </p:to>
+                                    </p:set>
+                                  </p:childTnLst>
+                                </p:cTn>
+                              </p:par>
+                              <p:par>
+                                <p:cTn id="75" presetID="1" presetClass="entr" presetSubtype="0" fill="hold" grpId="0" nodeType="withEffect">
+                                  <p:stCondLst>
+                                    <p:cond delay="0"/>
+                                  </p:stCondLst>
+                                  <p:childTnLst>
+                                    <p:set>
+                                      <p:cBhvr>
+                                        <p:cTn id="76" dur="1" fill="hold">
+                                          <p:stCondLst>
+                                            <p:cond delay="0"/>
+                                          </p:stCondLst>
+                                        </p:cTn>
+                                        <p:tgtEl>
+                                          <p:spTgt spid="9"/>
+                                        </p:tgtEl>
+                                        <p:attrNameLst>
+                                          <p:attrName>style.visibility</p:attrName>
+                                        </p:attrNameLst>
+                                      </p:cBhvr>
+                                      <p:to>
+                                        <p:strVal val="visible"/>
+                                      </p:to>
+                                    </p:set>
+                                  </p:childTnLst>
+                                </p:cTn>
+                              </p:par>
+                              <p:par>
+                                <p:cTn id="77" presetID="1" presetClass="entr" presetSubtype="0" fill="hold" grpId="0" nodeType="withEffect">
+                                  <p:stCondLst>
+                                    <p:cond delay="0"/>
+                                  </p:stCondLst>
+                                  <p:childTnLst>
+                                    <p:set>
+                                      <p:cBhvr>
+                                        <p:cTn id="78" dur="1" fill="hold">
+                                          <p:stCondLst>
+                                            <p:cond delay="0"/>
+                                          </p:stCondLst>
+                                        </p:cTn>
+                                        <p:tgtEl>
+                                          <p:spTgt spid="10"/>
+                                        </p:tgtEl>
+                                        <p:attrNameLst>
+                                          <p:attrName>style.visibility</p:attrName>
+                                        </p:attrNameLst>
+                                      </p:cBhvr>
+                                      <p:to>
+                                        <p:strVal val="visible"/>
+                                      </p:to>
+                                    </p:set>
+                                  </p:childTnLst>
+                                </p:cTn>
+                              </p:par>
+                              <p:par>
+                                <p:cTn id="79" presetID="1" presetClass="entr" presetSubtype="0" fill="hold" nodeType="withEffect">
+                                  <p:stCondLst>
+                                    <p:cond delay="0"/>
+                                  </p:stCondLst>
+                                  <p:childTnLst>
+                                    <p:set>
+                                      <p:cBhvr>
+                                        <p:cTn id="80" dur="1" fill="hold">
+                                          <p:stCondLst>
+                                            <p:cond delay="0"/>
+                                          </p:stCondLst>
+                                        </p:cTn>
+                                        <p:tgtEl>
+                                          <p:spTgt spid="14"/>
+                                        </p:tgtEl>
+                                        <p:attrNameLst>
+                                          <p:attrName>style.visibility</p:attrName>
+                                        </p:attrNameLst>
+                                      </p:cBhvr>
+                                      <p:to>
+                                        <p:strVal val="visible"/>
+                                      </p:to>
+                                    </p:set>
+                                  </p:childTnLst>
+                                </p:cTn>
+                              </p:par>
+                              <p:par>
+                                <p:cTn id="81" presetID="1" presetClass="entr" presetSubtype="0" fill="hold" nodeType="withEffect">
+                                  <p:stCondLst>
+                                    <p:cond delay="0"/>
+                                  </p:stCondLst>
+                                  <p:childTnLst>
+                                    <p:set>
+                                      <p:cBhvr>
+                                        <p:cTn id="82" dur="1" fill="hold">
+                                          <p:stCondLst>
+                                            <p:cond delay="0"/>
+                                          </p:stCondLst>
+                                        </p:cTn>
+                                        <p:tgtEl>
+                                          <p:spTgt spid="16"/>
+                                        </p:tgtEl>
+                                        <p:attrNameLst>
+                                          <p:attrName>style.visibility</p:attrName>
+                                        </p:attrNameLst>
+                                      </p:cBhvr>
+                                      <p:to>
+                                        <p:strVal val="visible"/>
+                                      </p:to>
+                                    </p:set>
+                                  </p:childTnLst>
+                                </p:cTn>
+                              </p:par>
+                              <p:par>
+                                <p:cTn id="83" presetID="1" presetClass="entr" presetSubtype="0" fill="hold" nodeType="withEffect">
+                                  <p:stCondLst>
+                                    <p:cond delay="0"/>
+                                  </p:stCondLst>
+                                  <p:childTnLst>
+                                    <p:set>
+                                      <p:cBhvr>
+                                        <p:cTn id="84" dur="1" fill="hold">
+                                          <p:stCondLst>
+                                            <p:cond delay="0"/>
+                                          </p:stCondLst>
+                                        </p:cTn>
+                                        <p:tgtEl>
+                                          <p:spTgt spid="17"/>
+                                        </p:tgtEl>
+                                        <p:attrNameLst>
+                                          <p:attrName>style.visibility</p:attrName>
+                                        </p:attrNameLst>
+                                      </p:cBhvr>
+                                      <p:to>
+                                        <p:strVal val="visible"/>
+                                      </p:to>
+                                    </p:set>
+                                  </p:childTnLst>
+                                </p:cTn>
+                              </p:par>
+                              <p:par>
+                                <p:cTn id="85" presetID="1" presetClass="entr" presetSubtype="0" fill="hold" grpId="0" nodeType="withEffect">
+                                  <p:stCondLst>
+                                    <p:cond delay="0"/>
+                                  </p:stCondLst>
+                                  <p:childTnLst>
+                                    <p:set>
+                                      <p:cBhvr>
+                                        <p:cTn id="86" dur="1" fill="hold">
+                                          <p:stCondLst>
+                                            <p:cond delay="0"/>
+                                          </p:stCondLst>
+                                        </p:cTn>
+                                        <p:tgtEl>
+                                          <p:spTgt spid="61"/>
+                                        </p:tgtEl>
+                                        <p:attrNameLst>
+                                          <p:attrName>style.visibility</p:attrName>
+                                        </p:attrNameLst>
+                                      </p:cBhvr>
+                                      <p:to>
+                                        <p:strVal val="visible"/>
+                                      </p:to>
+                                    </p:set>
+                                  </p:childTnLst>
+                                </p:cTn>
+                              </p:par>
+                              <p:par>
+                                <p:cTn id="87" presetID="1" presetClass="entr" presetSubtype="0" fill="hold" grpId="0" nodeType="withEffect">
+                                  <p:stCondLst>
+                                    <p:cond delay="0"/>
+                                  </p:stCondLst>
+                                  <p:childTnLst>
+                                    <p:set>
+                                      <p:cBhvr>
+                                        <p:cTn id="88" dur="1" fill="hold">
+                                          <p:stCondLst>
+                                            <p:cond delay="0"/>
+                                          </p:stCondLst>
+                                        </p:cTn>
+                                        <p:tgtEl>
+                                          <p:spTgt spid="62"/>
+                                        </p:tgtEl>
+                                        <p:attrNameLst>
+                                          <p:attrName>style.visibility</p:attrName>
+                                        </p:attrNameLst>
+                                      </p:cBhvr>
+                                      <p:to>
+                                        <p:strVal val="visible"/>
+                                      </p:to>
+                                    </p:set>
+                                  </p:childTnLst>
+                                </p:cTn>
+                              </p:par>
+                              <p:par>
+                                <p:cTn id="89" presetID="1" presetClass="entr" presetSubtype="0" fill="hold" grpId="0" nodeType="withEffect">
+                                  <p:stCondLst>
+                                    <p:cond delay="0"/>
+                                  </p:stCondLst>
+                                  <p:childTnLst>
+                                    <p:set>
+                                      <p:cBhvr>
+                                        <p:cTn id="90" dur="1" fill="hold">
+                                          <p:stCondLst>
+                                            <p:cond delay="0"/>
+                                          </p:stCondLst>
+                                        </p:cTn>
+                                        <p:tgtEl>
+                                          <p:spTgt spid="63"/>
+                                        </p:tgtEl>
+                                        <p:attrNameLst>
+                                          <p:attrName>style.visibility</p:attrName>
+                                        </p:attrNameLst>
+                                      </p:cBhvr>
+                                      <p:to>
+                                        <p:strVal val="visible"/>
+                                      </p:to>
+                                    </p:set>
+                                  </p:childTnLst>
+                                </p:cTn>
+                              </p:par>
+                              <p:par>
+                                <p:cTn id="91" presetID="1" presetClass="entr" presetSubtype="0" fill="hold" grpId="0" nodeType="withEffect">
+                                  <p:stCondLst>
+                                    <p:cond delay="0"/>
+                                  </p:stCondLst>
+                                  <p:childTnLst>
+                                    <p:set>
+                                      <p:cBhvr>
+                                        <p:cTn id="92" dur="1" fill="hold">
+                                          <p:stCondLst>
+                                            <p:cond delay="0"/>
+                                          </p:stCondLst>
+                                        </p:cTn>
+                                        <p:tgtEl>
+                                          <p:spTgt spid="64"/>
+                                        </p:tgtEl>
+                                        <p:attrNameLst>
+                                          <p:attrName>style.visibility</p:attrName>
+                                        </p:attrNameLst>
+                                      </p:cBhvr>
+                                      <p:to>
+                                        <p:strVal val="visible"/>
+                                      </p:to>
+                                    </p:set>
+                                  </p:childTnLst>
+                                </p:cTn>
+                              </p:par>
+                              <p:par>
+                                <p:cTn id="93" presetID="1" presetClass="entr" presetSubtype="0" fill="hold" grpId="0" nodeType="withEffect">
+                                  <p:stCondLst>
+                                    <p:cond delay="0"/>
+                                  </p:stCondLst>
+                                  <p:childTnLst>
+                                    <p:set>
+                                      <p:cBhvr>
+                                        <p:cTn id="94" dur="1" fill="hold">
+                                          <p:stCondLst>
+                                            <p:cond delay="0"/>
+                                          </p:stCondLst>
+                                        </p:cTn>
+                                        <p:tgtEl>
+                                          <p:spTgt spid="65"/>
+                                        </p:tgtEl>
+                                        <p:attrNameLst>
+                                          <p:attrName>style.visibility</p:attrName>
+                                        </p:attrNameLst>
+                                      </p:cBhvr>
+                                      <p:to>
+                                        <p:strVal val="visible"/>
+                                      </p:to>
+                                    </p:set>
+                                  </p:childTnLst>
+                                </p:cTn>
+                              </p:par>
+                              <p:par>
+                                <p:cTn id="95" presetID="1" presetClass="entr" presetSubtype="0" fill="hold" grpId="0" nodeType="withEffect">
+                                  <p:stCondLst>
+                                    <p:cond delay="0"/>
+                                  </p:stCondLst>
+                                  <p:childTnLst>
+                                    <p:set>
+                                      <p:cBhvr>
+                                        <p:cTn id="96" dur="1" fill="hold">
+                                          <p:stCondLst>
+                                            <p:cond delay="0"/>
+                                          </p:stCondLst>
+                                        </p:cTn>
+                                        <p:tgtEl>
+                                          <p:spTgt spid="66"/>
+                                        </p:tgtEl>
+                                        <p:attrNameLst>
+                                          <p:attrName>style.visibility</p:attrName>
+                                        </p:attrNameLst>
+                                      </p:cBhvr>
+                                      <p:to>
+                                        <p:strVal val="visible"/>
+                                      </p:to>
+                                    </p:set>
+                                  </p:childTnLst>
+                                </p:cTn>
+                              </p:par>
+                              <p:par>
+                                <p:cTn id="97" presetID="1" presetClass="entr" presetSubtype="0" fill="hold" grpId="0" nodeType="withEffect">
                                   <p:stCondLst>
                                     <p:cond delay="0"/>
                                   </p:stCondLst>
@@ -21431,11 +21148,34 @@
                                           </p:stCondLst>
                                         </p:cTn>
                                         <p:tgtEl>
-                                          <p:spTgt spid="3">
-                                            <p:txEl>
-                                              <p:pRg st="8" end="8"/>
-                                            </p:txEl>
-                                          </p:spTgt>
+                                          <p:spTgt spid="67"/>
+                                        </p:tgtEl>
+                                        <p:attrNameLst>
+                                          <p:attrName>style.visibility</p:attrName>
+                                        </p:attrNameLst>
+                                      </p:cBhvr>
+                                      <p:to>
+                                        <p:strVal val="visible"/>
+                                      </p:to>
+                                    </p:set>
+                                  </p:childTnLst>
+                                </p:cTn>
+                              </p:par>
+                              <p:par>
+                                <p:cTn id="99" presetID="1" presetClass="entr" presetSubtype="0" fill="hold" grpId="0" nodeType="withEffect">
+                                  <p:stCondLst>
+                                    <p:cond delay="0"/>
+                                  </p:stCondLst>
+                                  <p:childTnLst>
+                                    <p:set>
+                                      <p:cBhvr>
+                                        <p:cTn id="100" dur="1" fill="hold">
+                                          <p:stCondLst>
+                                            <p:cond delay="0"/>
+                                          </p:stCondLst>
+                                        </p:cTn>
+                                        <p:tgtEl>
+                                          <p:spTgt spid="68"/>
                                         </p:tgtEl>
                                         <p:attrNameLst>
                                           <p:attrName>style.visibility</p:attrName>

--- a/big-data/lecture06.pptx
+++ b/big-data/lecture06.pptx
@@ -4,6 +4,9 @@
   <p:sldMasterIdLst>
     <p:sldMasterId id="2147483648" r:id="rId1"/>
   </p:sldMasterIdLst>
+  <p:notesMasterIdLst>
+    <p:notesMasterId r:id="rId23"/>
+  </p:notesMasterIdLst>
   <p:sldIdLst>
     <p:sldId id="257" r:id="rId2"/>
     <p:sldId id="258" r:id="rId3"/>
@@ -20,6 +23,12 @@
     <p:sldId id="269" r:id="rId14"/>
     <p:sldId id="270" r:id="rId15"/>
     <p:sldId id="271" r:id="rId16"/>
+    <p:sldId id="277" r:id="rId17"/>
+    <p:sldId id="272" r:id="rId18"/>
+    <p:sldId id="274" r:id="rId19"/>
+    <p:sldId id="273" r:id="rId20"/>
+    <p:sldId id="275" r:id="rId21"/>
+    <p:sldId id="276" r:id="rId22"/>
   </p:sldIdLst>
   <p:sldSz cx="9144000" cy="6858000" type="screen4x3"/>
   <p:notesSz cx="6858000" cy="9144000"/>
@@ -119,6 +128,444 @@
     </a:lvl9pPr>
   </p:defaultTextStyle>
 </p:presentation>
+</file>
+
+<file path=ppt/notesMasters/notesMaster1.xml><?xml version="1.0" encoding="utf-8"?>
+<p:notesMaster xmlns:a="http://schemas.openxmlformats.org/drawingml/2006/main" xmlns:r="http://schemas.openxmlformats.org/officeDocument/2006/relationships" xmlns:p="http://schemas.openxmlformats.org/presentationml/2006/main">
+  <p:cSld>
+    <p:bg>
+      <p:bgRef idx="1001">
+        <a:schemeClr val="bg1"/>
+      </p:bgRef>
+    </p:bg>
+    <p:spTree>
+      <p:nvGrpSpPr>
+        <p:cNvPr id="1" name=""/>
+        <p:cNvGrpSpPr/>
+        <p:nvPr/>
+      </p:nvGrpSpPr>
+      <p:grpSpPr>
+        <a:xfrm>
+          <a:off x="0" y="0"/>
+          <a:ext cx="0" cy="0"/>
+          <a:chOff x="0" y="0"/>
+          <a:chExt cx="0" cy="0"/>
+        </a:xfrm>
+      </p:grpSpPr>
+      <p:sp>
+        <p:nvSpPr>
+          <p:cNvPr id="2" name="Header Placeholder 1"/>
+          <p:cNvSpPr>
+            <a:spLocks noGrp="1"/>
+          </p:cNvSpPr>
+          <p:nvPr>
+            <p:ph type="hdr" sz="quarter"/>
+          </p:nvPr>
+        </p:nvSpPr>
+        <p:spPr>
+          <a:xfrm>
+            <a:off x="0" y="0"/>
+            <a:ext cx="2971800" cy="457200"/>
+          </a:xfrm>
+          <a:prstGeom prst="rect">
+            <a:avLst/>
+          </a:prstGeom>
+        </p:spPr>
+        <p:txBody>
+          <a:bodyPr vert="horz" lIns="91440" tIns="45720" rIns="91440" bIns="45720" rtlCol="0"/>
+          <a:lstStyle>
+            <a:lvl1pPr algn="l">
+              <a:defRPr sz="1200"/>
+            </a:lvl1pPr>
+          </a:lstStyle>
+          <a:p>
+            <a:endParaRPr lang="en-US"/>
+          </a:p>
+        </p:txBody>
+      </p:sp>
+      <p:sp>
+        <p:nvSpPr>
+          <p:cNvPr id="3" name="Date Placeholder 2"/>
+          <p:cNvSpPr>
+            <a:spLocks noGrp="1"/>
+          </p:cNvSpPr>
+          <p:nvPr>
+            <p:ph type="dt" idx="1"/>
+          </p:nvPr>
+        </p:nvSpPr>
+        <p:spPr>
+          <a:xfrm>
+            <a:off x="3884613" y="0"/>
+            <a:ext cx="2971800" cy="457200"/>
+          </a:xfrm>
+          <a:prstGeom prst="rect">
+            <a:avLst/>
+          </a:prstGeom>
+        </p:spPr>
+        <p:txBody>
+          <a:bodyPr vert="horz" lIns="91440" tIns="45720" rIns="91440" bIns="45720" rtlCol="0"/>
+          <a:lstStyle>
+            <a:lvl1pPr algn="r">
+              <a:defRPr sz="1200"/>
+            </a:lvl1pPr>
+          </a:lstStyle>
+          <a:p>
+            <a:fld id="{793EF85B-BEB1-4832-92EA-B2CF32115026}" type="datetimeFigureOut">
+              <a:rPr lang="en-US" smtClean="0"/>
+              <a:t>10/14/2015</a:t>
+            </a:fld>
+            <a:endParaRPr lang="en-US"/>
+          </a:p>
+        </p:txBody>
+      </p:sp>
+      <p:sp>
+        <p:nvSpPr>
+          <p:cNvPr id="4" name="Slide Image Placeholder 3"/>
+          <p:cNvSpPr>
+            <a:spLocks noGrp="1" noRot="1" noChangeAspect="1"/>
+          </p:cNvSpPr>
+          <p:nvPr>
+            <p:ph type="sldImg" idx="2"/>
+          </p:nvPr>
+        </p:nvSpPr>
+        <p:spPr>
+          <a:xfrm>
+            <a:off x="1143000" y="685800"/>
+            <a:ext cx="4572000" cy="3429000"/>
+          </a:xfrm>
+          <a:prstGeom prst="rect">
+            <a:avLst/>
+          </a:prstGeom>
+          <a:noFill/>
+          <a:ln w="12700">
+            <a:solidFill>
+              <a:prstClr val="black"/>
+            </a:solidFill>
+          </a:ln>
+        </p:spPr>
+        <p:txBody>
+          <a:bodyPr vert="horz" lIns="91440" tIns="45720" rIns="91440" bIns="45720" rtlCol="0" anchor="ctr"/>
+          <a:lstStyle/>
+          <a:p>
+            <a:endParaRPr lang="en-US"/>
+          </a:p>
+        </p:txBody>
+      </p:sp>
+      <p:sp>
+        <p:nvSpPr>
+          <p:cNvPr id="5" name="Notes Placeholder 4"/>
+          <p:cNvSpPr>
+            <a:spLocks noGrp="1"/>
+          </p:cNvSpPr>
+          <p:nvPr>
+            <p:ph type="body" sz="quarter" idx="3"/>
+          </p:nvPr>
+        </p:nvSpPr>
+        <p:spPr>
+          <a:xfrm>
+            <a:off x="685800" y="4343400"/>
+            <a:ext cx="5486400" cy="4114800"/>
+          </a:xfrm>
+          <a:prstGeom prst="rect">
+            <a:avLst/>
+          </a:prstGeom>
+        </p:spPr>
+        <p:txBody>
+          <a:bodyPr vert="horz" lIns="91440" tIns="45720" rIns="91440" bIns="45720" rtlCol="0"/>
+          <a:lstStyle/>
+          <a:p>
+            <a:pPr lvl="0"/>
+            <a:r>
+              <a:rPr lang="en-US" smtClean="0"/>
+              <a:t>Click to edit Master text styles</a:t>
+            </a:r>
+          </a:p>
+          <a:p>
+            <a:pPr lvl="1"/>
+            <a:r>
+              <a:rPr lang="en-US" smtClean="0"/>
+              <a:t>Second level</a:t>
+            </a:r>
+          </a:p>
+          <a:p>
+            <a:pPr lvl="2"/>
+            <a:r>
+              <a:rPr lang="en-US" smtClean="0"/>
+              <a:t>Third level</a:t>
+            </a:r>
+          </a:p>
+          <a:p>
+            <a:pPr lvl="3"/>
+            <a:r>
+              <a:rPr lang="en-US" smtClean="0"/>
+              <a:t>Fourth level</a:t>
+            </a:r>
+          </a:p>
+          <a:p>
+            <a:pPr lvl="4"/>
+            <a:r>
+              <a:rPr lang="en-US" smtClean="0"/>
+              <a:t>Fifth level</a:t>
+            </a:r>
+            <a:endParaRPr lang="en-US"/>
+          </a:p>
+        </p:txBody>
+      </p:sp>
+      <p:sp>
+        <p:nvSpPr>
+          <p:cNvPr id="6" name="Footer Placeholder 5"/>
+          <p:cNvSpPr>
+            <a:spLocks noGrp="1"/>
+          </p:cNvSpPr>
+          <p:nvPr>
+            <p:ph type="ftr" sz="quarter" idx="4"/>
+          </p:nvPr>
+        </p:nvSpPr>
+        <p:spPr>
+          <a:xfrm>
+            <a:off x="0" y="8685213"/>
+            <a:ext cx="2971800" cy="457200"/>
+          </a:xfrm>
+          <a:prstGeom prst="rect">
+            <a:avLst/>
+          </a:prstGeom>
+        </p:spPr>
+        <p:txBody>
+          <a:bodyPr vert="horz" lIns="91440" tIns="45720" rIns="91440" bIns="45720" rtlCol="0" anchor="b"/>
+          <a:lstStyle>
+            <a:lvl1pPr algn="l">
+              <a:defRPr sz="1200"/>
+            </a:lvl1pPr>
+          </a:lstStyle>
+          <a:p>
+            <a:endParaRPr lang="en-US"/>
+          </a:p>
+        </p:txBody>
+      </p:sp>
+      <p:sp>
+        <p:nvSpPr>
+          <p:cNvPr id="7" name="Slide Number Placeholder 6"/>
+          <p:cNvSpPr>
+            <a:spLocks noGrp="1"/>
+          </p:cNvSpPr>
+          <p:nvPr>
+            <p:ph type="sldNum" sz="quarter" idx="5"/>
+          </p:nvPr>
+        </p:nvSpPr>
+        <p:spPr>
+          <a:xfrm>
+            <a:off x="3884613" y="8685213"/>
+            <a:ext cx="2971800" cy="457200"/>
+          </a:xfrm>
+          <a:prstGeom prst="rect">
+            <a:avLst/>
+          </a:prstGeom>
+        </p:spPr>
+        <p:txBody>
+          <a:bodyPr vert="horz" lIns="91440" tIns="45720" rIns="91440" bIns="45720" rtlCol="0" anchor="b"/>
+          <a:lstStyle>
+            <a:lvl1pPr algn="r">
+              <a:defRPr sz="1200"/>
+            </a:lvl1pPr>
+          </a:lstStyle>
+          <a:p>
+            <a:fld id="{F1C44E99-CF07-4A52-B878-583A4C6A3F5F}" type="slidenum">
+              <a:rPr lang="en-US" smtClean="0"/>
+              <a:t>‹#›</a:t>
+            </a:fld>
+            <a:endParaRPr lang="en-US"/>
+          </a:p>
+        </p:txBody>
+      </p:sp>
+    </p:spTree>
+    <p:extLst>
+      <p:ext uri="{BB962C8B-B14F-4D97-AF65-F5344CB8AC3E}">
+        <p14:creationId xmlns:p14="http://schemas.microsoft.com/office/powerpoint/2010/main" val="4171036313"/>
+      </p:ext>
+    </p:extLst>
+  </p:cSld>
+  <p:clrMap bg1="lt1" tx1="dk1" bg2="lt2" tx2="dk2" accent1="accent1" accent2="accent2" accent3="accent3" accent4="accent4" accent5="accent5" accent6="accent6" hlink="hlink" folHlink="folHlink"/>
+  <p:notesStyle>
+    <a:lvl1pPr marL="0" algn="l" defTabSz="914400" rtl="0" eaLnBrk="1" latinLnBrk="0" hangingPunct="1">
+      <a:defRPr sz="1200" kern="1200">
+        <a:solidFill>
+          <a:schemeClr val="tx1"/>
+        </a:solidFill>
+        <a:latin typeface="+mn-lt"/>
+        <a:ea typeface="+mn-ea"/>
+        <a:cs typeface="+mn-cs"/>
+      </a:defRPr>
+    </a:lvl1pPr>
+    <a:lvl2pPr marL="457200" algn="l" defTabSz="914400" rtl="0" eaLnBrk="1" latinLnBrk="0" hangingPunct="1">
+      <a:defRPr sz="1200" kern="1200">
+        <a:solidFill>
+          <a:schemeClr val="tx1"/>
+        </a:solidFill>
+        <a:latin typeface="+mn-lt"/>
+        <a:ea typeface="+mn-ea"/>
+        <a:cs typeface="+mn-cs"/>
+      </a:defRPr>
+    </a:lvl2pPr>
+    <a:lvl3pPr marL="914400" algn="l" defTabSz="914400" rtl="0" eaLnBrk="1" latinLnBrk="0" hangingPunct="1">
+      <a:defRPr sz="1200" kern="1200">
+        <a:solidFill>
+          <a:schemeClr val="tx1"/>
+        </a:solidFill>
+        <a:latin typeface="+mn-lt"/>
+        <a:ea typeface="+mn-ea"/>
+        <a:cs typeface="+mn-cs"/>
+      </a:defRPr>
+    </a:lvl3pPr>
+    <a:lvl4pPr marL="1371600" algn="l" defTabSz="914400" rtl="0" eaLnBrk="1" latinLnBrk="0" hangingPunct="1">
+      <a:defRPr sz="1200" kern="1200">
+        <a:solidFill>
+          <a:schemeClr val="tx1"/>
+        </a:solidFill>
+        <a:latin typeface="+mn-lt"/>
+        <a:ea typeface="+mn-ea"/>
+        <a:cs typeface="+mn-cs"/>
+      </a:defRPr>
+    </a:lvl4pPr>
+    <a:lvl5pPr marL="1828800" algn="l" defTabSz="914400" rtl="0" eaLnBrk="1" latinLnBrk="0" hangingPunct="1">
+      <a:defRPr sz="1200" kern="1200">
+        <a:solidFill>
+          <a:schemeClr val="tx1"/>
+        </a:solidFill>
+        <a:latin typeface="+mn-lt"/>
+        <a:ea typeface="+mn-ea"/>
+        <a:cs typeface="+mn-cs"/>
+      </a:defRPr>
+    </a:lvl5pPr>
+    <a:lvl6pPr marL="2286000" algn="l" defTabSz="914400" rtl="0" eaLnBrk="1" latinLnBrk="0" hangingPunct="1">
+      <a:defRPr sz="1200" kern="1200">
+        <a:solidFill>
+          <a:schemeClr val="tx1"/>
+        </a:solidFill>
+        <a:latin typeface="+mn-lt"/>
+        <a:ea typeface="+mn-ea"/>
+        <a:cs typeface="+mn-cs"/>
+      </a:defRPr>
+    </a:lvl6pPr>
+    <a:lvl7pPr marL="2743200" algn="l" defTabSz="914400" rtl="0" eaLnBrk="1" latinLnBrk="0" hangingPunct="1">
+      <a:defRPr sz="1200" kern="1200">
+        <a:solidFill>
+          <a:schemeClr val="tx1"/>
+        </a:solidFill>
+        <a:latin typeface="+mn-lt"/>
+        <a:ea typeface="+mn-ea"/>
+        <a:cs typeface="+mn-cs"/>
+      </a:defRPr>
+    </a:lvl7pPr>
+    <a:lvl8pPr marL="3200400" algn="l" defTabSz="914400" rtl="0" eaLnBrk="1" latinLnBrk="0" hangingPunct="1">
+      <a:defRPr sz="1200" kern="1200">
+        <a:solidFill>
+          <a:schemeClr val="tx1"/>
+        </a:solidFill>
+        <a:latin typeface="+mn-lt"/>
+        <a:ea typeface="+mn-ea"/>
+        <a:cs typeface="+mn-cs"/>
+      </a:defRPr>
+    </a:lvl8pPr>
+    <a:lvl9pPr marL="3657600" algn="l" defTabSz="914400" rtl="0" eaLnBrk="1" latinLnBrk="0" hangingPunct="1">
+      <a:defRPr sz="1200" kern="1200">
+        <a:solidFill>
+          <a:schemeClr val="tx1"/>
+        </a:solidFill>
+        <a:latin typeface="+mn-lt"/>
+        <a:ea typeface="+mn-ea"/>
+        <a:cs typeface="+mn-cs"/>
+      </a:defRPr>
+    </a:lvl9pPr>
+  </p:notesStyle>
+</p:notesMaster>
+</file>
+
+<file path=ppt/notesSlides/notesSlide1.xml><?xml version="1.0" encoding="utf-8"?>
+<p:notes xmlns:a="http://schemas.openxmlformats.org/drawingml/2006/main" xmlns:r="http://schemas.openxmlformats.org/officeDocument/2006/relationships" xmlns:p="http://schemas.openxmlformats.org/presentationml/2006/main">
+  <p:cSld>
+    <p:spTree>
+      <p:nvGrpSpPr>
+        <p:cNvPr id="1" name=""/>
+        <p:cNvGrpSpPr/>
+        <p:nvPr/>
+      </p:nvGrpSpPr>
+      <p:grpSpPr>
+        <a:xfrm>
+          <a:off x="0" y="0"/>
+          <a:ext cx="0" cy="0"/>
+          <a:chOff x="0" y="0"/>
+          <a:chExt cx="0" cy="0"/>
+        </a:xfrm>
+      </p:grpSpPr>
+      <p:sp>
+        <p:nvSpPr>
+          <p:cNvPr id="2" name="Slide Image Placeholder 1"/>
+          <p:cNvSpPr>
+            <a:spLocks noGrp="1" noRot="1" noChangeAspect="1"/>
+          </p:cNvSpPr>
+          <p:nvPr>
+            <p:ph type="sldImg"/>
+          </p:nvPr>
+        </p:nvSpPr>
+        <p:spPr/>
+      </p:sp>
+      <p:sp>
+        <p:nvSpPr>
+          <p:cNvPr id="3" name="Notes Placeholder 2"/>
+          <p:cNvSpPr>
+            <a:spLocks noGrp="1"/>
+          </p:cNvSpPr>
+          <p:nvPr>
+            <p:ph type="body" idx="1"/>
+          </p:nvPr>
+        </p:nvSpPr>
+        <p:spPr/>
+        <p:txBody>
+          <a:bodyPr/>
+          <a:lstStyle/>
+          <a:p>
+            <a:r>
+              <a:rPr lang="en-US" dirty="0" smtClean="0"/>
+              <a:t>“”</a:t>
+            </a:r>
+            <a:endParaRPr lang="en-US" dirty="0"/>
+          </a:p>
+        </p:txBody>
+      </p:sp>
+      <p:sp>
+        <p:nvSpPr>
+          <p:cNvPr id="4" name="Slide Number Placeholder 3"/>
+          <p:cNvSpPr>
+            <a:spLocks noGrp="1"/>
+          </p:cNvSpPr>
+          <p:nvPr>
+            <p:ph type="sldNum" sz="quarter" idx="10"/>
+          </p:nvPr>
+        </p:nvSpPr>
+        <p:spPr/>
+        <p:txBody>
+          <a:bodyPr/>
+          <a:lstStyle/>
+          <a:p>
+            <a:fld id="{80EBC6A7-A4BF-4E87-BB99-2A22D8E0F51A}" type="slidenum">
+              <a:rPr lang="en-US" smtClean="0"/>
+              <a:t>16</a:t>
+            </a:fld>
+            <a:endParaRPr lang="en-US"/>
+          </a:p>
+        </p:txBody>
+      </p:sp>
+    </p:spTree>
+    <p:extLst>
+      <p:ext uri="{BB962C8B-B14F-4D97-AF65-F5344CB8AC3E}">
+        <p14:creationId xmlns:p14="http://schemas.microsoft.com/office/powerpoint/2010/main" val="3955920463"/>
+      </p:ext>
+    </p:extLst>
+  </p:cSld>
+  <p:clrMapOvr>
+    <a:masterClrMapping/>
+  </p:clrMapOvr>
+</p:notes>
 </file>
 
 <file path=ppt/slideLayouts/slideLayout1.xml><?xml version="1.0" encoding="utf-8"?>
@@ -10544,7 +10991,7 @@
             </p:spPr>
             <p:txBody>
               <a:bodyPr>
-                <a:normAutofit fontScale="85000" lnSpcReduction="20000"/>
+                <a:normAutofit fontScale="77500" lnSpcReduction="20000"/>
               </a:bodyPr>
               <a:lstStyle/>
               <a:p>
@@ -10767,10 +11214,31 @@
                         </m:naryPr>
                         <m:sub>
                           <m:r>
+                            <m:rPr>
+                              <m:brk m:alnAt="7"/>
+                            </m:rPr>
                             <a:rPr lang="en-US" b="0" i="1" dirty="0" smtClean="0">
                               <a:latin typeface="Cambria Math"/>
                             </a:rPr>
                             <m:t>𝑖</m:t>
+                          </m:r>
+                          <m:r>
+                            <a:rPr lang="en-US" b="0" i="1" dirty="0" smtClean="0">
+                              <a:latin typeface="Cambria Math"/>
+                            </a:rPr>
+                            <m:t>=0…</m:t>
+                          </m:r>
+                          <m:r>
+                            <a:rPr lang="en-US" b="0" i="1" dirty="0" smtClean="0">
+                              <a:latin typeface="Cambria Math"/>
+                            </a:rPr>
+                            <m:t>𝑟</m:t>
+                          </m:r>
+                          <m:r>
+                            <a:rPr lang="en-US" b="0" i="1" dirty="0" smtClean="0">
+                              <a:latin typeface="Cambria Math"/>
+                            </a:rPr>
+                            <m:t>−1</m:t>
                           </m:r>
                         </m:sub>
                         <m:sup/>
@@ -10971,6 +11439,12 @@
                           </a:rPr>
                           <m:t>𝑖</m:t>
                         </m:r>
+                        <m:r>
+                          <a:rPr lang="en-US" b="0" i="1" smtClean="0">
+                            <a:latin typeface="Cambria Math"/>
+                          </a:rPr>
+                          <m:t>+1</m:t>
+                        </m:r>
                       </m:sup>
                     </m:sSup>
                     <m:r>
@@ -11019,12 +11493,6 @@
                           </a:rPr>
                           <m:t>𝑖</m:t>
                         </m:r>
-                        <m:r>
-                          <a:rPr lang="en-US" b="0" i="1" smtClean="0">
-                            <a:latin typeface="Cambria Math"/>
-                          </a:rPr>
-                          <m:t>−1</m:t>
-                        </m:r>
                       </m:sup>
                     </m:sSup>
                   </m:oMath>
@@ -11179,12 +11647,16 @@
               </a:p>
               <a:p>
                 <a:r>
+                  <a:rPr lang="en-US" dirty="0" smtClean="0"/>
+                  <a:t>Edges taken by the </a:t>
+                </a:r>
+                <a:r>
                   <a:rPr lang="en-US" dirty="0" err="1" smtClean="0"/>
-                  <a:t>Kruskal</a:t>
+                  <a:t>Kruskal’s</a:t>
                 </a:r>
                 <a:r>
                   <a:rPr lang="en-US" dirty="0" smtClean="0"/>
-                  <a:t>:</a:t>
+                  <a:t> algorithm:</a:t>
                 </a:r>
               </a:p>
               <a:p>
@@ -11219,10 +11691,10 @@
                       </m:e>
                       <m:sub>
                         <m:r>
-                          <a:rPr lang="en-US" i="1" dirty="0" smtClean="0">
-                            <a:latin typeface="Cambria Math"/>
-                          </a:rPr>
-                          <m:t>1</m:t>
+                          <a:rPr lang="en-US" b="0" i="1" dirty="0" smtClean="0">
+                            <a:latin typeface="Cambria Math"/>
+                          </a:rPr>
+                          <m:t>0</m:t>
                         </m:r>
                       </m:sub>
                     </m:sSub>
@@ -11244,30 +11716,15 @@
                 <a14:m>
                   <m:oMath xmlns:m="http://schemas.openxmlformats.org/officeDocument/2006/math">
                     <m:r>
-                      <a:rPr lang="en-US" i="1" dirty="0" smtClean="0">
-                        <a:latin typeface="Cambria Math"/>
-                      </a:rPr>
-                      <m:t>…</m:t>
-                    </m:r>
-                  </m:oMath>
-                </a14:m>
-                <a:r>
-                  <a:rPr lang="en-US" dirty="0" smtClean="0"/>
-                  <a:t> </a:t>
-                </a:r>
-              </a:p>
-              <a:p>
-                <a:pPr lvl="1"/>
-                <a:r>
-                  <a:rPr lang="en-US" dirty="0" smtClean="0"/>
-                  <a:t>cc</a:t>
-                </a:r>
-                <a14:m>
-                  <m:oMath xmlns:m="http://schemas.openxmlformats.org/officeDocument/2006/math">
+                      <a:rPr lang="en-US" b="0" i="1" smtClean="0">
+                        <a:latin typeface="Cambria Math"/>
+                      </a:rPr>
+                      <m:t>𝑐𝑐</m:t>
+                    </m:r>
                     <m:d>
                       <m:dPr>
                         <m:ctrlPr>
-                          <a:rPr lang="en-US" i="1" dirty="0" smtClean="0">
+                          <a:rPr lang="en-US" b="0" i="1" smtClean="0">
                             <a:latin typeface="Cambria Math"/>
                           </a:rPr>
                         </m:ctrlPr>
@@ -11276,14 +11733,14 @@
                         <m:sSub>
                           <m:sSubPr>
                             <m:ctrlPr>
-                              <a:rPr lang="en-US" i="1" dirty="0" smtClean="0">
+                              <a:rPr lang="en-US" b="0" i="1" smtClean="0">
                                 <a:latin typeface="Cambria Math"/>
                               </a:rPr>
                             </m:ctrlPr>
                           </m:sSubPr>
                           <m:e>
                             <m:r>
-                              <a:rPr lang="en-US" i="1" dirty="0" smtClean="0">
+                              <a:rPr lang="en-US" b="0" i="1" smtClean="0">
                                 <a:latin typeface="Cambria Math"/>
                               </a:rPr>
                               <m:t>𝐺</m:t>
@@ -11291,26 +11748,109 @@
                           </m:e>
                           <m:sub>
                             <m:r>
-                              <a:rPr lang="en-US" b="0" i="1" dirty="0" smtClean="0">
+                              <a:rPr lang="en-US" b="0" i="1" smtClean="0">
                                 <a:latin typeface="Cambria Math"/>
                               </a:rPr>
-                              <m:t>𝑖</m:t>
+                              <m:t>0</m:t>
                             </m:r>
                           </m:sub>
                         </m:sSub>
                       </m:e>
                     </m:d>
                     <m:r>
-                      <a:rPr lang="en-US" b="0" i="1" dirty="0" smtClean="0">
+                      <a:rPr lang="en-US" b="0" i="1" smtClean="0">
                         <a:latin typeface="Cambria Math"/>
                       </a:rPr>
                       <m:t>−</m:t>
+                    </m:r>
+                    <m:r>
+                      <a:rPr lang="en-US" b="0" i="1" smtClean="0">
+                        <a:latin typeface="Cambria Math"/>
+                      </a:rPr>
+                      <m:t>𝑐𝑐</m:t>
+                    </m:r>
+                    <m:r>
+                      <a:rPr lang="en-US" b="0" i="1" smtClean="0">
+                        <a:latin typeface="Cambria Math"/>
+                      </a:rPr>
+                      <m:t>(</m:t>
+                    </m:r>
+                    <m:sSub>
+                      <m:sSubPr>
+                        <m:ctrlPr>
+                          <a:rPr lang="en-US" b="0" i="1" smtClean="0">
+                            <a:latin typeface="Cambria Math"/>
+                          </a:rPr>
+                        </m:ctrlPr>
+                      </m:sSubPr>
+                      <m:e>
+                        <m:r>
+                          <a:rPr lang="en-US" b="0" i="1" smtClean="0">
+                            <a:latin typeface="Cambria Math"/>
+                          </a:rPr>
+                          <m:t>𝐺</m:t>
+                        </m:r>
+                      </m:e>
+                      <m:sub>
+                        <m:r>
+                          <a:rPr lang="en-US" b="0" i="1" smtClean="0">
+                            <a:latin typeface="Cambria Math"/>
+                          </a:rPr>
+                          <m:t>1</m:t>
+                        </m:r>
+                      </m:sub>
+                    </m:sSub>
+                    <m:r>
+                      <a:rPr lang="en-US" b="0" i="1" smtClean="0">
+                        <a:latin typeface="Cambria Math"/>
+                      </a:rPr>
+                      <m:t>)</m:t>
                     </m:r>
                   </m:oMath>
                 </a14:m>
                 <a:r>
                   <a:rPr lang="en-US" dirty="0" smtClean="0"/>
-                  <a:t> cc</a:t>
+                  <a:t> edges of weight </a:t>
+                </a:r>
+                <a14:m>
+                  <m:oMath xmlns:m="http://schemas.openxmlformats.org/officeDocument/2006/math">
+                    <m:r>
+                      <a:rPr lang="en-US" b="0" i="1" smtClean="0">
+                        <a:latin typeface="Cambria Math"/>
+                      </a:rPr>
+                      <m:t>(1+</m:t>
+                    </m:r>
+                    <m:r>
+                      <a:rPr lang="en-US" b="0" i="1" smtClean="0">
+                        <a:latin typeface="Cambria Math"/>
+                      </a:rPr>
+                      <m:t>𝜖</m:t>
+                    </m:r>
+                    <m:r>
+                      <a:rPr lang="en-US" b="0" i="1" smtClean="0">
+                        <a:latin typeface="Cambria Math"/>
+                      </a:rPr>
+                      <m:t>)</m:t>
+                    </m:r>
+                  </m:oMath>
+                </a14:m>
+                <a:r>
+                  <a:rPr lang="en-US" dirty="0" smtClean="0"/>
+                  <a:t> </a:t>
+                </a:r>
+              </a:p>
+              <a:p>
+                <a:pPr lvl="1"/>
+                <a:r>
+                  <a:rPr lang="en-US" dirty="0" smtClean="0"/>
+                  <a:t>…</a:t>
+                </a:r>
+              </a:p>
+              <a:p>
+                <a:pPr lvl="1"/>
+                <a:r>
+                  <a:rPr lang="en-US" dirty="0" smtClean="0"/>
+                  <a:t>cc</a:t>
                 </a:r>
                 <a14:m>
                   <m:oMath xmlns:m="http://schemas.openxmlformats.org/officeDocument/2006/math">
@@ -11356,6 +11896,56 @@
                         </m:sSub>
                       </m:e>
                     </m:d>
+                    <m:r>
+                      <a:rPr lang="en-US" b="0" i="1" dirty="0" smtClean="0">
+                        <a:latin typeface="Cambria Math"/>
+                      </a:rPr>
+                      <m:t>−</m:t>
+                    </m:r>
+                  </m:oMath>
+                </a14:m>
+                <a:r>
+                  <a:rPr lang="en-US" dirty="0" smtClean="0"/>
+                  <a:t> cc</a:t>
+                </a:r>
+                <a14:m>
+                  <m:oMath xmlns:m="http://schemas.openxmlformats.org/officeDocument/2006/math">
+                    <m:d>
+                      <m:dPr>
+                        <m:ctrlPr>
+                          <a:rPr lang="en-US" i="1" dirty="0" smtClean="0">
+                            <a:latin typeface="Cambria Math"/>
+                          </a:rPr>
+                        </m:ctrlPr>
+                      </m:dPr>
+                      <m:e>
+                        <m:sSub>
+                          <m:sSubPr>
+                            <m:ctrlPr>
+                              <a:rPr lang="en-US" i="1" dirty="0" smtClean="0">
+                                <a:latin typeface="Cambria Math"/>
+                              </a:rPr>
+                            </m:ctrlPr>
+                          </m:sSubPr>
+                          <m:e>
+                            <m:r>
+                              <a:rPr lang="en-US" i="1" dirty="0" smtClean="0">
+                                <a:latin typeface="Cambria Math"/>
+                              </a:rPr>
+                              <m:t>𝐺</m:t>
+                            </m:r>
+                          </m:e>
+                          <m:sub>
+                            <m:r>
+                              <a:rPr lang="en-US" b="0" i="1" dirty="0" smtClean="0">
+                                <a:latin typeface="Cambria Math"/>
+                              </a:rPr>
+                              <m:t>𝑖</m:t>
+                            </m:r>
+                          </m:sub>
+                        </m:sSub>
+                      </m:e>
+                    </m:d>
                   </m:oMath>
                 </a14:m>
                 <a:r>
@@ -11435,7 +12025,7 @@
               <a:blipFill rotWithShape="1">
                 <a:blip r:embed="rId2"/>
                 <a:stretch>
-                  <a:fillRect l="-1286" t="-2389"/>
+                  <a:fillRect l="-1143" t="-2151"/>
                 </a:stretch>
               </a:blipFill>
             </p:spPr>
@@ -11902,6 +12492,37 @@
                                   </p:childTnLst>
                                 </p:cTn>
                               </p:par>
+                              <p:par>
+                                <p:cTn id="37" presetID="1" presetClass="entr" presetSubtype="0" fill="hold" grpId="0" nodeType="withEffect">
+                                  <p:stCondLst>
+                                    <p:cond delay="0"/>
+                                  </p:stCondLst>
+                                  <p:childTnLst>
+                                    <p:set>
+                                      <p:cBhvr>
+                                        <p:cTn id="38" dur="1" fill="hold">
+                                          <p:stCondLst>
+                                            <p:cond delay="0"/>
+                                          </p:stCondLst>
+                                        </p:cTn>
+                                        <p:tgtEl>
+                                          <p:spTgt spid="3">
+                                            <p:txEl>
+                                              <p:pRg st="10" end="10"/>
+                                            </p:txEl>
+                                          </p:spTgt>
+                                        </p:tgtEl>
+                                        <p:attrNameLst>
+                                          <p:attrName>style.visibility</p:attrName>
+                                        </p:attrNameLst>
+                                      </p:cBhvr>
+                                      <p:to>
+                                        <p:strVal val="visible"/>
+                                      </p:to>
+                                    </p:set>
+                                  </p:childTnLst>
+                                </p:cTn>
+                              </p:par>
                             </p:childTnLst>
                           </p:cTn>
                         </p:par>
@@ -12000,7 +12621,7 @@
             </p:spPr>
             <p:txBody>
               <a:bodyPr>
-                <a:normAutofit fontScale="92500"/>
+                <a:normAutofit/>
               </a:bodyPr>
               <a:lstStyle/>
               <a:p>
@@ -12113,254 +12734,249 @@
                   <a:buNone/>
                 </a:pPr>
                 <a14:m>
-                  <m:oMathPara xmlns:m="http://schemas.openxmlformats.org/officeDocument/2006/math">
-                    <m:oMathParaPr>
-                      <m:jc m:val="centerGroup"/>
-                    </m:oMathParaPr>
-                    <m:oMath xmlns:m="http://schemas.openxmlformats.org/officeDocument/2006/math">
-                      <m:r>
-                        <a:rPr lang="en-US" b="0" i="1" smtClean="0">
-                          <a:latin typeface="Cambria Math"/>
-                        </a:rPr>
-                        <m:t>𝑛</m:t>
-                      </m:r>
-                      <m:r>
-                        <a:rPr lang="en-US" b="0" i="1" smtClean="0">
-                          <a:latin typeface="Cambria Math"/>
-                        </a:rPr>
-                        <m:t> −</m:t>
-                      </m:r>
-                      <m:r>
-                        <a:rPr lang="en-US" b="0" i="1" smtClean="0">
-                          <a:latin typeface="Cambria Math"/>
-                        </a:rPr>
-                        <m:t>𝑐𝑐</m:t>
-                      </m:r>
-                      <m:d>
-                        <m:dPr>
-                          <m:ctrlPr>
-                            <a:rPr lang="en-US" b="0" i="1" smtClean="0">
-                              <a:latin typeface="Cambria Math"/>
-                            </a:rPr>
-                          </m:ctrlPr>
-                        </m:dPr>
-                        <m:e>
-                          <m:sSub>
-                            <m:sSubPr>
-                              <m:ctrlPr>
-                                <a:rPr lang="en-US" b="0" i="1" smtClean="0">
-                                  <a:latin typeface="Cambria Math"/>
-                                </a:rPr>
-                              </m:ctrlPr>
-                            </m:sSubPr>
-                            <m:e>
-                              <m:r>
-                                <a:rPr lang="en-US" b="0" i="1" smtClean="0">
-                                  <a:latin typeface="Cambria Math"/>
-                                </a:rPr>
-                                <m:t>𝐺</m:t>
-                              </m:r>
-                            </m:e>
-                            <m:sub>
-                              <m:r>
-                                <a:rPr lang="en-US" b="0" i="1" smtClean="0">
-                                  <a:latin typeface="Cambria Math"/>
-                                </a:rPr>
-                                <m:t>1</m:t>
-                              </m:r>
-                            </m:sub>
-                          </m:sSub>
-                        </m:e>
-                      </m:d>
-                      <m:r>
-                        <a:rPr lang="en-US" b="0" i="1" smtClean="0">
-                          <a:latin typeface="Cambria Math"/>
-                        </a:rPr>
-                        <m:t>+</m:t>
-                      </m:r>
-                      <m:nary>
-                        <m:naryPr>
-                          <m:chr m:val="∑"/>
-                          <m:ctrlPr>
-                            <a:rPr lang="en-US" b="0" i="1" smtClean="0">
-                              <a:latin typeface="Cambria Math"/>
-                            </a:rPr>
-                          </m:ctrlPr>
-                        </m:naryPr>
-                        <m:sub>
-                          <m:r>
-                            <a:rPr lang="en-US" b="0" i="1" smtClean="0">
-                              <a:latin typeface="Cambria Math"/>
-                            </a:rPr>
-                            <m:t>1</m:t>
-                          </m:r>
-                        </m:sub>
-                        <m:sup>
-                          <m:r>
-                            <a:rPr lang="en-US" b="0" i="1" smtClean="0">
-                              <a:latin typeface="Cambria Math"/>
-                            </a:rPr>
-                            <m:t>𝑟</m:t>
-                          </m:r>
-                          <m:r>
-                            <a:rPr lang="en-US" b="0" i="1" smtClean="0">
-                              <a:latin typeface="Cambria Math"/>
-                            </a:rPr>
-                            <m:t>−1</m:t>
-                          </m:r>
-                        </m:sup>
-                        <m:e>
-                          <m:sSup>
-                            <m:sSupPr>
-                              <m:ctrlPr>
-                                <a:rPr lang="en-US" b="0" i="1" smtClean="0">
-                                  <a:latin typeface="Cambria Math"/>
-                                </a:rPr>
-                              </m:ctrlPr>
-                            </m:sSupPr>
-                            <m:e>
-                              <m:d>
-                                <m:dPr>
-                                  <m:ctrlPr>
-                                    <a:rPr lang="en-US" b="0" i="1" smtClean="0">
-                                      <a:latin typeface="Cambria Math"/>
-                                    </a:rPr>
-                                  </m:ctrlPr>
-                                </m:dPr>
-                                <m:e>
-                                  <m:r>
-                                    <a:rPr lang="en-US" b="0" i="1" smtClean="0">
-                                      <a:latin typeface="Cambria Math"/>
-                                    </a:rPr>
-                                    <m:t>1+</m:t>
-                                  </m:r>
-                                  <m:r>
-                                    <a:rPr lang="en-US" b="0" i="1" smtClean="0">
-                                      <a:latin typeface="Cambria Math"/>
-                                    </a:rPr>
-                                    <m:t>𝜖</m:t>
-                                  </m:r>
-                                </m:e>
-                              </m:d>
-                            </m:e>
-                            <m:sup>
-                              <m:r>
-                                <a:rPr lang="en-US" b="0" i="1" smtClean="0">
-                                  <a:latin typeface="Cambria Math"/>
-                                </a:rPr>
-                                <m:t>𝑖</m:t>
-                              </m:r>
-                            </m:sup>
-                          </m:sSup>
-                        </m:e>
-                      </m:nary>
-                      <m:r>
-                        <a:rPr lang="en-US" b="0" i="1" smtClean="0">
-                          <a:latin typeface="Cambria Math"/>
-                        </a:rPr>
-                        <m:t>(</m:t>
-                      </m:r>
-                      <m:r>
-                        <a:rPr lang="en-US" b="0" i="1" smtClean="0">
-                          <a:latin typeface="Cambria Math"/>
-                        </a:rPr>
-                        <m:t>𝑐𝑐</m:t>
-                      </m:r>
-                      <m:d>
-                        <m:dPr>
-                          <m:ctrlPr>
-                            <a:rPr lang="en-US" b="0" i="1" smtClean="0">
-                              <a:latin typeface="Cambria Math"/>
-                            </a:rPr>
-                          </m:ctrlPr>
-                        </m:dPr>
-                        <m:e>
-                          <m:sSub>
-                            <m:sSubPr>
-                              <m:ctrlPr>
-                                <a:rPr lang="en-US" b="0" i="1" smtClean="0">
-                                  <a:latin typeface="Cambria Math"/>
-                                </a:rPr>
-                              </m:ctrlPr>
-                            </m:sSubPr>
-                            <m:e>
-                              <m:r>
-                                <a:rPr lang="en-US" b="0" i="1" smtClean="0">
-                                  <a:latin typeface="Cambria Math"/>
-                                </a:rPr>
-                                <m:t>𝐺</m:t>
-                              </m:r>
-                            </m:e>
-                            <m:sub>
-                              <m:r>
-                                <a:rPr lang="en-US" b="0" i="1" smtClean="0">
-                                  <a:latin typeface="Cambria Math"/>
-                                </a:rPr>
-                                <m:t>𝑖</m:t>
-                              </m:r>
-                            </m:sub>
-                          </m:sSub>
-                        </m:e>
-                      </m:d>
-                      <m:r>
-                        <a:rPr lang="en-US" b="0" i="1" smtClean="0">
-                          <a:latin typeface="Cambria Math"/>
-                        </a:rPr>
-                        <m:t>−</m:t>
-                      </m:r>
-                      <m:r>
-                        <a:rPr lang="en-US" b="0" i="1" smtClean="0">
-                          <a:latin typeface="Cambria Math"/>
-                        </a:rPr>
-                        <m:t>𝑐𝑐</m:t>
-                      </m:r>
-                      <m:r>
-                        <a:rPr lang="en-US" b="0" i="1" smtClean="0">
-                          <a:latin typeface="Cambria Math"/>
-                        </a:rPr>
-                        <m:t>(</m:t>
-                      </m:r>
-                      <m:sSub>
-                        <m:sSubPr>
-                          <m:ctrlPr>
-                            <a:rPr lang="en-US" b="0" i="1" smtClean="0">
-                              <a:latin typeface="Cambria Math"/>
-                            </a:rPr>
-                          </m:ctrlPr>
-                        </m:sSubPr>
-                        <m:e>
-                          <m:r>
-                            <a:rPr lang="en-US" b="0" i="1" smtClean="0">
-                              <a:latin typeface="Cambria Math"/>
-                            </a:rPr>
-                            <m:t>𝐺</m:t>
-                          </m:r>
-                        </m:e>
-                        <m:sub>
-                          <m:r>
-                            <a:rPr lang="en-US" b="0" i="1" smtClean="0">
-                              <a:latin typeface="Cambria Math"/>
-                            </a:rPr>
-                            <m:t>𝑖</m:t>
-                          </m:r>
-                          <m:r>
-                            <a:rPr lang="en-US" b="0" i="1" smtClean="0">
-                              <a:latin typeface="Cambria Math"/>
-                            </a:rPr>
-                            <m:t>+1</m:t>
-                          </m:r>
-                        </m:sub>
-                      </m:sSub>
-                      <m:r>
-                        <a:rPr lang="en-US" b="0" i="1" smtClean="0">
-                          <a:latin typeface="Cambria Math"/>
-                        </a:rPr>
-                        <m:t>)</m:t>
-                      </m:r>
-                    </m:oMath>
-                  </m:oMathPara>
+                  <m:oMath xmlns:m="http://schemas.openxmlformats.org/officeDocument/2006/math">
+                    <m:r>
+                      <a:rPr lang="en-US" b="0" i="1" smtClean="0">
+                        <a:latin typeface="Cambria Math"/>
+                      </a:rPr>
+                      <m:t>𝑛</m:t>
+                    </m:r>
+                    <m:r>
+                      <a:rPr lang="en-US" b="0" i="1" smtClean="0">
+                        <a:latin typeface="Cambria Math"/>
+                      </a:rPr>
+                      <m:t> −</m:t>
+                    </m:r>
+                    <m:r>
+                      <a:rPr lang="en-US" b="0" i="1" smtClean="0">
+                        <a:latin typeface="Cambria Math"/>
+                      </a:rPr>
+                      <m:t>𝑐𝑐</m:t>
+                    </m:r>
+                    <m:d>
+                      <m:dPr>
+                        <m:ctrlPr>
+                          <a:rPr lang="en-US" b="0" i="1" smtClean="0">
+                            <a:latin typeface="Cambria Math"/>
+                          </a:rPr>
+                        </m:ctrlPr>
+                      </m:dPr>
+                      <m:e>
+                        <m:sSub>
+                          <m:sSubPr>
+                            <m:ctrlPr>
+                              <a:rPr lang="en-US" b="0" i="1" smtClean="0">
+                                <a:latin typeface="Cambria Math"/>
+                              </a:rPr>
+                            </m:ctrlPr>
+                          </m:sSubPr>
+                          <m:e>
+                            <m:r>
+                              <a:rPr lang="en-US" b="0" i="1" smtClean="0">
+                                <a:latin typeface="Cambria Math"/>
+                              </a:rPr>
+                              <m:t>𝐺</m:t>
+                            </m:r>
+                          </m:e>
+                          <m:sub>
+                            <m:r>
+                              <a:rPr lang="en-US" b="0" i="1" smtClean="0">
+                                <a:latin typeface="Cambria Math"/>
+                              </a:rPr>
+                              <m:t>0</m:t>
+                            </m:r>
+                          </m:sub>
+                        </m:sSub>
+                      </m:e>
+                    </m:d>
+                    <m:r>
+                      <a:rPr lang="en-US" b="0" i="1" smtClean="0">
+                        <a:latin typeface="Cambria Math"/>
+                      </a:rPr>
+                      <m:t>+</m:t>
+                    </m:r>
+                    <m:nary>
+                      <m:naryPr>
+                        <m:chr m:val="∑"/>
+                        <m:ctrlPr>
+                          <a:rPr lang="en-US" b="0" i="1" smtClean="0">
+                            <a:latin typeface="Cambria Math"/>
+                          </a:rPr>
+                        </m:ctrlPr>
+                      </m:naryPr>
+                      <m:sub>
+                        <m:r>
+                          <m:rPr>
+                            <m:brk m:alnAt="23"/>
+                          </m:rPr>
+                          <a:rPr lang="en-US" b="0" i="1" smtClean="0">
+                            <a:latin typeface="Cambria Math"/>
+                          </a:rPr>
+                          <m:t>1</m:t>
+                        </m:r>
+                      </m:sub>
+                      <m:sup>
+                        <m:r>
+                          <a:rPr lang="en-US" b="0" i="1" smtClean="0">
+                            <a:latin typeface="Cambria Math"/>
+                          </a:rPr>
+                          <m:t>𝑟</m:t>
+                        </m:r>
+                      </m:sup>
+                      <m:e>
+                        <m:sSup>
+                          <m:sSupPr>
+                            <m:ctrlPr>
+                              <a:rPr lang="en-US" b="0" i="1" smtClean="0">
+                                <a:latin typeface="Cambria Math"/>
+                              </a:rPr>
+                            </m:ctrlPr>
+                          </m:sSupPr>
+                          <m:e>
+                            <m:d>
+                              <m:dPr>
+                                <m:ctrlPr>
+                                  <a:rPr lang="en-US" b="0" i="1" smtClean="0">
+                                    <a:latin typeface="Cambria Math"/>
+                                  </a:rPr>
+                                </m:ctrlPr>
+                              </m:dPr>
+                              <m:e>
+                                <m:r>
+                                  <a:rPr lang="en-US" b="0" i="1" smtClean="0">
+                                    <a:latin typeface="Cambria Math"/>
+                                  </a:rPr>
+                                  <m:t>1+</m:t>
+                                </m:r>
+                                <m:r>
+                                  <a:rPr lang="en-US" b="0" i="1" smtClean="0">
+                                    <a:latin typeface="Cambria Math"/>
+                                  </a:rPr>
+                                  <m:t>𝜖</m:t>
+                                </m:r>
+                              </m:e>
+                            </m:d>
+                          </m:e>
+                          <m:sup>
+                            <m:r>
+                              <a:rPr lang="en-US" b="0" i="1" smtClean="0">
+                                <a:latin typeface="Cambria Math"/>
+                              </a:rPr>
+                              <m:t>𝑖</m:t>
+                            </m:r>
+                          </m:sup>
+                        </m:sSup>
+                      </m:e>
+                    </m:nary>
+                    <m:r>
+                      <a:rPr lang="en-US" b="0" i="1" smtClean="0">
+                        <a:latin typeface="Cambria Math"/>
+                      </a:rPr>
+                      <m:t>(</m:t>
+                    </m:r>
+                    <m:r>
+                      <a:rPr lang="en-US" b="0" i="1" smtClean="0">
+                        <a:latin typeface="Cambria Math"/>
+                      </a:rPr>
+                      <m:t>𝑐𝑐</m:t>
+                    </m:r>
+                    <m:d>
+                      <m:dPr>
+                        <m:ctrlPr>
+                          <a:rPr lang="en-US" b="0" i="1" smtClean="0">
+                            <a:latin typeface="Cambria Math"/>
+                          </a:rPr>
+                        </m:ctrlPr>
+                      </m:dPr>
+                      <m:e>
+                        <m:sSub>
+                          <m:sSubPr>
+                            <m:ctrlPr>
+                              <a:rPr lang="en-US" b="0" i="1" smtClean="0">
+                                <a:latin typeface="Cambria Math"/>
+                              </a:rPr>
+                            </m:ctrlPr>
+                          </m:sSubPr>
+                          <m:e>
+                            <m:r>
+                              <a:rPr lang="en-US" b="0" i="1" smtClean="0">
+                                <a:latin typeface="Cambria Math"/>
+                              </a:rPr>
+                              <m:t>𝐺</m:t>
+                            </m:r>
+                          </m:e>
+                          <m:sub>
+                            <m:r>
+                              <a:rPr lang="en-US" b="0" i="1" smtClean="0">
+                                <a:latin typeface="Cambria Math"/>
+                              </a:rPr>
+                              <m:t>𝑖</m:t>
+                            </m:r>
+                            <m:r>
+                              <a:rPr lang="en-US" b="0" i="1" smtClean="0">
+                                <a:latin typeface="Cambria Math"/>
+                              </a:rPr>
+                              <m:t>−1</m:t>
+                            </m:r>
+                          </m:sub>
+                        </m:sSub>
+                      </m:e>
+                    </m:d>
+                    <m:r>
+                      <a:rPr lang="en-US" b="0" i="1" smtClean="0">
+                        <a:latin typeface="Cambria Math"/>
+                      </a:rPr>
+                      <m:t>−</m:t>
+                    </m:r>
+                    <m:r>
+                      <a:rPr lang="en-US" b="0" i="1" smtClean="0">
+                        <a:latin typeface="Cambria Math"/>
+                      </a:rPr>
+                      <m:t>𝑐𝑐</m:t>
+                    </m:r>
+                    <m:r>
+                      <a:rPr lang="en-US" b="0" i="1" smtClean="0">
+                        <a:latin typeface="Cambria Math"/>
+                      </a:rPr>
+                      <m:t>(</m:t>
+                    </m:r>
+                    <m:sSub>
+                      <m:sSubPr>
+                        <m:ctrlPr>
+                          <a:rPr lang="en-US" b="0" i="1" smtClean="0">
+                            <a:latin typeface="Cambria Math"/>
+                          </a:rPr>
+                        </m:ctrlPr>
+                      </m:sSubPr>
+                      <m:e>
+                        <m:r>
+                          <a:rPr lang="en-US" b="0" i="1" smtClean="0">
+                            <a:latin typeface="Cambria Math"/>
+                          </a:rPr>
+                          <m:t>𝐺</m:t>
+                        </m:r>
+                      </m:e>
+                      <m:sub>
+                        <m:r>
+                          <a:rPr lang="en-US" b="0" i="1" smtClean="0">
+                            <a:latin typeface="Cambria Math"/>
+                          </a:rPr>
+                          <m:t>𝑖</m:t>
+                        </m:r>
+                      </m:sub>
+                    </m:sSub>
+                    <m:r>
+                      <a:rPr lang="en-US" b="0" i="1" smtClean="0">
+                        <a:latin typeface="Cambria Math"/>
+                      </a:rPr>
+                      <m:t>)</m:t>
+                    </m:r>
+                  </m:oMath>
                 </a14:m>
-                <a:endParaRPr lang="en-US" b="0" dirty="0" smtClean="0"/>
+                <a:r>
+                  <a:rPr lang="en-US" b="0" dirty="0" smtClean="0"/>
+                  <a:t>)</a:t>
+                </a:r>
               </a:p>
               <a:p>
                 <a:pPr marL="0" indent="0" algn="ctr">
@@ -12449,10 +13065,13 @@
                         </m:naryPr>
                         <m:sub>
                           <m:r>
+                            <m:rPr>
+                              <m:brk m:alnAt="23"/>
+                            </m:rPr>
                             <a:rPr lang="en-US" b="0" i="1" smtClean="0">
                               <a:latin typeface="Cambria Math"/>
                             </a:rPr>
-                            <m:t>1</m:t>
+                            <m:t>0</m:t>
                           </m:r>
                         </m:sub>
                         <m:sup>
@@ -12516,6 +13135,12 @@
                                 </a:rPr>
                                 <m:t>𝑖</m:t>
                               </m:r>
+                              <m:r>
+                                <a:rPr lang="en-US" b="0" i="1" smtClean="0">
+                                  <a:latin typeface="Cambria Math"/>
+                                </a:rPr>
+                                <m:t>+1</m:t>
+                              </m:r>
                             </m:sup>
                           </m:sSup>
                           <m:r>
@@ -12563,12 +13188,6 @@
                                   <a:latin typeface="Cambria Math"/>
                                 </a:rPr>
                                 <m:t>𝑖</m:t>
-                              </m:r>
-                              <m:r>
-                                <a:rPr lang="en-US" b="0" i="1" smtClean="0">
-                                  <a:latin typeface="Cambria Math"/>
-                                </a:rPr>
-                                <m:t>−1</m:t>
                               </m:r>
                             </m:sup>
                           </m:sSup>
@@ -12783,7 +13402,7 @@
               <a:blipFill rotWithShape="1">
                 <a:blip r:embed="rId2"/>
                 <a:stretch>
-                  <a:fillRect l="-1379" t="-1478"/>
+                  <a:fillRect l="-1517" t="-1478"/>
                 </a:stretch>
               </a:blipFill>
             </p:spPr>
@@ -13045,6 +13664,3394 @@
                                           <p:spTgt spid="3">
                                             <p:txEl>
                                               <p:pRg st="4" end="4"/>
+                                            </p:txEl>
+                                          </p:spTgt>
+                                        </p:tgtEl>
+                                        <p:attrNameLst>
+                                          <p:attrName>style.visibility</p:attrName>
+                                        </p:attrNameLst>
+                                      </p:cBhvr>
+                                      <p:to>
+                                        <p:strVal val="visible"/>
+                                      </p:to>
+                                    </p:set>
+                                  </p:childTnLst>
+                                </p:cTn>
+                              </p:par>
+                            </p:childTnLst>
+                          </p:cTn>
+                        </p:par>
+                      </p:childTnLst>
+                    </p:cTn>
+                  </p:par>
+                </p:childTnLst>
+              </p:cTn>
+              <p:prevCondLst>
+                <p:cond evt="onPrev" delay="0">
+                  <p:tgtEl>
+                    <p:sldTgt/>
+                  </p:tgtEl>
+                </p:cond>
+              </p:prevCondLst>
+              <p:nextCondLst>
+                <p:cond evt="onNext" delay="0">
+                  <p:tgtEl>
+                    <p:sldTgt/>
+                  </p:tgtEl>
+                </p:cond>
+              </p:nextCondLst>
+            </p:seq>
+          </p:childTnLst>
+        </p:cTn>
+      </p:par>
+    </p:tnLst>
+    <p:bldLst>
+      <p:bldP spid="3" grpId="0" build="p"/>
+    </p:bldLst>
+  </p:timing>
+</p:sld>
+</file>
+
+<file path=ppt/slides/slide16.xml><?xml version="1.0" encoding="utf-8"?>
+<p:sld xmlns:a="http://schemas.openxmlformats.org/drawingml/2006/main" xmlns:r="http://schemas.openxmlformats.org/officeDocument/2006/relationships" xmlns:p="http://schemas.openxmlformats.org/presentationml/2006/main">
+  <p:cSld>
+    <p:spTree>
+      <p:nvGrpSpPr>
+        <p:cNvPr id="1" name=""/>
+        <p:cNvGrpSpPr/>
+        <p:nvPr/>
+      </p:nvGrpSpPr>
+      <p:grpSpPr>
+        <a:xfrm>
+          <a:off x="0" y="0"/>
+          <a:ext cx="0" cy="0"/>
+          <a:chOff x="0" y="0"/>
+          <a:chExt cx="0" cy="0"/>
+        </a:xfrm>
+      </p:grpSpPr>
+      <p:sp>
+        <p:nvSpPr>
+          <p:cNvPr id="2" name="Title 1"/>
+          <p:cNvSpPr>
+            <a:spLocks noGrp="1"/>
+          </p:cNvSpPr>
+          <p:nvPr>
+            <p:ph type="title"/>
+          </p:nvPr>
+        </p:nvSpPr>
+        <p:spPr/>
+        <p:txBody>
+          <a:bodyPr>
+            <a:normAutofit/>
+          </a:bodyPr>
+          <a:lstStyle/>
+          <a:p>
+            <a:r>
+              <a:rPr lang="en-US" dirty="0" smtClean="0">
+                <a:solidFill>
+                  <a:srgbClr val="0070C0"/>
+                </a:solidFill>
+              </a:rPr>
+              <a:t>MST: Single Linkage Clustering</a:t>
+            </a:r>
+            <a:endParaRPr lang="en-US" dirty="0">
+              <a:solidFill>
+                <a:srgbClr val="0070C0"/>
+              </a:solidFill>
+            </a:endParaRPr>
+          </a:p>
+        </p:txBody>
+      </p:sp>
+      <mc:AlternateContent xmlns:mc="http://schemas.openxmlformats.org/markup-compatibility/2006" xmlns:a14="http://schemas.microsoft.com/office/drawing/2010/main">
+        <mc:Choice Requires="a14">
+          <p:sp>
+            <p:nvSpPr>
+              <p:cNvPr id="3" name="Content Placeholder 2"/>
+              <p:cNvSpPr>
+                <a:spLocks noGrp="1"/>
+              </p:cNvSpPr>
+              <p:nvPr>
+                <p:ph idx="1"/>
+              </p:nvPr>
+            </p:nvSpPr>
+            <p:spPr>
+              <a:xfrm>
+                <a:off x="533400" y="1295400"/>
+                <a:ext cx="8229600" cy="4525963"/>
+              </a:xfrm>
+            </p:spPr>
+            <p:txBody>
+              <a:bodyPr/>
+              <a:lstStyle/>
+              <a:p>
+                <a:r>
+                  <a:rPr lang="en-US" sz="2800" dirty="0" smtClean="0"/>
+                  <a:t>[Zahn’71] </a:t>
+                </a:r>
+                <a:r>
+                  <a:rPr lang="en-US" sz="2800" b="1" dirty="0" smtClean="0"/>
+                  <a:t>Clustering</a:t>
+                </a:r>
+                <a:r>
+                  <a:rPr lang="en-US" sz="2800" dirty="0" smtClean="0"/>
+                  <a:t> via MST (Single-linkage): </a:t>
+                </a:r>
+              </a:p>
+              <a:p>
+                <a:pPr marL="0" indent="0">
+                  <a:buNone/>
+                </a:pPr>
+                <a:r>
+                  <a:rPr lang="en-US" sz="2800" b="1" dirty="0" smtClean="0">
+                    <a:solidFill>
+                      <a:srgbClr val="0070C0"/>
+                    </a:solidFill>
+                  </a:rPr>
+                  <a:t>k</a:t>
+                </a:r>
+                <a:r>
+                  <a:rPr lang="en-US" sz="2800" dirty="0" smtClean="0">
+                    <a:solidFill>
+                      <a:srgbClr val="0070C0"/>
+                    </a:solidFill>
+                  </a:rPr>
+                  <a:t> </a:t>
+                </a:r>
+                <a:r>
+                  <a:rPr lang="en-US" sz="2800" dirty="0" smtClean="0"/>
+                  <a:t>clusters: remove </a:t>
+                </a:r>
+                <a14:m>
+                  <m:oMath xmlns:m="http://schemas.openxmlformats.org/officeDocument/2006/math">
+                    <m:r>
+                      <a:rPr lang="en-US" sz="2800" b="1" i="1" dirty="0" smtClean="0">
+                        <a:solidFill>
+                          <a:srgbClr val="0070C0"/>
+                        </a:solidFill>
+                        <a:latin typeface="Cambria Math"/>
+                      </a:rPr>
+                      <m:t>𝒌</m:t>
+                    </m:r>
+                    <m:r>
+                      <a:rPr lang="en-US" sz="2800" b="1" i="1" dirty="0" smtClean="0">
+                        <a:solidFill>
+                          <a:srgbClr val="0070C0"/>
+                        </a:solidFill>
+                        <a:latin typeface="Cambria Math"/>
+                      </a:rPr>
+                      <m:t>−</m:t>
+                    </m:r>
+                    <m:r>
+                      <a:rPr lang="en-US" sz="2800" b="1" i="1" dirty="0" smtClean="0">
+                        <a:solidFill>
+                          <a:srgbClr val="0070C0"/>
+                        </a:solidFill>
+                        <a:latin typeface="Cambria Math"/>
+                      </a:rPr>
+                      <m:t>𝟏</m:t>
+                    </m:r>
+                  </m:oMath>
+                </a14:m>
+                <a:r>
+                  <a:rPr lang="en-US" sz="2800" dirty="0" smtClean="0"/>
+                  <a:t> longest edges from MST</a:t>
+                </a:r>
+              </a:p>
+              <a:p>
+                <a:r>
+                  <a:rPr lang="en-US" dirty="0" smtClean="0"/>
+                  <a:t>Maximizes </a:t>
+                </a:r>
+                <a:r>
+                  <a:rPr lang="en-US" b="1" dirty="0" smtClean="0"/>
+                  <a:t>minimum</a:t>
+                </a:r>
+                <a:r>
+                  <a:rPr lang="en-US" dirty="0" smtClean="0"/>
+                  <a:t> </a:t>
+                </a:r>
+                <a:r>
+                  <a:rPr lang="en-US" dirty="0" err="1" smtClean="0"/>
+                  <a:t>intercluster</a:t>
+                </a:r>
+                <a:r>
+                  <a:rPr lang="en-US" dirty="0" smtClean="0"/>
+                  <a:t> distance</a:t>
+                </a:r>
+                <a:endParaRPr lang="en-US" dirty="0"/>
+              </a:p>
+            </p:txBody>
+          </p:sp>
+        </mc:Choice>
+        <mc:Fallback xmlns="">
+          <p:sp>
+            <p:nvSpPr>
+              <p:cNvPr id="3" name="Content Placeholder 2"/>
+              <p:cNvSpPr>
+                <a:spLocks noGrp="1" noRot="1" noChangeAspect="1" noMove="1" noResize="1" noEditPoints="1" noAdjustHandles="1" noChangeArrowheads="1" noChangeShapeType="1" noTextEdit="1"/>
+              </p:cNvSpPr>
+              <p:nvPr>
+                <p:ph idx="1"/>
+              </p:nvPr>
+            </p:nvSpPr>
+            <p:spPr>
+              <a:xfrm>
+                <a:off x="533400" y="1295400"/>
+                <a:ext cx="8229600" cy="4525963"/>
+              </a:xfrm>
+              <a:blipFill rotWithShape="1">
+                <a:blip r:embed="rId3"/>
+                <a:stretch>
+                  <a:fillRect l="-1704" t="-1213"/>
+                </a:stretch>
+              </a:blipFill>
+            </p:spPr>
+            <p:txBody>
+              <a:bodyPr/>
+              <a:lstStyle/>
+              <a:p>
+                <a:r>
+                  <a:rPr lang="en-US">
+                    <a:noFill/>
+                  </a:rPr>
+                  <a:t> </a:t>
+                </a:r>
+              </a:p>
+            </p:txBody>
+          </p:sp>
+        </mc:Fallback>
+      </mc:AlternateContent>
+      <p:pic>
+        <p:nvPicPr>
+          <p:cNvPr id="1026" name="Picture 2"/>
+          <p:cNvPicPr>
+            <a:picLocks noChangeAspect="1" noChangeArrowheads="1"/>
+          </p:cNvPicPr>
+          <p:nvPr/>
+        </p:nvPicPr>
+        <p:blipFill>
+          <a:blip r:embed="rId4">
+            <a:extLst>
+              <a:ext uri="{28A0092B-C50C-407E-A947-70E740481C1C}">
+                <a14:useLocalDpi xmlns:a14="http://schemas.microsoft.com/office/drawing/2010/main" val="0"/>
+              </a:ext>
+            </a:extLst>
+          </a:blip>
+          <a:srcRect/>
+          <a:stretch>
+            <a:fillRect/>
+          </a:stretch>
+        </p:blipFill>
+        <p:spPr bwMode="auto">
+          <a:xfrm>
+            <a:off x="2590800" y="2997007"/>
+            <a:ext cx="4157853" cy="3098993"/>
+          </a:xfrm>
+          <a:prstGeom prst="rect">
+            <a:avLst/>
+          </a:prstGeom>
+          <a:noFill/>
+          <a:ln>
+            <a:noFill/>
+          </a:ln>
+          <a:effectLst/>
+          <a:extLst>
+            <a:ext uri="{909E8E84-426E-40DD-AFC4-6F175D3DCCD1}">
+              <a14:hiddenFill xmlns:a14="http://schemas.microsoft.com/office/drawing/2010/main">
+                <a:solidFill>
+                  <a:schemeClr val="accent1"/>
+                </a:solidFill>
+              </a14:hiddenFill>
+            </a:ext>
+            <a:ext uri="{91240B29-F687-4F45-9708-019B960494DF}">
+              <a14:hiddenLine xmlns:a14="http://schemas.microsoft.com/office/drawing/2010/main" w="9525">
+                <a:solidFill>
+                  <a:schemeClr val="tx1"/>
+                </a:solidFill>
+                <a:miter lim="800000"/>
+                <a:headEnd/>
+                <a:tailEnd/>
+              </a14:hiddenLine>
+            </a:ext>
+            <a:ext uri="{AF507438-7753-43E0-B8FC-AC1667EBCBE1}">
+              <a14:hiddenEffects xmlns:a14="http://schemas.microsoft.com/office/drawing/2010/main">
+                <a:effectLst>
+                  <a:outerShdw dist="35921" dir="2700000" algn="ctr" rotWithShape="0">
+                    <a:schemeClr val="bg2"/>
+                  </a:outerShdw>
+                </a:effectLst>
+              </a14:hiddenEffects>
+            </a:ext>
+          </a:extLst>
+        </p:spPr>
+      </p:pic>
+      <p:sp>
+        <p:nvSpPr>
+          <p:cNvPr id="4" name="TextBox 3"/>
+          <p:cNvSpPr txBox="1"/>
+          <p:nvPr/>
+        </p:nvSpPr>
+        <p:spPr>
+          <a:xfrm>
+            <a:off x="2996852" y="6197407"/>
+            <a:ext cx="3200400" cy="523220"/>
+          </a:xfrm>
+          <a:prstGeom prst="rect">
+            <a:avLst/>
+          </a:prstGeom>
+          <a:noFill/>
+        </p:spPr>
+        <p:txBody>
+          <a:bodyPr wrap="square" rtlCol="0">
+            <a:spAutoFit/>
+          </a:bodyPr>
+          <a:lstStyle/>
+          <a:p>
+            <a:r>
+              <a:rPr lang="en-US" sz="2800" dirty="0" smtClean="0">
+                <a:solidFill>
+                  <a:srgbClr val="0070C0"/>
+                </a:solidFill>
+              </a:rPr>
+              <a:t>[Kleinberg, </a:t>
+            </a:r>
+            <a:r>
+              <a:rPr lang="en-US" sz="2800" dirty="0" err="1" smtClean="0">
+                <a:solidFill>
+                  <a:srgbClr val="0070C0"/>
+                </a:solidFill>
+              </a:rPr>
+              <a:t>Tardos</a:t>
+            </a:r>
+            <a:r>
+              <a:rPr lang="en-US" sz="2800" dirty="0" smtClean="0">
+                <a:solidFill>
+                  <a:srgbClr val="0070C0"/>
+                </a:solidFill>
+              </a:rPr>
+              <a:t>]</a:t>
+            </a:r>
+            <a:endParaRPr lang="en-US" sz="2800" dirty="0">
+              <a:solidFill>
+                <a:srgbClr val="0070C0"/>
+              </a:solidFill>
+            </a:endParaRPr>
+          </a:p>
+        </p:txBody>
+      </p:sp>
+    </p:spTree>
+    <p:extLst>
+      <p:ext uri="{BB962C8B-B14F-4D97-AF65-F5344CB8AC3E}">
+        <p14:creationId xmlns:p14="http://schemas.microsoft.com/office/powerpoint/2010/main" val="495847896"/>
+      </p:ext>
+    </p:extLst>
+  </p:cSld>
+  <p:clrMapOvr>
+    <a:masterClrMapping/>
+  </p:clrMapOvr>
+  <p:timing>
+    <p:tnLst>
+      <p:par>
+        <p:cTn id="1" dur="indefinite" restart="never" nodeType="tmRoot">
+          <p:childTnLst>
+            <p:seq concurrent="1" nextAc="seek">
+              <p:cTn id="2" dur="indefinite" nodeType="mainSeq">
+                <p:childTnLst>
+                  <p:par>
+                    <p:cTn id="3" fill="hold">
+                      <p:stCondLst>
+                        <p:cond delay="indefinite"/>
+                      </p:stCondLst>
+                      <p:childTnLst>
+                        <p:par>
+                          <p:cTn id="4" fill="hold">
+                            <p:stCondLst>
+                              <p:cond delay="0"/>
+                            </p:stCondLst>
+                            <p:childTnLst>
+                              <p:par>
+                                <p:cTn id="5" presetID="1" presetClass="entr" presetSubtype="0" fill="hold" grpId="0" nodeType="clickEffect">
+                                  <p:stCondLst>
+                                    <p:cond delay="0"/>
+                                  </p:stCondLst>
+                                  <p:childTnLst>
+                                    <p:set>
+                                      <p:cBhvr>
+                                        <p:cTn id="6" dur="1" fill="hold">
+                                          <p:stCondLst>
+                                            <p:cond delay="0"/>
+                                          </p:stCondLst>
+                                        </p:cTn>
+                                        <p:tgtEl>
+                                          <p:spTgt spid="3">
+                                            <p:txEl>
+                                              <p:pRg st="0" end="0"/>
+                                            </p:txEl>
+                                          </p:spTgt>
+                                        </p:tgtEl>
+                                        <p:attrNameLst>
+                                          <p:attrName>style.visibility</p:attrName>
+                                        </p:attrNameLst>
+                                      </p:cBhvr>
+                                      <p:to>
+                                        <p:strVal val="visible"/>
+                                      </p:to>
+                                    </p:set>
+                                  </p:childTnLst>
+                                </p:cTn>
+                              </p:par>
+                            </p:childTnLst>
+                          </p:cTn>
+                        </p:par>
+                      </p:childTnLst>
+                    </p:cTn>
+                  </p:par>
+                  <p:par>
+                    <p:cTn id="7" fill="hold">
+                      <p:stCondLst>
+                        <p:cond delay="indefinite"/>
+                      </p:stCondLst>
+                      <p:childTnLst>
+                        <p:par>
+                          <p:cTn id="8" fill="hold">
+                            <p:stCondLst>
+                              <p:cond delay="0"/>
+                            </p:stCondLst>
+                            <p:childTnLst>
+                              <p:par>
+                                <p:cTn id="9" presetID="1" presetClass="entr" presetSubtype="0" fill="hold" grpId="0" nodeType="clickEffect">
+                                  <p:stCondLst>
+                                    <p:cond delay="0"/>
+                                  </p:stCondLst>
+                                  <p:childTnLst>
+                                    <p:set>
+                                      <p:cBhvr>
+                                        <p:cTn id="10" dur="1" fill="hold">
+                                          <p:stCondLst>
+                                            <p:cond delay="0"/>
+                                          </p:stCondLst>
+                                        </p:cTn>
+                                        <p:tgtEl>
+                                          <p:spTgt spid="3">
+                                            <p:txEl>
+                                              <p:pRg st="1" end="1"/>
+                                            </p:txEl>
+                                          </p:spTgt>
+                                        </p:tgtEl>
+                                        <p:attrNameLst>
+                                          <p:attrName>style.visibility</p:attrName>
+                                        </p:attrNameLst>
+                                      </p:cBhvr>
+                                      <p:to>
+                                        <p:strVal val="visible"/>
+                                      </p:to>
+                                    </p:set>
+                                  </p:childTnLst>
+                                </p:cTn>
+                              </p:par>
+                            </p:childTnLst>
+                          </p:cTn>
+                        </p:par>
+                      </p:childTnLst>
+                    </p:cTn>
+                  </p:par>
+                  <p:par>
+                    <p:cTn id="11" fill="hold">
+                      <p:stCondLst>
+                        <p:cond delay="indefinite"/>
+                      </p:stCondLst>
+                      <p:childTnLst>
+                        <p:par>
+                          <p:cTn id="12" fill="hold">
+                            <p:stCondLst>
+                              <p:cond delay="0"/>
+                            </p:stCondLst>
+                            <p:childTnLst>
+                              <p:par>
+                                <p:cTn id="13" presetID="1" presetClass="entr" presetSubtype="0" fill="hold" grpId="0" nodeType="clickEffect">
+                                  <p:stCondLst>
+                                    <p:cond delay="0"/>
+                                  </p:stCondLst>
+                                  <p:childTnLst>
+                                    <p:set>
+                                      <p:cBhvr>
+                                        <p:cTn id="14" dur="1" fill="hold">
+                                          <p:stCondLst>
+                                            <p:cond delay="0"/>
+                                          </p:stCondLst>
+                                        </p:cTn>
+                                        <p:tgtEl>
+                                          <p:spTgt spid="3">
+                                            <p:txEl>
+                                              <p:pRg st="2" end="2"/>
+                                            </p:txEl>
+                                          </p:spTgt>
+                                        </p:tgtEl>
+                                        <p:attrNameLst>
+                                          <p:attrName>style.visibility</p:attrName>
+                                        </p:attrNameLst>
+                                      </p:cBhvr>
+                                      <p:to>
+                                        <p:strVal val="visible"/>
+                                      </p:to>
+                                    </p:set>
+                                  </p:childTnLst>
+                                </p:cTn>
+                              </p:par>
+                            </p:childTnLst>
+                          </p:cTn>
+                        </p:par>
+                      </p:childTnLst>
+                    </p:cTn>
+                  </p:par>
+                  <p:par>
+                    <p:cTn id="15" fill="hold">
+                      <p:stCondLst>
+                        <p:cond delay="indefinite"/>
+                      </p:stCondLst>
+                      <p:childTnLst>
+                        <p:par>
+                          <p:cTn id="16" fill="hold">
+                            <p:stCondLst>
+                              <p:cond delay="0"/>
+                            </p:stCondLst>
+                            <p:childTnLst>
+                              <p:par>
+                                <p:cTn id="17" presetID="1" presetClass="entr" presetSubtype="0" fill="hold" nodeType="clickEffect">
+                                  <p:stCondLst>
+                                    <p:cond delay="0"/>
+                                  </p:stCondLst>
+                                  <p:childTnLst>
+                                    <p:set>
+                                      <p:cBhvr>
+                                        <p:cTn id="18" dur="1" fill="hold">
+                                          <p:stCondLst>
+                                            <p:cond delay="0"/>
+                                          </p:stCondLst>
+                                        </p:cTn>
+                                        <p:tgtEl>
+                                          <p:spTgt spid="1026"/>
+                                        </p:tgtEl>
+                                        <p:attrNameLst>
+                                          <p:attrName>style.visibility</p:attrName>
+                                        </p:attrNameLst>
+                                      </p:cBhvr>
+                                      <p:to>
+                                        <p:strVal val="visible"/>
+                                      </p:to>
+                                    </p:set>
+                                  </p:childTnLst>
+                                </p:cTn>
+                              </p:par>
+                              <p:par>
+                                <p:cTn id="19" presetID="1" presetClass="entr" presetSubtype="0" fill="hold" grpId="0" nodeType="withEffect">
+                                  <p:stCondLst>
+                                    <p:cond delay="0"/>
+                                  </p:stCondLst>
+                                  <p:childTnLst>
+                                    <p:set>
+                                      <p:cBhvr>
+                                        <p:cTn id="20" dur="1" fill="hold">
+                                          <p:stCondLst>
+                                            <p:cond delay="0"/>
+                                          </p:stCondLst>
+                                        </p:cTn>
+                                        <p:tgtEl>
+                                          <p:spTgt spid="4"/>
+                                        </p:tgtEl>
+                                        <p:attrNameLst>
+                                          <p:attrName>style.visibility</p:attrName>
+                                        </p:attrNameLst>
+                                      </p:cBhvr>
+                                      <p:to>
+                                        <p:strVal val="visible"/>
+                                      </p:to>
+                                    </p:set>
+                                  </p:childTnLst>
+                                </p:cTn>
+                              </p:par>
+                            </p:childTnLst>
+                          </p:cTn>
+                        </p:par>
+                      </p:childTnLst>
+                    </p:cTn>
+                  </p:par>
+                </p:childTnLst>
+              </p:cTn>
+              <p:prevCondLst>
+                <p:cond evt="onPrev" delay="0">
+                  <p:tgtEl>
+                    <p:sldTgt/>
+                  </p:tgtEl>
+                </p:cond>
+              </p:prevCondLst>
+              <p:nextCondLst>
+                <p:cond evt="onNext" delay="0">
+                  <p:tgtEl>
+                    <p:sldTgt/>
+                  </p:tgtEl>
+                </p:cond>
+              </p:nextCondLst>
+            </p:seq>
+          </p:childTnLst>
+        </p:cTn>
+      </p:par>
+    </p:tnLst>
+    <p:bldLst>
+      <p:bldP spid="3" grpId="0" build="p"/>
+      <p:bldP spid="4" grpId="0"/>
+    </p:bldLst>
+  </p:timing>
+</p:sld>
+</file>
+
+<file path=ppt/slides/slide17.xml><?xml version="1.0" encoding="utf-8"?>
+<p:sld xmlns:a="http://schemas.openxmlformats.org/drawingml/2006/main" xmlns:r="http://schemas.openxmlformats.org/officeDocument/2006/relationships" xmlns:p="http://schemas.openxmlformats.org/presentationml/2006/main">
+  <p:cSld>
+    <p:spTree>
+      <p:nvGrpSpPr>
+        <p:cNvPr id="1" name=""/>
+        <p:cNvGrpSpPr/>
+        <p:nvPr/>
+      </p:nvGrpSpPr>
+      <p:grpSpPr>
+        <a:xfrm>
+          <a:off x="0" y="0"/>
+          <a:ext cx="0" cy="0"/>
+          <a:chOff x="0" y="0"/>
+          <a:chExt cx="0" cy="0"/>
+        </a:xfrm>
+      </p:grpSpPr>
+      <p:sp>
+        <p:nvSpPr>
+          <p:cNvPr id="2" name="Title 1"/>
+          <p:cNvSpPr>
+            <a:spLocks noGrp="1"/>
+          </p:cNvSpPr>
+          <p:nvPr>
+            <p:ph type="title"/>
+          </p:nvPr>
+        </p:nvSpPr>
+        <p:spPr/>
+        <p:txBody>
+          <a:bodyPr/>
+          <a:lstStyle/>
+          <a:p>
+            <a:r>
+              <a:rPr lang="en-US" dirty="0" smtClean="0">
+                <a:solidFill>
+                  <a:srgbClr val="0070C0"/>
+                </a:solidFill>
+              </a:rPr>
+              <a:t>Cut </a:t>
+            </a:r>
+            <a:r>
+              <a:rPr lang="en-US" dirty="0" err="1" smtClean="0">
+                <a:solidFill>
+                  <a:srgbClr val="0070C0"/>
+                </a:solidFill>
+              </a:rPr>
+              <a:t>Sparsification</a:t>
+            </a:r>
+            <a:endParaRPr lang="en-US" dirty="0">
+              <a:solidFill>
+                <a:srgbClr val="0070C0"/>
+              </a:solidFill>
+            </a:endParaRPr>
+          </a:p>
+        </p:txBody>
+      </p:sp>
+      <mc:AlternateContent xmlns:mc="http://schemas.openxmlformats.org/markup-compatibility/2006">
+        <mc:Choice xmlns:a14="http://schemas.microsoft.com/office/drawing/2010/main" Requires="a14">
+          <p:sp>
+            <p:nvSpPr>
+              <p:cNvPr id="3" name="Content Placeholder 2"/>
+              <p:cNvSpPr>
+                <a:spLocks noGrp="1"/>
+              </p:cNvSpPr>
+              <p:nvPr>
+                <p:ph idx="1"/>
+              </p:nvPr>
+            </p:nvSpPr>
+            <p:spPr/>
+            <p:txBody>
+              <a:bodyPr/>
+              <a:lstStyle/>
+              <a:p>
+                <a:r>
+                  <a:rPr lang="en-US" dirty="0" smtClean="0"/>
+                  <a:t>Two problems:</a:t>
+                </a:r>
+              </a:p>
+              <a:p>
+                <a:pPr lvl="1"/>
+                <a:r>
+                  <a:rPr lang="en-US" dirty="0" smtClean="0"/>
+                  <a:t>Approximating Min-Cut in the graph (up to </a:t>
+                </a:r>
+                <a14:m>
+                  <m:oMath xmlns:m="http://schemas.openxmlformats.org/officeDocument/2006/math">
+                    <m:r>
+                      <a:rPr lang="en-US" b="0" i="1" smtClean="0">
+                        <a:latin typeface="Cambria Math"/>
+                      </a:rPr>
+                      <m:t>1±</m:t>
+                    </m:r>
+                    <m:r>
+                      <a:rPr lang="en-US" b="0" i="1" smtClean="0">
+                        <a:latin typeface="Cambria Math"/>
+                      </a:rPr>
+                      <m:t>𝜖</m:t>
+                    </m:r>
+                  </m:oMath>
+                </a14:m>
+                <a:r>
+                  <a:rPr lang="en-US" dirty="0" smtClean="0"/>
+                  <a:t>)</a:t>
+                </a:r>
+              </a:p>
+              <a:p>
+                <a:pPr lvl="1"/>
+                <a:r>
+                  <a:rPr lang="en-US" dirty="0" smtClean="0"/>
+                  <a:t>Preserving all cuts in the graph (up to </a:t>
+                </a:r>
+                <a14:m>
+                  <m:oMath xmlns:m="http://schemas.openxmlformats.org/officeDocument/2006/math">
+                    <m:r>
+                      <a:rPr lang="en-US" b="0" i="1" smtClean="0">
+                        <a:latin typeface="Cambria Math"/>
+                      </a:rPr>
+                      <m:t>1±</m:t>
+                    </m:r>
+                    <m:r>
+                      <a:rPr lang="en-US" b="0" i="1" smtClean="0">
+                        <a:latin typeface="Cambria Math"/>
+                      </a:rPr>
+                      <m:t>𝜖</m:t>
+                    </m:r>
+                  </m:oMath>
+                </a14:m>
+                <a:r>
+                  <a:rPr lang="en-US" dirty="0" smtClean="0"/>
+                  <a:t>)</a:t>
+                </a:r>
+              </a:p>
+              <a:p>
+                <a:r>
+                  <a:rPr lang="en-US" dirty="0" smtClean="0"/>
+                  <a:t>General cut </a:t>
+                </a:r>
+                <a:r>
+                  <a:rPr lang="en-US" dirty="0" err="1" smtClean="0"/>
+                  <a:t>sparsification</a:t>
+                </a:r>
+                <a:r>
+                  <a:rPr lang="en-US" dirty="0" smtClean="0"/>
+                  <a:t> framework:</a:t>
+                </a:r>
+              </a:p>
+              <a:p>
+                <a:pPr lvl="1"/>
+                <a:r>
+                  <a:rPr lang="en-US" dirty="0" smtClean="0"/>
+                  <a:t>Sample each edge </a:t>
+                </a:r>
+                <a14:m>
+                  <m:oMath xmlns:m="http://schemas.openxmlformats.org/officeDocument/2006/math">
+                    <m:r>
+                      <a:rPr lang="en-US" b="0" i="1" smtClean="0">
+                        <a:latin typeface="Cambria Math"/>
+                      </a:rPr>
+                      <m:t>𝑒</m:t>
+                    </m:r>
+                  </m:oMath>
+                </a14:m>
+                <a:r>
+                  <a:rPr lang="en-US" dirty="0" smtClean="0"/>
+                  <a:t> with probability </a:t>
+                </a:r>
+                <a14:m>
+                  <m:oMath xmlns:m="http://schemas.openxmlformats.org/officeDocument/2006/math">
+                    <m:sSub>
+                      <m:sSubPr>
+                        <m:ctrlPr>
+                          <a:rPr lang="en-US" b="0" i="1" smtClean="0">
+                            <a:latin typeface="Cambria Math"/>
+                          </a:rPr>
+                        </m:ctrlPr>
+                      </m:sSubPr>
+                      <m:e>
+                        <m:r>
+                          <a:rPr lang="en-US" b="0" i="1" smtClean="0">
+                            <a:latin typeface="Cambria Math"/>
+                          </a:rPr>
+                          <m:t>𝑝</m:t>
+                        </m:r>
+                      </m:e>
+                      <m:sub>
+                        <m:r>
+                          <a:rPr lang="en-US" b="0" i="1" smtClean="0">
+                            <a:latin typeface="Cambria Math"/>
+                          </a:rPr>
+                          <m:t>𝑒</m:t>
+                        </m:r>
+                      </m:sub>
+                    </m:sSub>
+                  </m:oMath>
+                </a14:m>
+                <a:endParaRPr lang="en-US" dirty="0" smtClean="0"/>
+              </a:p>
+              <a:p>
+                <a:pPr lvl="1"/>
+                <a:r>
+                  <a:rPr lang="en-US" dirty="0" smtClean="0"/>
+                  <a:t>Assign sampled edges weights </a:t>
+                </a:r>
+                <a14:m>
+                  <m:oMath xmlns:m="http://schemas.openxmlformats.org/officeDocument/2006/math">
+                    <m:r>
+                      <a:rPr lang="en-US" b="0" i="1" smtClean="0">
+                        <a:latin typeface="Cambria Math"/>
+                      </a:rPr>
+                      <m:t>1/</m:t>
+                    </m:r>
+                    <m:sSub>
+                      <m:sSubPr>
+                        <m:ctrlPr>
+                          <a:rPr lang="en-US" b="0" i="1" smtClean="0">
+                            <a:latin typeface="Cambria Math"/>
+                          </a:rPr>
+                        </m:ctrlPr>
+                      </m:sSubPr>
+                      <m:e>
+                        <m:r>
+                          <a:rPr lang="en-US" b="0" i="1" smtClean="0">
+                            <a:latin typeface="Cambria Math"/>
+                          </a:rPr>
+                          <m:t>𝑝</m:t>
+                        </m:r>
+                      </m:e>
+                      <m:sub>
+                        <m:r>
+                          <a:rPr lang="en-US" b="0" i="1" smtClean="0">
+                            <a:latin typeface="Cambria Math"/>
+                          </a:rPr>
+                          <m:t>𝑒</m:t>
+                        </m:r>
+                      </m:sub>
+                    </m:sSub>
+                  </m:oMath>
+                </a14:m>
+                <a:endParaRPr lang="en-US" dirty="0" smtClean="0"/>
+              </a:p>
+              <a:p>
+                <a:r>
+                  <a:rPr lang="en-US" dirty="0" smtClean="0"/>
+                  <a:t>Expected weight of each cut is preserved, but too many cuts </a:t>
+                </a:r>
+                <a14:m>
+                  <m:oMath xmlns:m="http://schemas.openxmlformats.org/officeDocument/2006/math">
+                    <m:r>
+                      <a:rPr lang="en-US" b="0" i="1" smtClean="0">
+                        <a:latin typeface="Cambria Math"/>
+                      </a:rPr>
+                      <m:t>−</m:t>
+                    </m:r>
+                  </m:oMath>
+                </a14:m>
+                <a:r>
+                  <a:rPr lang="en-US" dirty="0" smtClean="0"/>
+                  <a:t> can’t take union bound </a:t>
+                </a:r>
+                <a:endParaRPr lang="en-US" dirty="0"/>
+              </a:p>
+            </p:txBody>
+          </p:sp>
+        </mc:Choice>
+        <mc:Fallback>
+          <p:sp>
+            <p:nvSpPr>
+              <p:cNvPr id="3" name="Content Placeholder 2"/>
+              <p:cNvSpPr>
+                <a:spLocks noGrp="1" noRot="1" noChangeAspect="1" noMove="1" noResize="1" noEditPoints="1" noAdjustHandles="1" noChangeArrowheads="1" noChangeShapeType="1" noTextEdit="1"/>
+              </p:cNvSpPr>
+              <p:nvPr>
+                <p:ph idx="1"/>
+              </p:nvPr>
+            </p:nvSpPr>
+            <p:spPr>
+              <a:blipFill rotWithShape="1">
+                <a:blip r:embed="rId2"/>
+                <a:stretch>
+                  <a:fillRect l="-1630" t="-1752" r="-370"/>
+                </a:stretch>
+              </a:blipFill>
+            </p:spPr>
+            <p:txBody>
+              <a:bodyPr/>
+              <a:lstStyle/>
+              <a:p>
+                <a:r>
+                  <a:rPr lang="en-US">
+                    <a:noFill/>
+                  </a:rPr>
+                  <a:t> </a:t>
+                </a:r>
+              </a:p>
+            </p:txBody>
+          </p:sp>
+        </mc:Fallback>
+      </mc:AlternateContent>
+    </p:spTree>
+    <p:extLst>
+      <p:ext uri="{BB962C8B-B14F-4D97-AF65-F5344CB8AC3E}">
+        <p14:creationId xmlns:p14="http://schemas.microsoft.com/office/powerpoint/2010/main" val="3915992245"/>
+      </p:ext>
+    </p:extLst>
+  </p:cSld>
+  <p:clrMapOvr>
+    <a:masterClrMapping/>
+  </p:clrMapOvr>
+  <p:timing>
+    <p:tnLst>
+      <p:par>
+        <p:cTn id="1" dur="indefinite" restart="never" nodeType="tmRoot">
+          <p:childTnLst>
+            <p:seq concurrent="1" nextAc="seek">
+              <p:cTn id="2" dur="indefinite" nodeType="mainSeq">
+                <p:childTnLst>
+                  <p:par>
+                    <p:cTn id="3" fill="hold">
+                      <p:stCondLst>
+                        <p:cond delay="indefinite"/>
+                      </p:stCondLst>
+                      <p:childTnLst>
+                        <p:par>
+                          <p:cTn id="4" fill="hold">
+                            <p:stCondLst>
+                              <p:cond delay="0"/>
+                            </p:stCondLst>
+                            <p:childTnLst>
+                              <p:par>
+                                <p:cTn id="5" presetID="1" presetClass="entr" presetSubtype="0" fill="hold" grpId="0" nodeType="clickEffect">
+                                  <p:stCondLst>
+                                    <p:cond delay="0"/>
+                                  </p:stCondLst>
+                                  <p:childTnLst>
+                                    <p:set>
+                                      <p:cBhvr>
+                                        <p:cTn id="6" dur="1" fill="hold">
+                                          <p:stCondLst>
+                                            <p:cond delay="0"/>
+                                          </p:stCondLst>
+                                        </p:cTn>
+                                        <p:tgtEl>
+                                          <p:spTgt spid="3">
+                                            <p:txEl>
+                                              <p:pRg st="0" end="0"/>
+                                            </p:txEl>
+                                          </p:spTgt>
+                                        </p:tgtEl>
+                                        <p:attrNameLst>
+                                          <p:attrName>style.visibility</p:attrName>
+                                        </p:attrNameLst>
+                                      </p:cBhvr>
+                                      <p:to>
+                                        <p:strVal val="visible"/>
+                                      </p:to>
+                                    </p:set>
+                                  </p:childTnLst>
+                                </p:cTn>
+                              </p:par>
+                              <p:par>
+                                <p:cTn id="7" presetID="1" presetClass="entr" presetSubtype="0" fill="hold" grpId="0" nodeType="withEffect">
+                                  <p:stCondLst>
+                                    <p:cond delay="0"/>
+                                  </p:stCondLst>
+                                  <p:childTnLst>
+                                    <p:set>
+                                      <p:cBhvr>
+                                        <p:cTn id="8" dur="1" fill="hold">
+                                          <p:stCondLst>
+                                            <p:cond delay="0"/>
+                                          </p:stCondLst>
+                                        </p:cTn>
+                                        <p:tgtEl>
+                                          <p:spTgt spid="3">
+                                            <p:txEl>
+                                              <p:pRg st="1" end="1"/>
+                                            </p:txEl>
+                                          </p:spTgt>
+                                        </p:tgtEl>
+                                        <p:attrNameLst>
+                                          <p:attrName>style.visibility</p:attrName>
+                                        </p:attrNameLst>
+                                      </p:cBhvr>
+                                      <p:to>
+                                        <p:strVal val="visible"/>
+                                      </p:to>
+                                    </p:set>
+                                  </p:childTnLst>
+                                </p:cTn>
+                              </p:par>
+                              <p:par>
+                                <p:cTn id="9" presetID="1" presetClass="entr" presetSubtype="0" fill="hold" grpId="0" nodeType="withEffect">
+                                  <p:stCondLst>
+                                    <p:cond delay="0"/>
+                                  </p:stCondLst>
+                                  <p:childTnLst>
+                                    <p:set>
+                                      <p:cBhvr>
+                                        <p:cTn id="10" dur="1" fill="hold">
+                                          <p:stCondLst>
+                                            <p:cond delay="0"/>
+                                          </p:stCondLst>
+                                        </p:cTn>
+                                        <p:tgtEl>
+                                          <p:spTgt spid="3">
+                                            <p:txEl>
+                                              <p:pRg st="2" end="2"/>
+                                            </p:txEl>
+                                          </p:spTgt>
+                                        </p:tgtEl>
+                                        <p:attrNameLst>
+                                          <p:attrName>style.visibility</p:attrName>
+                                        </p:attrNameLst>
+                                      </p:cBhvr>
+                                      <p:to>
+                                        <p:strVal val="visible"/>
+                                      </p:to>
+                                    </p:set>
+                                  </p:childTnLst>
+                                </p:cTn>
+                              </p:par>
+                            </p:childTnLst>
+                          </p:cTn>
+                        </p:par>
+                      </p:childTnLst>
+                    </p:cTn>
+                  </p:par>
+                  <p:par>
+                    <p:cTn id="11" fill="hold">
+                      <p:stCondLst>
+                        <p:cond delay="indefinite"/>
+                      </p:stCondLst>
+                      <p:childTnLst>
+                        <p:par>
+                          <p:cTn id="12" fill="hold">
+                            <p:stCondLst>
+                              <p:cond delay="0"/>
+                            </p:stCondLst>
+                            <p:childTnLst>
+                              <p:par>
+                                <p:cTn id="13" presetID="1" presetClass="entr" presetSubtype="0" fill="hold" grpId="0" nodeType="clickEffect">
+                                  <p:stCondLst>
+                                    <p:cond delay="0"/>
+                                  </p:stCondLst>
+                                  <p:childTnLst>
+                                    <p:set>
+                                      <p:cBhvr>
+                                        <p:cTn id="14" dur="1" fill="hold">
+                                          <p:stCondLst>
+                                            <p:cond delay="0"/>
+                                          </p:stCondLst>
+                                        </p:cTn>
+                                        <p:tgtEl>
+                                          <p:spTgt spid="3">
+                                            <p:txEl>
+                                              <p:pRg st="3" end="3"/>
+                                            </p:txEl>
+                                          </p:spTgt>
+                                        </p:tgtEl>
+                                        <p:attrNameLst>
+                                          <p:attrName>style.visibility</p:attrName>
+                                        </p:attrNameLst>
+                                      </p:cBhvr>
+                                      <p:to>
+                                        <p:strVal val="visible"/>
+                                      </p:to>
+                                    </p:set>
+                                  </p:childTnLst>
+                                </p:cTn>
+                              </p:par>
+                              <p:par>
+                                <p:cTn id="15" presetID="1" presetClass="entr" presetSubtype="0" fill="hold" grpId="0" nodeType="withEffect">
+                                  <p:stCondLst>
+                                    <p:cond delay="0"/>
+                                  </p:stCondLst>
+                                  <p:childTnLst>
+                                    <p:set>
+                                      <p:cBhvr>
+                                        <p:cTn id="16" dur="1" fill="hold">
+                                          <p:stCondLst>
+                                            <p:cond delay="0"/>
+                                          </p:stCondLst>
+                                        </p:cTn>
+                                        <p:tgtEl>
+                                          <p:spTgt spid="3">
+                                            <p:txEl>
+                                              <p:pRg st="4" end="4"/>
+                                            </p:txEl>
+                                          </p:spTgt>
+                                        </p:tgtEl>
+                                        <p:attrNameLst>
+                                          <p:attrName>style.visibility</p:attrName>
+                                        </p:attrNameLst>
+                                      </p:cBhvr>
+                                      <p:to>
+                                        <p:strVal val="visible"/>
+                                      </p:to>
+                                    </p:set>
+                                  </p:childTnLst>
+                                </p:cTn>
+                              </p:par>
+                              <p:par>
+                                <p:cTn id="17" presetID="1" presetClass="entr" presetSubtype="0" fill="hold" grpId="0" nodeType="withEffect">
+                                  <p:stCondLst>
+                                    <p:cond delay="0"/>
+                                  </p:stCondLst>
+                                  <p:childTnLst>
+                                    <p:set>
+                                      <p:cBhvr>
+                                        <p:cTn id="18" dur="1" fill="hold">
+                                          <p:stCondLst>
+                                            <p:cond delay="0"/>
+                                          </p:stCondLst>
+                                        </p:cTn>
+                                        <p:tgtEl>
+                                          <p:spTgt spid="3">
+                                            <p:txEl>
+                                              <p:pRg st="5" end="5"/>
+                                            </p:txEl>
+                                          </p:spTgt>
+                                        </p:tgtEl>
+                                        <p:attrNameLst>
+                                          <p:attrName>style.visibility</p:attrName>
+                                        </p:attrNameLst>
+                                      </p:cBhvr>
+                                      <p:to>
+                                        <p:strVal val="visible"/>
+                                      </p:to>
+                                    </p:set>
+                                  </p:childTnLst>
+                                </p:cTn>
+                              </p:par>
+                            </p:childTnLst>
+                          </p:cTn>
+                        </p:par>
+                      </p:childTnLst>
+                    </p:cTn>
+                  </p:par>
+                  <p:par>
+                    <p:cTn id="19" fill="hold">
+                      <p:stCondLst>
+                        <p:cond delay="indefinite"/>
+                      </p:stCondLst>
+                      <p:childTnLst>
+                        <p:par>
+                          <p:cTn id="20" fill="hold">
+                            <p:stCondLst>
+                              <p:cond delay="0"/>
+                            </p:stCondLst>
+                            <p:childTnLst>
+                              <p:par>
+                                <p:cTn id="21" presetID="1" presetClass="entr" presetSubtype="0" fill="hold" grpId="0" nodeType="clickEffect">
+                                  <p:stCondLst>
+                                    <p:cond delay="0"/>
+                                  </p:stCondLst>
+                                  <p:childTnLst>
+                                    <p:set>
+                                      <p:cBhvr>
+                                        <p:cTn id="22" dur="1" fill="hold">
+                                          <p:stCondLst>
+                                            <p:cond delay="0"/>
+                                          </p:stCondLst>
+                                        </p:cTn>
+                                        <p:tgtEl>
+                                          <p:spTgt spid="3">
+                                            <p:txEl>
+                                              <p:pRg st="6" end="6"/>
+                                            </p:txEl>
+                                          </p:spTgt>
+                                        </p:tgtEl>
+                                        <p:attrNameLst>
+                                          <p:attrName>style.visibility</p:attrName>
+                                        </p:attrNameLst>
+                                      </p:cBhvr>
+                                      <p:to>
+                                        <p:strVal val="visible"/>
+                                      </p:to>
+                                    </p:set>
+                                  </p:childTnLst>
+                                </p:cTn>
+                              </p:par>
+                            </p:childTnLst>
+                          </p:cTn>
+                        </p:par>
+                      </p:childTnLst>
+                    </p:cTn>
+                  </p:par>
+                </p:childTnLst>
+              </p:cTn>
+              <p:prevCondLst>
+                <p:cond evt="onPrev" delay="0">
+                  <p:tgtEl>
+                    <p:sldTgt/>
+                  </p:tgtEl>
+                </p:cond>
+              </p:prevCondLst>
+              <p:nextCondLst>
+                <p:cond evt="onNext" delay="0">
+                  <p:tgtEl>
+                    <p:sldTgt/>
+                  </p:tgtEl>
+                </p:cond>
+              </p:nextCondLst>
+            </p:seq>
+          </p:childTnLst>
+        </p:cTn>
+      </p:par>
+    </p:tnLst>
+    <p:bldLst>
+      <p:bldP spid="3" grpId="0" build="p"/>
+    </p:bldLst>
+  </p:timing>
+</p:sld>
+</file>
+
+<file path=ppt/slides/slide18.xml><?xml version="1.0" encoding="utf-8"?>
+<p:sld xmlns:a="http://schemas.openxmlformats.org/drawingml/2006/main" xmlns:r="http://schemas.openxmlformats.org/officeDocument/2006/relationships" xmlns:p="http://schemas.openxmlformats.org/presentationml/2006/main">
+  <p:cSld>
+    <p:spTree>
+      <p:nvGrpSpPr>
+        <p:cNvPr id="1" name=""/>
+        <p:cNvGrpSpPr/>
+        <p:nvPr/>
+      </p:nvGrpSpPr>
+      <p:grpSpPr>
+        <a:xfrm>
+          <a:off x="0" y="0"/>
+          <a:ext cx="0" cy="0"/>
+          <a:chOff x="0" y="0"/>
+          <a:chExt cx="0" cy="0"/>
+        </a:xfrm>
+      </p:grpSpPr>
+      <p:sp>
+        <p:nvSpPr>
+          <p:cNvPr id="2" name="Title 1"/>
+          <p:cNvSpPr>
+            <a:spLocks noGrp="1"/>
+          </p:cNvSpPr>
+          <p:nvPr>
+            <p:ph type="title"/>
+          </p:nvPr>
+        </p:nvSpPr>
+        <p:spPr/>
+        <p:txBody>
+          <a:bodyPr/>
+          <a:lstStyle/>
+          <a:p>
+            <a:r>
+              <a:rPr lang="en-US" dirty="0" smtClean="0">
+                <a:solidFill>
+                  <a:srgbClr val="0070C0"/>
+                </a:solidFill>
+              </a:rPr>
+              <a:t>Cut </a:t>
+            </a:r>
+            <a:r>
+              <a:rPr lang="en-US" dirty="0" err="1" smtClean="0">
+                <a:solidFill>
+                  <a:srgbClr val="0070C0"/>
+                </a:solidFill>
+              </a:rPr>
+              <a:t>Sparsification</a:t>
+            </a:r>
+            <a:endParaRPr lang="en-US" dirty="0">
+              <a:solidFill>
+                <a:srgbClr val="0070C0"/>
+              </a:solidFill>
+            </a:endParaRPr>
+          </a:p>
+        </p:txBody>
+      </p:sp>
+      <mc:AlternateContent xmlns:mc="http://schemas.openxmlformats.org/markup-compatibility/2006">
+        <mc:Choice xmlns:a14="http://schemas.microsoft.com/office/drawing/2010/main" Requires="a14">
+          <p:sp>
+            <p:nvSpPr>
+              <p:cNvPr id="3" name="Content Placeholder 2"/>
+              <p:cNvSpPr>
+                <a:spLocks noGrp="1"/>
+              </p:cNvSpPr>
+              <p:nvPr>
+                <p:ph idx="1"/>
+              </p:nvPr>
+            </p:nvSpPr>
+            <p:spPr>
+              <a:xfrm>
+                <a:off x="457200" y="1600200"/>
+                <a:ext cx="8229600" cy="5257800"/>
+              </a:xfrm>
+            </p:spPr>
+            <p:txBody>
+              <a:bodyPr>
+                <a:normAutofit lnSpcReduction="10000"/>
+              </a:bodyPr>
+              <a:lstStyle/>
+              <a:p>
+                <a:r>
+                  <a:rPr lang="en-US" dirty="0" smtClean="0">
+                    <a:solidFill>
+                      <a:schemeClr val="tx1"/>
+                    </a:solidFill>
+                  </a:rPr>
+                  <a:t>For an edge </a:t>
+                </a:r>
+                <a14:m>
+                  <m:oMath xmlns:m="http://schemas.openxmlformats.org/officeDocument/2006/math">
+                    <m:r>
+                      <a:rPr lang="en-US" b="0" i="1" smtClean="0">
+                        <a:solidFill>
+                          <a:schemeClr val="tx1"/>
+                        </a:solidFill>
+                        <a:latin typeface="Cambria Math"/>
+                      </a:rPr>
+                      <m:t>𝑒</m:t>
+                    </m:r>
+                  </m:oMath>
+                </a14:m>
+                <a:r>
+                  <a:rPr lang="en-US" dirty="0" smtClean="0">
+                    <a:solidFill>
+                      <a:srgbClr val="0070C0"/>
+                    </a:solidFill>
+                  </a:rPr>
+                  <a:t> </a:t>
+                </a:r>
+                <a:r>
+                  <a:rPr lang="en-US" dirty="0" smtClean="0"/>
+                  <a:t>let</a:t>
+                </a:r>
+                <a:r>
+                  <a:rPr lang="en-US" dirty="0" smtClean="0">
+                    <a:solidFill>
+                      <a:srgbClr val="0070C0"/>
+                    </a:solidFill>
+                  </a:rPr>
+                  <a:t> </a:t>
+                </a:r>
+                <a14:m>
+                  <m:oMath xmlns:m="http://schemas.openxmlformats.org/officeDocument/2006/math">
+                    <m:sSub>
+                      <m:sSubPr>
+                        <m:ctrlPr>
+                          <a:rPr lang="en-US" b="0" i="1" smtClean="0">
+                            <a:latin typeface="Cambria Math"/>
+                          </a:rPr>
+                        </m:ctrlPr>
+                      </m:sSubPr>
+                      <m:e>
+                        <m:r>
+                          <a:rPr lang="en-US" b="0" i="1" smtClean="0">
+                            <a:latin typeface="Cambria Math"/>
+                          </a:rPr>
+                          <m:t>𝜆</m:t>
+                        </m:r>
+                      </m:e>
+                      <m:sub>
+                        <m:r>
+                          <a:rPr lang="en-US" b="0" i="1" smtClean="0">
+                            <a:latin typeface="Cambria Math"/>
+                          </a:rPr>
+                          <m:t>𝑒</m:t>
+                        </m:r>
+                      </m:sub>
+                    </m:sSub>
+                  </m:oMath>
+                </a14:m>
+                <a:r>
+                  <a:rPr lang="en-US" dirty="0" smtClean="0"/>
+                  <a:t> = weight of the minimum cut that contains </a:t>
+                </a:r>
+                <a14:m>
+                  <m:oMath xmlns:m="http://schemas.openxmlformats.org/officeDocument/2006/math">
+                    <m:r>
+                      <a:rPr lang="en-US" b="0" i="1" smtClean="0">
+                        <a:latin typeface="Cambria Math"/>
+                      </a:rPr>
+                      <m:t>𝑒</m:t>
+                    </m:r>
+                  </m:oMath>
+                </a14:m>
+                <a:endParaRPr lang="en-US" dirty="0" smtClean="0"/>
+              </a:p>
+              <a:p>
+                <a14:m>
+                  <m:oMath xmlns:m="http://schemas.openxmlformats.org/officeDocument/2006/math">
+                    <m:r>
+                      <a:rPr lang="en-US" b="0" i="1" smtClean="0">
+                        <a:latin typeface="Cambria Math"/>
+                      </a:rPr>
+                      <m:t>𝜆</m:t>
+                    </m:r>
+                    <m:r>
+                      <a:rPr lang="en-US" b="0" i="1" smtClean="0">
+                        <a:latin typeface="Cambria Math"/>
+                      </a:rPr>
+                      <m:t>=</m:t>
+                    </m:r>
+                  </m:oMath>
+                </a14:m>
+                <a:r>
+                  <a:rPr lang="en-US" dirty="0" smtClean="0"/>
+                  <a:t> size of the Min-Cut in </a:t>
+                </a:r>
+                <a:r>
+                  <a:rPr lang="en-US" dirty="0" smtClean="0"/>
+                  <a:t>G</a:t>
+                </a:r>
+                <a:endParaRPr lang="en-US" dirty="0" smtClean="0"/>
+              </a:p>
+              <a:p>
+                <a:r>
+                  <a:rPr lang="en-US" dirty="0" err="1" smtClean="0">
+                    <a:solidFill>
+                      <a:srgbClr val="0070C0"/>
+                    </a:solidFill>
+                  </a:rPr>
+                  <a:t>Thm</a:t>
+                </a:r>
+                <a:r>
+                  <a:rPr lang="en-US" dirty="0" smtClean="0">
+                    <a:solidFill>
+                      <a:srgbClr val="0070C0"/>
+                    </a:solidFill>
+                  </a:rPr>
+                  <a:t> [Fung et al.]: </a:t>
+                </a:r>
+                <a:r>
+                  <a:rPr lang="en-US" dirty="0" smtClean="0"/>
+                  <a:t>If </a:t>
+                </a:r>
+                <a14:m>
+                  <m:oMath xmlns:m="http://schemas.openxmlformats.org/officeDocument/2006/math">
+                    <m:r>
+                      <a:rPr lang="en-US" b="0" i="1" smtClean="0">
+                        <a:latin typeface="Cambria Math"/>
+                      </a:rPr>
+                      <m:t>𝐺</m:t>
+                    </m:r>
+                  </m:oMath>
+                </a14:m>
+                <a:r>
+                  <a:rPr lang="en-US" dirty="0" smtClean="0"/>
+                  <a:t> is an undirected weighted graph the if </a:t>
+                </a:r>
+                <a14:m>
+                  <m:oMath xmlns:m="http://schemas.openxmlformats.org/officeDocument/2006/math">
+                    <m:sSub>
+                      <m:sSubPr>
+                        <m:ctrlPr>
+                          <a:rPr lang="en-US" b="0" i="1" smtClean="0">
+                            <a:latin typeface="Cambria Math"/>
+                          </a:rPr>
+                        </m:ctrlPr>
+                      </m:sSubPr>
+                      <m:e>
+                        <m:r>
+                          <a:rPr lang="en-US" b="0" i="1" smtClean="0">
+                            <a:latin typeface="Cambria Math"/>
+                          </a:rPr>
+                          <m:t>𝑝</m:t>
+                        </m:r>
+                      </m:e>
+                      <m:sub>
+                        <m:r>
+                          <a:rPr lang="en-US" b="0" i="1" smtClean="0">
+                            <a:latin typeface="Cambria Math"/>
+                          </a:rPr>
+                          <m:t>𝑒</m:t>
+                        </m:r>
+                      </m:sub>
+                    </m:sSub>
+                    <m:r>
+                      <a:rPr lang="en-US" b="0" i="1" smtClean="0">
+                        <a:latin typeface="Cambria Math"/>
+                      </a:rPr>
+                      <m:t>≥</m:t>
+                    </m:r>
+                    <m:func>
+                      <m:funcPr>
+                        <m:ctrlPr>
+                          <a:rPr lang="en-US" b="0" i="1" smtClean="0">
+                            <a:latin typeface="Cambria Math"/>
+                          </a:rPr>
+                        </m:ctrlPr>
+                      </m:funcPr>
+                      <m:fName>
+                        <m:r>
+                          <m:rPr>
+                            <m:sty m:val="p"/>
+                          </m:rPr>
+                          <a:rPr lang="en-US" b="0" i="0" smtClean="0">
+                            <a:latin typeface="Cambria Math"/>
+                          </a:rPr>
+                          <m:t>min</m:t>
+                        </m:r>
+                      </m:fName>
+                      <m:e>
+                        <m:d>
+                          <m:dPr>
+                            <m:ctrlPr>
+                              <a:rPr lang="en-US" b="0" i="1" smtClean="0">
+                                <a:latin typeface="Cambria Math"/>
+                              </a:rPr>
+                            </m:ctrlPr>
+                          </m:dPr>
+                          <m:e>
+                            <m:f>
+                              <m:fPr>
+                                <m:ctrlPr>
+                                  <a:rPr lang="en-US" b="0" i="1" smtClean="0">
+                                    <a:latin typeface="Cambria Math"/>
+                                  </a:rPr>
+                                </m:ctrlPr>
+                              </m:fPr>
+                              <m:num>
+                                <m:r>
+                                  <a:rPr lang="en-US" b="0" i="1" smtClean="0">
+                                    <a:latin typeface="Cambria Math"/>
+                                  </a:rPr>
+                                  <m:t>𝐶</m:t>
+                                </m:r>
+                                <m:sSup>
+                                  <m:sSupPr>
+                                    <m:ctrlPr>
+                                      <a:rPr lang="en-US" b="0" i="1" smtClean="0">
+                                        <a:latin typeface="Cambria Math"/>
+                                      </a:rPr>
+                                    </m:ctrlPr>
+                                  </m:sSupPr>
+                                  <m:e>
+                                    <m:func>
+                                      <m:funcPr>
+                                        <m:ctrlPr>
+                                          <a:rPr lang="en-US" b="0" i="1" smtClean="0">
+                                            <a:latin typeface="Cambria Math"/>
+                                          </a:rPr>
+                                        </m:ctrlPr>
+                                      </m:funcPr>
+                                      <m:fName>
+                                        <m:sSup>
+                                          <m:sSupPr>
+                                            <m:ctrlPr>
+                                              <a:rPr lang="en-US" b="0" i="1" smtClean="0">
+                                                <a:latin typeface="Cambria Math"/>
+                                              </a:rPr>
+                                            </m:ctrlPr>
+                                          </m:sSupPr>
+                                          <m:e>
+                                            <m:r>
+                                              <m:rPr>
+                                                <m:sty m:val="p"/>
+                                              </m:rPr>
+                                              <a:rPr lang="en-US" b="0" i="0" smtClean="0">
+                                                <a:latin typeface="Cambria Math"/>
+                                              </a:rPr>
+                                              <m:t>log</m:t>
+                                            </m:r>
+                                          </m:e>
+                                          <m:sup>
+                                            <m:r>
+                                              <a:rPr lang="en-US" b="0" i="1" smtClean="0">
+                                                <a:latin typeface="Cambria Math"/>
+                                              </a:rPr>
+                                              <m:t>2</m:t>
+                                            </m:r>
+                                          </m:sup>
+                                        </m:sSup>
+                                      </m:fName>
+                                      <m:e>
+                                        <m:r>
+                                          <a:rPr lang="en-US" b="0" i="1" smtClean="0">
+                                            <a:latin typeface="Cambria Math"/>
+                                          </a:rPr>
+                                          <m:t>𝑛</m:t>
+                                        </m:r>
+                                      </m:e>
+                                    </m:func>
+                                  </m:e>
+                                  <m:sup/>
+                                </m:sSup>
+                              </m:num>
+                              <m:den>
+                                <m:sSup>
+                                  <m:sSupPr>
+                                    <m:ctrlPr>
+                                      <a:rPr lang="en-US" b="0" i="1" smtClean="0">
+                                        <a:latin typeface="Cambria Math"/>
+                                      </a:rPr>
+                                    </m:ctrlPr>
+                                  </m:sSupPr>
+                                  <m:e>
+                                    <m:sSub>
+                                      <m:sSubPr>
+                                        <m:ctrlPr>
+                                          <a:rPr lang="en-US" b="0" i="1" smtClean="0">
+                                            <a:latin typeface="Cambria Math"/>
+                                          </a:rPr>
+                                        </m:ctrlPr>
+                                      </m:sSubPr>
+                                      <m:e>
+                                        <m:r>
+                                          <a:rPr lang="en-US" b="0" i="1" smtClean="0">
+                                            <a:latin typeface="Cambria Math"/>
+                                          </a:rPr>
+                                          <m:t>𝜆</m:t>
+                                        </m:r>
+                                      </m:e>
+                                      <m:sub>
+                                        <m:r>
+                                          <a:rPr lang="en-US" b="0" i="1" smtClean="0">
+                                            <a:latin typeface="Cambria Math"/>
+                                          </a:rPr>
+                                          <m:t>𝑒</m:t>
+                                        </m:r>
+                                      </m:sub>
+                                    </m:sSub>
+                                    <m:r>
+                                      <a:rPr lang="en-US" b="0" i="1" smtClean="0">
+                                        <a:latin typeface="Cambria Math"/>
+                                      </a:rPr>
+                                      <m:t> </m:t>
+                                    </m:r>
+                                    <m:r>
+                                      <a:rPr lang="en-US" b="0" i="1" smtClean="0">
+                                        <a:latin typeface="Cambria Math"/>
+                                      </a:rPr>
+                                      <m:t>𝜖</m:t>
+                                    </m:r>
+                                  </m:e>
+                                  <m:sup>
+                                    <m:r>
+                                      <a:rPr lang="en-US" b="0" i="1" smtClean="0">
+                                        <a:latin typeface="Cambria Math"/>
+                                      </a:rPr>
+                                      <m:t>2</m:t>
+                                    </m:r>
+                                  </m:sup>
+                                </m:sSup>
+                              </m:den>
+                            </m:f>
+                            <m:r>
+                              <a:rPr lang="en-US" b="0" i="1" smtClean="0">
+                                <a:latin typeface="Cambria Math"/>
+                              </a:rPr>
+                              <m:t>,1</m:t>
+                            </m:r>
+                          </m:e>
+                        </m:d>
+                      </m:e>
+                    </m:func>
+                  </m:oMath>
+                </a14:m>
+                <a:r>
+                  <a:rPr lang="en-US" dirty="0" smtClean="0">
+                    <a:solidFill>
+                      <a:srgbClr val="0070C0"/>
+                    </a:solidFill>
+                  </a:rPr>
+                  <a:t> </a:t>
+                </a:r>
+                <a:r>
+                  <a:rPr lang="en-US" dirty="0" smtClean="0"/>
+                  <a:t>then the cut </a:t>
+                </a:r>
+                <a:r>
+                  <a:rPr lang="en-US" dirty="0" err="1" smtClean="0"/>
+                  <a:t>sparsification</a:t>
+                </a:r>
+                <a:r>
+                  <a:rPr lang="en-US" dirty="0" smtClean="0"/>
+                  <a:t> alg.  Preserves weights of all cuts up to </a:t>
+                </a:r>
+                <a14:m>
+                  <m:oMath xmlns:m="http://schemas.openxmlformats.org/officeDocument/2006/math">
+                    <m:r>
+                      <a:rPr lang="en-US" b="0" i="1" smtClean="0">
+                        <a:latin typeface="Cambria Math"/>
+                      </a:rPr>
+                      <m:t>(1±</m:t>
+                    </m:r>
+                    <m:r>
+                      <a:rPr lang="en-US" b="0" i="1" smtClean="0">
+                        <a:latin typeface="Cambria Math"/>
+                      </a:rPr>
+                      <m:t>𝜖</m:t>
+                    </m:r>
+                    <m:r>
+                      <a:rPr lang="en-US" b="0" i="1" smtClean="0">
+                        <a:latin typeface="Cambria Math"/>
+                      </a:rPr>
+                      <m:t>)</m:t>
+                    </m:r>
+                  </m:oMath>
+                </a14:m>
+                <a:endParaRPr lang="en-US" dirty="0" smtClean="0"/>
+              </a:p>
+              <a:p>
+                <a:r>
+                  <a:rPr lang="en-US" dirty="0" err="1" smtClean="0">
+                    <a:solidFill>
+                      <a:srgbClr val="0070C0"/>
+                    </a:solidFill>
+                  </a:rPr>
+                  <a:t>Thm</a:t>
+                </a:r>
+                <a:r>
+                  <a:rPr lang="en-US" dirty="0" smtClean="0">
+                    <a:solidFill>
+                      <a:srgbClr val="0070C0"/>
+                    </a:solidFill>
+                  </a:rPr>
+                  <a:t> [</a:t>
+                </a:r>
+                <a:r>
+                  <a:rPr lang="en-US" dirty="0" err="1" smtClean="0">
+                    <a:solidFill>
+                      <a:srgbClr val="0070C0"/>
+                    </a:solidFill>
+                  </a:rPr>
+                  <a:t>Karger</a:t>
+                </a:r>
+                <a:r>
+                  <a:rPr lang="en-US" dirty="0" smtClean="0">
+                    <a:solidFill>
+                      <a:srgbClr val="0070C0"/>
+                    </a:solidFill>
+                  </a:rPr>
+                  <a:t>]</a:t>
+                </a:r>
+                <a:r>
+                  <a:rPr lang="en-US" dirty="0" smtClean="0"/>
+                  <a:t>: </a:t>
+                </a:r>
+                <a14:m>
+                  <m:oMath xmlns:m="http://schemas.openxmlformats.org/officeDocument/2006/math">
+                    <m:sSub>
+                      <m:sSubPr>
+                        <m:ctrlPr>
+                          <a:rPr lang="en-US" b="0" i="1" smtClean="0">
+                            <a:latin typeface="Cambria Math"/>
+                          </a:rPr>
+                        </m:ctrlPr>
+                      </m:sSubPr>
+                      <m:e>
+                        <m:r>
+                          <a:rPr lang="en-US" b="0" i="1" smtClean="0">
+                            <a:latin typeface="Cambria Math"/>
+                          </a:rPr>
+                          <m:t>𝑝</m:t>
+                        </m:r>
+                      </m:e>
+                      <m:sub>
+                        <m:r>
+                          <a:rPr lang="en-US" b="0" i="1" smtClean="0">
+                            <a:latin typeface="Cambria Math"/>
+                          </a:rPr>
+                          <m:t>𝑒</m:t>
+                        </m:r>
+                      </m:sub>
+                    </m:sSub>
+                    <m:r>
+                      <a:rPr lang="en-US" b="0" i="1" smtClean="0">
+                        <a:latin typeface="Cambria Math"/>
+                      </a:rPr>
+                      <m:t>≥</m:t>
+                    </m:r>
+                    <m:func>
+                      <m:funcPr>
+                        <m:ctrlPr>
+                          <a:rPr lang="en-US" b="0" i="1" smtClean="0">
+                            <a:latin typeface="Cambria Math"/>
+                          </a:rPr>
+                        </m:ctrlPr>
+                      </m:funcPr>
+                      <m:fName>
+                        <m:r>
+                          <m:rPr>
+                            <m:sty m:val="p"/>
+                          </m:rPr>
+                          <a:rPr lang="en-US" b="0" i="0" smtClean="0">
+                            <a:latin typeface="Cambria Math"/>
+                          </a:rPr>
+                          <m:t>min</m:t>
+                        </m:r>
+                      </m:fName>
+                      <m:e>
+                        <m:d>
+                          <m:dPr>
+                            <m:ctrlPr>
+                              <a:rPr lang="en-US" b="0" i="1" smtClean="0">
+                                <a:latin typeface="Cambria Math"/>
+                              </a:rPr>
+                            </m:ctrlPr>
+                          </m:dPr>
+                          <m:e>
+                            <m:f>
+                              <m:fPr>
+                                <m:ctrlPr>
+                                  <a:rPr lang="en-US" b="0" i="1" smtClean="0">
+                                    <a:latin typeface="Cambria Math"/>
+                                  </a:rPr>
+                                </m:ctrlPr>
+                              </m:fPr>
+                              <m:num>
+                                <m:r>
+                                  <a:rPr lang="en-US" b="0" i="1" smtClean="0">
+                                    <a:latin typeface="Cambria Math"/>
+                                  </a:rPr>
+                                  <m:t>𝐶</m:t>
+                                </m:r>
+                                <m:func>
+                                  <m:funcPr>
+                                    <m:ctrlPr>
+                                      <a:rPr lang="en-US" b="0" i="1" smtClean="0">
+                                        <a:latin typeface="Cambria Math"/>
+                                      </a:rPr>
+                                    </m:ctrlPr>
+                                  </m:funcPr>
+                                  <m:fName>
+                                    <m:r>
+                                      <m:rPr>
+                                        <m:sty m:val="p"/>
+                                      </m:rPr>
+                                      <a:rPr lang="en-US" b="0" i="0" smtClean="0">
+                                        <a:latin typeface="Cambria Math"/>
+                                      </a:rPr>
+                                      <m:t>log</m:t>
+                                    </m:r>
+                                  </m:fName>
+                                  <m:e>
+                                    <m:r>
+                                      <a:rPr lang="en-US" b="0" i="1" smtClean="0">
+                                        <a:latin typeface="Cambria Math"/>
+                                      </a:rPr>
+                                      <m:t>𝑛</m:t>
+                                    </m:r>
+                                  </m:e>
+                                </m:func>
+                              </m:num>
+                              <m:den>
+                                <m:sSup>
+                                  <m:sSupPr>
+                                    <m:ctrlPr>
+                                      <a:rPr lang="en-US" b="0" i="1" smtClean="0">
+                                        <a:latin typeface="Cambria Math"/>
+                                      </a:rPr>
+                                    </m:ctrlPr>
+                                  </m:sSupPr>
+                                  <m:e>
+                                    <m:r>
+                                      <a:rPr lang="en-US" b="0" i="1" smtClean="0">
+                                        <a:latin typeface="Cambria Math"/>
+                                      </a:rPr>
+                                      <m:t>𝜆</m:t>
+                                    </m:r>
+                                    <m:r>
+                                      <a:rPr lang="en-US" b="0" i="1" smtClean="0">
+                                        <a:latin typeface="Cambria Math"/>
+                                      </a:rPr>
+                                      <m:t> </m:t>
+                                    </m:r>
+                                    <m:r>
+                                      <a:rPr lang="en-US" b="0" i="1" smtClean="0">
+                                        <a:latin typeface="Cambria Math"/>
+                                      </a:rPr>
+                                      <m:t>𝜖</m:t>
+                                    </m:r>
+                                  </m:e>
+                                  <m:sup>
+                                    <m:r>
+                                      <a:rPr lang="en-US" b="0" i="1" smtClean="0">
+                                        <a:latin typeface="Cambria Math"/>
+                                      </a:rPr>
+                                      <m:t>2</m:t>
+                                    </m:r>
+                                  </m:sup>
+                                </m:sSup>
+                              </m:den>
+                            </m:f>
+                            <m:r>
+                              <a:rPr lang="en-US" b="0" i="1" smtClean="0">
+                                <a:latin typeface="Cambria Math"/>
+                              </a:rPr>
+                              <m:t>,1</m:t>
+                            </m:r>
+                          </m:e>
+                        </m:d>
+                      </m:e>
+                    </m:func>
+                  </m:oMath>
+                </a14:m>
+                <a:r>
+                  <a:rPr lang="en-US" dirty="0" smtClean="0"/>
+                  <a:t> preserves Min-Cut up to </a:t>
+                </a:r>
+                <a14:m>
+                  <m:oMath xmlns:m="http://schemas.openxmlformats.org/officeDocument/2006/math">
+                    <m:r>
+                      <a:rPr lang="en-US" b="0" i="1" smtClean="0">
+                        <a:latin typeface="Cambria Math"/>
+                      </a:rPr>
+                      <m:t>(1±</m:t>
+                    </m:r>
+                    <m:r>
+                      <a:rPr lang="en-US" b="0" i="1" smtClean="0">
+                        <a:latin typeface="Cambria Math"/>
+                      </a:rPr>
+                      <m:t>𝜖</m:t>
+                    </m:r>
+                    <m:r>
+                      <a:rPr lang="en-US" b="0" i="1" smtClean="0">
+                        <a:latin typeface="Cambria Math"/>
+                      </a:rPr>
+                      <m:t>)</m:t>
+                    </m:r>
+                  </m:oMath>
+                </a14:m>
+                <a:endParaRPr lang="en-US" dirty="0" smtClean="0"/>
+              </a:p>
+              <a:p>
+                <a:pPr marL="0" indent="0">
+                  <a:buNone/>
+                </a:pPr>
+                <a:endParaRPr lang="en-US" dirty="0"/>
+              </a:p>
+            </p:txBody>
+          </p:sp>
+        </mc:Choice>
+        <mc:Fallback>
+          <p:sp>
+            <p:nvSpPr>
+              <p:cNvPr id="3" name="Content Placeholder 2"/>
+              <p:cNvSpPr>
+                <a:spLocks noGrp="1" noRot="1" noChangeAspect="1" noMove="1" noResize="1" noEditPoints="1" noAdjustHandles="1" noChangeArrowheads="1" noChangeShapeType="1" noTextEdit="1"/>
+              </p:cNvSpPr>
+              <p:nvPr>
+                <p:ph idx="1"/>
+              </p:nvPr>
+            </p:nvSpPr>
+            <p:spPr>
+              <a:xfrm>
+                <a:off x="457200" y="1600200"/>
+                <a:ext cx="8229600" cy="5257800"/>
+              </a:xfrm>
+              <a:blipFill rotWithShape="1">
+                <a:blip r:embed="rId2"/>
+                <a:stretch>
+                  <a:fillRect l="-1630" t="-2320" r="-741"/>
+                </a:stretch>
+              </a:blipFill>
+            </p:spPr>
+            <p:txBody>
+              <a:bodyPr/>
+              <a:lstStyle/>
+              <a:p>
+                <a:r>
+                  <a:rPr lang="en-US">
+                    <a:noFill/>
+                  </a:rPr>
+                  <a:t> </a:t>
+                </a:r>
+              </a:p>
+            </p:txBody>
+          </p:sp>
+        </mc:Fallback>
+      </mc:AlternateContent>
+    </p:spTree>
+    <p:extLst>
+      <p:ext uri="{BB962C8B-B14F-4D97-AF65-F5344CB8AC3E}">
+        <p14:creationId xmlns:p14="http://schemas.microsoft.com/office/powerpoint/2010/main" val="2691467272"/>
+      </p:ext>
+    </p:extLst>
+  </p:cSld>
+  <p:clrMapOvr>
+    <a:masterClrMapping/>
+  </p:clrMapOvr>
+  <p:timing>
+    <p:tnLst>
+      <p:par>
+        <p:cTn id="1" dur="indefinite" restart="never" nodeType="tmRoot">
+          <p:childTnLst>
+            <p:seq concurrent="1" nextAc="seek">
+              <p:cTn id="2" dur="indefinite" nodeType="mainSeq">
+                <p:childTnLst>
+                  <p:par>
+                    <p:cTn id="3" fill="hold">
+                      <p:stCondLst>
+                        <p:cond delay="indefinite"/>
+                      </p:stCondLst>
+                      <p:childTnLst>
+                        <p:par>
+                          <p:cTn id="4" fill="hold">
+                            <p:stCondLst>
+                              <p:cond delay="0"/>
+                            </p:stCondLst>
+                            <p:childTnLst>
+                              <p:par>
+                                <p:cTn id="5" presetID="1" presetClass="entr" presetSubtype="0" fill="hold" grpId="0" nodeType="clickEffect">
+                                  <p:stCondLst>
+                                    <p:cond delay="0"/>
+                                  </p:stCondLst>
+                                  <p:childTnLst>
+                                    <p:set>
+                                      <p:cBhvr>
+                                        <p:cTn id="6" dur="1" fill="hold">
+                                          <p:stCondLst>
+                                            <p:cond delay="0"/>
+                                          </p:stCondLst>
+                                        </p:cTn>
+                                        <p:tgtEl>
+                                          <p:spTgt spid="3">
+                                            <p:txEl>
+                                              <p:pRg st="0" end="0"/>
+                                            </p:txEl>
+                                          </p:spTgt>
+                                        </p:tgtEl>
+                                        <p:attrNameLst>
+                                          <p:attrName>style.visibility</p:attrName>
+                                        </p:attrNameLst>
+                                      </p:cBhvr>
+                                      <p:to>
+                                        <p:strVal val="visible"/>
+                                      </p:to>
+                                    </p:set>
+                                  </p:childTnLst>
+                                </p:cTn>
+                              </p:par>
+                            </p:childTnLst>
+                          </p:cTn>
+                        </p:par>
+                      </p:childTnLst>
+                    </p:cTn>
+                  </p:par>
+                  <p:par>
+                    <p:cTn id="7" fill="hold">
+                      <p:stCondLst>
+                        <p:cond delay="indefinite"/>
+                      </p:stCondLst>
+                      <p:childTnLst>
+                        <p:par>
+                          <p:cTn id="8" fill="hold">
+                            <p:stCondLst>
+                              <p:cond delay="0"/>
+                            </p:stCondLst>
+                            <p:childTnLst>
+                              <p:par>
+                                <p:cTn id="9" presetID="1" presetClass="entr" presetSubtype="0" fill="hold" grpId="0" nodeType="clickEffect">
+                                  <p:stCondLst>
+                                    <p:cond delay="0"/>
+                                  </p:stCondLst>
+                                  <p:childTnLst>
+                                    <p:set>
+                                      <p:cBhvr>
+                                        <p:cTn id="10" dur="1" fill="hold">
+                                          <p:stCondLst>
+                                            <p:cond delay="0"/>
+                                          </p:stCondLst>
+                                        </p:cTn>
+                                        <p:tgtEl>
+                                          <p:spTgt spid="3">
+                                            <p:txEl>
+                                              <p:pRg st="1" end="1"/>
+                                            </p:txEl>
+                                          </p:spTgt>
+                                        </p:tgtEl>
+                                        <p:attrNameLst>
+                                          <p:attrName>style.visibility</p:attrName>
+                                        </p:attrNameLst>
+                                      </p:cBhvr>
+                                      <p:to>
+                                        <p:strVal val="visible"/>
+                                      </p:to>
+                                    </p:set>
+                                  </p:childTnLst>
+                                </p:cTn>
+                              </p:par>
+                            </p:childTnLst>
+                          </p:cTn>
+                        </p:par>
+                      </p:childTnLst>
+                    </p:cTn>
+                  </p:par>
+                  <p:par>
+                    <p:cTn id="11" fill="hold">
+                      <p:stCondLst>
+                        <p:cond delay="indefinite"/>
+                      </p:stCondLst>
+                      <p:childTnLst>
+                        <p:par>
+                          <p:cTn id="12" fill="hold">
+                            <p:stCondLst>
+                              <p:cond delay="0"/>
+                            </p:stCondLst>
+                            <p:childTnLst>
+                              <p:par>
+                                <p:cTn id="13" presetID="1" presetClass="entr" presetSubtype="0" fill="hold" grpId="0" nodeType="clickEffect">
+                                  <p:stCondLst>
+                                    <p:cond delay="0"/>
+                                  </p:stCondLst>
+                                  <p:childTnLst>
+                                    <p:set>
+                                      <p:cBhvr>
+                                        <p:cTn id="14" dur="1" fill="hold">
+                                          <p:stCondLst>
+                                            <p:cond delay="0"/>
+                                          </p:stCondLst>
+                                        </p:cTn>
+                                        <p:tgtEl>
+                                          <p:spTgt spid="3">
+                                            <p:txEl>
+                                              <p:pRg st="2" end="2"/>
+                                            </p:txEl>
+                                          </p:spTgt>
+                                        </p:tgtEl>
+                                        <p:attrNameLst>
+                                          <p:attrName>style.visibility</p:attrName>
+                                        </p:attrNameLst>
+                                      </p:cBhvr>
+                                      <p:to>
+                                        <p:strVal val="visible"/>
+                                      </p:to>
+                                    </p:set>
+                                  </p:childTnLst>
+                                </p:cTn>
+                              </p:par>
+                            </p:childTnLst>
+                          </p:cTn>
+                        </p:par>
+                      </p:childTnLst>
+                    </p:cTn>
+                  </p:par>
+                  <p:par>
+                    <p:cTn id="15" fill="hold">
+                      <p:stCondLst>
+                        <p:cond delay="indefinite"/>
+                      </p:stCondLst>
+                      <p:childTnLst>
+                        <p:par>
+                          <p:cTn id="16" fill="hold">
+                            <p:stCondLst>
+                              <p:cond delay="0"/>
+                            </p:stCondLst>
+                            <p:childTnLst>
+                              <p:par>
+                                <p:cTn id="17" presetID="1" presetClass="entr" presetSubtype="0" fill="hold" grpId="0" nodeType="clickEffect">
+                                  <p:stCondLst>
+                                    <p:cond delay="0"/>
+                                  </p:stCondLst>
+                                  <p:childTnLst>
+                                    <p:set>
+                                      <p:cBhvr>
+                                        <p:cTn id="18" dur="1" fill="hold">
+                                          <p:stCondLst>
+                                            <p:cond delay="0"/>
+                                          </p:stCondLst>
+                                        </p:cTn>
+                                        <p:tgtEl>
+                                          <p:spTgt spid="3">
+                                            <p:txEl>
+                                              <p:pRg st="3" end="3"/>
+                                            </p:txEl>
+                                          </p:spTgt>
+                                        </p:tgtEl>
+                                        <p:attrNameLst>
+                                          <p:attrName>style.visibility</p:attrName>
+                                        </p:attrNameLst>
+                                      </p:cBhvr>
+                                      <p:to>
+                                        <p:strVal val="visible"/>
+                                      </p:to>
+                                    </p:set>
+                                  </p:childTnLst>
+                                </p:cTn>
+                              </p:par>
+                            </p:childTnLst>
+                          </p:cTn>
+                        </p:par>
+                      </p:childTnLst>
+                    </p:cTn>
+                  </p:par>
+                </p:childTnLst>
+              </p:cTn>
+              <p:prevCondLst>
+                <p:cond evt="onPrev" delay="0">
+                  <p:tgtEl>
+                    <p:sldTgt/>
+                  </p:tgtEl>
+                </p:cond>
+              </p:prevCondLst>
+              <p:nextCondLst>
+                <p:cond evt="onNext" delay="0">
+                  <p:tgtEl>
+                    <p:sldTgt/>
+                  </p:tgtEl>
+                </p:cond>
+              </p:nextCondLst>
+            </p:seq>
+          </p:childTnLst>
+        </p:cTn>
+      </p:par>
+    </p:tnLst>
+    <p:bldLst>
+      <p:bldP spid="3" grpId="0" build="p"/>
+    </p:bldLst>
+  </p:timing>
+</p:sld>
+</file>
+
+<file path=ppt/slides/slide19.xml><?xml version="1.0" encoding="utf-8"?>
+<p:sld xmlns:a="http://schemas.openxmlformats.org/drawingml/2006/main" xmlns:r="http://schemas.openxmlformats.org/officeDocument/2006/relationships" xmlns:p="http://schemas.openxmlformats.org/presentationml/2006/main">
+  <p:cSld>
+    <p:spTree>
+      <p:nvGrpSpPr>
+        <p:cNvPr id="1" name=""/>
+        <p:cNvGrpSpPr/>
+        <p:nvPr/>
+      </p:nvGrpSpPr>
+      <p:grpSpPr>
+        <a:xfrm>
+          <a:off x="0" y="0"/>
+          <a:ext cx="0" cy="0"/>
+          <a:chOff x="0" y="0"/>
+          <a:chExt cx="0" cy="0"/>
+        </a:xfrm>
+      </p:grpSpPr>
+      <p:sp>
+        <p:nvSpPr>
+          <p:cNvPr id="2" name="Title 1"/>
+          <p:cNvSpPr>
+            <a:spLocks noGrp="1"/>
+          </p:cNvSpPr>
+          <p:nvPr>
+            <p:ph type="title"/>
+          </p:nvPr>
+        </p:nvSpPr>
+        <p:spPr/>
+        <p:txBody>
+          <a:bodyPr/>
+          <a:lstStyle/>
+          <a:p>
+            <a:r>
+              <a:rPr lang="en-US" dirty="0" smtClean="0">
+                <a:solidFill>
+                  <a:srgbClr val="0070C0"/>
+                </a:solidFill>
+              </a:rPr>
+              <a:t>Minimum Cut</a:t>
+            </a:r>
+            <a:endParaRPr lang="en-US" dirty="0">
+              <a:solidFill>
+                <a:srgbClr val="0070C0"/>
+              </a:solidFill>
+            </a:endParaRPr>
+          </a:p>
+        </p:txBody>
+      </p:sp>
+      <mc:AlternateContent xmlns:mc="http://schemas.openxmlformats.org/markup-compatibility/2006">
+        <mc:Choice xmlns:a14="http://schemas.microsoft.com/office/drawing/2010/main" Requires="a14">
+          <p:sp>
+            <p:nvSpPr>
+              <p:cNvPr id="3" name="Content Placeholder 2"/>
+              <p:cNvSpPr>
+                <a:spLocks noGrp="1"/>
+              </p:cNvSpPr>
+              <p:nvPr>
+                <p:ph idx="1"/>
+              </p:nvPr>
+            </p:nvSpPr>
+            <p:spPr>
+              <a:xfrm>
+                <a:off x="457200" y="1600200"/>
+                <a:ext cx="8458200" cy="4953000"/>
+              </a:xfrm>
+            </p:spPr>
+            <p:txBody>
+              <a:bodyPr>
+                <a:normAutofit fontScale="92500" lnSpcReduction="10000"/>
+              </a:bodyPr>
+              <a:lstStyle/>
+              <a:p>
+                <a:pPr marL="0" indent="0">
+                  <a:buNone/>
+                </a:pPr>
+                <a:r>
+                  <a:rPr lang="en-US" dirty="0" smtClean="0"/>
+                  <a:t>Algorithm:</a:t>
+                </a:r>
+              </a:p>
+              <a:p>
+                <a:r>
+                  <a:rPr lang="en-US" dirty="0" smtClean="0"/>
+                  <a:t>For </a:t>
+                </a:r>
+                <a14:m>
+                  <m:oMath xmlns:m="http://schemas.openxmlformats.org/officeDocument/2006/math">
+                    <m:r>
+                      <a:rPr lang="en-US" i="1" dirty="0" smtClean="0">
+                        <a:latin typeface="Cambria Math"/>
+                      </a:rPr>
+                      <m:t>𝑖</m:t>
+                    </m:r>
+                    <m:r>
+                      <a:rPr lang="en-US" i="1" dirty="0" smtClean="0">
+                        <a:latin typeface="Cambria Math"/>
+                      </a:rPr>
+                      <m:t> = </m:t>
+                    </m:r>
+                    <m:d>
+                      <m:dPr>
+                        <m:begChr m:val="{"/>
+                        <m:endChr m:val="}"/>
+                        <m:ctrlPr>
+                          <a:rPr lang="en-US" i="1" dirty="0" smtClean="0">
+                            <a:latin typeface="Cambria Math"/>
+                          </a:rPr>
+                        </m:ctrlPr>
+                      </m:dPr>
+                      <m:e>
+                        <m:r>
+                          <a:rPr lang="en-US" i="1" dirty="0" smtClean="0">
+                            <a:latin typeface="Cambria Math"/>
+                          </a:rPr>
+                          <m:t>0,1,</m:t>
+                        </m:r>
+                        <m:r>
+                          <a:rPr lang="en-US" b="0" i="1" dirty="0" smtClean="0">
+                            <a:latin typeface="Cambria Math"/>
+                          </a:rPr>
+                          <m:t>…, 2</m:t>
+                        </m:r>
+                        <m:func>
+                          <m:funcPr>
+                            <m:ctrlPr>
+                              <a:rPr lang="en-US" b="0" i="1" dirty="0" smtClean="0">
+                                <a:latin typeface="Cambria Math"/>
+                              </a:rPr>
+                            </m:ctrlPr>
+                          </m:funcPr>
+                          <m:fName>
+                            <m:r>
+                              <m:rPr>
+                                <m:sty m:val="p"/>
+                              </m:rPr>
+                              <a:rPr lang="en-US" b="0" i="0" dirty="0" smtClean="0">
+                                <a:latin typeface="Cambria Math"/>
+                              </a:rPr>
+                              <m:t>log</m:t>
+                            </m:r>
+                          </m:fName>
+                          <m:e>
+                            <m:r>
+                              <a:rPr lang="en-US" b="0" i="1" dirty="0" smtClean="0">
+                                <a:latin typeface="Cambria Math"/>
+                              </a:rPr>
+                              <m:t>𝑛</m:t>
+                            </m:r>
+                          </m:e>
+                        </m:func>
+                      </m:e>
+                    </m:d>
+                    <m:r>
+                      <a:rPr lang="en-US" b="0" i="1" dirty="0" smtClean="0">
+                        <a:latin typeface="Cambria Math"/>
+                      </a:rPr>
+                      <m:t>:</m:t>
+                    </m:r>
+                  </m:oMath>
+                </a14:m>
+                <a:endParaRPr lang="en-US" dirty="0" smtClean="0"/>
+              </a:p>
+              <a:p>
+                <a:pPr lvl="1"/>
+                <a:r>
+                  <a:rPr lang="en-US" dirty="0" smtClean="0"/>
+                  <a:t>Let </a:t>
+                </a:r>
+                <a14:m>
+                  <m:oMath xmlns:m="http://schemas.openxmlformats.org/officeDocument/2006/math">
+                    <m:sSub>
+                      <m:sSubPr>
+                        <m:ctrlPr>
+                          <a:rPr lang="en-US" b="0" i="1" smtClean="0">
+                            <a:latin typeface="Cambria Math"/>
+                          </a:rPr>
+                        </m:ctrlPr>
+                      </m:sSubPr>
+                      <m:e>
+                        <m:r>
+                          <a:rPr lang="en-US" b="0" i="1" smtClean="0">
+                            <a:latin typeface="Cambria Math"/>
+                          </a:rPr>
+                          <m:t>𝐺</m:t>
+                        </m:r>
+                      </m:e>
+                      <m:sub>
+                        <m:r>
+                          <a:rPr lang="en-US" b="0" i="1" smtClean="0">
+                            <a:latin typeface="Cambria Math"/>
+                          </a:rPr>
+                          <m:t>𝑖</m:t>
+                        </m:r>
+                      </m:sub>
+                    </m:sSub>
+                  </m:oMath>
+                </a14:m>
+                <a:r>
+                  <a:rPr lang="en-US" dirty="0" smtClean="0"/>
+                  <a:t> be the </a:t>
+                </a:r>
+                <a:r>
+                  <a:rPr lang="en-US" dirty="0" err="1" smtClean="0"/>
+                  <a:t>subgraph</a:t>
+                </a:r>
+                <a:r>
+                  <a:rPr lang="en-US" dirty="0" smtClean="0"/>
+                  <a:t> of </a:t>
+                </a:r>
+                <a14:m>
+                  <m:oMath xmlns:m="http://schemas.openxmlformats.org/officeDocument/2006/math">
+                    <m:r>
+                      <a:rPr lang="en-US" b="0" i="1" smtClean="0">
+                        <a:latin typeface="Cambria Math"/>
+                      </a:rPr>
+                      <m:t>𝐺</m:t>
+                    </m:r>
+                  </m:oMath>
+                </a14:m>
+                <a:r>
+                  <a:rPr lang="en-US" dirty="0" smtClean="0"/>
+                  <a:t> where each edge is sampled with probability </a:t>
+                </a:r>
+                <a14:m>
+                  <m:oMath xmlns:m="http://schemas.openxmlformats.org/officeDocument/2006/math">
+                    <m:r>
+                      <a:rPr lang="en-US" b="0" i="1" smtClean="0">
+                        <a:latin typeface="Cambria Math"/>
+                      </a:rPr>
+                      <m:t>1/</m:t>
+                    </m:r>
+                    <m:sSup>
+                      <m:sSupPr>
+                        <m:ctrlPr>
+                          <a:rPr lang="en-US" b="0" i="1" smtClean="0">
+                            <a:latin typeface="Cambria Math"/>
+                          </a:rPr>
+                        </m:ctrlPr>
+                      </m:sSupPr>
+                      <m:e>
+                        <m:r>
+                          <a:rPr lang="en-US" b="0" i="1" smtClean="0">
+                            <a:latin typeface="Cambria Math"/>
+                          </a:rPr>
+                          <m:t>2</m:t>
+                        </m:r>
+                      </m:e>
+                      <m:sup>
+                        <m:r>
+                          <a:rPr lang="en-US" b="0" i="1" smtClean="0">
+                            <a:latin typeface="Cambria Math"/>
+                          </a:rPr>
+                          <m:t>𝑖</m:t>
+                        </m:r>
+                      </m:sup>
+                    </m:sSup>
+                  </m:oMath>
+                </a14:m>
+                <a:endParaRPr lang="en-US" dirty="0" smtClean="0"/>
+              </a:p>
+              <a:p>
+                <a:pPr lvl="1"/>
+                <a:r>
+                  <a:rPr lang="en-US" dirty="0" smtClean="0"/>
+                  <a:t>Let </a:t>
+                </a:r>
+                <a14:m>
+                  <m:oMath xmlns:m="http://schemas.openxmlformats.org/officeDocument/2006/math">
+                    <m:sSub>
+                      <m:sSubPr>
+                        <m:ctrlPr>
+                          <a:rPr lang="en-US" b="0" i="1" smtClean="0">
+                            <a:latin typeface="Cambria Math"/>
+                          </a:rPr>
+                        </m:ctrlPr>
+                      </m:sSubPr>
+                      <m:e>
+                        <m:r>
+                          <a:rPr lang="en-US" b="0" i="1" smtClean="0">
+                            <a:latin typeface="Cambria Math"/>
+                          </a:rPr>
+                          <m:t>𝐻</m:t>
+                        </m:r>
+                      </m:e>
+                      <m:sub>
+                        <m:r>
+                          <a:rPr lang="en-US" b="0" i="1" smtClean="0">
+                            <a:latin typeface="Cambria Math"/>
+                          </a:rPr>
+                          <m:t>𝑖</m:t>
+                        </m:r>
+                      </m:sub>
+                    </m:sSub>
+                    <m:r>
+                      <a:rPr lang="en-US" b="0" i="0" smtClean="0">
+                        <a:latin typeface="Cambria Math"/>
+                      </a:rPr>
+                      <m:t>=</m:t>
+                    </m:r>
+                    <m:sSub>
+                      <m:sSubPr>
+                        <m:ctrlPr>
+                          <a:rPr lang="en-US" b="0" i="0" smtClean="0">
+                            <a:latin typeface="Cambria Math"/>
+                          </a:rPr>
+                        </m:ctrlPr>
+                      </m:sSubPr>
+                      <m:e>
+                        <m:r>
+                          <m:rPr>
+                            <m:sty m:val="p"/>
+                          </m:rPr>
+                          <a:rPr lang="en-US" b="0" i="0" smtClean="0">
+                            <a:latin typeface="Cambria Math"/>
+                          </a:rPr>
+                          <m:t>F</m:t>
+                        </m:r>
+                      </m:e>
+                      <m:sub>
+                        <m:r>
+                          <a:rPr lang="en-US" b="0" i="0" smtClean="0">
+                            <a:latin typeface="Cambria Math"/>
+                          </a:rPr>
+                          <m:t>1</m:t>
+                        </m:r>
+                      </m:sub>
+                    </m:sSub>
+                    <m:r>
+                      <a:rPr lang="en-US" b="0" i="0" smtClean="0">
+                        <a:latin typeface="Cambria Math"/>
+                      </a:rPr>
+                      <m:t>,</m:t>
+                    </m:r>
+                    <m:r>
+                      <a:rPr lang="en-US" b="0" i="1" smtClean="0">
+                        <a:latin typeface="Cambria Math"/>
+                      </a:rPr>
+                      <m:t>…, </m:t>
+                    </m:r>
+                    <m:sSub>
+                      <m:sSubPr>
+                        <m:ctrlPr>
+                          <a:rPr lang="en-US" b="0" i="1" smtClean="0">
+                            <a:latin typeface="Cambria Math"/>
+                          </a:rPr>
+                        </m:ctrlPr>
+                      </m:sSubPr>
+                      <m:e>
+                        <m:r>
+                          <a:rPr lang="en-US" b="0" i="1" smtClean="0">
+                            <a:latin typeface="Cambria Math"/>
+                          </a:rPr>
+                          <m:t>𝐹</m:t>
+                        </m:r>
+                      </m:e>
+                      <m:sub>
+                        <m:r>
+                          <a:rPr lang="en-US" b="0" i="1" smtClean="0">
+                            <a:latin typeface="Cambria Math"/>
+                          </a:rPr>
+                          <m:t>𝑘</m:t>
+                        </m:r>
+                      </m:sub>
+                    </m:sSub>
+                  </m:oMath>
+                </a14:m>
+                <a:r>
+                  <a:rPr lang="en-US" dirty="0" smtClean="0"/>
+                  <a:t> where </a:t>
+                </a:r>
+                <a14:m>
+                  <m:oMath xmlns:m="http://schemas.openxmlformats.org/officeDocument/2006/math">
+                    <m:r>
+                      <a:rPr lang="en-US" b="0" i="1" smtClean="0">
+                        <a:latin typeface="Cambria Math"/>
+                      </a:rPr>
+                      <m:t>𝑘</m:t>
+                    </m:r>
+                    <m:r>
+                      <a:rPr lang="en-US" b="0" i="1" smtClean="0">
+                        <a:latin typeface="Cambria Math"/>
+                      </a:rPr>
+                      <m:t>=</m:t>
+                    </m:r>
+                    <m:r>
+                      <a:rPr lang="en-US" b="0" i="1" smtClean="0">
+                        <a:latin typeface="Cambria Math"/>
+                      </a:rPr>
+                      <m:t>𝑂</m:t>
+                    </m:r>
+                    <m:d>
+                      <m:dPr>
+                        <m:ctrlPr>
+                          <a:rPr lang="en-US" b="0" i="1" smtClean="0">
+                            <a:latin typeface="Cambria Math"/>
+                          </a:rPr>
+                        </m:ctrlPr>
+                      </m:dPr>
+                      <m:e>
+                        <m:f>
+                          <m:fPr>
+                            <m:ctrlPr>
+                              <a:rPr lang="en-US" b="0" i="1" smtClean="0">
+                                <a:latin typeface="Cambria Math"/>
+                              </a:rPr>
+                            </m:ctrlPr>
+                          </m:fPr>
+                          <m:num>
+                            <m:r>
+                              <a:rPr lang="en-US" b="0" i="1" smtClean="0">
+                                <a:latin typeface="Cambria Math"/>
+                              </a:rPr>
+                              <m:t>1</m:t>
+                            </m:r>
+                          </m:num>
+                          <m:den>
+                            <m:sSup>
+                              <m:sSupPr>
+                                <m:ctrlPr>
+                                  <a:rPr lang="en-US" b="0" i="1" smtClean="0">
+                                    <a:latin typeface="Cambria Math"/>
+                                  </a:rPr>
+                                </m:ctrlPr>
+                              </m:sSupPr>
+                              <m:e>
+                                <m:r>
+                                  <a:rPr lang="en-US" b="0" i="1" smtClean="0">
+                                    <a:latin typeface="Cambria Math"/>
+                                  </a:rPr>
+                                  <m:t>𝜖</m:t>
+                                </m:r>
+                              </m:e>
+                              <m:sup>
+                                <m:r>
+                                  <a:rPr lang="en-US" b="0" i="1" smtClean="0">
+                                    <a:latin typeface="Cambria Math"/>
+                                  </a:rPr>
+                                  <m:t>2</m:t>
+                                </m:r>
+                              </m:sup>
+                            </m:sSup>
+                          </m:den>
+                        </m:f>
+                        <m:r>
+                          <a:rPr lang="en-US" b="0" i="1" smtClean="0">
+                            <a:latin typeface="Cambria Math"/>
+                          </a:rPr>
+                          <m:t>⋅</m:t>
+                        </m:r>
+                        <m:func>
+                          <m:funcPr>
+                            <m:ctrlPr>
+                              <a:rPr lang="en-US" b="0" i="1" smtClean="0">
+                                <a:latin typeface="Cambria Math"/>
+                              </a:rPr>
+                            </m:ctrlPr>
+                          </m:funcPr>
+                          <m:fName>
+                            <m:r>
+                              <m:rPr>
+                                <m:sty m:val="p"/>
+                              </m:rPr>
+                              <a:rPr lang="en-US" b="0" i="0" smtClean="0">
+                                <a:latin typeface="Cambria Math"/>
+                              </a:rPr>
+                              <m:t>log</m:t>
+                            </m:r>
+                          </m:fName>
+                          <m:e>
+                            <m:r>
+                              <a:rPr lang="en-US" b="0" i="1" smtClean="0">
+                                <a:latin typeface="Cambria Math"/>
+                              </a:rPr>
+                              <m:t>𝑛</m:t>
+                            </m:r>
+                          </m:e>
+                        </m:func>
+                      </m:e>
+                    </m:d>
+                  </m:oMath>
+                </a14:m>
+                <a:r>
+                  <a:rPr lang="en-US" dirty="0" smtClean="0"/>
+                  <a:t> and </a:t>
+                </a:r>
+                <a14:m>
+                  <m:oMath xmlns:m="http://schemas.openxmlformats.org/officeDocument/2006/math">
+                    <m:sSub>
+                      <m:sSubPr>
+                        <m:ctrlPr>
+                          <a:rPr lang="en-US" b="0" i="1" smtClean="0">
+                            <a:latin typeface="Cambria Math"/>
+                          </a:rPr>
+                        </m:ctrlPr>
+                      </m:sSubPr>
+                      <m:e>
+                        <m:r>
+                          <a:rPr lang="en-US" b="0" i="1" smtClean="0">
+                            <a:latin typeface="Cambria Math"/>
+                          </a:rPr>
+                          <m:t>𝐹</m:t>
+                        </m:r>
+                      </m:e>
+                      <m:sub>
+                        <m:r>
+                          <a:rPr lang="en-US" b="0" i="1" smtClean="0">
+                            <a:latin typeface="Cambria Math"/>
+                          </a:rPr>
+                          <m:t>𝑖</m:t>
+                        </m:r>
+                      </m:sub>
+                    </m:sSub>
+                  </m:oMath>
+                </a14:m>
+                <a:r>
+                  <a:rPr lang="en-US" dirty="0" smtClean="0"/>
+                  <a:t> are forests constructed by the k-connectivity alg. </a:t>
+                </a:r>
+              </a:p>
+              <a:p>
+                <a:r>
+                  <a:rPr lang="en-US" dirty="0" smtClean="0"/>
+                  <a:t>Return </a:t>
+                </a:r>
+                <a14:m>
+                  <m:oMath xmlns:m="http://schemas.openxmlformats.org/officeDocument/2006/math">
+                    <m:sSup>
+                      <m:sSupPr>
+                        <m:ctrlPr>
+                          <a:rPr lang="en-US" b="0" i="1" smtClean="0">
+                            <a:latin typeface="Cambria Math"/>
+                          </a:rPr>
+                        </m:ctrlPr>
+                      </m:sSupPr>
+                      <m:e>
+                        <m:r>
+                          <a:rPr lang="en-US" b="0" i="1" smtClean="0">
+                            <a:latin typeface="Cambria Math"/>
+                          </a:rPr>
+                          <m:t>2</m:t>
+                        </m:r>
+                      </m:e>
+                      <m:sup>
+                        <m:r>
+                          <a:rPr lang="en-US" b="0" i="1" smtClean="0">
+                            <a:latin typeface="Cambria Math"/>
+                          </a:rPr>
+                          <m:t>𝑗</m:t>
+                        </m:r>
+                      </m:sup>
+                    </m:sSup>
+                    <m:r>
+                      <a:rPr lang="en-US" b="0" i="1" smtClean="0">
+                        <a:latin typeface="Cambria Math"/>
+                      </a:rPr>
+                      <m:t>𝜆</m:t>
+                    </m:r>
+                    <m:r>
+                      <a:rPr lang="en-US" b="0" i="1" smtClean="0">
+                        <a:latin typeface="Cambria Math"/>
+                      </a:rPr>
+                      <m:t>(</m:t>
+                    </m:r>
+                    <m:sSub>
+                      <m:sSubPr>
+                        <m:ctrlPr>
+                          <a:rPr lang="en-US" b="0" i="1" smtClean="0">
+                            <a:latin typeface="Cambria Math"/>
+                          </a:rPr>
+                        </m:ctrlPr>
+                      </m:sSubPr>
+                      <m:e>
+                        <m:r>
+                          <a:rPr lang="en-US" b="0" i="1" smtClean="0">
+                            <a:latin typeface="Cambria Math"/>
+                          </a:rPr>
+                          <m:t>𝐻</m:t>
+                        </m:r>
+                      </m:e>
+                      <m:sub>
+                        <m:r>
+                          <a:rPr lang="en-US" b="0" i="1" smtClean="0">
+                            <a:latin typeface="Cambria Math"/>
+                          </a:rPr>
+                          <m:t>𝑗</m:t>
+                        </m:r>
+                      </m:sub>
+                    </m:sSub>
+                    <m:r>
+                      <a:rPr lang="en-US" b="0" i="1" smtClean="0">
+                        <a:latin typeface="Cambria Math"/>
+                      </a:rPr>
+                      <m:t>)</m:t>
+                    </m:r>
+                  </m:oMath>
+                </a14:m>
+                <a:r>
+                  <a:rPr lang="en-US" dirty="0" smtClean="0"/>
+                  <a:t> where </a:t>
+                </a:r>
+                <a14:m>
+                  <m:oMath xmlns:m="http://schemas.openxmlformats.org/officeDocument/2006/math">
+                    <m:r>
+                      <a:rPr lang="en-US" b="0" i="1" smtClean="0">
+                        <a:latin typeface="Cambria Math"/>
+                      </a:rPr>
+                      <m:t>𝑗</m:t>
+                    </m:r>
+                    <m:r>
+                      <a:rPr lang="en-US" b="0" i="1" smtClean="0">
+                        <a:latin typeface="Cambria Math"/>
+                      </a:rPr>
+                      <m:t>=</m:t>
+                    </m:r>
+                    <m:r>
+                      <m:rPr>
+                        <m:sty m:val="p"/>
+                      </m:rPr>
+                      <a:rPr lang="en-US" b="0" i="0" smtClean="0">
+                        <a:latin typeface="Cambria Math"/>
+                      </a:rPr>
+                      <m:t>min</m:t>
+                    </m:r>
+                    <m:r>
+                      <a:rPr lang="en-US" b="0" i="1" smtClean="0">
+                        <a:latin typeface="Cambria Math"/>
+                      </a:rPr>
+                      <m:t>⁡{</m:t>
+                    </m:r>
+                    <m:r>
+                      <a:rPr lang="en-US" b="0" i="1" smtClean="0">
+                        <a:latin typeface="Cambria Math"/>
+                      </a:rPr>
+                      <m:t>𝑖</m:t>
+                    </m:r>
+                    <m:r>
+                      <a:rPr lang="en-US" b="0" i="1" smtClean="0">
+                        <a:latin typeface="Cambria Math"/>
+                      </a:rPr>
+                      <m:t> :</m:t>
+                    </m:r>
+                    <m:r>
+                      <a:rPr lang="en-US" b="0" i="1" smtClean="0">
+                        <a:latin typeface="Cambria Math"/>
+                      </a:rPr>
+                      <m:t>𝜆</m:t>
+                    </m:r>
+                    <m:d>
+                      <m:dPr>
+                        <m:ctrlPr>
+                          <a:rPr lang="en-US" b="0" i="1" smtClean="0">
+                            <a:latin typeface="Cambria Math"/>
+                          </a:rPr>
+                        </m:ctrlPr>
+                      </m:dPr>
+                      <m:e>
+                        <m:sSub>
+                          <m:sSubPr>
+                            <m:ctrlPr>
+                              <a:rPr lang="en-US" b="0" i="1" smtClean="0">
+                                <a:latin typeface="Cambria Math"/>
+                              </a:rPr>
+                            </m:ctrlPr>
+                          </m:sSubPr>
+                          <m:e>
+                            <m:r>
+                              <a:rPr lang="en-US" b="0" i="1" smtClean="0">
+                                <a:latin typeface="Cambria Math"/>
+                              </a:rPr>
+                              <m:t>𝐻</m:t>
+                            </m:r>
+                          </m:e>
+                          <m:sub>
+                            <m:r>
+                              <a:rPr lang="en-US" b="0" i="1" smtClean="0">
+                                <a:latin typeface="Cambria Math"/>
+                              </a:rPr>
+                              <m:t>𝑖</m:t>
+                            </m:r>
+                          </m:sub>
+                        </m:sSub>
+                      </m:e>
+                    </m:d>
+                    <m:r>
+                      <a:rPr lang="en-US" b="0" i="1" smtClean="0">
+                        <a:latin typeface="Cambria Math"/>
+                      </a:rPr>
+                      <m:t>&lt;</m:t>
+                    </m:r>
+                    <m:r>
+                      <a:rPr lang="en-US" b="0" i="1" smtClean="0">
+                        <a:latin typeface="Cambria Math"/>
+                      </a:rPr>
+                      <m:t>𝑘</m:t>
+                    </m:r>
+                    <m:r>
+                      <a:rPr lang="en-US" b="0" i="1" smtClean="0">
+                        <a:latin typeface="Cambria Math"/>
+                      </a:rPr>
+                      <m:t>}</m:t>
+                    </m:r>
+                  </m:oMath>
+                </a14:m>
+                <a:endParaRPr lang="en-US" dirty="0" smtClean="0"/>
+              </a:p>
+              <a:p>
+                <a:pPr marL="0" indent="0">
+                  <a:buNone/>
+                </a:pPr>
+                <a:endParaRPr lang="en-US" dirty="0" smtClean="0"/>
+              </a:p>
+              <a:p>
+                <a:pPr marL="0" indent="0">
+                  <a:buNone/>
+                </a:pPr>
+                <a:r>
+                  <a:rPr lang="en-US" dirty="0" smtClean="0"/>
+                  <a:t>Space: </a:t>
+                </a:r>
+                <a14:m>
+                  <m:oMath xmlns:m="http://schemas.openxmlformats.org/officeDocument/2006/math">
+                    <m:r>
+                      <a:rPr lang="en-US" b="0" i="1" smtClean="0">
+                        <a:latin typeface="Cambria Math"/>
+                      </a:rPr>
+                      <m:t>𝑂</m:t>
+                    </m:r>
+                    <m:d>
+                      <m:dPr>
+                        <m:ctrlPr>
+                          <a:rPr lang="en-US" b="0" i="1" smtClean="0">
+                            <a:latin typeface="Cambria Math"/>
+                          </a:rPr>
+                        </m:ctrlPr>
+                      </m:dPr>
+                      <m:e>
+                        <m:f>
+                          <m:fPr>
+                            <m:ctrlPr>
+                              <a:rPr lang="en-US" b="0" i="1" smtClean="0">
+                                <a:latin typeface="Cambria Math"/>
+                              </a:rPr>
+                            </m:ctrlPr>
+                          </m:fPr>
+                          <m:num>
+                            <m:r>
+                              <a:rPr lang="en-US" b="0" i="1" smtClean="0">
+                                <a:latin typeface="Cambria Math"/>
+                              </a:rPr>
+                              <m:t>𝑛</m:t>
+                            </m:r>
+                            <m:func>
+                              <m:funcPr>
+                                <m:ctrlPr>
+                                  <a:rPr lang="en-US" b="0" i="1" smtClean="0">
+                                    <a:latin typeface="Cambria Math"/>
+                                  </a:rPr>
+                                </m:ctrlPr>
+                              </m:funcPr>
+                              <m:fName>
+                                <m:sSup>
+                                  <m:sSupPr>
+                                    <m:ctrlPr>
+                                      <a:rPr lang="en-US" b="0" i="0" smtClean="0">
+                                        <a:latin typeface="Cambria Math"/>
+                                      </a:rPr>
+                                    </m:ctrlPr>
+                                  </m:sSupPr>
+                                  <m:e>
+                                    <m:r>
+                                      <m:rPr>
+                                        <m:sty m:val="p"/>
+                                      </m:rPr>
+                                      <a:rPr lang="en-US" b="0" i="0" smtClean="0">
+                                        <a:latin typeface="Cambria Math"/>
+                                      </a:rPr>
+                                      <m:t>log</m:t>
+                                    </m:r>
+                                  </m:e>
+                                  <m:sup>
+                                    <m:r>
+                                      <a:rPr lang="en-US" b="0" i="0" smtClean="0">
+                                        <a:latin typeface="Cambria Math"/>
+                                      </a:rPr>
+                                      <m:t>4</m:t>
+                                    </m:r>
+                                  </m:sup>
+                                </m:sSup>
+                              </m:fName>
+                              <m:e>
+                                <m:r>
+                                  <a:rPr lang="en-US" b="0" i="1" smtClean="0">
+                                    <a:latin typeface="Cambria Math"/>
+                                  </a:rPr>
+                                  <m:t>𝑛</m:t>
+                                </m:r>
+                              </m:e>
+                            </m:func>
+                          </m:num>
+                          <m:den>
+                            <m:sSup>
+                              <m:sSupPr>
+                                <m:ctrlPr>
+                                  <a:rPr lang="en-US" b="0" i="1" smtClean="0">
+                                    <a:latin typeface="Cambria Math"/>
+                                  </a:rPr>
+                                </m:ctrlPr>
+                              </m:sSupPr>
+                              <m:e>
+                                <m:r>
+                                  <a:rPr lang="en-US" b="0" i="1" smtClean="0">
+                                    <a:latin typeface="Cambria Math"/>
+                                  </a:rPr>
+                                  <m:t>𝜖</m:t>
+                                </m:r>
+                              </m:e>
+                              <m:sup>
+                                <m:r>
+                                  <a:rPr lang="en-US" b="0" i="1" smtClean="0">
+                                    <a:latin typeface="Cambria Math"/>
+                                  </a:rPr>
+                                  <m:t>2</m:t>
+                                </m:r>
+                              </m:sup>
+                            </m:sSup>
+                          </m:den>
+                        </m:f>
+                      </m:e>
+                    </m:d>
+                    <m:r>
+                      <a:rPr lang="en-US" b="0" i="1" smtClean="0">
+                        <a:latin typeface="Cambria Math"/>
+                      </a:rPr>
+                      <m:t>, </m:t>
+                    </m:r>
+                  </m:oMath>
+                </a14:m>
+                <a:r>
+                  <a:rPr lang="en-US" dirty="0" smtClean="0"/>
+                  <a:t>works for dynamic graph streams</a:t>
+                </a:r>
+                <a:endParaRPr lang="en-US" dirty="0"/>
+              </a:p>
+            </p:txBody>
+          </p:sp>
+        </mc:Choice>
+        <mc:Fallback>
+          <p:sp>
+            <p:nvSpPr>
+              <p:cNvPr id="3" name="Content Placeholder 2"/>
+              <p:cNvSpPr>
+                <a:spLocks noGrp="1" noRot="1" noChangeAspect="1" noMove="1" noResize="1" noEditPoints="1" noAdjustHandles="1" noChangeArrowheads="1" noChangeShapeType="1" noTextEdit="1"/>
+              </p:cNvSpPr>
+              <p:nvPr>
+                <p:ph idx="1"/>
+              </p:nvPr>
+            </p:nvSpPr>
+            <p:spPr>
+              <a:xfrm>
+                <a:off x="457200" y="1600200"/>
+                <a:ext cx="8458200" cy="4953000"/>
+              </a:xfrm>
+              <a:blipFill rotWithShape="1">
+                <a:blip r:embed="rId2"/>
+                <a:stretch>
+                  <a:fillRect l="-1657" t="-2463" r="-937"/>
+                </a:stretch>
+              </a:blipFill>
+            </p:spPr>
+            <p:txBody>
+              <a:bodyPr/>
+              <a:lstStyle/>
+              <a:p>
+                <a:r>
+                  <a:rPr lang="en-US">
+                    <a:noFill/>
+                  </a:rPr>
+                  <a:t> </a:t>
+                </a:r>
+              </a:p>
+            </p:txBody>
+          </p:sp>
+        </mc:Fallback>
+      </mc:AlternateContent>
+    </p:spTree>
+    <p:extLst>
+      <p:ext uri="{BB962C8B-B14F-4D97-AF65-F5344CB8AC3E}">
+        <p14:creationId xmlns:p14="http://schemas.microsoft.com/office/powerpoint/2010/main" val="705015288"/>
+      </p:ext>
+    </p:extLst>
+  </p:cSld>
+  <p:clrMapOvr>
+    <a:masterClrMapping/>
+  </p:clrMapOvr>
+  <p:timing>
+    <p:tnLst>
+      <p:par>
+        <p:cTn id="1" dur="indefinite" restart="never" nodeType="tmRoot">
+          <p:childTnLst>
+            <p:seq concurrent="1" nextAc="seek">
+              <p:cTn id="2" dur="indefinite" nodeType="mainSeq">
+                <p:childTnLst>
+                  <p:par>
+                    <p:cTn id="3" fill="hold">
+                      <p:stCondLst>
+                        <p:cond delay="indefinite"/>
+                      </p:stCondLst>
+                      <p:childTnLst>
+                        <p:par>
+                          <p:cTn id="4" fill="hold">
+                            <p:stCondLst>
+                              <p:cond delay="0"/>
+                            </p:stCondLst>
+                            <p:childTnLst>
+                              <p:par>
+                                <p:cTn id="5" presetID="1" presetClass="entr" presetSubtype="0" fill="hold" grpId="0" nodeType="clickEffect">
+                                  <p:stCondLst>
+                                    <p:cond delay="0"/>
+                                  </p:stCondLst>
+                                  <p:childTnLst>
+                                    <p:set>
+                                      <p:cBhvr>
+                                        <p:cTn id="6" dur="1" fill="hold">
+                                          <p:stCondLst>
+                                            <p:cond delay="0"/>
+                                          </p:stCondLst>
+                                        </p:cTn>
+                                        <p:tgtEl>
+                                          <p:spTgt spid="3">
+                                            <p:txEl>
+                                              <p:pRg st="0" end="0"/>
+                                            </p:txEl>
+                                          </p:spTgt>
+                                        </p:tgtEl>
+                                        <p:attrNameLst>
+                                          <p:attrName>style.visibility</p:attrName>
+                                        </p:attrNameLst>
+                                      </p:cBhvr>
+                                      <p:to>
+                                        <p:strVal val="visible"/>
+                                      </p:to>
+                                    </p:set>
+                                  </p:childTnLst>
+                                </p:cTn>
+                              </p:par>
+                            </p:childTnLst>
+                          </p:cTn>
+                        </p:par>
+                      </p:childTnLst>
+                    </p:cTn>
+                  </p:par>
+                  <p:par>
+                    <p:cTn id="7" fill="hold">
+                      <p:stCondLst>
+                        <p:cond delay="indefinite"/>
+                      </p:stCondLst>
+                      <p:childTnLst>
+                        <p:par>
+                          <p:cTn id="8" fill="hold">
+                            <p:stCondLst>
+                              <p:cond delay="0"/>
+                            </p:stCondLst>
+                            <p:childTnLst>
+                              <p:par>
+                                <p:cTn id="9" presetID="1" presetClass="entr" presetSubtype="0" fill="hold" grpId="0" nodeType="clickEffect">
+                                  <p:stCondLst>
+                                    <p:cond delay="0"/>
+                                  </p:stCondLst>
+                                  <p:childTnLst>
+                                    <p:set>
+                                      <p:cBhvr>
+                                        <p:cTn id="10" dur="1" fill="hold">
+                                          <p:stCondLst>
+                                            <p:cond delay="0"/>
+                                          </p:stCondLst>
+                                        </p:cTn>
+                                        <p:tgtEl>
+                                          <p:spTgt spid="3">
+                                            <p:txEl>
+                                              <p:pRg st="1" end="1"/>
+                                            </p:txEl>
+                                          </p:spTgt>
+                                        </p:tgtEl>
+                                        <p:attrNameLst>
+                                          <p:attrName>style.visibility</p:attrName>
+                                        </p:attrNameLst>
+                                      </p:cBhvr>
+                                      <p:to>
+                                        <p:strVal val="visible"/>
+                                      </p:to>
+                                    </p:set>
+                                  </p:childTnLst>
+                                </p:cTn>
+                              </p:par>
+                              <p:par>
+                                <p:cTn id="11" presetID="1" presetClass="entr" presetSubtype="0" fill="hold" grpId="0" nodeType="withEffect">
+                                  <p:stCondLst>
+                                    <p:cond delay="0"/>
+                                  </p:stCondLst>
+                                  <p:childTnLst>
+                                    <p:set>
+                                      <p:cBhvr>
+                                        <p:cTn id="12" dur="1" fill="hold">
+                                          <p:stCondLst>
+                                            <p:cond delay="0"/>
+                                          </p:stCondLst>
+                                        </p:cTn>
+                                        <p:tgtEl>
+                                          <p:spTgt spid="3">
+                                            <p:txEl>
+                                              <p:pRg st="2" end="2"/>
+                                            </p:txEl>
+                                          </p:spTgt>
+                                        </p:tgtEl>
+                                        <p:attrNameLst>
+                                          <p:attrName>style.visibility</p:attrName>
+                                        </p:attrNameLst>
+                                      </p:cBhvr>
+                                      <p:to>
+                                        <p:strVal val="visible"/>
+                                      </p:to>
+                                    </p:set>
+                                  </p:childTnLst>
+                                </p:cTn>
+                              </p:par>
+                              <p:par>
+                                <p:cTn id="13" presetID="1" presetClass="entr" presetSubtype="0" fill="hold" grpId="0" nodeType="withEffect">
+                                  <p:stCondLst>
+                                    <p:cond delay="0"/>
+                                  </p:stCondLst>
+                                  <p:childTnLst>
+                                    <p:set>
+                                      <p:cBhvr>
+                                        <p:cTn id="14" dur="1" fill="hold">
+                                          <p:stCondLst>
+                                            <p:cond delay="0"/>
+                                          </p:stCondLst>
+                                        </p:cTn>
+                                        <p:tgtEl>
+                                          <p:spTgt spid="3">
+                                            <p:txEl>
+                                              <p:pRg st="3" end="3"/>
+                                            </p:txEl>
+                                          </p:spTgt>
+                                        </p:tgtEl>
+                                        <p:attrNameLst>
+                                          <p:attrName>style.visibility</p:attrName>
+                                        </p:attrNameLst>
+                                      </p:cBhvr>
+                                      <p:to>
+                                        <p:strVal val="visible"/>
+                                      </p:to>
+                                    </p:set>
+                                  </p:childTnLst>
+                                </p:cTn>
+                              </p:par>
+                            </p:childTnLst>
+                          </p:cTn>
+                        </p:par>
+                      </p:childTnLst>
+                    </p:cTn>
+                  </p:par>
+                  <p:par>
+                    <p:cTn id="15" fill="hold">
+                      <p:stCondLst>
+                        <p:cond delay="indefinite"/>
+                      </p:stCondLst>
+                      <p:childTnLst>
+                        <p:par>
+                          <p:cTn id="16" fill="hold">
+                            <p:stCondLst>
+                              <p:cond delay="0"/>
+                            </p:stCondLst>
+                            <p:childTnLst>
+                              <p:par>
+                                <p:cTn id="17" presetID="1" presetClass="entr" presetSubtype="0" fill="hold" grpId="0" nodeType="clickEffect">
+                                  <p:stCondLst>
+                                    <p:cond delay="0"/>
+                                  </p:stCondLst>
+                                  <p:childTnLst>
+                                    <p:set>
+                                      <p:cBhvr>
+                                        <p:cTn id="18" dur="1" fill="hold">
+                                          <p:stCondLst>
+                                            <p:cond delay="0"/>
+                                          </p:stCondLst>
+                                        </p:cTn>
+                                        <p:tgtEl>
+                                          <p:spTgt spid="3">
+                                            <p:txEl>
+                                              <p:pRg st="4" end="4"/>
+                                            </p:txEl>
+                                          </p:spTgt>
+                                        </p:tgtEl>
+                                        <p:attrNameLst>
+                                          <p:attrName>style.visibility</p:attrName>
+                                        </p:attrNameLst>
+                                      </p:cBhvr>
+                                      <p:to>
+                                        <p:strVal val="visible"/>
+                                      </p:to>
+                                    </p:set>
+                                  </p:childTnLst>
+                                </p:cTn>
+                              </p:par>
+                            </p:childTnLst>
+                          </p:cTn>
+                        </p:par>
+                      </p:childTnLst>
+                    </p:cTn>
+                  </p:par>
+                  <p:par>
+                    <p:cTn id="19" fill="hold">
+                      <p:stCondLst>
+                        <p:cond delay="indefinite"/>
+                      </p:stCondLst>
+                      <p:childTnLst>
+                        <p:par>
+                          <p:cTn id="20" fill="hold">
+                            <p:stCondLst>
+                              <p:cond delay="0"/>
+                            </p:stCondLst>
+                            <p:childTnLst>
+                              <p:par>
+                                <p:cTn id="21" presetID="1" presetClass="entr" presetSubtype="0" fill="hold" grpId="0" nodeType="clickEffect">
+                                  <p:stCondLst>
+                                    <p:cond delay="0"/>
+                                  </p:stCondLst>
+                                  <p:childTnLst>
+                                    <p:set>
+                                      <p:cBhvr>
+                                        <p:cTn id="22" dur="1" fill="hold">
+                                          <p:stCondLst>
+                                            <p:cond delay="0"/>
+                                          </p:stCondLst>
+                                        </p:cTn>
+                                        <p:tgtEl>
+                                          <p:spTgt spid="3">
+                                            <p:txEl>
+                                              <p:pRg st="6" end="6"/>
                                             </p:txEl>
                                           </p:spTgt>
                                         </p:tgtEl>
@@ -14087,6 +18094,2226 @@
     <p:bldLst>
       <p:bldP spid="3" grpId="0" build="p"/>
     </p:bldLst>
+  </p:timing>
+</p:sld>
+</file>
+
+<file path=ppt/slides/slide20.xml><?xml version="1.0" encoding="utf-8"?>
+<p:sld xmlns:a="http://schemas.openxmlformats.org/drawingml/2006/main" xmlns:r="http://schemas.openxmlformats.org/officeDocument/2006/relationships" xmlns:p="http://schemas.openxmlformats.org/presentationml/2006/main">
+  <p:cSld>
+    <p:spTree>
+      <p:nvGrpSpPr>
+        <p:cNvPr id="1" name=""/>
+        <p:cNvGrpSpPr/>
+        <p:nvPr/>
+      </p:nvGrpSpPr>
+      <p:grpSpPr>
+        <a:xfrm>
+          <a:off x="0" y="0"/>
+          <a:ext cx="0" cy="0"/>
+          <a:chOff x="0" y="0"/>
+          <a:chExt cx="0" cy="0"/>
+        </a:xfrm>
+      </p:grpSpPr>
+      <p:sp>
+        <p:nvSpPr>
+          <p:cNvPr id="2" name="Title 1"/>
+          <p:cNvSpPr>
+            <a:spLocks noGrp="1"/>
+          </p:cNvSpPr>
+          <p:nvPr>
+            <p:ph type="title"/>
+          </p:nvPr>
+        </p:nvSpPr>
+        <p:spPr/>
+        <p:txBody>
+          <a:bodyPr/>
+          <a:lstStyle/>
+          <a:p>
+            <a:r>
+              <a:rPr lang="en-US" dirty="0" smtClean="0">
+                <a:solidFill>
+                  <a:srgbClr val="0070C0"/>
+                </a:solidFill>
+              </a:rPr>
+              <a:t>Minimum Cut: Analysis</a:t>
+            </a:r>
+            <a:endParaRPr lang="en-US" dirty="0"/>
+          </a:p>
+        </p:txBody>
+      </p:sp>
+      <mc:AlternateContent xmlns:mc="http://schemas.openxmlformats.org/markup-compatibility/2006">
+        <mc:Choice xmlns:a14="http://schemas.microsoft.com/office/drawing/2010/main" Requires="a14">
+          <p:sp>
+            <p:nvSpPr>
+              <p:cNvPr id="3" name="Content Placeholder 2"/>
+              <p:cNvSpPr>
+                <a:spLocks noGrp="1"/>
+              </p:cNvSpPr>
+              <p:nvPr>
+                <p:ph idx="1"/>
+              </p:nvPr>
+            </p:nvSpPr>
+            <p:spPr/>
+            <p:txBody>
+              <a:bodyPr>
+                <a:normAutofit lnSpcReduction="10000"/>
+              </a:bodyPr>
+              <a:lstStyle/>
+              <a:p>
+                <a:r>
+                  <a:rPr lang="en-US" dirty="0" smtClean="0"/>
+                  <a:t>Key property: If </a:t>
+                </a:r>
+                <a14:m>
+                  <m:oMath xmlns:m="http://schemas.openxmlformats.org/officeDocument/2006/math">
+                    <m:sSub>
+                      <m:sSubPr>
+                        <m:ctrlPr>
+                          <a:rPr lang="en-US" b="0" i="1" smtClean="0">
+                            <a:latin typeface="Cambria Math"/>
+                          </a:rPr>
+                        </m:ctrlPr>
+                      </m:sSubPr>
+                      <m:e>
+                        <m:r>
+                          <a:rPr lang="en-US" b="0" i="1" smtClean="0">
+                            <a:latin typeface="Cambria Math"/>
+                          </a:rPr>
+                          <m:t>𝐺</m:t>
+                        </m:r>
+                      </m:e>
+                      <m:sub>
+                        <m:r>
+                          <a:rPr lang="en-US" b="0" i="1" smtClean="0">
+                            <a:latin typeface="Cambria Math"/>
+                          </a:rPr>
+                          <m:t>𝑖</m:t>
+                        </m:r>
+                      </m:sub>
+                    </m:sSub>
+                  </m:oMath>
+                </a14:m>
+                <a:r>
+                  <a:rPr lang="en-US" dirty="0" smtClean="0"/>
+                  <a:t> has </a:t>
+                </a:r>
+                <a14:m>
+                  <m:oMath xmlns:m="http://schemas.openxmlformats.org/officeDocument/2006/math">
+                    <m:r>
+                      <a:rPr lang="en-US" b="0" i="1" smtClean="0">
+                        <a:latin typeface="Cambria Math"/>
+                      </a:rPr>
+                      <m:t>≤</m:t>
+                    </m:r>
+                    <m:r>
+                      <a:rPr lang="en-US" b="0" i="1" smtClean="0">
+                        <a:latin typeface="Cambria Math"/>
+                      </a:rPr>
+                      <m:t>𝑘</m:t>
+                    </m:r>
+                  </m:oMath>
+                </a14:m>
+                <a:r>
+                  <a:rPr lang="en-US" dirty="0" smtClean="0"/>
+                  <a:t> edges across a cut then </a:t>
+                </a:r>
+                <a14:m>
+                  <m:oMath xmlns:m="http://schemas.openxmlformats.org/officeDocument/2006/math">
+                    <m:sSub>
+                      <m:sSubPr>
+                        <m:ctrlPr>
+                          <a:rPr lang="en-US" b="0" i="1" smtClean="0">
+                            <a:latin typeface="Cambria Math"/>
+                          </a:rPr>
+                        </m:ctrlPr>
+                      </m:sSubPr>
+                      <m:e>
+                        <m:r>
+                          <a:rPr lang="en-US" b="0" i="1" smtClean="0">
+                            <a:latin typeface="Cambria Math"/>
+                          </a:rPr>
+                          <m:t>𝐻</m:t>
+                        </m:r>
+                      </m:e>
+                      <m:sub>
+                        <m:r>
+                          <a:rPr lang="en-US" b="0" i="1" smtClean="0">
+                            <a:latin typeface="Cambria Math"/>
+                          </a:rPr>
+                          <m:t>𝑖</m:t>
+                        </m:r>
+                      </m:sub>
+                    </m:sSub>
+                  </m:oMath>
+                </a14:m>
+                <a:r>
+                  <a:rPr lang="en-US" dirty="0" smtClean="0"/>
+                  <a:t> contains all such edges</a:t>
+                </a:r>
+              </a:p>
+              <a:p>
+                <a14:m>
+                  <m:oMath xmlns:m="http://schemas.openxmlformats.org/officeDocument/2006/math">
+                    <m:sSup>
+                      <m:sSupPr>
+                        <m:ctrlPr>
+                          <a:rPr lang="en-US" b="0" i="1" smtClean="0">
+                            <a:latin typeface="Cambria Math"/>
+                          </a:rPr>
+                        </m:ctrlPr>
+                      </m:sSupPr>
+                      <m:e>
+                        <m:r>
+                          <a:rPr lang="en-US" b="0" i="1" smtClean="0">
+                            <a:latin typeface="Cambria Math"/>
+                          </a:rPr>
+                          <m:t>𝑖</m:t>
+                        </m:r>
+                      </m:e>
+                      <m:sup>
+                        <m:r>
+                          <a:rPr lang="en-US" b="0" i="1" smtClean="0">
+                            <a:latin typeface="Cambria Math"/>
+                          </a:rPr>
+                          <m:t>∗</m:t>
+                        </m:r>
+                      </m:sup>
+                    </m:sSup>
+                    <m:r>
+                      <a:rPr lang="en-US" b="0" i="1" smtClean="0">
+                        <a:latin typeface="Cambria Math"/>
+                      </a:rPr>
+                      <m:t>=</m:t>
+                    </m:r>
+                    <m:d>
+                      <m:dPr>
+                        <m:begChr m:val="⌊"/>
+                        <m:endChr m:val="⌋"/>
+                        <m:ctrlPr>
+                          <a:rPr lang="en-US" b="0" i="1" smtClean="0">
+                            <a:latin typeface="Cambria Math"/>
+                          </a:rPr>
+                        </m:ctrlPr>
+                      </m:dPr>
+                      <m:e>
+                        <m:func>
+                          <m:funcPr>
+                            <m:ctrlPr>
+                              <a:rPr lang="en-US" b="0" i="1" smtClean="0">
+                                <a:latin typeface="Cambria Math"/>
+                              </a:rPr>
+                            </m:ctrlPr>
+                          </m:funcPr>
+                          <m:fName>
+                            <m:r>
+                              <m:rPr>
+                                <m:sty m:val="p"/>
+                              </m:rPr>
+                              <a:rPr lang="en-US" b="0" i="0" smtClean="0">
+                                <a:latin typeface="Cambria Math"/>
+                              </a:rPr>
+                              <m:t>log</m:t>
+                            </m:r>
+                          </m:fName>
+                          <m:e>
+                            <m:func>
+                              <m:funcPr>
+                                <m:ctrlPr>
+                                  <a:rPr lang="en-US" b="0" i="1" smtClean="0">
+                                    <a:latin typeface="Cambria Math"/>
+                                  </a:rPr>
+                                </m:ctrlPr>
+                              </m:funcPr>
+                              <m:fName>
+                                <m:r>
+                                  <m:rPr>
+                                    <m:sty m:val="p"/>
+                                  </m:rPr>
+                                  <a:rPr lang="en-US" b="0" i="0" smtClean="0">
+                                    <a:latin typeface="Cambria Math"/>
+                                  </a:rPr>
+                                  <m:t>max</m:t>
+                                </m:r>
+                              </m:fName>
+                              <m:e>
+                                <m:d>
+                                  <m:dPr>
+                                    <m:begChr m:val="{"/>
+                                    <m:endChr m:val="}"/>
+                                    <m:ctrlPr>
+                                      <a:rPr lang="en-US" b="0" i="1" smtClean="0">
+                                        <a:latin typeface="Cambria Math"/>
+                                      </a:rPr>
+                                    </m:ctrlPr>
+                                  </m:dPr>
+                                  <m:e>
+                                    <m:r>
+                                      <a:rPr lang="en-US" b="0" i="1" smtClean="0">
+                                        <a:latin typeface="Cambria Math"/>
+                                      </a:rPr>
+                                      <m:t>1,</m:t>
+                                    </m:r>
+                                    <m:f>
+                                      <m:fPr>
+                                        <m:ctrlPr>
+                                          <a:rPr lang="en-US" b="0" i="1" smtClean="0">
+                                            <a:latin typeface="Cambria Math"/>
+                                          </a:rPr>
+                                        </m:ctrlPr>
+                                      </m:fPr>
+                                      <m:num>
+                                        <m:r>
+                                          <a:rPr lang="en-US" b="0" i="1" smtClean="0">
+                                            <a:latin typeface="Cambria Math"/>
+                                          </a:rPr>
+                                          <m:t>𝜆</m:t>
+                                        </m:r>
+                                        <m:sSup>
+                                          <m:sSupPr>
+                                            <m:ctrlPr>
+                                              <a:rPr lang="en-US" b="0" i="1" smtClean="0">
+                                                <a:latin typeface="Cambria Math"/>
+                                              </a:rPr>
+                                            </m:ctrlPr>
+                                          </m:sSupPr>
+                                          <m:e>
+                                            <m:r>
+                                              <a:rPr lang="en-US" b="0" i="1" smtClean="0">
+                                                <a:latin typeface="Cambria Math"/>
+                                              </a:rPr>
+                                              <m:t>𝜖</m:t>
+                                            </m:r>
+                                          </m:e>
+                                          <m:sup>
+                                            <m:r>
+                                              <a:rPr lang="en-US" b="0" i="1" smtClean="0">
+                                                <a:latin typeface="Cambria Math"/>
+                                              </a:rPr>
+                                              <m:t>2</m:t>
+                                            </m:r>
+                                          </m:sup>
+                                        </m:sSup>
+                                      </m:num>
+                                      <m:den>
+                                        <m:r>
+                                          <a:rPr lang="en-US" b="0" i="1" smtClean="0">
+                                            <a:latin typeface="Cambria Math"/>
+                                          </a:rPr>
+                                          <m:t>6</m:t>
+                                        </m:r>
+                                        <m:func>
+                                          <m:funcPr>
+                                            <m:ctrlPr>
+                                              <a:rPr lang="en-US" b="0" i="1" smtClean="0">
+                                                <a:latin typeface="Cambria Math"/>
+                                              </a:rPr>
+                                            </m:ctrlPr>
+                                          </m:funcPr>
+                                          <m:fName>
+                                            <m:r>
+                                              <m:rPr>
+                                                <m:sty m:val="p"/>
+                                              </m:rPr>
+                                              <a:rPr lang="en-US" b="0" i="0" smtClean="0">
+                                                <a:latin typeface="Cambria Math"/>
+                                              </a:rPr>
+                                              <m:t>log</m:t>
+                                            </m:r>
+                                          </m:fName>
+                                          <m:e>
+                                            <m:r>
+                                              <a:rPr lang="en-US" b="0" i="1" smtClean="0">
+                                                <a:latin typeface="Cambria Math"/>
+                                              </a:rPr>
+                                              <m:t>𝑛</m:t>
+                                            </m:r>
+                                          </m:e>
+                                        </m:func>
+                                      </m:den>
+                                    </m:f>
+                                  </m:e>
+                                </m:d>
+                              </m:e>
+                            </m:func>
+                          </m:e>
+                        </m:func>
+                        <m:r>
+                          <a:rPr lang="en-US" b="0" i="1" smtClean="0">
+                            <a:latin typeface="Cambria Math"/>
+                          </a:rPr>
+                          <m:t> </m:t>
+                        </m:r>
+                      </m:e>
+                    </m:d>
+                  </m:oMath>
+                </a14:m>
+                <a:endParaRPr lang="en-US" dirty="0" smtClean="0"/>
+              </a:p>
+              <a:p>
+                <a14:m>
+                  <m:oMath xmlns:m="http://schemas.openxmlformats.org/officeDocument/2006/math">
+                    <m:r>
+                      <a:rPr lang="en-US" b="0" i="1" smtClean="0">
+                        <a:latin typeface="Cambria Math"/>
+                      </a:rPr>
+                      <m:t>𝑖</m:t>
+                    </m:r>
+                    <m:r>
+                      <a:rPr lang="en-US" b="0" i="1" smtClean="0">
+                        <a:latin typeface="Cambria Math"/>
+                      </a:rPr>
+                      <m:t>≤</m:t>
+                    </m:r>
+                    <m:sSup>
+                      <m:sSupPr>
+                        <m:ctrlPr>
+                          <a:rPr lang="en-US" b="0" i="1" smtClean="0">
+                            <a:latin typeface="Cambria Math"/>
+                          </a:rPr>
+                        </m:ctrlPr>
+                      </m:sSupPr>
+                      <m:e>
+                        <m:r>
+                          <a:rPr lang="en-US" b="0" i="1" smtClean="0">
+                            <a:latin typeface="Cambria Math"/>
+                          </a:rPr>
+                          <m:t>𝑖</m:t>
+                        </m:r>
+                      </m:e>
+                      <m:sup>
+                        <m:r>
+                          <a:rPr lang="en-US" b="0" i="1" smtClean="0">
+                            <a:latin typeface="Cambria Math"/>
+                          </a:rPr>
+                          <m:t>∗</m:t>
+                        </m:r>
+                      </m:sup>
+                    </m:sSup>
+                    <m:r>
+                      <a:rPr lang="en-US" b="0" i="1" smtClean="0">
+                        <a:latin typeface="Cambria Math"/>
+                      </a:rPr>
+                      <m:t>⇒</m:t>
+                    </m:r>
+                  </m:oMath>
+                </a14:m>
+                <a:r>
+                  <a:rPr lang="en-US" dirty="0" smtClean="0"/>
+                  <a:t> </a:t>
+                </a:r>
+                <a14:m>
+                  <m:oMath xmlns:m="http://schemas.openxmlformats.org/officeDocument/2006/math">
+                    <m:sSub>
+                      <m:sSubPr>
+                        <m:ctrlPr>
+                          <a:rPr lang="en-US" b="0" i="1" dirty="0" smtClean="0">
+                            <a:latin typeface="Cambria Math"/>
+                          </a:rPr>
+                        </m:ctrlPr>
+                      </m:sSubPr>
+                      <m:e>
+                        <m:r>
+                          <a:rPr lang="en-US" b="0" i="1" dirty="0" smtClean="0">
+                            <a:latin typeface="Cambria Math"/>
+                          </a:rPr>
+                          <m:t>𝑝</m:t>
+                        </m:r>
+                      </m:e>
+                      <m:sub>
+                        <m:r>
+                          <a:rPr lang="en-US" b="0" i="1" dirty="0" smtClean="0">
+                            <a:latin typeface="Cambria Math"/>
+                          </a:rPr>
+                          <m:t>𝑒</m:t>
+                        </m:r>
+                      </m:sub>
+                    </m:sSub>
+                    <m:r>
+                      <a:rPr lang="en-US" b="0" i="1" dirty="0" smtClean="0">
+                        <a:latin typeface="Cambria Math"/>
+                      </a:rPr>
+                      <m:t>≥</m:t>
+                    </m:r>
+                    <m:func>
+                      <m:funcPr>
+                        <m:ctrlPr>
+                          <a:rPr lang="en-US" b="0" i="1" dirty="0" smtClean="0">
+                            <a:latin typeface="Cambria Math"/>
+                          </a:rPr>
+                        </m:ctrlPr>
+                      </m:funcPr>
+                      <m:fName>
+                        <m:r>
+                          <m:rPr>
+                            <m:sty m:val="p"/>
+                          </m:rPr>
+                          <a:rPr lang="en-US" b="0" i="0" dirty="0" smtClean="0">
+                            <a:latin typeface="Cambria Math"/>
+                          </a:rPr>
+                          <m:t>min</m:t>
+                        </m:r>
+                      </m:fName>
+                      <m:e>
+                        <m:d>
+                          <m:dPr>
+                            <m:ctrlPr>
+                              <a:rPr lang="en-US" b="0" i="1" dirty="0" smtClean="0">
+                                <a:latin typeface="Cambria Math"/>
+                              </a:rPr>
+                            </m:ctrlPr>
+                          </m:dPr>
+                          <m:e>
+                            <m:f>
+                              <m:fPr>
+                                <m:ctrlPr>
+                                  <a:rPr lang="en-US" b="0" i="1" dirty="0" smtClean="0">
+                                    <a:latin typeface="Cambria Math"/>
+                                  </a:rPr>
+                                </m:ctrlPr>
+                              </m:fPr>
+                              <m:num>
+                                <m:r>
+                                  <a:rPr lang="en-US" b="0" i="1" dirty="0" smtClean="0">
+                                    <a:latin typeface="Cambria Math"/>
+                                  </a:rPr>
+                                  <m:t>6</m:t>
+                                </m:r>
+                                <m:func>
+                                  <m:funcPr>
+                                    <m:ctrlPr>
+                                      <a:rPr lang="en-US" b="0" i="1" dirty="0" smtClean="0">
+                                        <a:latin typeface="Cambria Math"/>
+                                      </a:rPr>
+                                    </m:ctrlPr>
+                                  </m:funcPr>
+                                  <m:fName>
+                                    <m:r>
+                                      <m:rPr>
+                                        <m:sty m:val="p"/>
+                                      </m:rPr>
+                                      <a:rPr lang="en-US" b="0" i="0" dirty="0" smtClean="0">
+                                        <a:latin typeface="Cambria Math"/>
+                                      </a:rPr>
+                                      <m:t>log</m:t>
+                                    </m:r>
+                                  </m:fName>
+                                  <m:e>
+                                    <m:r>
+                                      <a:rPr lang="en-US" b="0" i="1" dirty="0" smtClean="0">
+                                        <a:latin typeface="Cambria Math"/>
+                                      </a:rPr>
+                                      <m:t>𝑛</m:t>
+                                    </m:r>
+                                  </m:e>
+                                </m:func>
+                              </m:num>
+                              <m:den>
+                                <m:r>
+                                  <a:rPr lang="en-US" b="0" i="1" dirty="0" smtClean="0">
+                                    <a:latin typeface="Cambria Math"/>
+                                  </a:rPr>
+                                  <m:t>𝜆</m:t>
+                                </m:r>
+                                <m:sSup>
+                                  <m:sSupPr>
+                                    <m:ctrlPr>
+                                      <a:rPr lang="en-US" b="0" i="1" dirty="0" smtClean="0">
+                                        <a:latin typeface="Cambria Math"/>
+                                      </a:rPr>
+                                    </m:ctrlPr>
+                                  </m:sSupPr>
+                                  <m:e>
+                                    <m:r>
+                                      <a:rPr lang="en-US" b="0" i="1" dirty="0" smtClean="0">
+                                        <a:latin typeface="Cambria Math"/>
+                                      </a:rPr>
+                                      <m:t>𝜖</m:t>
+                                    </m:r>
+                                  </m:e>
+                                  <m:sup>
+                                    <m:r>
+                                      <a:rPr lang="en-US" b="0" i="1" dirty="0" smtClean="0">
+                                        <a:latin typeface="Cambria Math"/>
+                                      </a:rPr>
+                                      <m:t>2</m:t>
+                                    </m:r>
+                                  </m:sup>
+                                </m:sSup>
+                              </m:den>
+                            </m:f>
+                            <m:r>
+                              <a:rPr lang="en-US" b="0" i="1" dirty="0" smtClean="0">
+                                <a:latin typeface="Cambria Math"/>
+                              </a:rPr>
+                              <m:t>,1</m:t>
+                            </m:r>
+                          </m:e>
+                        </m:d>
+                      </m:e>
+                    </m:func>
+                    <m:r>
+                      <a:rPr lang="en-US" b="0" i="1" dirty="0" smtClean="0">
+                        <a:latin typeface="Cambria Math"/>
+                      </a:rPr>
+                      <m:t>⇒</m:t>
+                    </m:r>
+                  </m:oMath>
+                </a14:m>
+                <a:r>
+                  <a:rPr lang="en-US" dirty="0" smtClean="0"/>
+                  <a:t> min cut in </a:t>
+                </a:r>
+                <a14:m>
+                  <m:oMath xmlns:m="http://schemas.openxmlformats.org/officeDocument/2006/math">
+                    <m:sSub>
+                      <m:sSubPr>
+                        <m:ctrlPr>
+                          <a:rPr lang="en-US" b="0" i="1" smtClean="0">
+                            <a:latin typeface="Cambria Math"/>
+                          </a:rPr>
+                        </m:ctrlPr>
+                      </m:sSubPr>
+                      <m:e>
+                        <m:r>
+                          <a:rPr lang="en-US" b="0" i="1" smtClean="0">
+                            <a:latin typeface="Cambria Math"/>
+                          </a:rPr>
+                          <m:t>𝐺</m:t>
+                        </m:r>
+                      </m:e>
+                      <m:sub>
+                        <m:r>
+                          <a:rPr lang="en-US" b="0" i="1" smtClean="0">
+                            <a:latin typeface="Cambria Math"/>
+                          </a:rPr>
+                          <m:t>𝑖</m:t>
+                        </m:r>
+                      </m:sub>
+                    </m:sSub>
+                  </m:oMath>
+                </a14:m>
+                <a:r>
+                  <a:rPr lang="en-US" dirty="0" smtClean="0"/>
+                  <a:t> is approximating min-cut in </a:t>
+                </a:r>
+                <a14:m>
+                  <m:oMath xmlns:m="http://schemas.openxmlformats.org/officeDocument/2006/math">
+                    <m:r>
+                      <a:rPr lang="en-US" b="0" i="1" smtClean="0">
+                        <a:latin typeface="Cambria Math"/>
+                      </a:rPr>
+                      <m:t>𝐺</m:t>
+                    </m:r>
+                  </m:oMath>
+                </a14:m>
+                <a:r>
+                  <a:rPr lang="en-US" dirty="0" smtClean="0"/>
+                  <a:t> up to </a:t>
+                </a:r>
+                <a14:m>
+                  <m:oMath xmlns:m="http://schemas.openxmlformats.org/officeDocument/2006/math">
+                    <m:r>
+                      <a:rPr lang="en-US" b="0" i="1" smtClean="0">
+                        <a:latin typeface="Cambria Math"/>
+                      </a:rPr>
+                      <m:t>(1±</m:t>
+                    </m:r>
+                    <m:r>
+                      <a:rPr lang="en-US" b="0" i="1" smtClean="0">
+                        <a:latin typeface="Cambria Math"/>
+                      </a:rPr>
+                      <m:t>𝜖</m:t>
+                    </m:r>
+                    <m:r>
+                      <a:rPr lang="en-US" b="0" i="1" smtClean="0">
+                        <a:latin typeface="Cambria Math"/>
+                      </a:rPr>
+                      <m:t>)</m:t>
+                    </m:r>
+                  </m:oMath>
+                </a14:m>
+                <a:endParaRPr lang="en-US" dirty="0" smtClean="0"/>
+              </a:p>
+              <a:p>
+                <a14:m>
+                  <m:oMath xmlns:m="http://schemas.openxmlformats.org/officeDocument/2006/math">
+                    <m:r>
+                      <a:rPr lang="en-US" b="0" i="1" smtClean="0">
+                        <a:latin typeface="Cambria Math"/>
+                      </a:rPr>
+                      <m:t>𝑖</m:t>
+                    </m:r>
+                    <m:r>
+                      <a:rPr lang="en-US" b="0" i="1" smtClean="0">
+                        <a:latin typeface="Cambria Math"/>
+                      </a:rPr>
+                      <m:t>=</m:t>
+                    </m:r>
+                    <m:sSup>
+                      <m:sSupPr>
+                        <m:ctrlPr>
+                          <a:rPr lang="en-US" b="0" i="1" smtClean="0">
+                            <a:latin typeface="Cambria Math"/>
+                          </a:rPr>
+                        </m:ctrlPr>
+                      </m:sSupPr>
+                      <m:e>
+                        <m:r>
+                          <a:rPr lang="en-US" b="0" i="1" smtClean="0">
+                            <a:latin typeface="Cambria Math"/>
+                          </a:rPr>
+                          <m:t>𝑖</m:t>
+                        </m:r>
+                      </m:e>
+                      <m:sup>
+                        <m:r>
+                          <a:rPr lang="en-US" b="0" i="1" smtClean="0">
+                            <a:latin typeface="Cambria Math"/>
+                          </a:rPr>
+                          <m:t>∗</m:t>
+                        </m:r>
+                      </m:sup>
+                    </m:sSup>
+                    <m:r>
+                      <a:rPr lang="en-US" b="0" i="0" smtClean="0">
+                        <a:latin typeface="Cambria Math"/>
+                      </a:rPr>
+                      <m:t>:</m:t>
+                    </m:r>
+                  </m:oMath>
+                </a14:m>
+                <a:r>
+                  <a:rPr lang="en-US" dirty="0" smtClean="0"/>
+                  <a:t> By </a:t>
+                </a:r>
+                <a:r>
+                  <a:rPr lang="en-US" dirty="0" err="1" smtClean="0"/>
+                  <a:t>Chernoff</a:t>
+                </a:r>
+                <a:r>
+                  <a:rPr lang="en-US" dirty="0" smtClean="0"/>
+                  <a:t> bound # edges in </a:t>
+                </a:r>
+                <a14:m>
+                  <m:oMath xmlns:m="http://schemas.openxmlformats.org/officeDocument/2006/math">
+                    <m:sSub>
+                      <m:sSubPr>
+                        <m:ctrlPr>
+                          <a:rPr lang="en-US" b="0" i="1" smtClean="0">
+                            <a:latin typeface="Cambria Math"/>
+                          </a:rPr>
+                        </m:ctrlPr>
+                      </m:sSubPr>
+                      <m:e>
+                        <m:r>
+                          <a:rPr lang="en-US" b="0" i="1" smtClean="0">
+                            <a:latin typeface="Cambria Math"/>
+                          </a:rPr>
+                          <m:t>𝐺</m:t>
+                        </m:r>
+                      </m:e>
+                      <m:sub>
+                        <m:sSup>
+                          <m:sSupPr>
+                            <m:ctrlPr>
+                              <a:rPr lang="en-US" b="0" i="1" smtClean="0">
+                                <a:latin typeface="Cambria Math"/>
+                              </a:rPr>
+                            </m:ctrlPr>
+                          </m:sSupPr>
+                          <m:e>
+                            <m:r>
+                              <a:rPr lang="en-US" b="0" i="1" smtClean="0">
+                                <a:latin typeface="Cambria Math"/>
+                              </a:rPr>
+                              <m:t>𝑖</m:t>
+                            </m:r>
+                          </m:e>
+                          <m:sup>
+                            <m:r>
+                              <a:rPr lang="en-US" b="0" i="1" smtClean="0">
+                                <a:latin typeface="Cambria Math"/>
+                              </a:rPr>
+                              <m:t>∗</m:t>
+                            </m:r>
+                          </m:sup>
+                        </m:sSup>
+                      </m:sub>
+                    </m:sSub>
+                  </m:oMath>
+                </a14:m>
+                <a:r>
+                  <a:rPr lang="en-US" dirty="0" smtClean="0"/>
+                  <a:t> that crosses min-cut in </a:t>
+                </a:r>
+                <a14:m>
+                  <m:oMath xmlns:m="http://schemas.openxmlformats.org/officeDocument/2006/math">
+                    <m:r>
+                      <a:rPr lang="en-US" b="0" i="1" smtClean="0">
+                        <a:latin typeface="Cambria Math"/>
+                      </a:rPr>
+                      <m:t>𝐺</m:t>
+                    </m:r>
+                  </m:oMath>
+                </a14:m>
+                <a:r>
+                  <a:rPr lang="en-US" dirty="0" smtClean="0"/>
+                  <a:t> is </a:t>
+                </a:r>
+                <a14:m>
+                  <m:oMath xmlns:m="http://schemas.openxmlformats.org/officeDocument/2006/math">
+                    <m:r>
+                      <a:rPr lang="en-US" b="0" i="1" smtClean="0">
+                        <a:latin typeface="Cambria Math"/>
+                      </a:rPr>
+                      <m:t>𝑂</m:t>
+                    </m:r>
+                    <m:d>
+                      <m:dPr>
+                        <m:ctrlPr>
+                          <a:rPr lang="en-US" b="0" i="1" smtClean="0">
+                            <a:latin typeface="Cambria Math"/>
+                          </a:rPr>
+                        </m:ctrlPr>
+                      </m:dPr>
+                      <m:e>
+                        <m:f>
+                          <m:fPr>
+                            <m:ctrlPr>
+                              <a:rPr lang="en-US" b="0" i="1" smtClean="0">
+                                <a:latin typeface="Cambria Math"/>
+                              </a:rPr>
+                            </m:ctrlPr>
+                          </m:fPr>
+                          <m:num>
+                            <m:r>
+                              <a:rPr lang="en-US" b="0" i="1" smtClean="0">
+                                <a:latin typeface="Cambria Math"/>
+                              </a:rPr>
+                              <m:t>1</m:t>
+                            </m:r>
+                          </m:num>
+                          <m:den>
+                            <m:sSup>
+                              <m:sSupPr>
+                                <m:ctrlPr>
+                                  <a:rPr lang="en-US" b="0" i="1" smtClean="0">
+                                    <a:latin typeface="Cambria Math"/>
+                                  </a:rPr>
+                                </m:ctrlPr>
+                              </m:sSupPr>
+                              <m:e>
+                                <m:r>
+                                  <a:rPr lang="en-US" b="0" i="1" smtClean="0">
+                                    <a:latin typeface="Cambria Math"/>
+                                  </a:rPr>
+                                  <m:t>𝜖</m:t>
+                                </m:r>
+                              </m:e>
+                              <m:sup>
+                                <m:r>
+                                  <a:rPr lang="en-US" b="0" i="1" smtClean="0">
+                                    <a:latin typeface="Cambria Math"/>
+                                  </a:rPr>
+                                  <m:t>2</m:t>
+                                </m:r>
+                              </m:sup>
+                            </m:sSup>
+                          </m:den>
+                        </m:f>
+                        <m:func>
+                          <m:funcPr>
+                            <m:ctrlPr>
+                              <a:rPr lang="en-US" b="0" i="1" smtClean="0">
+                                <a:latin typeface="Cambria Math"/>
+                              </a:rPr>
+                            </m:ctrlPr>
+                          </m:funcPr>
+                          <m:fName>
+                            <m:r>
+                              <m:rPr>
+                                <m:sty m:val="p"/>
+                              </m:rPr>
+                              <a:rPr lang="en-US" b="0" i="0" smtClean="0">
+                                <a:latin typeface="Cambria Math"/>
+                              </a:rPr>
+                              <m:t>log</m:t>
+                            </m:r>
+                          </m:fName>
+                          <m:e>
+                            <m:r>
+                              <a:rPr lang="en-US" b="0" i="1" smtClean="0">
+                                <a:latin typeface="Cambria Math"/>
+                              </a:rPr>
+                              <m:t>𝑛</m:t>
+                            </m:r>
+                          </m:e>
+                        </m:func>
+                      </m:e>
+                    </m:d>
+                    <m:r>
+                      <a:rPr lang="en-US" b="0" i="1" smtClean="0">
+                        <a:latin typeface="Cambria Math"/>
+                      </a:rPr>
+                      <m:t>≤</m:t>
+                    </m:r>
+                    <m:r>
+                      <a:rPr lang="en-US" b="0" i="1" smtClean="0">
+                        <a:latin typeface="Cambria Math"/>
+                      </a:rPr>
+                      <m:t>𝑘</m:t>
+                    </m:r>
+                  </m:oMath>
+                </a14:m>
+                <a:r>
+                  <a:rPr lang="en-US" dirty="0" smtClean="0"/>
+                  <a:t> w.h.p. </a:t>
+                </a:r>
+                <a:endParaRPr lang="en-US" dirty="0"/>
+              </a:p>
+            </p:txBody>
+          </p:sp>
+        </mc:Choice>
+        <mc:Fallback>
+          <p:sp>
+            <p:nvSpPr>
+              <p:cNvPr id="3" name="Content Placeholder 2"/>
+              <p:cNvSpPr>
+                <a:spLocks noGrp="1" noRot="1" noChangeAspect="1" noMove="1" noResize="1" noEditPoints="1" noAdjustHandles="1" noChangeArrowheads="1" noChangeShapeType="1" noTextEdit="1"/>
+              </p:cNvSpPr>
+              <p:nvPr>
+                <p:ph idx="1"/>
+              </p:nvPr>
+            </p:nvSpPr>
+            <p:spPr>
+              <a:blipFill rotWithShape="1">
+                <a:blip r:embed="rId2"/>
+                <a:stretch>
+                  <a:fillRect l="-1630" t="-2695" r="-1852"/>
+                </a:stretch>
+              </a:blipFill>
+            </p:spPr>
+            <p:txBody>
+              <a:bodyPr/>
+              <a:lstStyle/>
+              <a:p>
+                <a:r>
+                  <a:rPr lang="en-US">
+                    <a:noFill/>
+                  </a:rPr>
+                  <a:t> </a:t>
+                </a:r>
+              </a:p>
+            </p:txBody>
+          </p:sp>
+        </mc:Fallback>
+      </mc:AlternateContent>
+    </p:spTree>
+    <p:extLst>
+      <p:ext uri="{BB962C8B-B14F-4D97-AF65-F5344CB8AC3E}">
+        <p14:creationId xmlns:p14="http://schemas.microsoft.com/office/powerpoint/2010/main" val="2907110944"/>
+      </p:ext>
+    </p:extLst>
+  </p:cSld>
+  <p:clrMapOvr>
+    <a:masterClrMapping/>
+  </p:clrMapOvr>
+  <p:timing>
+    <p:tnLst>
+      <p:par>
+        <p:cTn id="1" dur="indefinite" restart="never" nodeType="tmRoot">
+          <p:childTnLst>
+            <p:seq concurrent="1" nextAc="seek">
+              <p:cTn id="2" dur="indefinite" nodeType="mainSeq">
+                <p:childTnLst>
+                  <p:par>
+                    <p:cTn id="3" fill="hold">
+                      <p:stCondLst>
+                        <p:cond delay="indefinite"/>
+                      </p:stCondLst>
+                      <p:childTnLst>
+                        <p:par>
+                          <p:cTn id="4" fill="hold">
+                            <p:stCondLst>
+                              <p:cond delay="0"/>
+                            </p:stCondLst>
+                            <p:childTnLst>
+                              <p:par>
+                                <p:cTn id="5" presetID="1" presetClass="entr" presetSubtype="0" fill="hold" grpId="0" nodeType="clickEffect">
+                                  <p:stCondLst>
+                                    <p:cond delay="0"/>
+                                  </p:stCondLst>
+                                  <p:childTnLst>
+                                    <p:set>
+                                      <p:cBhvr>
+                                        <p:cTn id="6" dur="1" fill="hold">
+                                          <p:stCondLst>
+                                            <p:cond delay="0"/>
+                                          </p:stCondLst>
+                                        </p:cTn>
+                                        <p:tgtEl>
+                                          <p:spTgt spid="3">
+                                            <p:txEl>
+                                              <p:pRg st="0" end="0"/>
+                                            </p:txEl>
+                                          </p:spTgt>
+                                        </p:tgtEl>
+                                        <p:attrNameLst>
+                                          <p:attrName>style.visibility</p:attrName>
+                                        </p:attrNameLst>
+                                      </p:cBhvr>
+                                      <p:to>
+                                        <p:strVal val="visible"/>
+                                      </p:to>
+                                    </p:set>
+                                  </p:childTnLst>
+                                </p:cTn>
+                              </p:par>
+                            </p:childTnLst>
+                          </p:cTn>
+                        </p:par>
+                      </p:childTnLst>
+                    </p:cTn>
+                  </p:par>
+                  <p:par>
+                    <p:cTn id="7" fill="hold">
+                      <p:stCondLst>
+                        <p:cond delay="indefinite"/>
+                      </p:stCondLst>
+                      <p:childTnLst>
+                        <p:par>
+                          <p:cTn id="8" fill="hold">
+                            <p:stCondLst>
+                              <p:cond delay="0"/>
+                            </p:stCondLst>
+                            <p:childTnLst>
+                              <p:par>
+                                <p:cTn id="9" presetID="1" presetClass="entr" presetSubtype="0" fill="hold" grpId="0" nodeType="clickEffect">
+                                  <p:stCondLst>
+                                    <p:cond delay="0"/>
+                                  </p:stCondLst>
+                                  <p:childTnLst>
+                                    <p:set>
+                                      <p:cBhvr>
+                                        <p:cTn id="10" dur="1" fill="hold">
+                                          <p:stCondLst>
+                                            <p:cond delay="0"/>
+                                          </p:stCondLst>
+                                        </p:cTn>
+                                        <p:tgtEl>
+                                          <p:spTgt spid="3">
+                                            <p:txEl>
+                                              <p:pRg st="1" end="1"/>
+                                            </p:txEl>
+                                          </p:spTgt>
+                                        </p:tgtEl>
+                                        <p:attrNameLst>
+                                          <p:attrName>style.visibility</p:attrName>
+                                        </p:attrNameLst>
+                                      </p:cBhvr>
+                                      <p:to>
+                                        <p:strVal val="visible"/>
+                                      </p:to>
+                                    </p:set>
+                                  </p:childTnLst>
+                                </p:cTn>
+                              </p:par>
+                            </p:childTnLst>
+                          </p:cTn>
+                        </p:par>
+                      </p:childTnLst>
+                    </p:cTn>
+                  </p:par>
+                  <p:par>
+                    <p:cTn id="11" fill="hold">
+                      <p:stCondLst>
+                        <p:cond delay="indefinite"/>
+                      </p:stCondLst>
+                      <p:childTnLst>
+                        <p:par>
+                          <p:cTn id="12" fill="hold">
+                            <p:stCondLst>
+                              <p:cond delay="0"/>
+                            </p:stCondLst>
+                            <p:childTnLst>
+                              <p:par>
+                                <p:cTn id="13" presetID="1" presetClass="entr" presetSubtype="0" fill="hold" grpId="0" nodeType="clickEffect">
+                                  <p:stCondLst>
+                                    <p:cond delay="0"/>
+                                  </p:stCondLst>
+                                  <p:childTnLst>
+                                    <p:set>
+                                      <p:cBhvr>
+                                        <p:cTn id="14" dur="1" fill="hold">
+                                          <p:stCondLst>
+                                            <p:cond delay="0"/>
+                                          </p:stCondLst>
+                                        </p:cTn>
+                                        <p:tgtEl>
+                                          <p:spTgt spid="3">
+                                            <p:txEl>
+                                              <p:pRg st="2" end="2"/>
+                                            </p:txEl>
+                                          </p:spTgt>
+                                        </p:tgtEl>
+                                        <p:attrNameLst>
+                                          <p:attrName>style.visibility</p:attrName>
+                                        </p:attrNameLst>
+                                      </p:cBhvr>
+                                      <p:to>
+                                        <p:strVal val="visible"/>
+                                      </p:to>
+                                    </p:set>
+                                  </p:childTnLst>
+                                </p:cTn>
+                              </p:par>
+                            </p:childTnLst>
+                          </p:cTn>
+                        </p:par>
+                      </p:childTnLst>
+                    </p:cTn>
+                  </p:par>
+                  <p:par>
+                    <p:cTn id="15" fill="hold">
+                      <p:stCondLst>
+                        <p:cond delay="indefinite"/>
+                      </p:stCondLst>
+                      <p:childTnLst>
+                        <p:par>
+                          <p:cTn id="16" fill="hold">
+                            <p:stCondLst>
+                              <p:cond delay="0"/>
+                            </p:stCondLst>
+                            <p:childTnLst>
+                              <p:par>
+                                <p:cTn id="17" presetID="1" presetClass="entr" presetSubtype="0" fill="hold" grpId="0" nodeType="clickEffect">
+                                  <p:stCondLst>
+                                    <p:cond delay="0"/>
+                                  </p:stCondLst>
+                                  <p:childTnLst>
+                                    <p:set>
+                                      <p:cBhvr>
+                                        <p:cTn id="18" dur="1" fill="hold">
+                                          <p:stCondLst>
+                                            <p:cond delay="0"/>
+                                          </p:stCondLst>
+                                        </p:cTn>
+                                        <p:tgtEl>
+                                          <p:spTgt spid="3">
+                                            <p:txEl>
+                                              <p:pRg st="3" end="3"/>
+                                            </p:txEl>
+                                          </p:spTgt>
+                                        </p:tgtEl>
+                                        <p:attrNameLst>
+                                          <p:attrName>style.visibility</p:attrName>
+                                        </p:attrNameLst>
+                                      </p:cBhvr>
+                                      <p:to>
+                                        <p:strVal val="visible"/>
+                                      </p:to>
+                                    </p:set>
+                                  </p:childTnLst>
+                                </p:cTn>
+                              </p:par>
+                            </p:childTnLst>
+                          </p:cTn>
+                        </p:par>
+                      </p:childTnLst>
+                    </p:cTn>
+                  </p:par>
+                </p:childTnLst>
+              </p:cTn>
+              <p:prevCondLst>
+                <p:cond evt="onPrev" delay="0">
+                  <p:tgtEl>
+                    <p:sldTgt/>
+                  </p:tgtEl>
+                </p:cond>
+              </p:prevCondLst>
+              <p:nextCondLst>
+                <p:cond evt="onNext" delay="0">
+                  <p:tgtEl>
+                    <p:sldTgt/>
+                  </p:tgtEl>
+                </p:cond>
+              </p:nextCondLst>
+            </p:seq>
+          </p:childTnLst>
+        </p:cTn>
+      </p:par>
+    </p:tnLst>
+    <p:bldLst>
+      <p:bldP spid="3" grpId="0" build="p"/>
+    </p:bldLst>
+  </p:timing>
+</p:sld>
+</file>
+
+<file path=ppt/slides/slide21.xml><?xml version="1.0" encoding="utf-8"?>
+<p:sld xmlns:a="http://schemas.openxmlformats.org/drawingml/2006/main" xmlns:r="http://schemas.openxmlformats.org/officeDocument/2006/relationships" xmlns:p="http://schemas.openxmlformats.org/presentationml/2006/main">
+  <p:cSld>
+    <p:spTree>
+      <p:nvGrpSpPr>
+        <p:cNvPr id="1" name=""/>
+        <p:cNvGrpSpPr/>
+        <p:nvPr/>
+      </p:nvGrpSpPr>
+      <p:grpSpPr>
+        <a:xfrm>
+          <a:off x="0" y="0"/>
+          <a:ext cx="0" cy="0"/>
+          <a:chOff x="0" y="0"/>
+          <a:chExt cx="0" cy="0"/>
+        </a:xfrm>
+      </p:grpSpPr>
+      <p:sp>
+        <p:nvSpPr>
+          <p:cNvPr id="2" name="Title 1"/>
+          <p:cNvSpPr>
+            <a:spLocks noGrp="1"/>
+          </p:cNvSpPr>
+          <p:nvPr>
+            <p:ph type="title"/>
+          </p:nvPr>
+        </p:nvSpPr>
+        <p:spPr/>
+        <p:txBody>
+          <a:bodyPr/>
+          <a:lstStyle/>
+          <a:p>
+            <a:r>
+              <a:rPr lang="en-US" dirty="0" smtClean="0">
+                <a:solidFill>
+                  <a:srgbClr val="0070C0"/>
+                </a:solidFill>
+              </a:rPr>
+              <a:t>Cut </a:t>
+            </a:r>
+            <a:r>
+              <a:rPr lang="en-US" dirty="0" err="1" smtClean="0">
+                <a:solidFill>
+                  <a:srgbClr val="0070C0"/>
+                </a:solidFill>
+              </a:rPr>
+              <a:t>Sparsification</a:t>
+            </a:r>
+            <a:endParaRPr lang="en-US" dirty="0">
+              <a:solidFill>
+                <a:srgbClr val="0070C0"/>
+              </a:solidFill>
+            </a:endParaRPr>
+          </a:p>
+        </p:txBody>
+      </p:sp>
+      <mc:AlternateContent xmlns:mc="http://schemas.openxmlformats.org/markup-compatibility/2006">
+        <mc:Choice xmlns:a14="http://schemas.microsoft.com/office/drawing/2010/main" Requires="a14">
+          <p:sp>
+            <p:nvSpPr>
+              <p:cNvPr id="3" name="Content Placeholder 2"/>
+              <p:cNvSpPr>
+                <a:spLocks noGrp="1"/>
+              </p:cNvSpPr>
+              <p:nvPr>
+                <p:ph idx="1"/>
+              </p:nvPr>
+            </p:nvSpPr>
+            <p:spPr/>
+            <p:txBody>
+              <a:bodyPr>
+                <a:normAutofit fontScale="77500" lnSpcReduction="20000"/>
+              </a:bodyPr>
+              <a:lstStyle/>
+              <a:p>
+                <a:pPr marL="0" indent="0">
+                  <a:buNone/>
+                </a:pPr>
+                <a:r>
+                  <a:rPr lang="en-US" dirty="0" smtClean="0"/>
+                  <a:t>Algorithm:</a:t>
+                </a:r>
+              </a:p>
+              <a:p>
+                <a:r>
+                  <a:rPr lang="en-US" dirty="0" smtClean="0"/>
+                  <a:t>For </a:t>
+                </a:r>
+                <a14:m>
+                  <m:oMath xmlns:m="http://schemas.openxmlformats.org/officeDocument/2006/math">
+                    <m:r>
+                      <a:rPr lang="en-US" i="1" dirty="0" smtClean="0">
+                        <a:latin typeface="Cambria Math"/>
+                      </a:rPr>
+                      <m:t>𝑖</m:t>
+                    </m:r>
+                    <m:r>
+                      <a:rPr lang="en-US" i="1" dirty="0" smtClean="0">
+                        <a:latin typeface="Cambria Math"/>
+                      </a:rPr>
+                      <m:t> = </m:t>
+                    </m:r>
+                    <m:d>
+                      <m:dPr>
+                        <m:begChr m:val="{"/>
+                        <m:endChr m:val="}"/>
+                        <m:ctrlPr>
+                          <a:rPr lang="en-US" i="1" dirty="0" smtClean="0">
+                            <a:latin typeface="Cambria Math"/>
+                          </a:rPr>
+                        </m:ctrlPr>
+                      </m:dPr>
+                      <m:e>
+                        <m:r>
+                          <a:rPr lang="en-US" i="1" dirty="0" smtClean="0">
+                            <a:latin typeface="Cambria Math"/>
+                          </a:rPr>
+                          <m:t>0,1,</m:t>
+                        </m:r>
+                        <m:r>
+                          <a:rPr lang="en-US" b="0" i="1" dirty="0" smtClean="0">
+                            <a:latin typeface="Cambria Math"/>
+                          </a:rPr>
+                          <m:t>…, 2</m:t>
+                        </m:r>
+                        <m:func>
+                          <m:funcPr>
+                            <m:ctrlPr>
+                              <a:rPr lang="en-US" b="0" i="1" dirty="0" smtClean="0">
+                                <a:latin typeface="Cambria Math"/>
+                              </a:rPr>
+                            </m:ctrlPr>
+                          </m:funcPr>
+                          <m:fName>
+                            <m:r>
+                              <m:rPr>
+                                <m:sty m:val="p"/>
+                              </m:rPr>
+                              <a:rPr lang="en-US" b="0" i="0" dirty="0" smtClean="0">
+                                <a:latin typeface="Cambria Math"/>
+                              </a:rPr>
+                              <m:t>log</m:t>
+                            </m:r>
+                          </m:fName>
+                          <m:e>
+                            <m:r>
+                              <a:rPr lang="en-US" b="0" i="1" dirty="0" smtClean="0">
+                                <a:latin typeface="Cambria Math"/>
+                              </a:rPr>
+                              <m:t>𝑛</m:t>
+                            </m:r>
+                          </m:e>
+                        </m:func>
+                      </m:e>
+                    </m:d>
+                    <m:r>
+                      <a:rPr lang="en-US" b="0" i="1" dirty="0" smtClean="0">
+                        <a:latin typeface="Cambria Math"/>
+                      </a:rPr>
+                      <m:t>:</m:t>
+                    </m:r>
+                  </m:oMath>
+                </a14:m>
+                <a:endParaRPr lang="en-US" dirty="0" smtClean="0"/>
+              </a:p>
+              <a:p>
+                <a:pPr lvl="1"/>
+                <a:r>
+                  <a:rPr lang="en-US" dirty="0" smtClean="0"/>
+                  <a:t>Let </a:t>
+                </a:r>
+                <a14:m>
+                  <m:oMath xmlns:m="http://schemas.openxmlformats.org/officeDocument/2006/math">
+                    <m:sSub>
+                      <m:sSubPr>
+                        <m:ctrlPr>
+                          <a:rPr lang="en-US" b="0" i="1" smtClean="0">
+                            <a:latin typeface="Cambria Math"/>
+                          </a:rPr>
+                        </m:ctrlPr>
+                      </m:sSubPr>
+                      <m:e>
+                        <m:r>
+                          <a:rPr lang="en-US" b="0" i="1" smtClean="0">
+                            <a:latin typeface="Cambria Math"/>
+                          </a:rPr>
+                          <m:t>𝐺</m:t>
+                        </m:r>
+                      </m:e>
+                      <m:sub>
+                        <m:r>
+                          <a:rPr lang="en-US" b="0" i="1" smtClean="0">
+                            <a:latin typeface="Cambria Math"/>
+                          </a:rPr>
+                          <m:t>𝑖</m:t>
+                        </m:r>
+                      </m:sub>
+                    </m:sSub>
+                  </m:oMath>
+                </a14:m>
+                <a:r>
+                  <a:rPr lang="en-US" dirty="0" smtClean="0"/>
+                  <a:t> be the </a:t>
+                </a:r>
+                <a:r>
+                  <a:rPr lang="en-US" dirty="0" err="1" smtClean="0"/>
+                  <a:t>subgraph</a:t>
+                </a:r>
+                <a:r>
+                  <a:rPr lang="en-US" dirty="0" smtClean="0"/>
+                  <a:t> of </a:t>
+                </a:r>
+                <a14:m>
+                  <m:oMath xmlns:m="http://schemas.openxmlformats.org/officeDocument/2006/math">
+                    <m:r>
+                      <a:rPr lang="en-US" b="0" i="1" smtClean="0">
+                        <a:latin typeface="Cambria Math"/>
+                      </a:rPr>
+                      <m:t>𝐺</m:t>
+                    </m:r>
+                  </m:oMath>
+                </a14:m>
+                <a:r>
+                  <a:rPr lang="en-US" dirty="0" smtClean="0"/>
+                  <a:t> where each edge is sampled with probability </a:t>
+                </a:r>
+                <a14:m>
+                  <m:oMath xmlns:m="http://schemas.openxmlformats.org/officeDocument/2006/math">
+                    <m:r>
+                      <a:rPr lang="en-US" b="0" i="1" smtClean="0">
+                        <a:latin typeface="Cambria Math"/>
+                      </a:rPr>
+                      <m:t>1/</m:t>
+                    </m:r>
+                    <m:sSup>
+                      <m:sSupPr>
+                        <m:ctrlPr>
+                          <a:rPr lang="en-US" b="0" i="1" smtClean="0">
+                            <a:latin typeface="Cambria Math"/>
+                          </a:rPr>
+                        </m:ctrlPr>
+                      </m:sSupPr>
+                      <m:e>
+                        <m:r>
+                          <a:rPr lang="en-US" b="0" i="1" smtClean="0">
+                            <a:latin typeface="Cambria Math"/>
+                          </a:rPr>
+                          <m:t>2</m:t>
+                        </m:r>
+                      </m:e>
+                      <m:sup>
+                        <m:r>
+                          <a:rPr lang="en-US" b="0" i="1" smtClean="0">
+                            <a:latin typeface="Cambria Math"/>
+                          </a:rPr>
+                          <m:t>𝑖</m:t>
+                        </m:r>
+                      </m:sup>
+                    </m:sSup>
+                  </m:oMath>
+                </a14:m>
+                <a:endParaRPr lang="en-US" dirty="0" smtClean="0"/>
+              </a:p>
+              <a:p>
+                <a:pPr lvl="1"/>
+                <a:r>
+                  <a:rPr lang="en-US" dirty="0" smtClean="0"/>
+                  <a:t>Let </a:t>
+                </a:r>
+                <a14:m>
+                  <m:oMath xmlns:m="http://schemas.openxmlformats.org/officeDocument/2006/math">
+                    <m:sSub>
+                      <m:sSubPr>
+                        <m:ctrlPr>
+                          <a:rPr lang="en-US" b="0" i="1" smtClean="0">
+                            <a:latin typeface="Cambria Math"/>
+                          </a:rPr>
+                        </m:ctrlPr>
+                      </m:sSubPr>
+                      <m:e>
+                        <m:r>
+                          <a:rPr lang="en-US" b="0" i="1" smtClean="0">
+                            <a:latin typeface="Cambria Math"/>
+                          </a:rPr>
+                          <m:t>𝐻</m:t>
+                        </m:r>
+                      </m:e>
+                      <m:sub>
+                        <m:r>
+                          <a:rPr lang="en-US" b="0" i="1" smtClean="0">
+                            <a:latin typeface="Cambria Math"/>
+                          </a:rPr>
+                          <m:t>𝑖</m:t>
+                        </m:r>
+                      </m:sub>
+                    </m:sSub>
+                    <m:r>
+                      <a:rPr lang="en-US" b="0" i="0" smtClean="0">
+                        <a:latin typeface="Cambria Math"/>
+                      </a:rPr>
+                      <m:t>=</m:t>
+                    </m:r>
+                    <m:sSub>
+                      <m:sSubPr>
+                        <m:ctrlPr>
+                          <a:rPr lang="en-US" b="0" i="1" smtClean="0">
+                            <a:latin typeface="Cambria Math"/>
+                          </a:rPr>
+                        </m:ctrlPr>
+                      </m:sSubPr>
+                      <m:e>
+                        <m:r>
+                          <m:rPr>
+                            <m:sty m:val="p"/>
+                          </m:rPr>
+                          <a:rPr lang="en-US" b="0" i="0" smtClean="0">
+                            <a:latin typeface="Cambria Math"/>
+                          </a:rPr>
+                          <m:t>F</m:t>
+                        </m:r>
+                      </m:e>
+                      <m:sub>
+                        <m:r>
+                          <a:rPr lang="en-US" b="0" i="0" smtClean="0">
+                            <a:latin typeface="Cambria Math"/>
+                          </a:rPr>
+                          <m:t>1</m:t>
+                        </m:r>
+                      </m:sub>
+                    </m:sSub>
+                    <m:r>
+                      <a:rPr lang="en-US" b="0" i="0" smtClean="0">
+                        <a:latin typeface="Cambria Math"/>
+                      </a:rPr>
+                      <m:t>,</m:t>
+                    </m:r>
+                    <m:r>
+                      <a:rPr lang="en-US" b="0" i="1" smtClean="0">
+                        <a:latin typeface="Cambria Math"/>
+                      </a:rPr>
+                      <m:t>…, </m:t>
+                    </m:r>
+                    <m:sSub>
+                      <m:sSubPr>
+                        <m:ctrlPr>
+                          <a:rPr lang="en-US" b="0" i="1" smtClean="0">
+                            <a:latin typeface="Cambria Math"/>
+                          </a:rPr>
+                        </m:ctrlPr>
+                      </m:sSubPr>
+                      <m:e>
+                        <m:r>
+                          <a:rPr lang="en-US" b="0" i="1" smtClean="0">
+                            <a:latin typeface="Cambria Math"/>
+                          </a:rPr>
+                          <m:t>𝐹</m:t>
+                        </m:r>
+                      </m:e>
+                      <m:sub>
+                        <m:r>
+                          <a:rPr lang="en-US" b="0" i="1" smtClean="0">
+                            <a:latin typeface="Cambria Math"/>
+                          </a:rPr>
+                          <m:t>𝑘</m:t>
+                        </m:r>
+                      </m:sub>
+                    </m:sSub>
+                  </m:oMath>
+                </a14:m>
+                <a:r>
+                  <a:rPr lang="en-US" dirty="0" smtClean="0"/>
+                  <a:t> where </a:t>
+                </a:r>
+                <a14:m>
+                  <m:oMath xmlns:m="http://schemas.openxmlformats.org/officeDocument/2006/math">
+                    <m:r>
+                      <a:rPr lang="en-US" b="0" i="1" smtClean="0">
+                        <a:latin typeface="Cambria Math"/>
+                      </a:rPr>
+                      <m:t>𝑘</m:t>
+                    </m:r>
+                    <m:r>
+                      <a:rPr lang="en-US" b="0" i="1" smtClean="0">
+                        <a:latin typeface="Cambria Math"/>
+                      </a:rPr>
+                      <m:t>=</m:t>
+                    </m:r>
+                    <m:r>
+                      <a:rPr lang="en-US" b="0" i="1" smtClean="0">
+                        <a:latin typeface="Cambria Math"/>
+                      </a:rPr>
+                      <m:t>𝑂</m:t>
+                    </m:r>
+                    <m:d>
+                      <m:dPr>
+                        <m:ctrlPr>
+                          <a:rPr lang="en-US" b="0" i="1" smtClean="0">
+                            <a:latin typeface="Cambria Math"/>
+                          </a:rPr>
+                        </m:ctrlPr>
+                      </m:dPr>
+                      <m:e>
+                        <m:f>
+                          <m:fPr>
+                            <m:ctrlPr>
+                              <a:rPr lang="en-US" b="0" i="1" smtClean="0">
+                                <a:latin typeface="Cambria Math"/>
+                              </a:rPr>
+                            </m:ctrlPr>
+                          </m:fPr>
+                          <m:num>
+                            <m:r>
+                              <a:rPr lang="en-US" b="0" i="1" smtClean="0">
+                                <a:latin typeface="Cambria Math"/>
+                              </a:rPr>
+                              <m:t>1</m:t>
+                            </m:r>
+                          </m:num>
+                          <m:den>
+                            <m:sSup>
+                              <m:sSupPr>
+                                <m:ctrlPr>
+                                  <a:rPr lang="en-US" b="0" i="1" smtClean="0">
+                                    <a:latin typeface="Cambria Math"/>
+                                  </a:rPr>
+                                </m:ctrlPr>
+                              </m:sSupPr>
+                              <m:e>
+                                <m:r>
+                                  <a:rPr lang="en-US" b="0" i="1" smtClean="0">
+                                    <a:latin typeface="Cambria Math"/>
+                                  </a:rPr>
+                                  <m:t>𝜖</m:t>
+                                </m:r>
+                              </m:e>
+                              <m:sup>
+                                <m:r>
+                                  <a:rPr lang="en-US" b="0" i="1" smtClean="0">
+                                    <a:latin typeface="Cambria Math"/>
+                                  </a:rPr>
+                                  <m:t>2</m:t>
+                                </m:r>
+                              </m:sup>
+                            </m:sSup>
+                          </m:den>
+                        </m:f>
+                        <m:r>
+                          <a:rPr lang="en-US" b="0" i="1" smtClean="0">
+                            <a:latin typeface="Cambria Math"/>
+                          </a:rPr>
+                          <m:t>⋅</m:t>
+                        </m:r>
+                        <m:func>
+                          <m:funcPr>
+                            <m:ctrlPr>
+                              <a:rPr lang="en-US" b="0" i="1" smtClean="0">
+                                <a:latin typeface="Cambria Math"/>
+                              </a:rPr>
+                            </m:ctrlPr>
+                          </m:funcPr>
+                          <m:fName>
+                            <m:sSup>
+                              <m:sSupPr>
+                                <m:ctrlPr>
+                                  <a:rPr lang="en-US" b="0" i="1" smtClean="0">
+                                    <a:latin typeface="Cambria Math"/>
+                                  </a:rPr>
+                                </m:ctrlPr>
+                              </m:sSupPr>
+                              <m:e>
+                                <m:r>
+                                  <m:rPr>
+                                    <m:sty m:val="p"/>
+                                  </m:rPr>
+                                  <a:rPr lang="en-US" b="0" i="0" smtClean="0">
+                                    <a:latin typeface="Cambria Math"/>
+                                  </a:rPr>
+                                  <m:t>log</m:t>
+                                </m:r>
+                              </m:e>
+                              <m:sup>
+                                <m:r>
+                                  <a:rPr lang="en-US" b="0" i="1" smtClean="0">
+                                    <a:latin typeface="Cambria Math"/>
+                                  </a:rPr>
+                                  <m:t>2</m:t>
+                                </m:r>
+                              </m:sup>
+                            </m:sSup>
+                          </m:fName>
+                          <m:e>
+                            <m:r>
+                              <a:rPr lang="en-US" b="0" i="1" smtClean="0">
+                                <a:latin typeface="Cambria Math"/>
+                              </a:rPr>
+                              <m:t>𝑛</m:t>
+                            </m:r>
+                          </m:e>
+                        </m:func>
+                      </m:e>
+                    </m:d>
+                  </m:oMath>
+                </a14:m>
+                <a:r>
+                  <a:rPr lang="en-US" dirty="0" smtClean="0"/>
+                  <a:t> and </a:t>
+                </a:r>
+                <a14:m>
+                  <m:oMath xmlns:m="http://schemas.openxmlformats.org/officeDocument/2006/math">
+                    <m:sSub>
+                      <m:sSubPr>
+                        <m:ctrlPr>
+                          <a:rPr lang="en-US" b="0" i="1" smtClean="0">
+                            <a:latin typeface="Cambria Math"/>
+                          </a:rPr>
+                        </m:ctrlPr>
+                      </m:sSubPr>
+                      <m:e>
+                        <m:r>
+                          <a:rPr lang="en-US" b="0" i="1" smtClean="0">
+                            <a:latin typeface="Cambria Math"/>
+                          </a:rPr>
+                          <m:t>𝐹</m:t>
+                        </m:r>
+                      </m:e>
+                      <m:sub>
+                        <m:r>
+                          <a:rPr lang="en-US" b="0" i="1" smtClean="0">
+                            <a:latin typeface="Cambria Math"/>
+                          </a:rPr>
+                          <m:t>𝑖</m:t>
+                        </m:r>
+                      </m:sub>
+                    </m:sSub>
+                  </m:oMath>
+                </a14:m>
+                <a:r>
+                  <a:rPr lang="en-US" dirty="0" smtClean="0"/>
+                  <a:t> are forests constructed by the k-connectivity alg. </a:t>
+                </a:r>
+              </a:p>
+              <a:p>
+                <a:r>
+                  <a:rPr lang="en-US" dirty="0" smtClean="0"/>
+                  <a:t>For each edge </a:t>
+                </a:r>
+                <a14:m>
+                  <m:oMath xmlns:m="http://schemas.openxmlformats.org/officeDocument/2006/math">
+                    <m:r>
+                      <a:rPr lang="en-US" b="0" i="1" smtClean="0">
+                        <a:latin typeface="Cambria Math"/>
+                      </a:rPr>
+                      <m:t>𝑒</m:t>
+                    </m:r>
+                  </m:oMath>
+                </a14:m>
+                <a:r>
+                  <a:rPr lang="en-US" dirty="0" smtClean="0"/>
+                  <a:t> let </a:t>
+                </a:r>
+                <a14:m>
+                  <m:oMath xmlns:m="http://schemas.openxmlformats.org/officeDocument/2006/math">
+                    <m:sSub>
+                      <m:sSubPr>
+                        <m:ctrlPr>
+                          <a:rPr lang="en-US" b="0" i="1" smtClean="0">
+                            <a:latin typeface="Cambria Math"/>
+                          </a:rPr>
+                        </m:ctrlPr>
+                      </m:sSubPr>
+                      <m:e>
+                        <m:r>
+                          <a:rPr lang="en-US" b="0" i="1" smtClean="0">
+                            <a:latin typeface="Cambria Math"/>
+                          </a:rPr>
+                          <m:t>𝑗</m:t>
+                        </m:r>
+                      </m:e>
+                      <m:sub>
+                        <m:r>
+                          <a:rPr lang="en-US" b="0" i="1" smtClean="0">
+                            <a:latin typeface="Cambria Math"/>
+                          </a:rPr>
+                          <m:t>𝑒</m:t>
+                        </m:r>
+                      </m:sub>
+                    </m:sSub>
+                    <m:r>
+                      <a:rPr lang="en-US" b="0" i="0" smtClean="0">
+                        <a:latin typeface="Cambria Math"/>
+                      </a:rPr>
+                      <m:t>=</m:t>
+                    </m:r>
+                    <m:r>
+                      <m:rPr>
+                        <m:sty m:val="p"/>
+                      </m:rPr>
+                      <a:rPr lang="en-US" b="0" i="0" smtClean="0">
+                        <a:latin typeface="Cambria Math"/>
+                      </a:rPr>
+                      <m:t>min</m:t>
+                    </m:r>
+                    <m:r>
+                      <a:rPr lang="en-US" b="0" i="0" smtClean="0">
+                        <a:latin typeface="Cambria Math"/>
+                      </a:rPr>
+                      <m:t> </m:t>
+                    </m:r>
+                    <m:d>
+                      <m:dPr>
+                        <m:begChr m:val="{"/>
+                        <m:endChr m:val="}"/>
+                        <m:ctrlPr>
+                          <a:rPr lang="en-US" b="0" i="0" smtClean="0">
+                            <a:latin typeface="Cambria Math"/>
+                          </a:rPr>
+                        </m:ctrlPr>
+                      </m:dPr>
+                      <m:e>
+                        <m:r>
+                          <m:rPr>
+                            <m:sty m:val="p"/>
+                          </m:rPr>
+                          <a:rPr lang="en-US" b="0" i="0" smtClean="0">
+                            <a:latin typeface="Cambria Math"/>
+                          </a:rPr>
+                          <m:t>i</m:t>
+                        </m:r>
+                        <m:r>
+                          <a:rPr lang="en-US" b="0" i="0" smtClean="0">
+                            <a:latin typeface="Cambria Math"/>
+                          </a:rPr>
+                          <m:t>:</m:t>
+                        </m:r>
+                        <m:sSub>
+                          <m:sSubPr>
+                            <m:ctrlPr>
+                              <a:rPr lang="en-US" b="0" i="1" smtClean="0">
+                                <a:latin typeface="Cambria Math"/>
+                              </a:rPr>
+                            </m:ctrlPr>
+                          </m:sSubPr>
+                          <m:e>
+                            <m:r>
+                              <a:rPr lang="en-US" b="0" i="1" smtClean="0">
+                                <a:latin typeface="Cambria Math"/>
+                              </a:rPr>
+                              <m:t>𝜆</m:t>
+                            </m:r>
+                          </m:e>
+                          <m:sub>
+                            <m:r>
+                              <a:rPr lang="en-US" b="0" i="1" smtClean="0">
+                                <a:latin typeface="Cambria Math"/>
+                              </a:rPr>
+                              <m:t>𝑒</m:t>
+                            </m:r>
+                          </m:sub>
+                        </m:sSub>
+                        <m:d>
+                          <m:dPr>
+                            <m:ctrlPr>
+                              <a:rPr lang="en-US" b="0" i="1" smtClean="0">
+                                <a:latin typeface="Cambria Math"/>
+                              </a:rPr>
+                            </m:ctrlPr>
+                          </m:dPr>
+                          <m:e>
+                            <m:sSub>
+                              <m:sSubPr>
+                                <m:ctrlPr>
+                                  <a:rPr lang="en-US" b="0" i="1" smtClean="0">
+                                    <a:latin typeface="Cambria Math"/>
+                                  </a:rPr>
+                                </m:ctrlPr>
+                              </m:sSubPr>
+                              <m:e>
+                                <m:r>
+                                  <a:rPr lang="en-US" b="0" i="1" smtClean="0">
+                                    <a:latin typeface="Cambria Math"/>
+                                  </a:rPr>
+                                  <m:t>𝐻</m:t>
+                                </m:r>
+                              </m:e>
+                              <m:sub>
+                                <m:r>
+                                  <a:rPr lang="en-US" b="0" i="1" smtClean="0">
+                                    <a:latin typeface="Cambria Math"/>
+                                  </a:rPr>
+                                  <m:t>𝑖</m:t>
+                                </m:r>
+                              </m:sub>
+                            </m:sSub>
+                          </m:e>
+                        </m:d>
+                        <m:r>
+                          <a:rPr lang="en-US" b="0" i="1" smtClean="0">
+                            <a:latin typeface="Cambria Math"/>
+                          </a:rPr>
+                          <m:t>&lt;</m:t>
+                        </m:r>
+                        <m:r>
+                          <a:rPr lang="en-US" b="0" i="1" smtClean="0">
+                            <a:latin typeface="Cambria Math"/>
+                          </a:rPr>
+                          <m:t>𝑘</m:t>
+                        </m:r>
+                      </m:e>
+                    </m:d>
+                    <m:r>
+                      <a:rPr lang="en-US" b="0" i="0" smtClean="0">
+                        <a:latin typeface="Cambria Math"/>
+                      </a:rPr>
+                      <m:t>.</m:t>
+                    </m:r>
+                  </m:oMath>
+                </a14:m>
+                <a:r>
+                  <a:rPr lang="en-US" dirty="0" smtClean="0"/>
+                  <a:t> </a:t>
+                </a:r>
+              </a:p>
+              <a:p>
+                <a:r>
+                  <a:rPr lang="en-US" dirty="0" smtClean="0"/>
+                  <a:t>If </a:t>
+                </a:r>
+                <a14:m>
+                  <m:oMath xmlns:m="http://schemas.openxmlformats.org/officeDocument/2006/math">
+                    <m:r>
+                      <a:rPr lang="en-US" b="0" i="1" smtClean="0">
+                        <a:latin typeface="Cambria Math"/>
+                      </a:rPr>
+                      <m:t>𝑒</m:t>
+                    </m:r>
+                    <m:r>
+                      <a:rPr lang="en-US" b="0" i="1" smtClean="0">
+                        <a:latin typeface="Cambria Math"/>
+                      </a:rPr>
+                      <m:t>∈</m:t>
+                    </m:r>
+                    <m:sSub>
+                      <m:sSubPr>
+                        <m:ctrlPr>
+                          <a:rPr lang="en-US" b="0" i="1" smtClean="0">
+                            <a:latin typeface="Cambria Math"/>
+                          </a:rPr>
+                        </m:ctrlPr>
+                      </m:sSubPr>
+                      <m:e>
+                        <m:r>
+                          <a:rPr lang="en-US" b="0" i="1" smtClean="0">
+                            <a:latin typeface="Cambria Math"/>
+                          </a:rPr>
+                          <m:t>𝐻</m:t>
+                        </m:r>
+                      </m:e>
+                      <m:sub>
+                        <m:sSub>
+                          <m:sSubPr>
+                            <m:ctrlPr>
+                              <a:rPr lang="en-US" b="0" i="1" smtClean="0">
+                                <a:latin typeface="Cambria Math"/>
+                              </a:rPr>
+                            </m:ctrlPr>
+                          </m:sSubPr>
+                          <m:e>
+                            <m:r>
+                              <a:rPr lang="en-US" b="0" i="1" smtClean="0">
+                                <a:latin typeface="Cambria Math"/>
+                              </a:rPr>
+                              <m:t>𝑗</m:t>
+                            </m:r>
+                          </m:e>
+                          <m:sub>
+                            <m:r>
+                              <a:rPr lang="en-US" b="0" i="1" smtClean="0">
+                                <a:latin typeface="Cambria Math"/>
+                              </a:rPr>
+                              <m:t>𝑒</m:t>
+                            </m:r>
+                          </m:sub>
+                        </m:sSub>
+                      </m:sub>
+                    </m:sSub>
+                  </m:oMath>
+                </a14:m>
+                <a:r>
+                  <a:rPr lang="en-US" dirty="0" smtClean="0"/>
+                  <a:t> then add e to the </a:t>
+                </a:r>
+                <a:r>
+                  <a:rPr lang="en-US" dirty="0" err="1" smtClean="0"/>
+                  <a:t>sparsifier</a:t>
+                </a:r>
+                <a:r>
+                  <a:rPr lang="en-US" dirty="0" smtClean="0"/>
+                  <a:t> with weight </a:t>
+                </a:r>
+                <a14:m>
+                  <m:oMath xmlns:m="http://schemas.openxmlformats.org/officeDocument/2006/math">
+                    <m:sSubSup>
+                      <m:sSubSupPr>
+                        <m:ctrlPr>
+                          <a:rPr lang="en-US" b="0" i="1" smtClean="0">
+                            <a:latin typeface="Cambria Math"/>
+                          </a:rPr>
+                        </m:ctrlPr>
+                      </m:sSubSupPr>
+                      <m:e>
+                        <m:r>
+                          <a:rPr lang="en-US" b="0" i="1" smtClean="0">
+                            <a:latin typeface="Cambria Math"/>
+                          </a:rPr>
+                          <m:t>2</m:t>
+                        </m:r>
+                      </m:e>
+                      <m:sub/>
+                      <m:sup>
+                        <m:sSub>
+                          <m:sSubPr>
+                            <m:ctrlPr>
+                              <a:rPr lang="en-US" b="0" i="1" smtClean="0">
+                                <a:latin typeface="Cambria Math"/>
+                              </a:rPr>
+                            </m:ctrlPr>
+                          </m:sSubPr>
+                          <m:e>
+                            <m:r>
+                              <a:rPr lang="en-US" b="0" i="1" smtClean="0">
+                                <a:latin typeface="Cambria Math"/>
+                              </a:rPr>
+                              <m:t>𝑗</m:t>
+                            </m:r>
+                          </m:e>
+                          <m:sub>
+                            <m:r>
+                              <a:rPr lang="en-US" b="0" i="1" smtClean="0">
+                                <a:latin typeface="Cambria Math"/>
+                              </a:rPr>
+                              <m:t>𝑒</m:t>
+                            </m:r>
+                          </m:sub>
+                        </m:sSub>
+                      </m:sup>
+                    </m:sSubSup>
+                  </m:oMath>
+                </a14:m>
+                <a:endParaRPr lang="en-US" dirty="0" smtClean="0"/>
+              </a:p>
+              <a:p>
+                <a:pPr marL="0" indent="0">
+                  <a:buNone/>
+                </a:pPr>
+                <a:endParaRPr lang="en-US" dirty="0" smtClean="0"/>
+              </a:p>
+              <a:p>
+                <a:r>
+                  <a:rPr lang="en-US" dirty="0" smtClean="0"/>
+                  <a:t>Space: </a:t>
+                </a:r>
+                <a14:m>
+                  <m:oMath xmlns:m="http://schemas.openxmlformats.org/officeDocument/2006/math">
+                    <m:r>
+                      <a:rPr lang="en-US" b="0" i="1" smtClean="0">
+                        <a:latin typeface="Cambria Math"/>
+                      </a:rPr>
+                      <m:t>𝑂</m:t>
+                    </m:r>
+                    <m:d>
+                      <m:dPr>
+                        <m:ctrlPr>
+                          <a:rPr lang="en-US" b="0" i="1" smtClean="0">
+                            <a:latin typeface="Cambria Math"/>
+                          </a:rPr>
+                        </m:ctrlPr>
+                      </m:dPr>
+                      <m:e>
+                        <m:f>
+                          <m:fPr>
+                            <m:ctrlPr>
+                              <a:rPr lang="en-US" b="0" i="1" smtClean="0">
+                                <a:latin typeface="Cambria Math"/>
+                              </a:rPr>
+                            </m:ctrlPr>
+                          </m:fPr>
+                          <m:num>
+                            <m:r>
+                              <a:rPr lang="en-US" b="0" i="1" smtClean="0">
+                                <a:latin typeface="Cambria Math"/>
+                              </a:rPr>
+                              <m:t>𝑛</m:t>
+                            </m:r>
+                            <m:func>
+                              <m:funcPr>
+                                <m:ctrlPr>
+                                  <a:rPr lang="en-US" b="0" i="1" smtClean="0">
+                                    <a:latin typeface="Cambria Math"/>
+                                  </a:rPr>
+                                </m:ctrlPr>
+                              </m:funcPr>
+                              <m:fName>
+                                <m:sSup>
+                                  <m:sSupPr>
+                                    <m:ctrlPr>
+                                      <a:rPr lang="en-US" b="0" i="1" smtClean="0">
+                                        <a:latin typeface="Cambria Math"/>
+                                      </a:rPr>
+                                    </m:ctrlPr>
+                                  </m:sSupPr>
+                                  <m:e>
+                                    <m:r>
+                                      <m:rPr>
+                                        <m:sty m:val="p"/>
+                                      </m:rPr>
+                                      <a:rPr lang="en-US" b="0" i="0" smtClean="0">
+                                        <a:latin typeface="Cambria Math"/>
+                                      </a:rPr>
+                                      <m:t>log</m:t>
+                                    </m:r>
+                                  </m:e>
+                                  <m:sup>
+                                    <m:r>
+                                      <a:rPr lang="en-US" b="0" i="0" smtClean="0">
+                                        <a:latin typeface="Cambria Math"/>
+                                      </a:rPr>
+                                      <m:t>5</m:t>
+                                    </m:r>
+                                  </m:sup>
+                                </m:sSup>
+                              </m:fName>
+                              <m:e>
+                                <m:r>
+                                  <a:rPr lang="en-US" b="0" i="1" smtClean="0">
+                                    <a:latin typeface="Cambria Math"/>
+                                  </a:rPr>
+                                  <m:t>𝑛</m:t>
+                                </m:r>
+                              </m:e>
+                            </m:func>
+                          </m:num>
+                          <m:den>
+                            <m:sSup>
+                              <m:sSupPr>
+                                <m:ctrlPr>
+                                  <a:rPr lang="en-US" b="0" i="1" smtClean="0">
+                                    <a:latin typeface="Cambria Math"/>
+                                  </a:rPr>
+                                </m:ctrlPr>
+                              </m:sSupPr>
+                              <m:e>
+                                <m:r>
+                                  <a:rPr lang="en-US" b="0" i="1" smtClean="0">
+                                    <a:latin typeface="Cambria Math"/>
+                                  </a:rPr>
+                                  <m:t>𝜖</m:t>
+                                </m:r>
+                              </m:e>
+                              <m:sup>
+                                <m:r>
+                                  <a:rPr lang="en-US" b="0" i="1" smtClean="0">
+                                    <a:latin typeface="Cambria Math"/>
+                                  </a:rPr>
+                                  <m:t>2</m:t>
+                                </m:r>
+                              </m:sup>
+                            </m:sSup>
+                          </m:den>
+                        </m:f>
+                      </m:e>
+                    </m:d>
+                    <m:r>
+                      <a:rPr lang="en-US" b="0" i="1" smtClean="0">
+                        <a:latin typeface="Cambria Math"/>
+                      </a:rPr>
+                      <m:t>, </m:t>
+                    </m:r>
+                  </m:oMath>
+                </a14:m>
+                <a:r>
+                  <a:rPr lang="en-US" dirty="0" smtClean="0"/>
+                  <a:t>works for dynamic graph </a:t>
+                </a:r>
+                <a:r>
+                  <a:rPr lang="en-US" dirty="0" smtClean="0"/>
+                  <a:t>streams</a:t>
+                </a:r>
+              </a:p>
+              <a:p>
+                <a:r>
+                  <a:rPr lang="en-US" dirty="0" smtClean="0"/>
+                  <a:t>Analysis similar to the Min-Cut using </a:t>
+                </a:r>
+                <a:r>
+                  <a:rPr lang="en-US" dirty="0" smtClean="0">
+                    <a:solidFill>
+                      <a:srgbClr val="0070C0"/>
+                    </a:solidFill>
+                  </a:rPr>
+                  <a:t>[Fung et al.]</a:t>
+                </a:r>
+                <a:endParaRPr lang="en-US" dirty="0">
+                  <a:solidFill>
+                    <a:srgbClr val="0070C0"/>
+                  </a:solidFill>
+                </a:endParaRPr>
+              </a:p>
+              <a:p>
+                <a:endParaRPr lang="en-US" dirty="0"/>
+              </a:p>
+            </p:txBody>
+          </p:sp>
+        </mc:Choice>
+        <mc:Fallback>
+          <p:sp>
+            <p:nvSpPr>
+              <p:cNvPr id="3" name="Content Placeholder 2"/>
+              <p:cNvSpPr>
+                <a:spLocks noGrp="1" noRot="1" noChangeAspect="1" noMove="1" noResize="1" noEditPoints="1" noAdjustHandles="1" noChangeArrowheads="1" noChangeShapeType="1" noTextEdit="1"/>
+              </p:cNvSpPr>
+              <p:nvPr>
+                <p:ph idx="1"/>
+              </p:nvPr>
+            </p:nvSpPr>
+            <p:spPr>
+              <a:blipFill rotWithShape="1">
+                <a:blip r:embed="rId2"/>
+                <a:stretch>
+                  <a:fillRect l="-1185" t="-2426"/>
+                </a:stretch>
+              </a:blipFill>
+            </p:spPr>
+            <p:txBody>
+              <a:bodyPr/>
+              <a:lstStyle/>
+              <a:p>
+                <a:r>
+                  <a:rPr lang="en-US">
+                    <a:noFill/>
+                  </a:rPr>
+                  <a:t> </a:t>
+                </a:r>
+              </a:p>
+            </p:txBody>
+          </p:sp>
+        </mc:Fallback>
+      </mc:AlternateContent>
+    </p:spTree>
+    <p:extLst>
+      <p:ext uri="{BB962C8B-B14F-4D97-AF65-F5344CB8AC3E}">
+        <p14:creationId xmlns:p14="http://schemas.microsoft.com/office/powerpoint/2010/main" val="1761270656"/>
+      </p:ext>
+    </p:extLst>
+  </p:cSld>
+  <p:clrMapOvr>
+    <a:masterClrMapping/>
+  </p:clrMapOvr>
+  <p:timing>
+    <p:tnLst>
+      <p:par>
+        <p:cTn id="1" dur="indefinite" restart="never" nodeType="tmRoot"/>
+      </p:par>
+    </p:tnLst>
   </p:timing>
 </p:sld>
 </file>
@@ -23550,4 +29777,289 @@
   <a:objectDefaults/>
   <a:extraClrSchemeLst/>
 </a:theme>
+</file>
+
+<file path=ppt/theme/theme2.xml><?xml version="1.0" encoding="utf-8"?>
+<a:theme xmlns:a="http://schemas.openxmlformats.org/drawingml/2006/main" name="Office Theme">
+  <a:themeElements>
+    <a:clrScheme name="Office">
+      <a:dk1>
+        <a:sysClr val="windowText" lastClr="000000"/>
+      </a:dk1>
+      <a:lt1>
+        <a:sysClr val="window" lastClr="FFFFFF"/>
+      </a:lt1>
+      <a:dk2>
+        <a:srgbClr val="1F497D"/>
+      </a:dk2>
+      <a:lt2>
+        <a:srgbClr val="EEECE1"/>
+      </a:lt2>
+      <a:accent1>
+        <a:srgbClr val="4F81BD"/>
+      </a:accent1>
+      <a:accent2>
+        <a:srgbClr val="C0504D"/>
+      </a:accent2>
+      <a:accent3>
+        <a:srgbClr val="9BBB59"/>
+      </a:accent3>
+      <a:accent4>
+        <a:srgbClr val="8064A2"/>
+      </a:accent4>
+      <a:accent5>
+        <a:srgbClr val="4BACC6"/>
+      </a:accent5>
+      <a:accent6>
+        <a:srgbClr val="F79646"/>
+      </a:accent6>
+      <a:hlink>
+        <a:srgbClr val="0000FF"/>
+      </a:hlink>
+      <a:folHlink>
+        <a:srgbClr val="800080"/>
+      </a:folHlink>
+    </a:clrScheme>
+    <a:fontScheme name="Office">
+      <a:majorFont>
+        <a:latin typeface="Calibri"/>
+        <a:ea typeface=""/>
+        <a:cs typeface=""/>
+        <a:font script="Jpan" typeface="ＭＳ Ｐゴシック"/>
+        <a:font script="Hang" typeface="맑은 고딕"/>
+        <a:font script="Hans" typeface="宋体"/>
+        <a:font script="Hant" typeface="新細明體"/>
+        <a:font script="Arab" typeface="Times New Roman"/>
+        <a:font script="Hebr" typeface="Times New Roman"/>
+        <a:font script="Thai" typeface="Angsana New"/>
+        <a:font script="Ethi" typeface="Nyala"/>
+        <a:font script="Beng" typeface="Vrinda"/>
+        <a:font script="Gujr" typeface="Shruti"/>
+        <a:font script="Khmr" typeface="MoolBoran"/>
+        <a:font script="Knda" typeface="Tunga"/>
+        <a:font script="Guru" typeface="Raavi"/>
+        <a:font script="Cans" typeface="Euphemia"/>
+        <a:font script="Cher" typeface="Plantagenet Cherokee"/>
+        <a:font script="Yiii" typeface="Microsoft Yi Baiti"/>
+        <a:font script="Tibt" typeface="Microsoft Himalaya"/>
+        <a:font script="Thaa" typeface="MV Boli"/>
+        <a:font script="Deva" typeface="Mangal"/>
+        <a:font script="Telu" typeface="Gautami"/>
+        <a:font script="Taml" typeface="Latha"/>
+        <a:font script="Syrc" typeface="Estrangelo Edessa"/>
+        <a:font script="Orya" typeface="Kalinga"/>
+        <a:font script="Mlym" typeface="Kartika"/>
+        <a:font script="Laoo" typeface="DokChampa"/>
+        <a:font script="Sinh" typeface="Iskoola Pota"/>
+        <a:font script="Mong" typeface="Mongolian Baiti"/>
+        <a:font script="Viet" typeface="Times New Roman"/>
+        <a:font script="Uigh" typeface="Microsoft Uighur"/>
+        <a:font script="Geor" typeface="Sylfaen"/>
+      </a:majorFont>
+      <a:minorFont>
+        <a:latin typeface="Calibri"/>
+        <a:ea typeface=""/>
+        <a:cs typeface=""/>
+        <a:font script="Jpan" typeface="ＭＳ Ｐゴシック"/>
+        <a:font script="Hang" typeface="맑은 고딕"/>
+        <a:font script="Hans" typeface="宋体"/>
+        <a:font script="Hant" typeface="新細明體"/>
+        <a:font script="Arab" typeface="Arial"/>
+        <a:font script="Hebr" typeface="Arial"/>
+        <a:font script="Thai" typeface="Cordia New"/>
+        <a:font script="Ethi" typeface="Nyala"/>
+        <a:font script="Beng" typeface="Vrinda"/>
+        <a:font script="Gujr" typeface="Shruti"/>
+        <a:font script="Khmr" typeface="DaunPenh"/>
+        <a:font script="Knda" typeface="Tunga"/>
+        <a:font script="Guru" typeface="Raavi"/>
+        <a:font script="Cans" typeface="Euphemia"/>
+        <a:font script="Cher" typeface="Plantagenet Cherokee"/>
+        <a:font script="Yiii" typeface="Microsoft Yi Baiti"/>
+        <a:font script="Tibt" typeface="Microsoft Himalaya"/>
+        <a:font script="Thaa" typeface="MV Boli"/>
+        <a:font script="Deva" typeface="Mangal"/>
+        <a:font script="Telu" typeface="Gautami"/>
+        <a:font script="Taml" typeface="Latha"/>
+        <a:font script="Syrc" typeface="Estrangelo Edessa"/>
+        <a:font script="Orya" typeface="Kalinga"/>
+        <a:font script="Mlym" typeface="Kartika"/>
+        <a:font script="Laoo" typeface="DokChampa"/>
+        <a:font script="Sinh" typeface="Iskoola Pota"/>
+        <a:font script="Mong" typeface="Mongolian Baiti"/>
+        <a:font script="Viet" typeface="Arial"/>
+        <a:font script="Uigh" typeface="Microsoft Uighur"/>
+        <a:font script="Geor" typeface="Sylfaen"/>
+      </a:minorFont>
+    </a:fontScheme>
+    <a:fmtScheme name="Office">
+      <a:fillStyleLst>
+        <a:solidFill>
+          <a:schemeClr val="phClr"/>
+        </a:solidFill>
+        <a:gradFill rotWithShape="1">
+          <a:gsLst>
+            <a:gs pos="0">
+              <a:schemeClr val="phClr">
+                <a:tint val="50000"/>
+                <a:satMod val="300000"/>
+              </a:schemeClr>
+            </a:gs>
+            <a:gs pos="35000">
+              <a:schemeClr val="phClr">
+                <a:tint val="37000"/>
+                <a:satMod val="300000"/>
+              </a:schemeClr>
+            </a:gs>
+            <a:gs pos="100000">
+              <a:schemeClr val="phClr">
+                <a:tint val="15000"/>
+                <a:satMod val="350000"/>
+              </a:schemeClr>
+            </a:gs>
+          </a:gsLst>
+          <a:lin ang="16200000" scaled="1"/>
+        </a:gradFill>
+        <a:gradFill rotWithShape="1">
+          <a:gsLst>
+            <a:gs pos="0">
+              <a:schemeClr val="phClr">
+                <a:shade val="51000"/>
+                <a:satMod val="130000"/>
+              </a:schemeClr>
+            </a:gs>
+            <a:gs pos="80000">
+              <a:schemeClr val="phClr">
+                <a:shade val="93000"/>
+                <a:satMod val="130000"/>
+              </a:schemeClr>
+            </a:gs>
+            <a:gs pos="100000">
+              <a:schemeClr val="phClr">
+                <a:shade val="94000"/>
+                <a:satMod val="135000"/>
+              </a:schemeClr>
+            </a:gs>
+          </a:gsLst>
+          <a:lin ang="16200000" scaled="0"/>
+        </a:gradFill>
+      </a:fillStyleLst>
+      <a:lnStyleLst>
+        <a:ln w="9525" cap="flat" cmpd="sng" algn="ctr">
+          <a:solidFill>
+            <a:schemeClr val="phClr">
+              <a:shade val="95000"/>
+              <a:satMod val="105000"/>
+            </a:schemeClr>
+          </a:solidFill>
+          <a:prstDash val="solid"/>
+        </a:ln>
+        <a:ln w="25400" cap="flat" cmpd="sng" algn="ctr">
+          <a:solidFill>
+            <a:schemeClr val="phClr"/>
+          </a:solidFill>
+          <a:prstDash val="solid"/>
+        </a:ln>
+        <a:ln w="38100" cap="flat" cmpd="sng" algn="ctr">
+          <a:solidFill>
+            <a:schemeClr val="phClr"/>
+          </a:solidFill>
+          <a:prstDash val="solid"/>
+        </a:ln>
+      </a:lnStyleLst>
+      <a:effectStyleLst>
+        <a:effectStyle>
+          <a:effectLst>
+            <a:outerShdw blurRad="40000" dist="20000" dir="5400000" rotWithShape="0">
+              <a:srgbClr val="000000">
+                <a:alpha val="38000"/>
+              </a:srgbClr>
+            </a:outerShdw>
+          </a:effectLst>
+        </a:effectStyle>
+        <a:effectStyle>
+          <a:effectLst>
+            <a:outerShdw blurRad="40000" dist="23000" dir="5400000" rotWithShape="0">
+              <a:srgbClr val="000000">
+                <a:alpha val="35000"/>
+              </a:srgbClr>
+            </a:outerShdw>
+          </a:effectLst>
+        </a:effectStyle>
+        <a:effectStyle>
+          <a:effectLst>
+            <a:outerShdw blurRad="40000" dist="23000" dir="5400000" rotWithShape="0">
+              <a:srgbClr val="000000">
+                <a:alpha val="35000"/>
+              </a:srgbClr>
+            </a:outerShdw>
+          </a:effectLst>
+          <a:scene3d>
+            <a:camera prst="orthographicFront">
+              <a:rot lat="0" lon="0" rev="0"/>
+            </a:camera>
+            <a:lightRig rig="threePt" dir="t">
+              <a:rot lat="0" lon="0" rev="1200000"/>
+            </a:lightRig>
+          </a:scene3d>
+          <a:sp3d>
+            <a:bevelT w="63500" h="25400"/>
+          </a:sp3d>
+        </a:effectStyle>
+      </a:effectStyleLst>
+      <a:bgFillStyleLst>
+        <a:solidFill>
+          <a:schemeClr val="phClr"/>
+        </a:solidFill>
+        <a:gradFill rotWithShape="1">
+          <a:gsLst>
+            <a:gs pos="0">
+              <a:schemeClr val="phClr">
+                <a:tint val="40000"/>
+                <a:satMod val="350000"/>
+              </a:schemeClr>
+            </a:gs>
+            <a:gs pos="40000">
+              <a:schemeClr val="phClr">
+                <a:tint val="45000"/>
+                <a:shade val="99000"/>
+                <a:satMod val="350000"/>
+              </a:schemeClr>
+            </a:gs>
+            <a:gs pos="100000">
+              <a:schemeClr val="phClr">
+                <a:shade val="20000"/>
+                <a:satMod val="255000"/>
+              </a:schemeClr>
+            </a:gs>
+          </a:gsLst>
+          <a:path path="circle">
+            <a:fillToRect l="50000" t="-80000" r="50000" b="180000"/>
+          </a:path>
+        </a:gradFill>
+        <a:gradFill rotWithShape="1">
+          <a:gsLst>
+            <a:gs pos="0">
+              <a:schemeClr val="phClr">
+                <a:tint val="80000"/>
+                <a:satMod val="300000"/>
+              </a:schemeClr>
+            </a:gs>
+            <a:gs pos="100000">
+              <a:schemeClr val="phClr">
+                <a:shade val="30000"/>
+                <a:satMod val="200000"/>
+              </a:schemeClr>
+            </a:gs>
+          </a:gsLst>
+          <a:path path="circle">
+            <a:fillToRect l="50000" t="50000" r="50000" b="50000"/>
+          </a:path>
+        </a:gradFill>
+      </a:bgFillStyleLst>
+    </a:fmtScheme>
+  </a:themeElements>
+  <a:objectDefaults/>
+  <a:extraClrSchemeLst/>
+</a:theme>
 </file>
--- a/big-data/lecture06.pptx
+++ b/big-data/lecture06.pptx
@@ -212,7 +212,7 @@
           <a:p>
             <a:fld id="{793EF85B-BEB1-4832-92EA-B2CF32115026}" type="datetimeFigureOut">
               <a:rPr lang="en-US" smtClean="0"/>
-              <a:t>10/14/2015</a:t>
+              <a:t>11/7/2016</a:t>
             </a:fld>
             <a:endParaRPr lang="en-US"/>
           </a:p>
@@ -749,7 +749,7 @@
           <a:p>
             <a:fld id="{98D50D5F-D5CC-42C4-B48D-71913BCE8233}" type="datetimeFigureOut">
               <a:rPr lang="en-US" smtClean="0"/>
-              <a:t>10/11/2015</a:t>
+              <a:t>11/7/2016</a:t>
             </a:fld>
             <a:endParaRPr lang="en-US"/>
           </a:p>
@@ -919,7 +919,7 @@
           <a:p>
             <a:fld id="{98D50D5F-D5CC-42C4-B48D-71913BCE8233}" type="datetimeFigureOut">
               <a:rPr lang="en-US" smtClean="0"/>
-              <a:t>10/11/2015</a:t>
+              <a:t>11/7/2016</a:t>
             </a:fld>
             <a:endParaRPr lang="en-US"/>
           </a:p>
@@ -1099,7 +1099,7 @@
           <a:p>
             <a:fld id="{98D50D5F-D5CC-42C4-B48D-71913BCE8233}" type="datetimeFigureOut">
               <a:rPr lang="en-US" smtClean="0"/>
-              <a:t>10/11/2015</a:t>
+              <a:t>11/7/2016</a:t>
             </a:fld>
             <a:endParaRPr lang="en-US"/>
           </a:p>
@@ -1269,7 +1269,7 @@
           <a:p>
             <a:fld id="{98D50D5F-D5CC-42C4-B48D-71913BCE8233}" type="datetimeFigureOut">
               <a:rPr lang="en-US" smtClean="0"/>
-              <a:t>10/11/2015</a:t>
+              <a:t>11/7/2016</a:t>
             </a:fld>
             <a:endParaRPr lang="en-US"/>
           </a:p>
@@ -1515,7 +1515,7 @@
           <a:p>
             <a:fld id="{98D50D5F-D5CC-42C4-B48D-71913BCE8233}" type="datetimeFigureOut">
               <a:rPr lang="en-US" smtClean="0"/>
-              <a:t>10/11/2015</a:t>
+              <a:t>11/7/2016</a:t>
             </a:fld>
             <a:endParaRPr lang="en-US"/>
           </a:p>
@@ -1803,7 +1803,7 @@
           <a:p>
             <a:fld id="{98D50D5F-D5CC-42C4-B48D-71913BCE8233}" type="datetimeFigureOut">
               <a:rPr lang="en-US" smtClean="0"/>
-              <a:t>10/11/2015</a:t>
+              <a:t>11/7/2016</a:t>
             </a:fld>
             <a:endParaRPr lang="en-US"/>
           </a:p>
@@ -2225,7 +2225,7 @@
           <a:p>
             <a:fld id="{98D50D5F-D5CC-42C4-B48D-71913BCE8233}" type="datetimeFigureOut">
               <a:rPr lang="en-US" smtClean="0"/>
-              <a:t>10/11/2015</a:t>
+              <a:t>11/7/2016</a:t>
             </a:fld>
             <a:endParaRPr lang="en-US"/>
           </a:p>
@@ -2343,7 +2343,7 @@
           <a:p>
             <a:fld id="{98D50D5F-D5CC-42C4-B48D-71913BCE8233}" type="datetimeFigureOut">
               <a:rPr lang="en-US" smtClean="0"/>
-              <a:t>10/11/2015</a:t>
+              <a:t>11/7/2016</a:t>
             </a:fld>
             <a:endParaRPr lang="en-US"/>
           </a:p>
@@ -2438,7 +2438,7 @@
           <a:p>
             <a:fld id="{98D50D5F-D5CC-42C4-B48D-71913BCE8233}" type="datetimeFigureOut">
               <a:rPr lang="en-US" smtClean="0"/>
-              <a:t>10/11/2015</a:t>
+              <a:t>11/7/2016</a:t>
             </a:fld>
             <a:endParaRPr lang="en-US"/>
           </a:p>
@@ -2715,7 +2715,7 @@
           <a:p>
             <a:fld id="{98D50D5F-D5CC-42C4-B48D-71913BCE8233}" type="datetimeFigureOut">
               <a:rPr lang="en-US" smtClean="0"/>
-              <a:t>10/11/2015</a:t>
+              <a:t>11/7/2016</a:t>
             </a:fld>
             <a:endParaRPr lang="en-US"/>
           </a:p>
@@ -2968,7 +2968,7 @@
           <a:p>
             <a:fld id="{98D50D5F-D5CC-42C4-B48D-71913BCE8233}" type="datetimeFigureOut">
               <a:rPr lang="en-US" smtClean="0"/>
-              <a:t>10/11/2015</a:t>
+              <a:t>11/7/2016</a:t>
             </a:fld>
             <a:endParaRPr lang="en-US"/>
           </a:p>
@@ -3181,7 +3181,7 @@
           <a:p>
             <a:fld id="{98D50D5F-D5CC-42C4-B48D-71913BCE8233}" type="datetimeFigureOut">
               <a:rPr lang="en-US" smtClean="0"/>
-              <a:t>10/11/2015</a:t>
+              <a:t>11/7/2016</a:t>
             </a:fld>
             <a:endParaRPr lang="en-US"/>
           </a:p>
@@ -3732,11 +3732,7 @@
             <a:pPr algn="ctr"/>
             <a:r>
               <a:rPr lang="en-US" sz="4800" b="1" dirty="0" smtClean="0"/>
-              <a:t>Lecture </a:t>
-            </a:r>
-            <a:r>
-              <a:rPr lang="en-US" sz="4800" b="1" dirty="0" smtClean="0"/>
-              <a:t>6: Graph Sketching</a:t>
+              <a:t>Lecture 6: Graph Sketching</a:t>
             </a:r>
             <a:endParaRPr lang="en-US" sz="4800" b="1" dirty="0"/>
           </a:p>
@@ -3847,8 +3843,8 @@
           </a:p>
         </p:txBody>
       </p:sp>
-      <mc:AlternateContent xmlns:mc="http://schemas.openxmlformats.org/markup-compatibility/2006">
-        <mc:Choice xmlns:a14="http://schemas.microsoft.com/office/drawing/2010/main" Requires="a14">
+      <mc:AlternateContent xmlns:mc="http://schemas.openxmlformats.org/markup-compatibility/2006" xmlns:a14="http://schemas.microsoft.com/office/drawing/2010/main">
+        <mc:Choice Requires="a14">
           <p:sp>
             <p:nvSpPr>
               <p:cNvPr id="3" name="Content Placeholder 2"/>
@@ -4122,11 +4118,7 @@
                 </a14:m>
                 <a:r>
                   <a:rPr lang="en-US" dirty="0" smtClean="0"/>
-                  <a:t>-size linear </a:t>
-                </a:r>
-                <a:r>
-                  <a:rPr lang="en-US" dirty="0" smtClean="0"/>
-                  <a:t>sketch which allows to approximate all cuts in a graph up to error </a:t>
+                  <a:t>-size linear sketch which allows to approximate all cuts in a graph up to error </a:t>
                 </a:r>
                 <a14:m>
                   <m:oMath xmlns:m="http://schemas.openxmlformats.org/officeDocument/2006/math">
@@ -4159,7 +4151,7 @@
             </p:txBody>
           </p:sp>
         </mc:Choice>
-        <mc:Fallback>
+        <mc:Fallback xmlns="">
           <p:sp>
             <p:nvSpPr>
               <p:cNvPr id="3" name="Content Placeholder 2"/>
@@ -4434,8 +4426,8 @@
           </a:p>
         </p:txBody>
       </p:sp>
-      <mc:AlternateContent xmlns:mc="http://schemas.openxmlformats.org/markup-compatibility/2006">
-        <mc:Choice xmlns:a14="http://schemas.microsoft.com/office/drawing/2010/main" Requires="a14">
+      <mc:AlternateContent xmlns:mc="http://schemas.openxmlformats.org/markup-compatibility/2006" xmlns:a14="http://schemas.microsoft.com/office/drawing/2010/main">
+        <mc:Choice Requires="a14">
           <p:sp>
             <p:nvSpPr>
               <p:cNvPr id="3" name="Content Placeholder 2"/>
@@ -5292,7 +5284,7 @@
             </p:txBody>
           </p:sp>
         </mc:Choice>
-        <mc:Fallback>
+        <mc:Fallback xmlns="">
           <p:sp>
             <p:nvSpPr>
               <p:cNvPr id="3" name="Content Placeholder 2"/>
@@ -5856,8 +5848,8 @@
           </a:p>
         </p:txBody>
       </p:sp>
-      <mc:AlternateContent xmlns:mc="http://schemas.openxmlformats.org/markup-compatibility/2006">
-        <mc:Choice xmlns:a14="http://schemas.microsoft.com/office/drawing/2010/main" Requires="a14">
+      <mc:AlternateContent xmlns:mc="http://schemas.openxmlformats.org/markup-compatibility/2006" xmlns:a14="http://schemas.microsoft.com/office/drawing/2010/main">
+        <mc:Choice Requires="a14">
           <p:sp>
             <p:nvSpPr>
               <p:cNvPr id="3" name="Content Placeholder 2"/>
@@ -6864,7 +6856,7 @@
             </p:txBody>
           </p:sp>
         </mc:Choice>
-        <mc:Fallback>
+        <mc:Fallback xmlns="">
           <p:sp>
             <p:nvSpPr>
               <p:cNvPr id="3" name="Content Placeholder 2"/>
@@ -7214,8 +7206,8 @@
           </a:p>
         </p:txBody>
       </p:sp>
-      <mc:AlternateContent xmlns:mc="http://schemas.openxmlformats.org/markup-compatibility/2006">
-        <mc:Choice xmlns:a14="http://schemas.microsoft.com/office/drawing/2010/main" Requires="a14">
+      <mc:AlternateContent xmlns:mc="http://schemas.openxmlformats.org/markup-compatibility/2006" xmlns:a14="http://schemas.microsoft.com/office/drawing/2010/main">
+        <mc:Choice Requires="a14">
           <p:sp>
             <p:nvSpPr>
               <p:cNvPr id="3" name="Content Placeholder 2"/>
@@ -7617,15 +7609,7 @@
                       <a:srgbClr val="0070C0"/>
                     </a:solidFill>
                   </a:rPr>
-                  <a:t>Thm</a:t>
-                </a:r>
-                <a:r>
-                  <a:rPr lang="en-US" dirty="0" smtClean="0">
-                    <a:solidFill>
-                      <a:srgbClr val="0070C0"/>
-                    </a:solidFill>
-                  </a:rPr>
-                  <a:t>: </a:t>
+                  <a:t>Thm: </a:t>
                 </a:r>
                 <a14:m>
                   <m:oMath xmlns:m="http://schemas.openxmlformats.org/officeDocument/2006/math">
@@ -7704,11 +7688,7 @@
                 </a14:m>
                 <a:r>
                   <a:rPr lang="en-US" dirty="0" smtClean="0"/>
-                  <a:t>-size linear sketch for </a:t>
-                </a:r>
-                <a:r>
-                  <a:rPr lang="en-US" dirty="0" smtClean="0"/>
-                  <a:t>k-connectivity (sketch </a:t>
+                  <a:t>-size linear sketch for k-connectivity (sketch </a:t>
                 </a:r>
                 <a14:m>
                   <m:oMath xmlns:m="http://schemas.openxmlformats.org/officeDocument/2006/math">
@@ -7728,13 +7708,8 @@
                 </a14:m>
                 <a:r>
                   <a:rPr lang="en-US" dirty="0" smtClean="0"/>
-                  <a:t> (implicitly).</a:t>
-                </a:r>
-                <a:r>
-                  <a:rPr lang="en-US" dirty="0" smtClean="0"/>
-                  <a:t>)</a:t>
-                </a:r>
-                <a:endParaRPr lang="en-US" dirty="0" smtClean="0"/>
+                  <a:t> (implicitly).)</a:t>
+                </a:r>
               </a:p>
               <a:p>
                 <a:endParaRPr lang="en-US" dirty="0" smtClean="0"/>
@@ -7748,7 +7723,7 @@
             </p:txBody>
           </p:sp>
         </mc:Choice>
-        <mc:Fallback>
+        <mc:Fallback xmlns="">
           <p:sp>
             <p:nvSpPr>
               <p:cNvPr id="3" name="Content Placeholder 2"/>
@@ -8559,8 +8534,8 @@
           </a:fontRef>
         </p:style>
       </p:cxnSp>
-      <mc:AlternateContent xmlns:mc="http://schemas.openxmlformats.org/markup-compatibility/2006">
-        <mc:Choice xmlns:a14="http://schemas.microsoft.com/office/drawing/2010/main" Requires="a14">
+      <mc:AlternateContent xmlns:mc="http://schemas.openxmlformats.org/markup-compatibility/2006" xmlns:a14="http://schemas.microsoft.com/office/drawing/2010/main">
+        <mc:Choice Requires="a14">
           <p:sp>
             <p:nvSpPr>
               <p:cNvPr id="37" name="TextBox 36"/>
@@ -8583,6 +8558,7 @@
               </a:bodyPr>
               <a:lstStyle/>
               <a:p>
+                <a:pPr/>
                 <a14:m>
                   <m:oMathPara xmlns:m="http://schemas.openxmlformats.org/officeDocument/2006/math">
                     <m:oMathParaPr>
@@ -8603,7 +8579,7 @@
             </p:txBody>
           </p:sp>
         </mc:Choice>
-        <mc:Fallback>
+        <mc:Fallback xmlns="">
           <p:sp>
             <p:nvSpPr>
               <p:cNvPr id="37" name="TextBox 36"/>
@@ -8855,8 +8831,8 @@
           </a:fontRef>
         </p:style>
       </p:cxnSp>
-      <mc:AlternateContent xmlns:mc="http://schemas.openxmlformats.org/markup-compatibility/2006">
-        <mc:Choice xmlns:a14="http://schemas.microsoft.com/office/drawing/2010/main" Requires="a14">
+      <mc:AlternateContent xmlns:mc="http://schemas.openxmlformats.org/markup-compatibility/2006" xmlns:a14="http://schemas.microsoft.com/office/drawing/2010/main">
+        <mc:Choice Requires="a14">
           <p:sp>
             <p:nvSpPr>
               <p:cNvPr id="56" name="TextBox 55"/>
@@ -8900,7 +8876,7 @@
             </p:txBody>
           </p:sp>
         </mc:Choice>
-        <mc:Fallback>
+        <mc:Fallback xmlns="">
           <p:sp>
             <p:nvSpPr>
               <p:cNvPr id="56" name="TextBox 55"/>
@@ -10971,8 +10947,8 @@
           </a:p>
         </p:txBody>
       </p:sp>
-      <mc:AlternateContent xmlns:mc="http://schemas.openxmlformats.org/markup-compatibility/2006">
-        <mc:Choice xmlns:a14="http://schemas.microsoft.com/office/drawing/2010/main" Requires="a14">
+      <mc:AlternateContent xmlns:mc="http://schemas.openxmlformats.org/markup-compatibility/2006" xmlns:a14="http://schemas.microsoft.com/office/drawing/2010/main">
+        <mc:Choice Requires="a14">
           <p:sp>
             <p:nvSpPr>
               <p:cNvPr id="3" name="Content Placeholder 2"/>
@@ -12006,7 +11982,7 @@
             </p:txBody>
           </p:sp>
         </mc:Choice>
-        <mc:Fallback>
+        <mc:Fallback xmlns="">
           <p:sp>
             <p:nvSpPr>
               <p:cNvPr id="3" name="Content Placeholder 2"/>
@@ -12601,8 +12577,8 @@
           </a:p>
         </p:txBody>
       </p:sp>
-      <mc:AlternateContent xmlns:mc="http://schemas.openxmlformats.org/markup-compatibility/2006">
-        <mc:Choice xmlns:a14="http://schemas.microsoft.com/office/drawing/2010/main" Requires="a14">
+      <mc:AlternateContent xmlns:mc="http://schemas.openxmlformats.org/markup-compatibility/2006" xmlns:a14="http://schemas.microsoft.com/office/drawing/2010/main">
+        <mc:Choice Requires="a14">
           <p:sp>
             <p:nvSpPr>
               <p:cNvPr id="3" name="Content Placeholder 2"/>
@@ -13383,7 +13359,7 @@
             </p:txBody>
           </p:sp>
         </mc:Choice>
-        <mc:Fallback>
+        <mc:Fallback xmlns="">
           <p:sp>
             <p:nvSpPr>
               <p:cNvPr id="3" name="Content Placeholder 2"/>
@@ -14361,8 +14337,8 @@
           </a:p>
         </p:txBody>
       </p:sp>
-      <mc:AlternateContent xmlns:mc="http://schemas.openxmlformats.org/markup-compatibility/2006">
-        <mc:Choice xmlns:a14="http://schemas.microsoft.com/office/drawing/2010/main" Requires="a14">
+      <mc:AlternateContent xmlns:mc="http://schemas.openxmlformats.org/markup-compatibility/2006" xmlns:a14="http://schemas.microsoft.com/office/drawing/2010/main">
+        <mc:Choice Requires="a14">
           <p:sp>
             <p:nvSpPr>
               <p:cNvPr id="3" name="Content Placeholder 2"/>
@@ -14569,7 +14545,7 @@
             </p:txBody>
           </p:sp>
         </mc:Choice>
-        <mc:Fallback>
+        <mc:Fallback xmlns="">
           <p:sp>
             <p:nvSpPr>
               <p:cNvPr id="3" name="Content Placeholder 2"/>
@@ -14996,7 +14972,7 @@
             </p:spPr>
             <p:txBody>
               <a:bodyPr>
-                <a:normAutofit lnSpcReduction="10000"/>
+                <a:normAutofit fontScale="92500"/>
               </a:bodyPr>
               <a:lstStyle/>
               <a:p>
@@ -15105,13 +15081,8 @@
                 </a14:m>
                 <a:r>
                   <a:rPr lang="en-US" dirty="0" smtClean="0"/>
-                  <a:t> size of the Min-Cut in </a:t>
-                </a:r>
-                <a:r>
-                  <a:rPr lang="en-US" dirty="0" smtClean="0"/>
-                  <a:t>G</a:t>
-                </a:r>
-                <a:endParaRPr lang="en-US" dirty="0" smtClean="0"/>
+                  <a:t> size of the Min-Cut in G</a:t>
+                </a:r>
               </a:p>
               <a:p>
                 <a:r>
@@ -15146,7 +15117,15 @@
                 </a14:m>
                 <a:r>
                   <a:rPr lang="en-US" dirty="0" smtClean="0"/>
-                  <a:t> is an undirected weighted graph the if </a:t>
+                  <a:t> is an undirected weighted graph </a:t>
+                </a:r>
+                <a:r>
+                  <a:rPr lang="en-US" dirty="0" smtClean="0"/>
+                  <a:t>then </a:t>
+                </a:r>
+                <a:r>
+                  <a:rPr lang="en-US" dirty="0" smtClean="0"/>
+                  <a:t>if </a:t>
                 </a:r>
                 <a14:m>
                   <m:oMath xmlns:m="http://schemas.openxmlformats.org/officeDocument/2006/math">
@@ -15374,7 +15353,15 @@
                 </a:r>
                 <a:r>
                   <a:rPr lang="en-US" dirty="0" smtClean="0"/>
-                  <a:t> alg.  Preserves weights of all cuts up to </a:t>
+                  <a:t> alg.  </a:t>
+                </a:r>
+                <a:r>
+                  <a:rPr lang="en-US" dirty="0" smtClean="0"/>
+                  <a:t>preserves </a:t>
+                </a:r>
+                <a:r>
+                  <a:rPr lang="en-US" dirty="0" smtClean="0"/>
+                  <a:t>weights of all cuts up to </a:t>
                 </a:r>
                 <a14:m>
                   <m:oMath xmlns:m="http://schemas.openxmlformats.org/officeDocument/2006/math">
@@ -15651,7 +15638,7 @@
               <a:blipFill rotWithShape="1">
                 <a:blip r:embed="rId2"/>
                 <a:stretch>
-                  <a:fillRect l="-1630" t="-2320" r="-741"/>
+                  <a:fillRect l="-1481" t="-1392" r="-2593" b="-1044"/>
                 </a:stretch>
               </a:blipFill>
             </p:spPr>
@@ -15960,8 +15947,8 @@
           </a:p>
         </p:txBody>
       </p:sp>
-      <mc:AlternateContent xmlns:mc="http://schemas.openxmlformats.org/markup-compatibility/2006">
-        <mc:Choice xmlns:a14="http://schemas.microsoft.com/office/drawing/2010/main" Requires="a14">
+      <mc:AlternateContent xmlns:mc="http://schemas.openxmlformats.org/markup-compatibility/2006" xmlns:a14="http://schemas.microsoft.com/office/drawing/2010/main">
+        <mc:Choice Requires="a14">
           <p:sp>
             <p:nvSpPr>
               <p:cNvPr id="3" name="Content Placeholder 2"/>
@@ -16214,7 +16201,7 @@
                     <m:sSub>
                       <m:sSubPr>
                         <m:ctrlPr>
-                          <a:rPr lang="en-US" b="0" i="0" smtClean="0">
+                          <a:rPr lang="en-US" b="0" i="1" smtClean="0">
                             <a:latin typeface="Cambria Math"/>
                           </a:rPr>
                         </m:ctrlPr>
@@ -16675,7 +16662,7 @@
                                 <m:sSup>
                                   <m:sSupPr>
                                     <m:ctrlPr>
-                                      <a:rPr lang="en-US" b="0" i="0" smtClean="0">
+                                      <a:rPr lang="en-US" b="0" i="1" smtClean="0">
                                         <a:latin typeface="Cambria Math"/>
                                       </a:rPr>
                                     </m:ctrlPr>
@@ -16758,7 +16745,7 @@
             </p:txBody>
           </p:sp>
         </mc:Choice>
-        <mc:Fallback>
+        <mc:Fallback xmlns="">
           <p:sp>
             <p:nvSpPr>
               <p:cNvPr id="3" name="Content Placeholder 2"/>
@@ -17148,8 +17135,8 @@
           </a:p>
         </p:txBody>
       </p:sp>
-      <mc:AlternateContent xmlns:mc="http://schemas.openxmlformats.org/markup-compatibility/2006">
-        <mc:Choice xmlns:a14="http://schemas.microsoft.com/office/drawing/2010/main" Requires="a14">
+      <mc:AlternateContent xmlns:mc="http://schemas.openxmlformats.org/markup-compatibility/2006" xmlns:a14="http://schemas.microsoft.com/office/drawing/2010/main">
+        <mc:Choice Requires="a14">
           <p:sp>
             <p:nvSpPr>
               <p:cNvPr id="3" name="Content Placeholder 2"/>
@@ -17530,11 +17517,7 @@
                 </a14:m>
                 <a:r>
                   <a:rPr lang="en-US" dirty="0" smtClean="0"/>
-                  <a:t> sketch per </a:t>
-                </a:r>
-                <a:r>
-                  <a:rPr lang="en-US" dirty="0" smtClean="0"/>
-                  <a:t>vertex / </a:t>
+                  <a:t> sketch per vertex / </a:t>
                 </a:r>
                 <a14:m>
                   <m:oMath xmlns:m="http://schemas.openxmlformats.org/officeDocument/2006/math">
@@ -17609,7 +17592,7 @@
             </p:txBody>
           </p:sp>
         </mc:Choice>
-        <mc:Fallback>
+        <mc:Fallback xmlns="">
           <p:sp>
             <p:nvSpPr>
               <p:cNvPr id="3" name="Content Placeholder 2"/>
@@ -18142,8 +18125,8 @@
           </a:p>
         </p:txBody>
       </p:sp>
-      <mc:AlternateContent xmlns:mc="http://schemas.openxmlformats.org/markup-compatibility/2006">
-        <mc:Choice xmlns:a14="http://schemas.microsoft.com/office/drawing/2010/main" Requires="a14">
+      <mc:AlternateContent xmlns:mc="http://schemas.openxmlformats.org/markup-compatibility/2006" xmlns:a14="http://schemas.microsoft.com/office/drawing/2010/main">
+        <mc:Choice Requires="a14">
           <p:sp>
             <p:nvSpPr>
               <p:cNvPr id="3" name="Content Placeholder 2"/>
@@ -18975,7 +18958,7 @@
             </p:txBody>
           </p:sp>
         </mc:Choice>
-        <mc:Fallback>
+        <mc:Fallback xmlns="">
           <p:sp>
             <p:nvSpPr>
               <p:cNvPr id="3" name="Content Placeholder 2"/>
@@ -19307,8 +19290,8 @@
           </a:p>
         </p:txBody>
       </p:sp>
-      <mc:AlternateContent xmlns:mc="http://schemas.openxmlformats.org/markup-compatibility/2006">
-        <mc:Choice xmlns:a14="http://schemas.microsoft.com/office/drawing/2010/main" Requires="a14">
+      <mc:AlternateContent xmlns:mc="http://schemas.openxmlformats.org/markup-compatibility/2006" xmlns:a14="http://schemas.microsoft.com/office/drawing/2010/main">
+        <mc:Choice Requires="a14">
           <p:sp>
             <p:nvSpPr>
               <p:cNvPr id="3" name="Content Placeholder 2"/>
@@ -19864,7 +19847,7 @@
                         <m:begChr m:val="{"/>
                         <m:endChr m:val="}"/>
                         <m:ctrlPr>
-                          <a:rPr lang="en-US" b="0" i="0" smtClean="0">
+                          <a:rPr lang="en-US" b="0" i="1" smtClean="0">
                             <a:latin typeface="Cambria Math"/>
                           </a:rPr>
                         </m:ctrlPr>
@@ -20232,11 +20215,7 @@
                 </a14:m>
                 <a:r>
                   <a:rPr lang="en-US" dirty="0" smtClean="0"/>
-                  <a:t>works for dynamic graph </a:t>
-                </a:r>
-                <a:r>
-                  <a:rPr lang="en-US" dirty="0" smtClean="0"/>
-                  <a:t>streams</a:t>
+                  <a:t>works for dynamic graph streams</a:t>
                 </a:r>
               </a:p>
               <a:p>
@@ -20264,7 +20243,7 @@
             </p:txBody>
           </p:sp>
         </mc:Choice>
-        <mc:Fallback>
+        <mc:Fallback xmlns="">
           <p:sp>
             <p:nvSpPr>
               <p:cNvPr id="3" name="Content Placeholder 2"/>
@@ -20373,8 +20352,8 @@
           </a:p>
         </p:txBody>
       </p:sp>
-      <mc:AlternateContent xmlns:mc="http://schemas.openxmlformats.org/markup-compatibility/2006">
-        <mc:Choice xmlns:a14="http://schemas.microsoft.com/office/drawing/2010/main" Requires="a14">
+      <mc:AlternateContent xmlns:mc="http://schemas.openxmlformats.org/markup-compatibility/2006" xmlns:a14="http://schemas.microsoft.com/office/drawing/2010/main">
+        <mc:Choice Requires="a14">
           <p:sp>
             <p:nvSpPr>
               <p:cNvPr id="3" name="Content Placeholder 2"/>
@@ -20955,7 +20934,7 @@
                     <m:sSub>
                       <m:sSubPr>
                         <m:ctrlPr>
-                          <a:rPr lang="en-US" b="0" i="0" smtClean="0">
+                          <a:rPr lang="en-US" b="0" i="1" smtClean="0">
                             <a:latin typeface="Cambria Math"/>
                           </a:rPr>
                         </m:ctrlPr>
@@ -20998,7 +20977,7 @@
             </p:txBody>
           </p:sp>
         </mc:Choice>
-        <mc:Fallback>
+        <mc:Fallback xmlns="">
           <p:sp>
             <p:nvSpPr>
               <p:cNvPr id="3" name="Content Placeholder 2"/>
@@ -21463,8 +21442,8 @@
           </a:p>
         </p:txBody>
       </p:sp>
-      <mc:AlternateContent xmlns:mc="http://schemas.openxmlformats.org/markup-compatibility/2006">
-        <mc:Choice xmlns:a14="http://schemas.microsoft.com/office/drawing/2010/main" Requires="a14">
+      <mc:AlternateContent xmlns:mc="http://schemas.openxmlformats.org/markup-compatibility/2006" xmlns:a14="http://schemas.microsoft.com/office/drawing/2010/main">
+        <mc:Choice Requires="a14">
           <p:sp>
             <p:nvSpPr>
               <p:cNvPr id="3" name="Content Placeholder 2"/>
@@ -21842,7 +21821,7 @@
             </p:txBody>
           </p:sp>
         </mc:Choice>
-        <mc:Fallback>
+        <mc:Fallback xmlns="">
           <p:sp>
             <p:nvSpPr>
               <p:cNvPr id="3" name="Content Placeholder 2"/>
@@ -22245,8 +22224,8 @@
           </a:p>
         </p:txBody>
       </p:sp>
-      <mc:AlternateContent xmlns:mc="http://schemas.openxmlformats.org/markup-compatibility/2006">
-        <mc:Choice xmlns:a14="http://schemas.microsoft.com/office/drawing/2010/main" Requires="a14">
+      <mc:AlternateContent xmlns:mc="http://schemas.openxmlformats.org/markup-compatibility/2006" xmlns:a14="http://schemas.microsoft.com/office/drawing/2010/main">
+        <mc:Choice Requires="a14">
           <p:sp>
             <p:nvSpPr>
               <p:cNvPr id="3" name="Content Placeholder 2"/>
@@ -22527,7 +22506,7 @@
             </p:txBody>
           </p:sp>
         </mc:Choice>
-        <mc:Fallback>
+        <mc:Fallback xmlns="">
           <p:sp>
             <p:nvSpPr>
               <p:cNvPr id="3" name="Content Placeholder 2"/>
@@ -22944,8 +22923,8 @@
           </a:p>
         </p:txBody>
       </p:sp>
-      <mc:AlternateContent xmlns:mc="http://schemas.openxmlformats.org/markup-compatibility/2006">
-        <mc:Choice xmlns:a14="http://schemas.microsoft.com/office/drawing/2010/main" Requires="a14">
+      <mc:AlternateContent xmlns:mc="http://schemas.openxmlformats.org/markup-compatibility/2006" xmlns:a14="http://schemas.microsoft.com/office/drawing/2010/main">
+        <mc:Choice Requires="a14">
           <p:sp>
             <p:nvSpPr>
               <p:cNvPr id="3" name="Content Placeholder 2"/>
@@ -23074,7 +23053,7 @@
             </p:txBody>
           </p:sp>
         </mc:Choice>
-        <mc:Fallback>
+        <mc:Fallback xmlns="">
           <p:sp>
             <p:nvSpPr>
               <p:cNvPr id="3" name="Content Placeholder 2"/>
@@ -24251,8 +24230,8 @@
           </a:p>
         </p:txBody>
       </p:sp>
-      <mc:AlternateContent xmlns:mc="http://schemas.openxmlformats.org/markup-compatibility/2006">
-        <mc:Choice xmlns:a14="http://schemas.microsoft.com/office/drawing/2010/main" Requires="a14">
+      <mc:AlternateContent xmlns:mc="http://schemas.openxmlformats.org/markup-compatibility/2006" xmlns:a14="http://schemas.microsoft.com/office/drawing/2010/main">
+        <mc:Choice Requires="a14">
           <p:sp>
             <p:nvSpPr>
               <p:cNvPr id="3" name="Content Placeholder 2"/>
@@ -24600,29 +24579,13 @@
                       <a:rPr lang="en-US" b="0" i="1" dirty="0" smtClean="0">
                         <a:latin typeface="Cambria Math"/>
                       </a:rPr>
-                      <m:t>=</m:t>
-                    </m:r>
-                    <m:r>
-                      <a:rPr lang="en-US" b="0" i="1" dirty="0" smtClean="0">
-                        <a:latin typeface="Cambria Math"/>
-                      </a:rPr>
-                      <m:t>−</m:t>
-                    </m:r>
-                    <m:r>
-                      <a:rPr lang="en-US" b="0" i="1" dirty="0" smtClean="0">
-                        <a:latin typeface="Cambria Math"/>
-                      </a:rPr>
-                      <m:t>1</m:t>
+                      <m:t>=−1</m:t>
                     </m:r>
                   </m:oMath>
                 </a14:m>
                 <a:r>
                   <a:rPr lang="en-US" dirty="0" smtClean="0"/>
-                  <a:t> if </a:t>
-                </a:r>
-                <a:r>
-                  <a:rPr lang="en-US" dirty="0" smtClean="0"/>
-                  <a:t>j</a:t>
+                  <a:t> if j</a:t>
                 </a:r>
                 <a14:m>
                   <m:oMath xmlns:m="http://schemas.openxmlformats.org/officeDocument/2006/math">
@@ -24711,13 +24674,7 @@
                             <a:rPr lang="en-US" b="0" i="1" smtClean="0">
                               <a:latin typeface="Cambria Math"/>
                             </a:rPr>
-                            <m:t>    </m:t>
-                          </m:r>
-                          <m:r>
-                            <a:rPr lang="en-US" b="0" i="1" smtClean="0">
-                              <a:latin typeface="Cambria Math"/>
-                            </a:rPr>
-                            <m:t>1, 1, 1, 1, 0, …,0</m:t>
+                            <m:t>    1, 1, 1, 1, 0, …,0</m:t>
                           </m:r>
                         </m:e>
                       </m:d>
@@ -24976,7 +24933,7 @@
             </p:txBody>
           </p:sp>
         </mc:Choice>
-        <mc:Fallback>
+        <mc:Fallback xmlns="">
           <p:sp>
             <p:nvSpPr>
               <p:cNvPr id="3" name="Content Placeholder 2"/>
@@ -25690,7 +25647,6 @@
               <a:rPr lang="en-US" b="1" dirty="0"/>
               <a:t>6</a:t>
             </a:r>
-            <a:endParaRPr lang="en-US" b="1" dirty="0"/>
           </a:p>
         </p:txBody>
       </p:sp>
@@ -25720,7 +25676,6 @@
               <a:rPr lang="en-US" b="1" dirty="0"/>
               <a:t>4</a:t>
             </a:r>
-            <a:endParaRPr lang="en-US" b="1" dirty="0"/>
           </a:p>
         </p:txBody>
       </p:sp>
@@ -25750,7 +25705,6 @@
               <a:rPr lang="en-US" b="1" dirty="0"/>
               <a:t>7</a:t>
             </a:r>
-            <a:endParaRPr lang="en-US" b="1" dirty="0"/>
           </a:p>
         </p:txBody>
       </p:sp>
@@ -25780,7 +25734,6 @@
               <a:rPr lang="en-US" b="1" dirty="0"/>
               <a:t>5</a:t>
             </a:r>
-            <a:endParaRPr lang="en-US" b="1" dirty="0"/>
           </a:p>
         </p:txBody>
       </p:sp>
@@ -25814,8 +25767,8 @@
           </a:p>
         </p:txBody>
       </p:sp>
-      <mc:AlternateContent xmlns:mc="http://schemas.openxmlformats.org/markup-compatibility/2006">
-        <mc:Choice xmlns:a14="http://schemas.microsoft.com/office/drawing/2010/main" Requires="a14">
+      <mc:AlternateContent xmlns:mc="http://schemas.openxmlformats.org/markup-compatibility/2006" xmlns:a14="http://schemas.microsoft.com/office/drawing/2010/main">
+        <mc:Choice Requires="a14">
           <p:sp>
             <p:nvSpPr>
               <p:cNvPr id="68" name="TextBox 67"/>
@@ -25838,6 +25791,7 @@
               </a:bodyPr>
               <a:lstStyle/>
               <a:p>
+                <a:pPr/>
                 <a14:m>
                   <m:oMathPara xmlns:m="http://schemas.openxmlformats.org/officeDocument/2006/math">
                     <m:oMathParaPr>
@@ -26077,7 +26031,7 @@
             </p:txBody>
           </p:sp>
         </mc:Choice>
-        <mc:Fallback>
+        <mc:Fallback xmlns="">
           <p:sp>
             <p:nvSpPr>
               <p:cNvPr id="68" name="TextBox 67"/>
@@ -27481,8 +27435,8 @@
           <a:chExt cx="0" cy="0"/>
         </a:xfrm>
       </p:grpSpPr>
-      <mc:AlternateContent xmlns:mc="http://schemas.openxmlformats.org/markup-compatibility/2006">
-        <mc:Choice xmlns:a14="http://schemas.microsoft.com/office/drawing/2010/main" Requires="a14">
+      <mc:AlternateContent xmlns:mc="http://schemas.openxmlformats.org/markup-compatibility/2006" xmlns:a14="http://schemas.microsoft.com/office/drawing/2010/main">
+        <mc:Choice Requires="a14">
           <p:sp>
             <p:nvSpPr>
               <p:cNvPr id="2" name="Title 1"/>
@@ -27557,7 +27511,7 @@
             </p:txBody>
           </p:sp>
         </mc:Choice>
-        <mc:Fallback>
+        <mc:Fallback xmlns="">
           <p:sp>
             <p:nvSpPr>
               <p:cNvPr id="2" name="Title 1"/>
@@ -27591,8 +27545,8 @@
           </p:sp>
         </mc:Fallback>
       </mc:AlternateContent>
-      <mc:AlternateContent xmlns:mc="http://schemas.openxmlformats.org/markup-compatibility/2006">
-        <mc:Choice xmlns:a14="http://schemas.microsoft.com/office/drawing/2010/main" Requires="a14">
+      <mc:AlternateContent xmlns:mc="http://schemas.openxmlformats.org/markup-compatibility/2006" xmlns:a14="http://schemas.microsoft.com/office/drawing/2010/main">
+        <mc:Choice Requires="a14">
           <p:sp>
             <p:nvSpPr>
               <p:cNvPr id="3" name="Content Placeholder 2"/>
@@ -28069,7 +28023,7 @@
             </p:txBody>
           </p:sp>
         </mc:Choice>
-        <mc:Fallback>
+        <mc:Fallback xmlns="">
           <p:sp>
             <p:nvSpPr>
               <p:cNvPr id="3" name="Content Placeholder 2"/>
@@ -28393,8 +28347,8 @@
           </a:p>
         </p:txBody>
       </p:sp>
-      <mc:AlternateContent xmlns:mc="http://schemas.openxmlformats.org/markup-compatibility/2006">
-        <mc:Choice xmlns:a14="http://schemas.microsoft.com/office/drawing/2010/main" Requires="a14">
+      <mc:AlternateContent xmlns:mc="http://schemas.openxmlformats.org/markup-compatibility/2006" xmlns:a14="http://schemas.microsoft.com/office/drawing/2010/main">
+        <mc:Choice Requires="a14">
           <p:sp>
             <p:nvSpPr>
               <p:cNvPr id="3" name="Content Placeholder 2"/>
@@ -29090,7 +29044,7 @@
             </p:txBody>
           </p:sp>
         </mc:Choice>
-        <mc:Fallback>
+        <mc:Fallback xmlns="">
           <p:sp>
             <p:nvSpPr>
               <p:cNvPr id="3" name="Content Placeholder 2"/>
